--- a/Приложение "AccuWeather".pptx
+++ b/Приложение "AccuWeather".pptx
@@ -9810,7 +9810,7 @@
           <a:p>
             <a:r>
               <a:rPr lang="ru-RU" sz="2800" dirty="0"/>
-              <a:t>Уведомления 1 – это экран из задания</a:t>
+              <a:t>Карта 1 – это экран из задания</a:t>
             </a:r>
             <a:br>
               <a:rPr lang="ru-RU" sz="2800" dirty="0"/>
@@ -9820,7 +9820,7 @@
             </a:br>
             <a:r>
               <a:rPr lang="ru-RU" sz="2800" dirty="0"/>
-              <a:t>Уведомления 2 – это экран созданный мною</a:t>
+              <a:t>Карта 2 – это экран созданный мною</a:t>
             </a:r>
             <a:br>
               <a:rPr lang="ru-RU" sz="2800" dirty="0"/>
@@ -10451,17 +10451,21 @@
           <a:p>
             <a:r>
               <a:rPr lang="ru-RU" sz="2200" dirty="0"/>
-              <a:t>Уведомления 1 – это экран из задания</a:t>
+              <a:t>Подробности 1 – это экран из задания</a:t>
             </a:r>
             <a:br>
               <a:rPr lang="ru-RU" sz="2200" dirty="0"/>
             </a:br>
             <a:br>
+              <a:rPr lang="ru-RU" sz="2200"/>
+            </a:br>
+            <a:r>
+              <a:rPr lang="ru-RU" sz="2200"/>
+              <a:t>Подробности </a:t>
+            </a:r>
+            <a:r>
               <a:rPr lang="ru-RU" sz="2200" dirty="0"/>
-            </a:br>
-            <a:r>
-              <a:rPr lang="ru-RU" sz="2200" dirty="0"/>
-              <a:t>Уведомления 2 – это экран созданный мною</a:t>
+              <a:t>2 – это экран созданный мною</a:t>
             </a:r>
             <a:br>
               <a:rPr lang="ru-RU" sz="2200" dirty="0"/>

--- a/Приложение "AccuWeather".pptx
+++ b/Приложение "AccuWeather".pptx
@@ -10450,52 +10450,56 @@
           <a:lstStyle/>
           <a:p>
             <a:r>
-              <a:rPr lang="ru-RU" sz="2200" dirty="0"/>
+              <a:rPr lang="ru-RU" sz="2000" dirty="0"/>
               <a:t>Подробности 1 – это экран из задания</a:t>
             </a:r>
             <a:br>
-              <a:rPr lang="ru-RU" sz="2200" dirty="0"/>
+              <a:rPr lang="ru-RU" sz="2000" dirty="0"/>
             </a:br>
             <a:br>
-              <a:rPr lang="ru-RU" sz="2200"/>
+              <a:rPr lang="ru-RU" sz="2000" dirty="0"/>
             </a:br>
             <a:r>
-              <a:rPr lang="ru-RU" sz="2200"/>
-              <a:t>Подробности </a:t>
-            </a:r>
-            <a:r>
-              <a:rPr lang="ru-RU" sz="2200" dirty="0"/>
-              <a:t>2 – это экран созданный мною</a:t>
+              <a:rPr lang="ru-RU" sz="2000" dirty="0"/>
+              <a:t>Подробности 2 – это экран созданный мною</a:t>
             </a:r>
             <a:br>
-              <a:rPr lang="ru-RU" sz="2200" dirty="0"/>
+              <a:rPr lang="ru-RU" sz="2000" dirty="0"/>
             </a:br>
             <a:br>
-              <a:rPr lang="ru-RU" sz="2200" dirty="0"/>
+              <a:rPr lang="ru-RU" sz="2000" dirty="0"/>
             </a:br>
             <a:r>
-              <a:rPr lang="ru-RU" sz="2200" dirty="0"/>
+              <a:rPr lang="ru-RU" sz="2000" dirty="0"/>
               <a:t>Есть визуальные различия в размерах шрифтов и картинок, это произошло из-за особенности макета</a:t>
             </a:r>
             <a:br>
-              <a:rPr lang="ru-RU" sz="2200" dirty="0"/>
+              <a:rPr lang="ru-RU" sz="2000" dirty="0"/>
             </a:br>
             <a:br>
-              <a:rPr lang="ru-RU" sz="2200" dirty="0"/>
+              <a:rPr lang="ru-RU" sz="2000" dirty="0"/>
             </a:br>
             <a:r>
-              <a:rPr lang="ru-RU" sz="2200" dirty="0"/>
+              <a:rPr lang="ru-RU" sz="2000" dirty="0"/>
               <a:t>На экране Подробности 2 по заданию реализован </a:t>
             </a:r>
             <a:r>
-              <a:rPr lang="ru-RU" sz="2200" dirty="0" err="1"/>
+              <a:rPr lang="ru-RU" sz="2000" dirty="0" err="1"/>
               <a:t>скролл</a:t>
             </a:r>
             <a:r>
-              <a:rPr lang="ru-RU" sz="2200" dirty="0"/>
-              <a:t> отображающий погоду на 2 дня вперед и погода на сегодняшний день по часам от 15:00 до 19:00</a:t>
-            </a:r>
-            <a:endParaRPr lang="en-US" sz="2200" dirty="0"/>
+              <a:rPr lang="ru-RU" sz="2000" dirty="0"/>
+              <a:t> отображающий погоду на 2 дня вперед и погода на сегодняшний день по часам от 15:00 до 19:00( при нажатии на определенное время, оно выделяется так </a:t>
+            </a:r>
+            <a:r>
+              <a:rPr lang="ru-RU" sz="2000"/>
+              <a:t>же как </a:t>
+            </a:r>
+            <a:r>
+              <a:rPr lang="ru-RU" sz="2000" dirty="0"/>
+              <a:t>на макете)</a:t>
+            </a:r>
+            <a:endParaRPr lang="en-US" sz="2000" dirty="0"/>
           </a:p>
         </p:txBody>
       </p:sp>
@@ -10647,6 +10651,39 @@
           </a:p>
         </p:txBody>
       </p:sp>
+      <p:pic>
+        <p:nvPicPr>
+          <p:cNvPr id="8" name="Рисунок 7">
+            <a:extLst>
+              <a:ext uri="{FF2B5EF4-FFF2-40B4-BE49-F238E27FC236}">
+                <a16:creationId xmlns:a16="http://schemas.microsoft.com/office/drawing/2014/main" id="{A49CE6F0-F04A-EF45-81CE-F04796976243}"/>
+              </a:ext>
+            </a:extLst>
+          </p:cNvPr>
+          <p:cNvPicPr>
+            <a:picLocks noChangeAspect="1"/>
+          </p:cNvPicPr>
+          <p:nvPr/>
+        </p:nvPicPr>
+        <p:blipFill>
+          <a:blip r:embed="rId5"/>
+          <a:stretch>
+            <a:fillRect/>
+          </a:stretch>
+        </p:blipFill>
+        <p:spPr>
+          <a:xfrm>
+            <a:off x="11426787" y="3467998"/>
+            <a:ext cx="160133" cy="1820768"/>
+          </a:xfrm>
+          <a:prstGeom prst="rect">
+            <a:avLst/>
+          </a:prstGeom>
+          <a:effectLst>
+            <a:softEdge rad="25400"/>
+          </a:effectLst>
+        </p:spPr>
+      </p:pic>
     </p:spTree>
     <p:extLst>
       <p:ext uri="{BB962C8B-B14F-4D97-AF65-F5344CB8AC3E}">

--- a/Приложение "AccuWeather".pptx
+++ b/Приложение "AccuWeather".pptx
@@ -11,9 +11,11 @@
     <p:sldId id="259" r:id="rId5"/>
     <p:sldId id="265" r:id="rId6"/>
     <p:sldId id="268" r:id="rId7"/>
-    <p:sldId id="267" r:id="rId8"/>
-    <p:sldId id="266" r:id="rId9"/>
-    <p:sldId id="263" r:id="rId10"/>
+    <p:sldId id="273" r:id="rId8"/>
+    <p:sldId id="267" r:id="rId9"/>
+    <p:sldId id="266" r:id="rId10"/>
+    <p:sldId id="272" r:id="rId11"/>
+    <p:sldId id="263" r:id="rId12"/>
   </p:sldIdLst>
   <p:sldSz cx="12192000" cy="6858000"/>
   <p:notesSz cx="6858000" cy="9144000"/>
@@ -5444,7 +5446,620 @@
 </p:sld>
 </file>
 
-<file path=ppt/slides/slide2.xml><?xml version="1.0" encoding="utf-8"?>
+<file path=ppt/slides/slide10.xml><?xml version="1.0" encoding="utf-8"?>
+<p:sld xmlns:a="http://schemas.openxmlformats.org/drawingml/2006/main" xmlns:r="http://schemas.openxmlformats.org/officeDocument/2006/relationships" xmlns:p="http://schemas.openxmlformats.org/presentationml/2006/main">
+  <p:cSld>
+    <p:bg>
+      <p:bgPr>
+        <a:solidFill>
+          <a:schemeClr val="bg1"/>
+        </a:solidFill>
+        <a:effectLst/>
+      </p:bgPr>
+    </p:bg>
+    <p:spTree>
+      <p:nvGrpSpPr>
+        <p:cNvPr id="1" name=""/>
+        <p:cNvGrpSpPr/>
+        <p:nvPr/>
+      </p:nvGrpSpPr>
+      <p:grpSpPr>
+        <a:xfrm>
+          <a:off x="0" y="0"/>
+          <a:ext cx="0" cy="0"/>
+          <a:chOff x="0" y="0"/>
+          <a:chExt cx="0" cy="0"/>
+        </a:xfrm>
+      </p:grpSpPr>
+      <p:sp>
+        <p:nvSpPr>
+          <p:cNvPr id="10" name="Freeform 6">
+            <a:extLst>
+              <a:ext uri="{FF2B5EF4-FFF2-40B4-BE49-F238E27FC236}">
+                <a16:creationId xmlns:a16="http://schemas.microsoft.com/office/drawing/2014/main" id="{133F8CB7-795C-4272-9073-64D8CF97F220}"/>
+              </a:ext>
+              <a:ext uri="{C183D7F6-B498-43B3-948B-1728B52AA6E4}">
+                <adec:decorative xmlns:adec="http://schemas.microsoft.com/office/drawing/2017/decorative" val="1"/>
+              </a:ext>
+            </a:extLst>
+          </p:cNvPr>
+          <p:cNvSpPr>
+            <a:spLocks noGrp="1" noRot="1" noChangeAspect="1" noMove="1" noResize="1" noEditPoints="1" noAdjustHandles="1" noChangeArrowheads="1" noChangeShapeType="1" noTextEdit="1"/>
+          </p:cNvSpPr>
+          <p:nvPr>
+            <p:extLst>
+              <p:ext uri="{386F3935-93C4-4BCD-93E2-E3B085C9AB24}">
+                <p16:designElem xmlns:p16="http://schemas.microsoft.com/office/powerpoint/2015/main" val="1"/>
+              </p:ext>
+            </p:extLst>
+          </p:nvPr>
+        </p:nvSpPr>
+        <p:spPr bwMode="auto">
+          <a:xfrm>
+            <a:off x="0" y="-3175"/>
+            <a:ext cx="12192000" cy="5203825"/>
+          </a:xfrm>
+          <a:custGeom>
+            <a:avLst/>
+            <a:gdLst/>
+            <a:ahLst/>
+            <a:cxnLst/>
+            <a:rect l="0" t="0" r="r" b="b"/>
+            <a:pathLst>
+              <a:path w="5760" h="3278">
+                <a:moveTo>
+                  <a:pt x="5760" y="0"/>
+                </a:moveTo>
+                <a:lnTo>
+                  <a:pt x="0" y="0"/>
+                </a:lnTo>
+                <a:lnTo>
+                  <a:pt x="0" y="3090"/>
+                </a:lnTo>
+                <a:lnTo>
+                  <a:pt x="943" y="3090"/>
+                </a:lnTo>
+                <a:lnTo>
+                  <a:pt x="1123" y="3270"/>
+                </a:lnTo>
+                <a:lnTo>
+                  <a:pt x="1123" y="3270"/>
+                </a:lnTo>
+                <a:lnTo>
+                  <a:pt x="1127" y="3272"/>
+                </a:lnTo>
+                <a:lnTo>
+                  <a:pt x="1133" y="3275"/>
+                </a:lnTo>
+                <a:lnTo>
+                  <a:pt x="1139" y="3278"/>
+                </a:lnTo>
+                <a:lnTo>
+                  <a:pt x="1144" y="3278"/>
+                </a:lnTo>
+                <a:lnTo>
+                  <a:pt x="1150" y="3278"/>
+                </a:lnTo>
+                <a:lnTo>
+                  <a:pt x="1155" y="3275"/>
+                </a:lnTo>
+                <a:lnTo>
+                  <a:pt x="1161" y="3272"/>
+                </a:lnTo>
+                <a:lnTo>
+                  <a:pt x="1165" y="3270"/>
+                </a:lnTo>
+                <a:lnTo>
+                  <a:pt x="1345" y="3090"/>
+                </a:lnTo>
+                <a:lnTo>
+                  <a:pt x="5760" y="3090"/>
+                </a:lnTo>
+                <a:lnTo>
+                  <a:pt x="5760" y="0"/>
+                </a:lnTo>
+                <a:close/>
+              </a:path>
+            </a:pathLst>
+          </a:custGeom>
+          <a:ln/>
+          <a:effectLst/>
+          <a:extLst>
+            <a:ext uri="{91240B29-F687-4f45-9708-019B960494DF}">
+              <a14:hiddenLine xmlns="" xmlns:a16="http://schemas.microsoft.com/office/drawing/2014/main" xmlns:p14="http://schemas.microsoft.com/office/powerpoint/2010/main" xmlns:a14="http://schemas.microsoft.com/office/drawing/2010/main" w="9525">
+                <a:solidFill>
+                  <a:srgbClr val="000000"/>
+                </a:solidFill>
+                <a:round/>
+                <a:headEnd/>
+                <a:tailEnd/>
+              </a14:hiddenLine>
+            </a:ext>
+          </a:extLst>
+        </p:spPr>
+        <p:style>
+          <a:lnRef idx="1">
+            <a:schemeClr val="accent1"/>
+          </a:lnRef>
+          <a:fillRef idx="3">
+            <a:schemeClr val="accent1"/>
+          </a:fillRef>
+          <a:effectRef idx="2">
+            <a:schemeClr val="accent1"/>
+          </a:effectRef>
+          <a:fontRef idx="minor">
+            <a:schemeClr val="lt1"/>
+          </a:fontRef>
+        </p:style>
+      </p:sp>
+      <p:sp>
+        <p:nvSpPr>
+          <p:cNvPr id="12" name="Rectangle 11">
+            <a:extLst>
+              <a:ext uri="{FF2B5EF4-FFF2-40B4-BE49-F238E27FC236}">
+                <a16:creationId xmlns:a16="http://schemas.microsoft.com/office/drawing/2014/main" id="{B7743172-17A8-4FA4-8434-B813E03B7665}"/>
+              </a:ext>
+              <a:ext uri="{C183D7F6-B498-43B3-948B-1728B52AA6E4}">
+                <adec:decorative xmlns:adec="http://schemas.microsoft.com/office/drawing/2017/decorative" val="1"/>
+              </a:ext>
+            </a:extLst>
+          </p:cNvPr>
+          <p:cNvSpPr>
+            <a:spLocks noGrp="1" noRot="1" noChangeAspect="1" noMove="1" noResize="1" noEditPoints="1" noAdjustHandles="1" noChangeArrowheads="1" noChangeShapeType="1" noTextEdit="1"/>
+          </p:cNvSpPr>
+          <p:nvPr>
+            <p:extLst>
+              <p:ext uri="{386F3935-93C4-4BCD-93E2-E3B085C9AB24}">
+                <p16:designElem xmlns:p16="http://schemas.microsoft.com/office/powerpoint/2015/main" val="1"/>
+              </p:ext>
+            </p:extLst>
+          </p:nvPr>
+        </p:nvSpPr>
+        <p:spPr>
+          <a:xfrm>
+            <a:off x="0" y="0"/>
+            <a:ext cx="12192000" cy="6858000"/>
+          </a:xfrm>
+          <a:prstGeom prst="rect">
+            <a:avLst/>
+          </a:prstGeom>
+          <a:solidFill>
+            <a:schemeClr val="bg1"/>
+          </a:solidFill>
+          <a:ln>
+            <a:noFill/>
+          </a:ln>
+        </p:spPr>
+        <p:style>
+          <a:lnRef idx="2">
+            <a:schemeClr val="accent1">
+              <a:shade val="50000"/>
+            </a:schemeClr>
+          </a:lnRef>
+          <a:fillRef idx="1">
+            <a:schemeClr val="accent1"/>
+          </a:fillRef>
+          <a:effectRef idx="0">
+            <a:schemeClr val="accent1"/>
+          </a:effectRef>
+          <a:fontRef idx="minor">
+            <a:schemeClr val="lt1"/>
+          </a:fontRef>
+        </p:style>
+        <p:txBody>
+          <a:bodyPr rtlCol="0" anchor="ctr"/>
+          <a:lstStyle/>
+          <a:p>
+            <a:pPr algn="ctr"/>
+            <a:endParaRPr lang="en-US"/>
+          </a:p>
+        </p:txBody>
+      </p:sp>
+      <p:sp>
+        <p:nvSpPr>
+          <p:cNvPr id="14" name="Freeform 23">
+            <a:extLst>
+              <a:ext uri="{FF2B5EF4-FFF2-40B4-BE49-F238E27FC236}">
+                <a16:creationId xmlns:a16="http://schemas.microsoft.com/office/drawing/2014/main" id="{4CE1233C-FD2F-489E-BFDE-086F5FED6491}"/>
+              </a:ext>
+              <a:ext uri="{C183D7F6-B498-43B3-948B-1728B52AA6E4}">
+                <adec:decorative xmlns:adec="http://schemas.microsoft.com/office/drawing/2017/decorative" val="1"/>
+              </a:ext>
+            </a:extLst>
+          </p:cNvPr>
+          <p:cNvSpPr>
+            <a:spLocks noGrp="1" noRot="1" noChangeAspect="1" noMove="1" noResize="1" noEditPoints="1" noAdjustHandles="1" noChangeArrowheads="1" noChangeShapeType="1" noTextEdit="1"/>
+          </p:cNvSpPr>
+          <p:nvPr>
+            <p:extLst>
+              <p:ext uri="{386F3935-93C4-4BCD-93E2-E3B085C9AB24}">
+                <p16:designElem xmlns:p16="http://schemas.microsoft.com/office/powerpoint/2015/main" val="1"/>
+              </p:ext>
+            </p:extLst>
+          </p:nvPr>
+        </p:nvSpPr>
+        <p:spPr bwMode="white">
+          <a:xfrm>
+            <a:off x="0" y="0"/>
+            <a:ext cx="4637005" cy="6858000"/>
+          </a:xfrm>
+          <a:custGeom>
+            <a:avLst/>
+            <a:gdLst>
+              <a:gd name="connsiteX0" fmla="*/ 0 w 4637005"/>
+              <a:gd name="connsiteY0" fmla="*/ 0 h 6858000"/>
+              <a:gd name="connsiteX1" fmla="*/ 4637005 w 4637005"/>
+              <a:gd name="connsiteY1" fmla="*/ 0 h 6858000"/>
+              <a:gd name="connsiteX2" fmla="*/ 4637005 w 4637005"/>
+              <a:gd name="connsiteY2" fmla="*/ 1900238 h 6858000"/>
+              <a:gd name="connsiteX3" fmla="*/ 4266589 w 4637005"/>
+              <a:gd name="connsiteY3" fmla="*/ 2178050 h 6858000"/>
+              <a:gd name="connsiteX4" fmla="*/ 4262355 w 4637005"/>
+              <a:gd name="connsiteY4" fmla="*/ 2184400 h 6858000"/>
+              <a:gd name="connsiteX5" fmla="*/ 4256005 w 4637005"/>
+              <a:gd name="connsiteY5" fmla="*/ 2193925 h 6858000"/>
+              <a:gd name="connsiteX6" fmla="*/ 4249655 w 4637005"/>
+              <a:gd name="connsiteY6" fmla="*/ 2201863 h 6858000"/>
+              <a:gd name="connsiteX7" fmla="*/ 4249655 w 4637005"/>
+              <a:gd name="connsiteY7" fmla="*/ 2211388 h 6858000"/>
+              <a:gd name="connsiteX8" fmla="*/ 4249655 w 4637005"/>
+              <a:gd name="connsiteY8" fmla="*/ 2220913 h 6858000"/>
+              <a:gd name="connsiteX9" fmla="*/ 4256005 w 4637005"/>
+              <a:gd name="connsiteY9" fmla="*/ 2228850 h 6858000"/>
+              <a:gd name="connsiteX10" fmla="*/ 4262355 w 4637005"/>
+              <a:gd name="connsiteY10" fmla="*/ 2238375 h 6858000"/>
+              <a:gd name="connsiteX11" fmla="*/ 4266589 w 4637005"/>
+              <a:gd name="connsiteY11" fmla="*/ 2244725 h 6858000"/>
+              <a:gd name="connsiteX12" fmla="*/ 4637005 w 4637005"/>
+              <a:gd name="connsiteY12" fmla="*/ 2522538 h 6858000"/>
+              <a:gd name="connsiteX13" fmla="*/ 4637005 w 4637005"/>
+              <a:gd name="connsiteY13" fmla="*/ 6858000 h 6858000"/>
+              <a:gd name="connsiteX14" fmla="*/ 0 w 4637005"/>
+              <a:gd name="connsiteY14" fmla="*/ 6858000 h 6858000"/>
+            </a:gdLst>
+            <a:ahLst/>
+            <a:cxnLst>
+              <a:cxn ang="0">
+                <a:pos x="connsiteX0" y="connsiteY0"/>
+              </a:cxn>
+              <a:cxn ang="0">
+                <a:pos x="connsiteX1" y="connsiteY1"/>
+              </a:cxn>
+              <a:cxn ang="0">
+                <a:pos x="connsiteX2" y="connsiteY2"/>
+              </a:cxn>
+              <a:cxn ang="0">
+                <a:pos x="connsiteX3" y="connsiteY3"/>
+              </a:cxn>
+              <a:cxn ang="0">
+                <a:pos x="connsiteX4" y="connsiteY4"/>
+              </a:cxn>
+              <a:cxn ang="0">
+                <a:pos x="connsiteX5" y="connsiteY5"/>
+              </a:cxn>
+              <a:cxn ang="0">
+                <a:pos x="connsiteX6" y="connsiteY6"/>
+              </a:cxn>
+              <a:cxn ang="0">
+                <a:pos x="connsiteX7" y="connsiteY7"/>
+              </a:cxn>
+              <a:cxn ang="0">
+                <a:pos x="connsiteX8" y="connsiteY8"/>
+              </a:cxn>
+              <a:cxn ang="0">
+                <a:pos x="connsiteX9" y="connsiteY9"/>
+              </a:cxn>
+              <a:cxn ang="0">
+                <a:pos x="connsiteX10" y="connsiteY10"/>
+              </a:cxn>
+              <a:cxn ang="0">
+                <a:pos x="connsiteX11" y="connsiteY11"/>
+              </a:cxn>
+              <a:cxn ang="0">
+                <a:pos x="connsiteX12" y="connsiteY12"/>
+              </a:cxn>
+              <a:cxn ang="0">
+                <a:pos x="connsiteX13" y="connsiteY13"/>
+              </a:cxn>
+              <a:cxn ang="0">
+                <a:pos x="connsiteX14" y="connsiteY14"/>
+              </a:cxn>
+            </a:cxnLst>
+            <a:rect l="l" t="t" r="r" b="b"/>
+            <a:pathLst>
+              <a:path w="4637005" h="6858000">
+                <a:moveTo>
+                  <a:pt x="0" y="0"/>
+                </a:moveTo>
+                <a:lnTo>
+                  <a:pt x="4637005" y="0"/>
+                </a:lnTo>
+                <a:lnTo>
+                  <a:pt x="4637005" y="1900238"/>
+                </a:lnTo>
+                <a:lnTo>
+                  <a:pt x="4266589" y="2178050"/>
+                </a:lnTo>
+                <a:lnTo>
+                  <a:pt x="4262355" y="2184400"/>
+                </a:lnTo>
+                <a:lnTo>
+                  <a:pt x="4256005" y="2193925"/>
+                </a:lnTo>
+                <a:lnTo>
+                  <a:pt x="4249655" y="2201863"/>
+                </a:lnTo>
+                <a:lnTo>
+                  <a:pt x="4249655" y="2211388"/>
+                </a:lnTo>
+                <a:lnTo>
+                  <a:pt x="4249655" y="2220913"/>
+                </a:lnTo>
+                <a:lnTo>
+                  <a:pt x="4256005" y="2228850"/>
+                </a:lnTo>
+                <a:lnTo>
+                  <a:pt x="4262355" y="2238375"/>
+                </a:lnTo>
+                <a:lnTo>
+                  <a:pt x="4266589" y="2244725"/>
+                </a:lnTo>
+                <a:lnTo>
+                  <a:pt x="4637005" y="2522538"/>
+                </a:lnTo>
+                <a:lnTo>
+                  <a:pt x="4637005" y="6858000"/>
+                </a:lnTo>
+                <a:lnTo>
+                  <a:pt x="0" y="6858000"/>
+                </a:lnTo>
+                <a:close/>
+              </a:path>
+            </a:pathLst>
+          </a:custGeom>
+          <a:blipFill>
+            <a:blip r:embed="rId2">
+              <a:duotone>
+                <a:schemeClr val="accent1">
+                  <a:tint val="98000"/>
+                  <a:lumMod val="102000"/>
+                </a:schemeClr>
+                <a:schemeClr val="accent1">
+                  <a:shade val="98000"/>
+                  <a:lumMod val="98000"/>
+                </a:schemeClr>
+              </a:duotone>
+            </a:blip>
+            <a:tile tx="0" ty="0" sx="100000" sy="100000" flip="none" algn="tl"/>
+          </a:blipFill>
+          <a:ln>
+            <a:headEnd/>
+            <a:tailEnd/>
+          </a:ln>
+        </p:spPr>
+        <p:style>
+          <a:lnRef idx="1">
+            <a:schemeClr val="accent1"/>
+          </a:lnRef>
+          <a:fillRef idx="3">
+            <a:schemeClr val="accent1"/>
+          </a:fillRef>
+          <a:effectRef idx="2">
+            <a:schemeClr val="accent1"/>
+          </a:effectRef>
+          <a:fontRef idx="minor">
+            <a:schemeClr val="lt1"/>
+          </a:fontRef>
+        </p:style>
+        <p:txBody>
+          <a:bodyPr wrap="square" rtlCol="0" anchor="ctr">
+            <a:noAutofit/>
+          </a:bodyPr>
+          <a:lstStyle/>
+          <a:p>
+            <a:pPr algn="ctr"/>
+            <a:endParaRPr lang="en-US"/>
+          </a:p>
+        </p:txBody>
+      </p:sp>
+      <p:sp>
+        <p:nvSpPr>
+          <p:cNvPr id="2" name="Заголовок 1">
+            <a:extLst>
+              <a:ext uri="{FF2B5EF4-FFF2-40B4-BE49-F238E27FC236}">
+                <a16:creationId xmlns:a16="http://schemas.microsoft.com/office/drawing/2014/main" id="{69428D2A-DB5D-0942-9C92-30D6D5195626}"/>
+              </a:ext>
+            </a:extLst>
+          </p:cNvPr>
+          <p:cNvSpPr>
+            <a:spLocks noGrp="1"/>
+          </p:cNvSpPr>
+          <p:nvPr>
+            <p:ph type="title"/>
+          </p:nvPr>
+        </p:nvSpPr>
+        <p:spPr>
+          <a:xfrm>
+            <a:off x="495234" y="2301287"/>
+            <a:ext cx="3444211" cy="4241136"/>
+          </a:xfrm>
+        </p:spPr>
+        <p:txBody>
+          <a:bodyPr vert="horz" lIns="91440" tIns="45720" rIns="91440" bIns="45720" rtlCol="0" anchor="t">
+            <a:noAutofit/>
+          </a:bodyPr>
+          <a:lstStyle/>
+          <a:p>
+            <a:r>
+              <a:rPr lang="ru-RU" sz="2400" dirty="0"/>
+              <a:t>При нажатии на определенное время, оно выделяется так же как на макете</a:t>
+            </a:r>
+            <a:endParaRPr lang="en-US" sz="2400" dirty="0"/>
+          </a:p>
+        </p:txBody>
+      </p:sp>
+      <p:pic>
+        <p:nvPicPr>
+          <p:cNvPr id="5" name="Объект 4">
+            <a:extLst>
+              <a:ext uri="{FF2B5EF4-FFF2-40B4-BE49-F238E27FC236}">
+                <a16:creationId xmlns:a16="http://schemas.microsoft.com/office/drawing/2014/main" id="{E17D1258-5A4C-3F45-928A-7E14997D340F}"/>
+              </a:ext>
+            </a:extLst>
+          </p:cNvPr>
+          <p:cNvPicPr>
+            <a:picLocks noGrp="1" noChangeAspect="1"/>
+          </p:cNvPicPr>
+          <p:nvPr>
+            <p:ph idx="1"/>
+          </p:nvPr>
+        </p:nvPicPr>
+        <p:blipFill>
+          <a:blip r:embed="rId3"/>
+          <a:stretch>
+            <a:fillRect/>
+          </a:stretch>
+        </p:blipFill>
+        <p:spPr>
+          <a:xfrm>
+            <a:off x="9213734" y="643464"/>
+            <a:ext cx="2483032" cy="5397897"/>
+          </a:xfrm>
+          <a:prstGeom prst="roundRect">
+            <a:avLst>
+              <a:gd name="adj" fmla="val 3876"/>
+            </a:avLst>
+          </a:prstGeom>
+          <a:ln>
+            <a:solidFill>
+              <a:schemeClr val="accent1"/>
+            </a:solidFill>
+          </a:ln>
+          <a:effectLst/>
+        </p:spPr>
+      </p:pic>
+      <p:pic>
+        <p:nvPicPr>
+          <p:cNvPr id="13" name="Объект 4">
+            <a:extLst>
+              <a:ext uri="{FF2B5EF4-FFF2-40B4-BE49-F238E27FC236}">
+                <a16:creationId xmlns:a16="http://schemas.microsoft.com/office/drawing/2014/main" id="{66F4CE1C-3417-1B4D-92E0-77A62D42EFFA}"/>
+              </a:ext>
+            </a:extLst>
+          </p:cNvPr>
+          <p:cNvPicPr>
+            <a:picLocks noChangeAspect="1"/>
+          </p:cNvPicPr>
+          <p:nvPr/>
+        </p:nvPicPr>
+        <p:blipFill>
+          <a:blip r:embed="rId4"/>
+          <a:stretch>
+            <a:fillRect/>
+          </a:stretch>
+        </p:blipFill>
+        <p:spPr>
+          <a:xfrm>
+            <a:off x="5834956" y="628098"/>
+            <a:ext cx="2469538" cy="5397897"/>
+          </a:xfrm>
+          <a:prstGeom prst="roundRect">
+            <a:avLst>
+              <a:gd name="adj" fmla="val 3876"/>
+            </a:avLst>
+          </a:prstGeom>
+          <a:ln>
+            <a:solidFill>
+              <a:schemeClr val="accent1"/>
+            </a:solidFill>
+          </a:ln>
+          <a:effectLst/>
+        </p:spPr>
+      </p:pic>
+      <p:sp>
+        <p:nvSpPr>
+          <p:cNvPr id="15" name="TextBox 14">
+            <a:extLst>
+              <a:ext uri="{FF2B5EF4-FFF2-40B4-BE49-F238E27FC236}">
+                <a16:creationId xmlns:a16="http://schemas.microsoft.com/office/drawing/2014/main" id="{E0A49D7F-BD6C-C545-982E-80D7425B4506}"/>
+              </a:ext>
+            </a:extLst>
+          </p:cNvPr>
+          <p:cNvSpPr txBox="1"/>
+          <p:nvPr/>
+        </p:nvSpPr>
+        <p:spPr>
+          <a:xfrm>
+            <a:off x="5834956" y="6080758"/>
+            <a:ext cx="2642273" cy="461665"/>
+          </a:xfrm>
+          <a:prstGeom prst="rect">
+            <a:avLst/>
+          </a:prstGeom>
+          <a:noFill/>
+        </p:spPr>
+        <p:txBody>
+          <a:bodyPr wrap="square" rtlCol="0">
+            <a:spAutoFit/>
+          </a:bodyPr>
+          <a:lstStyle/>
+          <a:p>
+            <a:r>
+              <a:rPr lang="ru-RU" sz="2400" dirty="0"/>
+              <a:t>Подробности 1</a:t>
+            </a:r>
+          </a:p>
+        </p:txBody>
+      </p:sp>
+      <p:sp>
+        <p:nvSpPr>
+          <p:cNvPr id="16" name="TextBox 15">
+            <a:extLst>
+              <a:ext uri="{FF2B5EF4-FFF2-40B4-BE49-F238E27FC236}">
+                <a16:creationId xmlns:a16="http://schemas.microsoft.com/office/drawing/2014/main" id="{FEFA9A4D-1ED3-FB44-8843-CF4FC45F0D24}"/>
+              </a:ext>
+            </a:extLst>
+          </p:cNvPr>
+          <p:cNvSpPr txBox="1"/>
+          <p:nvPr/>
+        </p:nvSpPr>
+        <p:spPr>
+          <a:xfrm>
+            <a:off x="9213734" y="6080758"/>
+            <a:ext cx="2642273" cy="461665"/>
+          </a:xfrm>
+          <a:prstGeom prst="rect">
+            <a:avLst/>
+          </a:prstGeom>
+          <a:noFill/>
+        </p:spPr>
+        <p:txBody>
+          <a:bodyPr wrap="square" rtlCol="0">
+            <a:spAutoFit/>
+          </a:bodyPr>
+          <a:lstStyle/>
+          <a:p>
+            <a:r>
+              <a:rPr lang="ru-RU" sz="2400" dirty="0"/>
+              <a:t>Подробности 2</a:t>
+            </a:r>
+          </a:p>
+        </p:txBody>
+      </p:sp>
+    </p:spTree>
+    <p:extLst>
+      <p:ext uri="{BB962C8B-B14F-4D97-AF65-F5344CB8AC3E}">
+        <p14:creationId xmlns:p14="http://schemas.microsoft.com/office/powerpoint/2010/main" val="2147545498"/>
+      </p:ext>
+    </p:extLst>
+  </p:cSld>
+  <p:clrMapOvr>
+    <a:overrideClrMapping bg1="lt1" tx1="dk1" bg2="lt2" tx2="dk2" accent1="accent1" accent2="accent2" accent3="accent3" accent4="accent4" accent5="accent5" accent6="accent6" hlink="hlink" folHlink="folHlink"/>
+  </p:clrMapOvr>
+</p:sld>
+</file>
+
+<file path=ppt/slides/slide11.xml><?xml version="1.0" encoding="utf-8"?>
 <p:sld xmlns:a="http://schemas.openxmlformats.org/drawingml/2006/main" xmlns:r="http://schemas.openxmlformats.org/officeDocument/2006/relationships" xmlns:p="http://schemas.openxmlformats.org/presentationml/2006/main">
   <p:cSld>
     <p:bg>
@@ -5902,7 +6517,7 @@
           <p:cNvPr id="2" name="Заголовок 1">
             <a:extLst>
               <a:ext uri="{FF2B5EF4-FFF2-40B4-BE49-F238E27FC236}">
-                <a16:creationId xmlns:a16="http://schemas.microsoft.com/office/drawing/2014/main" id="{BED18559-7245-E146-80AC-DD005396746F}"/>
+                <a16:creationId xmlns:a16="http://schemas.microsoft.com/office/drawing/2014/main" id="{97C3C6B3-E678-E145-9D42-75EF229DB131}"/>
               </a:ext>
             </a:extLst>
           </p:cNvPr>
@@ -5927,21 +6542,13 @@
           <a:lstStyle/>
           <a:p>
             <a:pPr algn="ctr"/>
-            <a:r>
-              <a:rPr lang="en-US" sz="5400" dirty="0">
-                <a:solidFill>
-                  <a:schemeClr val="tx1"/>
-                </a:solidFill>
-              </a:rPr>
-              <a:t>C</a:t>
-            </a:r>
             <a:r>
               <a:rPr lang="ru-RU" sz="5400" dirty="0">
                 <a:solidFill>
                   <a:schemeClr val="tx1"/>
                 </a:solidFill>
               </a:rPr>
-              <a:t>равнение макетов</a:t>
+              <a:t>Спасибо за внимание</a:t>
             </a:r>
             <a:endParaRPr lang="en-US" sz="5400" dirty="0">
               <a:solidFill>
@@ -5954,7 +6561,7 @@
     </p:spTree>
     <p:extLst>
       <p:ext uri="{BB962C8B-B14F-4D97-AF65-F5344CB8AC3E}">
-        <p14:creationId xmlns:p14="http://schemas.microsoft.com/office/powerpoint/2010/main" val="2820633275"/>
+        <p14:creationId xmlns:p14="http://schemas.microsoft.com/office/powerpoint/2010/main" val="4294676490"/>
       </p:ext>
     </p:extLst>
   </p:cSld>
@@ -5964,7 +6571,7 @@
 </p:sld>
 </file>
 
-<file path=ppt/slides/slide3.xml><?xml version="1.0" encoding="utf-8"?>
+<file path=ppt/slides/slide2.xml><?xml version="1.0" encoding="utf-8"?>
 <p:sld xmlns:a="http://schemas.openxmlformats.org/drawingml/2006/main" xmlns:r="http://schemas.openxmlformats.org/officeDocument/2006/relationships" xmlns:p="http://schemas.openxmlformats.org/presentationml/2006/main">
   <p:cSld>
     <p:bg>
@@ -6084,7 +6691,7 @@
           <a:effectLst/>
           <a:extLst>
             <a:ext uri="{91240B29-F687-4f45-9708-019B960494DF}">
-              <a14:hiddenLine xmlns="" xmlns:a14="http://schemas.microsoft.com/office/drawing/2010/main" xmlns:a16="http://schemas.microsoft.com/office/drawing/2014/main" w="9525">
+              <a14:hiddenLine xmlns:a16="http://schemas.microsoft.com/office/drawing/2014/main" xmlns:a14="http://schemas.microsoft.com/office/drawing/2010/main" xmlns="" w="9525">
                 <a:solidFill>
                   <a:srgbClr val="000000"/>
                 </a:solidFill>
@@ -6417,988 +7024,64 @@
           </a:p>
         </p:txBody>
       </p:sp>
-      <p:pic>
-        <p:nvPicPr>
-          <p:cNvPr id="7" name="Объект 4" descr="Изображение выглядит как текст&#10;&#10;Автоматически созданное описание">
+      <p:sp>
+        <p:nvSpPr>
+          <p:cNvPr id="2" name="Заголовок 1">
             <a:extLst>
               <a:ext uri="{FF2B5EF4-FFF2-40B4-BE49-F238E27FC236}">
-                <a16:creationId xmlns:a16="http://schemas.microsoft.com/office/drawing/2014/main" id="{9A13B144-CFC6-B842-8205-F26429CA602B}"/>
+                <a16:creationId xmlns:a16="http://schemas.microsoft.com/office/drawing/2014/main" id="{BED18559-7245-E146-80AC-DD005396746F}"/>
               </a:ext>
             </a:extLst>
           </p:cNvPr>
-          <p:cNvPicPr>
-            <a:picLocks noChangeAspect="1"/>
-          </p:cNvPicPr>
-          <p:nvPr/>
-        </p:nvPicPr>
-        <p:blipFill>
-          <a:blip r:embed="rId2"/>
-          <a:stretch>
-            <a:fillRect/>
-          </a:stretch>
-        </p:blipFill>
+          <p:cNvSpPr>
+            <a:spLocks noGrp="1"/>
+          </p:cNvSpPr>
+          <p:nvPr>
+            <p:ph type="title"/>
+          </p:nvPr>
+        </p:nvSpPr>
         <p:spPr>
           <a:xfrm>
-            <a:off x="2522035" y="854617"/>
-            <a:ext cx="1124510" cy="2379916"/>
-          </a:xfrm>
-          <a:prstGeom prst="roundRect">
-            <a:avLst>
-              <a:gd name="adj" fmla="val 3876"/>
-            </a:avLst>
-          </a:prstGeom>
-          <a:ln>
-            <a:solidFill>
-              <a:schemeClr val="accent1"/>
-            </a:solidFill>
-          </a:ln>
+            <a:off x="1280559" y="1286935"/>
+            <a:ext cx="9638153" cy="2668377"/>
+          </a:xfrm>
           <a:effectLst/>
         </p:spPr>
-      </p:pic>
-      <p:pic>
-        <p:nvPicPr>
-          <p:cNvPr id="9" name="Объект 4" descr="Изображение выглядит как текст&#10;&#10;Автоматически созданное описание">
-            <a:extLst>
-              <a:ext uri="{FF2B5EF4-FFF2-40B4-BE49-F238E27FC236}">
-                <a16:creationId xmlns:a16="http://schemas.microsoft.com/office/drawing/2014/main" id="{75214FC2-CD8F-1C48-9626-BC2D1E628280}"/>
-              </a:ext>
-            </a:extLst>
-          </p:cNvPr>
-          <p:cNvPicPr>
-            <a:picLocks noChangeAspect="1"/>
-          </p:cNvPicPr>
-          <p:nvPr/>
-        </p:nvPicPr>
-        <p:blipFill>
-          <a:blip r:embed="rId3"/>
-          <a:stretch>
-            <a:fillRect/>
-          </a:stretch>
-        </p:blipFill>
-        <p:spPr>
-          <a:xfrm>
-            <a:off x="2522035" y="3669350"/>
-            <a:ext cx="1080411" cy="2348720"/>
-          </a:xfrm>
-          <a:prstGeom prst="roundRect">
-            <a:avLst>
-              <a:gd name="adj" fmla="val 3876"/>
-            </a:avLst>
-          </a:prstGeom>
-          <a:ln>
-            <a:solidFill>
-              <a:schemeClr val="accent1"/>
-            </a:solidFill>
-          </a:ln>
-          <a:effectLst/>
-        </p:spPr>
-      </p:pic>
-      <p:pic>
-        <p:nvPicPr>
-          <p:cNvPr id="11" name="Объект 4" descr="Изображение выглядит как текст&#10;&#10;Автоматически созданное описание">
-            <a:extLst>
-              <a:ext uri="{FF2B5EF4-FFF2-40B4-BE49-F238E27FC236}">
-                <a16:creationId xmlns:a16="http://schemas.microsoft.com/office/drawing/2014/main" id="{1FF76AEC-4D7E-E94D-A2DE-51D5A20CE3B6}"/>
-              </a:ext>
-            </a:extLst>
-          </p:cNvPr>
-          <p:cNvPicPr>
-            <a:picLocks noChangeAspect="1"/>
-          </p:cNvPicPr>
-          <p:nvPr/>
-        </p:nvPicPr>
-        <p:blipFill>
-          <a:blip r:embed="rId4"/>
-          <a:stretch>
-            <a:fillRect/>
-          </a:stretch>
-        </p:blipFill>
-        <p:spPr>
-          <a:xfrm>
-            <a:off x="4811223" y="3655881"/>
-            <a:ext cx="1080411" cy="2336024"/>
-          </a:xfrm>
-          <a:prstGeom prst="roundRect">
-            <a:avLst>
-              <a:gd name="adj" fmla="val 3876"/>
-            </a:avLst>
-          </a:prstGeom>
-          <a:ln>
-            <a:solidFill>
-              <a:schemeClr val="accent1"/>
-            </a:solidFill>
-          </a:ln>
-          <a:effectLst/>
-        </p:spPr>
-      </p:pic>
-      <p:pic>
-        <p:nvPicPr>
-          <p:cNvPr id="13" name="Объект 4">
-            <a:extLst>
-              <a:ext uri="{FF2B5EF4-FFF2-40B4-BE49-F238E27FC236}">
-                <a16:creationId xmlns:a16="http://schemas.microsoft.com/office/drawing/2014/main" id="{2E3544B2-2501-F34B-A115-E6129A8F8522}"/>
-              </a:ext>
-            </a:extLst>
-          </p:cNvPr>
-          <p:cNvPicPr>
-            <a:picLocks noChangeAspect="1"/>
-          </p:cNvPicPr>
-          <p:nvPr/>
-        </p:nvPicPr>
-        <p:blipFill>
-          <a:blip r:embed="rId5"/>
-          <a:stretch>
-            <a:fillRect/>
-          </a:stretch>
-        </p:blipFill>
-        <p:spPr>
-          <a:xfrm>
-            <a:off x="6509050" y="3634111"/>
-            <a:ext cx="1080411" cy="2361555"/>
-          </a:xfrm>
-          <a:prstGeom prst="roundRect">
-            <a:avLst>
-              <a:gd name="adj" fmla="val 3876"/>
-            </a:avLst>
-          </a:prstGeom>
-          <a:ln>
-            <a:solidFill>
-              <a:schemeClr val="accent1"/>
-            </a:solidFill>
-          </a:ln>
-          <a:effectLst/>
-        </p:spPr>
-      </p:pic>
-      <p:pic>
-        <p:nvPicPr>
-          <p:cNvPr id="14" name="Объект 4" descr="Изображение выглядит как карта&#10;&#10;Автоматически созданное описание">
-            <a:extLst>
-              <a:ext uri="{FF2B5EF4-FFF2-40B4-BE49-F238E27FC236}">
-                <a16:creationId xmlns:a16="http://schemas.microsoft.com/office/drawing/2014/main" id="{E0474555-5F30-AD41-A983-19A6221E0122}"/>
-              </a:ext>
-            </a:extLst>
-          </p:cNvPr>
-          <p:cNvPicPr>
-            <a:picLocks noChangeAspect="1"/>
-          </p:cNvPicPr>
-          <p:nvPr/>
-        </p:nvPicPr>
-        <p:blipFill>
-          <a:blip r:embed="rId6"/>
-          <a:stretch>
-            <a:fillRect/>
-          </a:stretch>
-        </p:blipFill>
-        <p:spPr>
-          <a:xfrm>
-            <a:off x="8245316" y="3614348"/>
-            <a:ext cx="1080411" cy="2374532"/>
-          </a:xfrm>
-          <a:prstGeom prst="roundRect">
-            <a:avLst>
-              <a:gd name="adj" fmla="val 3876"/>
-            </a:avLst>
-          </a:prstGeom>
-          <a:ln>
-            <a:solidFill>
-              <a:schemeClr val="accent1"/>
-            </a:solidFill>
-          </a:ln>
-          <a:effectLst/>
-        </p:spPr>
-      </p:pic>
-      <p:sp>
-        <p:nvSpPr>
-          <p:cNvPr id="15" name="TextBox 14">
-            <a:extLst>
-              <a:ext uri="{FF2B5EF4-FFF2-40B4-BE49-F238E27FC236}">
-                <a16:creationId xmlns:a16="http://schemas.microsoft.com/office/drawing/2014/main" id="{552E0719-3F96-1E4F-A806-0E7EC7A199A7}"/>
-              </a:ext>
-            </a:extLst>
-          </p:cNvPr>
-          <p:cNvSpPr txBox="1"/>
-          <p:nvPr/>
-        </p:nvSpPr>
-        <p:spPr>
-          <a:xfrm>
-            <a:off x="2374082" y="3407863"/>
-            <a:ext cx="1376315" cy="230832"/>
-          </a:xfrm>
-          <a:prstGeom prst="rect">
-            <a:avLst/>
-          </a:prstGeom>
-          <a:noFill/>
-        </p:spPr>
-        <p:txBody>
-          <a:bodyPr wrap="square" rtlCol="0">
-            <a:spAutoFit/>
+        <p:txBody>
+          <a:bodyPr vert="horz" lIns="91440" tIns="45720" rIns="91440" bIns="45720" rtlCol="0" anchor="b">
+            <a:normAutofit/>
           </a:bodyPr>
           <a:lstStyle/>
           <a:p>
+            <a:pPr algn="ctr"/>
             <a:r>
-              <a:rPr lang="ru-RU" sz="900" dirty="0"/>
-              <a:t>Главная страница 1</a:t>
+              <a:rPr lang="en-US" sz="5400" dirty="0">
+                <a:solidFill>
+                  <a:schemeClr val="tx1"/>
+                </a:solidFill>
+              </a:rPr>
+              <a:t>C</a:t>
             </a:r>
-          </a:p>
-        </p:txBody>
-      </p:sp>
-      <p:pic>
-        <p:nvPicPr>
-          <p:cNvPr id="16" name="Объект 4" descr="Изображение выглядит как текст&#10;&#10;Автоматически созданное описание">
-            <a:extLst>
-              <a:ext uri="{FF2B5EF4-FFF2-40B4-BE49-F238E27FC236}">
-                <a16:creationId xmlns:a16="http://schemas.microsoft.com/office/drawing/2014/main" id="{573B7F12-4E7F-5541-859A-9779D4BEE9FC}"/>
-              </a:ext>
-            </a:extLst>
-          </p:cNvPr>
-          <p:cNvPicPr>
-            <a:picLocks noChangeAspect="1"/>
-          </p:cNvPicPr>
-          <p:nvPr/>
-        </p:nvPicPr>
-        <p:blipFill>
-          <a:blip r:embed="rId7"/>
-          <a:stretch>
-            <a:fillRect/>
-          </a:stretch>
-        </p:blipFill>
-        <p:spPr>
-          <a:xfrm>
-            <a:off x="4804272" y="874254"/>
-            <a:ext cx="1106661" cy="2379916"/>
-          </a:xfrm>
-          <a:prstGeom prst="roundRect">
-            <a:avLst>
-              <a:gd name="adj" fmla="val 3876"/>
-            </a:avLst>
-          </a:prstGeom>
-          <a:ln>
-            <a:solidFill>
-              <a:schemeClr val="accent1"/>
-            </a:solidFill>
-          </a:ln>
-          <a:effectLst/>
-        </p:spPr>
-      </p:pic>
-      <p:pic>
-        <p:nvPicPr>
-          <p:cNvPr id="17" name="Объект 4">
-            <a:extLst>
-              <a:ext uri="{FF2B5EF4-FFF2-40B4-BE49-F238E27FC236}">
-                <a16:creationId xmlns:a16="http://schemas.microsoft.com/office/drawing/2014/main" id="{2161E241-6716-0E4A-9B43-0923787D3019}"/>
-              </a:ext>
-            </a:extLst>
-          </p:cNvPr>
-          <p:cNvPicPr>
-            <a:picLocks noChangeAspect="1"/>
-          </p:cNvPicPr>
-          <p:nvPr/>
-        </p:nvPicPr>
-        <p:blipFill>
-          <a:blip r:embed="rId8"/>
-          <a:stretch>
-            <a:fillRect/>
-          </a:stretch>
-        </p:blipFill>
-        <p:spPr>
-          <a:xfrm>
-            <a:off x="6521776" y="867254"/>
-            <a:ext cx="1106661" cy="2392782"/>
-          </a:xfrm>
-          <a:prstGeom prst="roundRect">
-            <a:avLst>
-              <a:gd name="adj" fmla="val 3876"/>
-            </a:avLst>
-          </a:prstGeom>
-          <a:ln>
-            <a:solidFill>
-              <a:schemeClr val="accent1"/>
-            </a:solidFill>
-          </a:ln>
-          <a:effectLst/>
-        </p:spPr>
-      </p:pic>
-      <p:pic>
-        <p:nvPicPr>
-          <p:cNvPr id="18" name="Объект 4">
-            <a:extLst>
-              <a:ext uri="{FF2B5EF4-FFF2-40B4-BE49-F238E27FC236}">
-                <a16:creationId xmlns:a16="http://schemas.microsoft.com/office/drawing/2014/main" id="{BF3364F2-7211-3241-A514-EA807E5F94D0}"/>
-              </a:ext>
-            </a:extLst>
-          </p:cNvPr>
-          <p:cNvPicPr>
-            <a:picLocks noChangeAspect="1"/>
-          </p:cNvPicPr>
-          <p:nvPr/>
-        </p:nvPicPr>
-        <p:blipFill>
-          <a:blip r:embed="rId9"/>
-          <a:stretch>
-            <a:fillRect/>
-          </a:stretch>
-        </p:blipFill>
-        <p:spPr>
-          <a:xfrm>
-            <a:off x="8257129" y="830030"/>
-            <a:ext cx="1118431" cy="2431372"/>
-          </a:xfrm>
-          <a:prstGeom prst="roundRect">
-            <a:avLst>
-              <a:gd name="adj" fmla="val 3876"/>
-            </a:avLst>
-          </a:prstGeom>
-          <a:ln>
-            <a:solidFill>
-              <a:schemeClr val="accent1"/>
-            </a:solidFill>
-          </a:ln>
-          <a:effectLst/>
-        </p:spPr>
-      </p:pic>
-      <p:sp>
-        <p:nvSpPr>
-          <p:cNvPr id="19" name="TextBox 18">
-            <a:extLst>
-              <a:ext uri="{FF2B5EF4-FFF2-40B4-BE49-F238E27FC236}">
-                <a16:creationId xmlns:a16="http://schemas.microsoft.com/office/drawing/2014/main" id="{FD9455F8-9212-C14F-B7E8-621CEFC5A784}"/>
-              </a:ext>
-            </a:extLst>
-          </p:cNvPr>
-          <p:cNvSpPr txBox="1"/>
-          <p:nvPr/>
-        </p:nvSpPr>
-        <p:spPr>
-          <a:xfrm>
-            <a:off x="2408907" y="631411"/>
-            <a:ext cx="1376315" cy="230832"/>
-          </a:xfrm>
-          <a:prstGeom prst="rect">
-            <a:avLst/>
-          </a:prstGeom>
-          <a:noFill/>
-        </p:spPr>
-        <p:txBody>
-          <a:bodyPr wrap="square" rtlCol="0">
-            <a:spAutoFit/>
-          </a:bodyPr>
-          <a:lstStyle/>
-          <a:p>
             <a:r>
-              <a:rPr lang="ru-RU" sz="900" dirty="0"/>
-              <a:t>Главная страница 2</a:t>
+              <a:rPr lang="ru-RU" sz="5400" dirty="0">
+                <a:solidFill>
+                  <a:schemeClr val="tx1"/>
+                </a:solidFill>
+              </a:rPr>
+              <a:t>равнение макетов</a:t>
             </a:r>
-          </a:p>
-        </p:txBody>
-      </p:sp>
-      <p:sp>
-        <p:nvSpPr>
-          <p:cNvPr id="20" name="TextBox 19">
-            <a:extLst>
-              <a:ext uri="{FF2B5EF4-FFF2-40B4-BE49-F238E27FC236}">
-                <a16:creationId xmlns:a16="http://schemas.microsoft.com/office/drawing/2014/main" id="{03513E93-42D0-604F-A15B-7753508B0B78}"/>
-              </a:ext>
-            </a:extLst>
-          </p:cNvPr>
-          <p:cNvSpPr txBox="1"/>
-          <p:nvPr/>
-        </p:nvSpPr>
-        <p:spPr>
-          <a:xfrm>
-            <a:off x="4804272" y="3425049"/>
-            <a:ext cx="1119007" cy="230832"/>
-          </a:xfrm>
-          <a:prstGeom prst="rect">
-            <a:avLst/>
-          </a:prstGeom>
-          <a:noFill/>
-        </p:spPr>
-        <p:txBody>
-          <a:bodyPr wrap="square" rtlCol="0">
-            <a:spAutoFit/>
-          </a:bodyPr>
-          <a:lstStyle/>
-          <a:p>
-            <a:r>
-              <a:rPr lang="ru-RU" sz="900" dirty="0"/>
-              <a:t>Уведомления 1</a:t>
-            </a:r>
-          </a:p>
-        </p:txBody>
-      </p:sp>
-      <p:sp>
-        <p:nvSpPr>
-          <p:cNvPr id="21" name="TextBox 20">
-            <a:extLst>
-              <a:ext uri="{FF2B5EF4-FFF2-40B4-BE49-F238E27FC236}">
-                <a16:creationId xmlns:a16="http://schemas.microsoft.com/office/drawing/2014/main" id="{6EE65346-598F-1040-AD32-B96141FFFEEE}"/>
-              </a:ext>
-            </a:extLst>
-          </p:cNvPr>
-          <p:cNvSpPr txBox="1"/>
-          <p:nvPr/>
-        </p:nvSpPr>
-        <p:spPr>
-          <a:xfrm>
-            <a:off x="4791926" y="646866"/>
-            <a:ext cx="1119007" cy="230832"/>
-          </a:xfrm>
-          <a:prstGeom prst="rect">
-            <a:avLst/>
-          </a:prstGeom>
-          <a:noFill/>
-        </p:spPr>
-        <p:txBody>
-          <a:bodyPr wrap="square" rtlCol="0">
-            <a:spAutoFit/>
-          </a:bodyPr>
-          <a:lstStyle/>
-          <a:p>
-            <a:r>
-              <a:rPr lang="ru-RU" sz="900" dirty="0"/>
-              <a:t>Уведомления 2</a:t>
-            </a:r>
-          </a:p>
-        </p:txBody>
-      </p:sp>
-      <p:sp>
-        <p:nvSpPr>
-          <p:cNvPr id="22" name="TextBox 21">
-            <a:extLst>
-              <a:ext uri="{FF2B5EF4-FFF2-40B4-BE49-F238E27FC236}">
-                <a16:creationId xmlns:a16="http://schemas.microsoft.com/office/drawing/2014/main" id="{14BD155C-24B9-1F40-B2A7-3156209B9AA4}"/>
-              </a:ext>
-            </a:extLst>
-          </p:cNvPr>
-          <p:cNvSpPr txBox="1"/>
-          <p:nvPr/>
-        </p:nvSpPr>
-        <p:spPr>
-          <a:xfrm>
-            <a:off x="6819575" y="646866"/>
-            <a:ext cx="1119007" cy="230832"/>
-          </a:xfrm>
-          <a:prstGeom prst="rect">
-            <a:avLst/>
-          </a:prstGeom>
-          <a:noFill/>
-        </p:spPr>
-        <p:txBody>
-          <a:bodyPr wrap="square" rtlCol="0">
-            <a:spAutoFit/>
-          </a:bodyPr>
-          <a:lstStyle/>
-          <a:p>
-            <a:r>
-              <a:rPr lang="ru-RU" sz="900" dirty="0"/>
-              <a:t>Карта 2</a:t>
-            </a:r>
-          </a:p>
-        </p:txBody>
-      </p:sp>
-      <p:sp>
-        <p:nvSpPr>
-          <p:cNvPr id="23" name="TextBox 22">
-            <a:extLst>
-              <a:ext uri="{FF2B5EF4-FFF2-40B4-BE49-F238E27FC236}">
-                <a16:creationId xmlns:a16="http://schemas.microsoft.com/office/drawing/2014/main" id="{6F2348F7-7E71-CD49-8022-1C769463C148}"/>
-              </a:ext>
-            </a:extLst>
-          </p:cNvPr>
-          <p:cNvSpPr txBox="1"/>
-          <p:nvPr/>
-        </p:nvSpPr>
-        <p:spPr>
-          <a:xfrm>
-            <a:off x="6785248" y="3407863"/>
-            <a:ext cx="1119007" cy="230832"/>
-          </a:xfrm>
-          <a:prstGeom prst="rect">
-            <a:avLst/>
-          </a:prstGeom>
-          <a:noFill/>
-        </p:spPr>
-        <p:txBody>
-          <a:bodyPr wrap="square" rtlCol="0">
-            <a:spAutoFit/>
-          </a:bodyPr>
-          <a:lstStyle/>
-          <a:p>
-            <a:r>
-              <a:rPr lang="ru-RU" sz="900" dirty="0"/>
-              <a:t>Карта 1</a:t>
-            </a:r>
-          </a:p>
-        </p:txBody>
-      </p:sp>
-      <p:sp>
-        <p:nvSpPr>
-          <p:cNvPr id="24" name="TextBox 23">
-            <a:extLst>
-              <a:ext uri="{FF2B5EF4-FFF2-40B4-BE49-F238E27FC236}">
-                <a16:creationId xmlns:a16="http://schemas.microsoft.com/office/drawing/2014/main" id="{4C5CF8E9-EFF5-E74F-B678-5D9B84C28079}"/>
-              </a:ext>
-            </a:extLst>
-          </p:cNvPr>
-          <p:cNvSpPr txBox="1"/>
-          <p:nvPr/>
-        </p:nvSpPr>
-        <p:spPr>
-          <a:xfrm>
-            <a:off x="8287720" y="644993"/>
-            <a:ext cx="1119007" cy="230832"/>
-          </a:xfrm>
-          <a:prstGeom prst="rect">
-            <a:avLst/>
-          </a:prstGeom>
-          <a:noFill/>
-        </p:spPr>
-        <p:txBody>
-          <a:bodyPr wrap="square" rtlCol="0">
-            <a:spAutoFit/>
-          </a:bodyPr>
-          <a:lstStyle/>
-          <a:p>
-            <a:r>
-              <a:rPr lang="ru-RU" sz="900" dirty="0"/>
-              <a:t>Подробности 2</a:t>
-            </a:r>
-          </a:p>
-        </p:txBody>
-      </p:sp>
-      <p:sp>
-        <p:nvSpPr>
-          <p:cNvPr id="25" name="TextBox 24">
-            <a:extLst>
-              <a:ext uri="{FF2B5EF4-FFF2-40B4-BE49-F238E27FC236}">
-                <a16:creationId xmlns:a16="http://schemas.microsoft.com/office/drawing/2014/main" id="{D166E989-E0B8-3F48-80CA-E65FA6236E0E}"/>
-              </a:ext>
-            </a:extLst>
-          </p:cNvPr>
-          <p:cNvSpPr txBox="1"/>
-          <p:nvPr/>
-        </p:nvSpPr>
-        <p:spPr>
-          <a:xfrm>
-            <a:off x="8270425" y="3438544"/>
-            <a:ext cx="1119007" cy="230832"/>
-          </a:xfrm>
-          <a:prstGeom prst="rect">
-            <a:avLst/>
-          </a:prstGeom>
-          <a:noFill/>
-        </p:spPr>
-        <p:txBody>
-          <a:bodyPr wrap="square" rtlCol="0">
-            <a:spAutoFit/>
-          </a:bodyPr>
-          <a:lstStyle/>
-          <a:p>
-            <a:r>
-              <a:rPr lang="ru-RU" sz="900" dirty="0"/>
-              <a:t>Подробности 1</a:t>
-            </a:r>
-          </a:p>
-        </p:txBody>
-      </p:sp>
-      <p:cxnSp>
-        <p:nvCxnSpPr>
-          <p:cNvPr id="5" name="Прямая соединительная линия 4">
-            <a:extLst>
-              <a:ext uri="{FF2B5EF4-FFF2-40B4-BE49-F238E27FC236}">
-                <a16:creationId xmlns:a16="http://schemas.microsoft.com/office/drawing/2014/main" id="{C33B3595-12F1-AB4B-9D33-355EBF71AEC8}"/>
-              </a:ext>
-            </a:extLst>
-          </p:cNvPr>
-          <p:cNvCxnSpPr>
-            <a:stCxn id="9" idx="2"/>
-          </p:cNvCxnSpPr>
-          <p:nvPr/>
-        </p:nvCxnSpPr>
-        <p:spPr>
-          <a:xfrm flipH="1">
-            <a:off x="3062239" y="6018070"/>
-            <a:ext cx="2" cy="134449"/>
-          </a:xfrm>
-          <a:prstGeom prst="line">
-            <a:avLst/>
-          </a:prstGeom>
-        </p:spPr>
-        <p:style>
-          <a:lnRef idx="1">
-            <a:schemeClr val="accent1"/>
-          </a:lnRef>
-          <a:fillRef idx="0">
-            <a:schemeClr val="accent1"/>
-          </a:fillRef>
-          <a:effectRef idx="0">
-            <a:schemeClr val="accent1"/>
-          </a:effectRef>
-          <a:fontRef idx="minor">
-            <a:schemeClr val="tx1"/>
-          </a:fontRef>
-        </p:style>
-      </p:cxnSp>
-      <p:cxnSp>
-        <p:nvCxnSpPr>
-          <p:cNvPr id="30" name="Прямая соединительная линия 29">
-            <a:extLst>
-              <a:ext uri="{FF2B5EF4-FFF2-40B4-BE49-F238E27FC236}">
-                <a16:creationId xmlns:a16="http://schemas.microsoft.com/office/drawing/2014/main" id="{47E02766-32CD-C84D-AF4B-033DBDF1A452}"/>
-              </a:ext>
-            </a:extLst>
-          </p:cNvPr>
-          <p:cNvCxnSpPr>
-            <a:cxnSpLocks/>
-          </p:cNvCxnSpPr>
-          <p:nvPr/>
-        </p:nvCxnSpPr>
-        <p:spPr>
-          <a:xfrm>
-            <a:off x="3062239" y="6152519"/>
-            <a:ext cx="5767006" cy="0"/>
-          </a:xfrm>
-          <a:prstGeom prst="line">
-            <a:avLst/>
-          </a:prstGeom>
-        </p:spPr>
-        <p:style>
-          <a:lnRef idx="1">
-            <a:schemeClr val="accent1"/>
-          </a:lnRef>
-          <a:fillRef idx="0">
-            <a:schemeClr val="accent1"/>
-          </a:fillRef>
-          <a:effectRef idx="0">
-            <a:schemeClr val="accent1"/>
-          </a:effectRef>
-          <a:fontRef idx="minor">
-            <a:schemeClr val="tx1"/>
-          </a:fontRef>
-        </p:style>
-      </p:cxnSp>
-      <p:cxnSp>
-        <p:nvCxnSpPr>
-          <p:cNvPr id="31" name="Прямая соединительная линия 30">
-            <a:extLst>
-              <a:ext uri="{FF2B5EF4-FFF2-40B4-BE49-F238E27FC236}">
-                <a16:creationId xmlns:a16="http://schemas.microsoft.com/office/drawing/2014/main" id="{C1B94DBD-EFD6-5541-91F4-0FE587307252}"/>
-              </a:ext>
-            </a:extLst>
-          </p:cNvPr>
-          <p:cNvCxnSpPr/>
-          <p:nvPr/>
-        </p:nvCxnSpPr>
-        <p:spPr>
-          <a:xfrm>
-            <a:off x="3097064" y="3407863"/>
-            <a:ext cx="5735095" cy="0"/>
-          </a:xfrm>
-          <a:prstGeom prst="line">
-            <a:avLst/>
-          </a:prstGeom>
-        </p:spPr>
-        <p:style>
-          <a:lnRef idx="1">
-            <a:schemeClr val="accent1"/>
-          </a:lnRef>
-          <a:fillRef idx="0">
-            <a:schemeClr val="accent1"/>
-          </a:fillRef>
-          <a:effectRef idx="0">
-            <a:schemeClr val="accent1"/>
-          </a:effectRef>
-          <a:fontRef idx="minor">
-            <a:schemeClr val="tx1"/>
-          </a:fontRef>
-        </p:style>
-      </p:cxnSp>
-      <p:cxnSp>
-        <p:nvCxnSpPr>
-          <p:cNvPr id="34" name="Прямая соединительная линия 33">
-            <a:extLst>
-              <a:ext uri="{FF2B5EF4-FFF2-40B4-BE49-F238E27FC236}">
-                <a16:creationId xmlns:a16="http://schemas.microsoft.com/office/drawing/2014/main" id="{AC504C96-9F4A-0446-9576-A6008F75B718}"/>
-              </a:ext>
-            </a:extLst>
-          </p:cNvPr>
-          <p:cNvCxnSpPr/>
-          <p:nvPr/>
-        </p:nvCxnSpPr>
-        <p:spPr>
-          <a:xfrm flipH="1">
-            <a:off x="3097064" y="3292925"/>
-            <a:ext cx="1" cy="115126"/>
-          </a:xfrm>
-          <a:prstGeom prst="line">
-            <a:avLst/>
-          </a:prstGeom>
-        </p:spPr>
-        <p:style>
-          <a:lnRef idx="1">
-            <a:schemeClr val="accent1"/>
-          </a:lnRef>
-          <a:fillRef idx="0">
-            <a:schemeClr val="accent1"/>
-          </a:fillRef>
-          <a:effectRef idx="0">
-            <a:schemeClr val="accent1"/>
-          </a:effectRef>
-          <a:fontRef idx="minor">
-            <a:schemeClr val="tx1"/>
-          </a:fontRef>
-        </p:style>
-      </p:cxnSp>
-      <p:cxnSp>
-        <p:nvCxnSpPr>
-          <p:cNvPr id="36" name="Прямая со стрелкой 35">
-            <a:extLst>
-              <a:ext uri="{FF2B5EF4-FFF2-40B4-BE49-F238E27FC236}">
-                <a16:creationId xmlns:a16="http://schemas.microsoft.com/office/drawing/2014/main" id="{CA4C7753-94BB-2E44-9F4F-AB6D3CF6A356}"/>
-              </a:ext>
-            </a:extLst>
-          </p:cNvPr>
-          <p:cNvCxnSpPr>
-            <a:cxnSpLocks/>
-          </p:cNvCxnSpPr>
-          <p:nvPr/>
-        </p:nvCxnSpPr>
-        <p:spPr>
-          <a:xfrm flipV="1">
-            <a:off x="7075107" y="3292737"/>
-            <a:ext cx="0" cy="115126"/>
-          </a:xfrm>
-          <a:prstGeom prst="straightConnector1">
-            <a:avLst/>
-          </a:prstGeom>
-          <a:ln>
-            <a:tailEnd type="triangle"/>
-          </a:ln>
-        </p:spPr>
-        <p:style>
-          <a:lnRef idx="1">
-            <a:schemeClr val="accent1"/>
-          </a:lnRef>
-          <a:fillRef idx="0">
-            <a:schemeClr val="accent1"/>
-          </a:fillRef>
-          <a:effectRef idx="0">
-            <a:schemeClr val="accent1"/>
-          </a:effectRef>
-          <a:fontRef idx="minor">
-            <a:schemeClr val="tx1"/>
-          </a:fontRef>
-        </p:style>
-      </p:cxnSp>
-      <p:cxnSp>
-        <p:nvCxnSpPr>
-          <p:cNvPr id="42" name="Прямая со стрелкой 41">
-            <a:extLst>
-              <a:ext uri="{FF2B5EF4-FFF2-40B4-BE49-F238E27FC236}">
-                <a16:creationId xmlns:a16="http://schemas.microsoft.com/office/drawing/2014/main" id="{6258E493-D1EB-C447-81E8-F5BE7194296D}"/>
-              </a:ext>
-            </a:extLst>
-          </p:cNvPr>
-          <p:cNvCxnSpPr>
-            <a:cxnSpLocks/>
-          </p:cNvCxnSpPr>
-          <p:nvPr/>
-        </p:nvCxnSpPr>
-        <p:spPr>
-          <a:xfrm flipV="1">
-            <a:off x="5363775" y="3292737"/>
-            <a:ext cx="0" cy="121614"/>
-          </a:xfrm>
-          <a:prstGeom prst="straightConnector1">
-            <a:avLst/>
-          </a:prstGeom>
-          <a:ln>
-            <a:tailEnd type="triangle"/>
-          </a:ln>
-        </p:spPr>
-        <p:style>
-          <a:lnRef idx="1">
-            <a:schemeClr val="accent1"/>
-          </a:lnRef>
-          <a:fillRef idx="0">
-            <a:schemeClr val="accent1"/>
-          </a:fillRef>
-          <a:effectRef idx="0">
-            <a:schemeClr val="accent1"/>
-          </a:effectRef>
-          <a:fontRef idx="minor">
-            <a:schemeClr val="tx1"/>
-          </a:fontRef>
-        </p:style>
-      </p:cxnSp>
-      <p:cxnSp>
-        <p:nvCxnSpPr>
-          <p:cNvPr id="45" name="Прямая со стрелкой 44">
-            <a:extLst>
-              <a:ext uri="{FF2B5EF4-FFF2-40B4-BE49-F238E27FC236}">
-                <a16:creationId xmlns:a16="http://schemas.microsoft.com/office/drawing/2014/main" id="{BCFB171A-7636-684B-9D6E-8F2A8CBDAD4F}"/>
-              </a:ext>
-            </a:extLst>
-          </p:cNvPr>
-          <p:cNvCxnSpPr>
-            <a:cxnSpLocks/>
-          </p:cNvCxnSpPr>
-          <p:nvPr/>
-        </p:nvCxnSpPr>
-        <p:spPr>
-          <a:xfrm flipV="1">
-            <a:off x="8829245" y="3292737"/>
-            <a:ext cx="0" cy="115126"/>
-          </a:xfrm>
-          <a:prstGeom prst="straightConnector1">
-            <a:avLst/>
-          </a:prstGeom>
-          <a:ln>
-            <a:tailEnd type="triangle"/>
-          </a:ln>
-        </p:spPr>
-        <p:style>
-          <a:lnRef idx="1">
-            <a:schemeClr val="accent1"/>
-          </a:lnRef>
-          <a:fillRef idx="0">
-            <a:schemeClr val="accent1"/>
-          </a:fillRef>
-          <a:effectRef idx="0">
-            <a:schemeClr val="accent1"/>
-          </a:effectRef>
-          <a:fontRef idx="minor">
-            <a:schemeClr val="tx1"/>
-          </a:fontRef>
-        </p:style>
-      </p:cxnSp>
-      <p:cxnSp>
-        <p:nvCxnSpPr>
-          <p:cNvPr id="46" name="Прямая со стрелкой 45">
-            <a:extLst>
-              <a:ext uri="{FF2B5EF4-FFF2-40B4-BE49-F238E27FC236}">
-                <a16:creationId xmlns:a16="http://schemas.microsoft.com/office/drawing/2014/main" id="{D04C14FD-CBAE-9F40-B9EC-F4FF6FE2F8E0}"/>
-              </a:ext>
-            </a:extLst>
-          </p:cNvPr>
-          <p:cNvCxnSpPr>
-            <a:cxnSpLocks/>
-          </p:cNvCxnSpPr>
-          <p:nvPr/>
-        </p:nvCxnSpPr>
-        <p:spPr>
-          <a:xfrm flipV="1">
-            <a:off x="5369327" y="6018070"/>
-            <a:ext cx="0" cy="121614"/>
-          </a:xfrm>
-          <a:prstGeom prst="straightConnector1">
-            <a:avLst/>
-          </a:prstGeom>
-          <a:ln>
-            <a:tailEnd type="triangle"/>
-          </a:ln>
-        </p:spPr>
-        <p:style>
-          <a:lnRef idx="1">
-            <a:schemeClr val="accent1"/>
-          </a:lnRef>
-          <a:fillRef idx="0">
-            <a:schemeClr val="accent1"/>
-          </a:fillRef>
-          <a:effectRef idx="0">
-            <a:schemeClr val="accent1"/>
-          </a:effectRef>
-          <a:fontRef idx="minor">
-            <a:schemeClr val="tx1"/>
-          </a:fontRef>
-        </p:style>
-      </p:cxnSp>
-      <p:cxnSp>
-        <p:nvCxnSpPr>
-          <p:cNvPr id="47" name="Прямая со стрелкой 46">
-            <a:extLst>
-              <a:ext uri="{FF2B5EF4-FFF2-40B4-BE49-F238E27FC236}">
-                <a16:creationId xmlns:a16="http://schemas.microsoft.com/office/drawing/2014/main" id="{69808EC9-AACE-3A45-93E9-6A303098F8AD}"/>
-              </a:ext>
-            </a:extLst>
-          </p:cNvPr>
-          <p:cNvCxnSpPr>
-            <a:cxnSpLocks/>
-          </p:cNvCxnSpPr>
-          <p:nvPr/>
-        </p:nvCxnSpPr>
-        <p:spPr>
-          <a:xfrm flipV="1">
-            <a:off x="7075107" y="6018070"/>
-            <a:ext cx="0" cy="121614"/>
-          </a:xfrm>
-          <a:prstGeom prst="straightConnector1">
-            <a:avLst/>
-          </a:prstGeom>
-          <a:ln>
-            <a:tailEnd type="triangle"/>
-          </a:ln>
-        </p:spPr>
-        <p:style>
-          <a:lnRef idx="1">
-            <a:schemeClr val="accent1"/>
-          </a:lnRef>
-          <a:fillRef idx="0">
-            <a:schemeClr val="accent1"/>
-          </a:fillRef>
-          <a:effectRef idx="0">
-            <a:schemeClr val="accent1"/>
-          </a:effectRef>
-          <a:fontRef idx="minor">
-            <a:schemeClr val="tx1"/>
-          </a:fontRef>
-        </p:style>
-      </p:cxnSp>
-      <p:cxnSp>
-        <p:nvCxnSpPr>
-          <p:cNvPr id="48" name="Прямая со стрелкой 47">
-            <a:extLst>
-              <a:ext uri="{FF2B5EF4-FFF2-40B4-BE49-F238E27FC236}">
-                <a16:creationId xmlns:a16="http://schemas.microsoft.com/office/drawing/2014/main" id="{FA4A830E-D3FA-A648-A6DC-0AE616AAA975}"/>
-              </a:ext>
-            </a:extLst>
-          </p:cNvPr>
-          <p:cNvCxnSpPr>
-            <a:cxnSpLocks/>
-          </p:cNvCxnSpPr>
-          <p:nvPr/>
-        </p:nvCxnSpPr>
-        <p:spPr>
-          <a:xfrm flipV="1">
-            <a:off x="8829245" y="6018070"/>
-            <a:ext cx="0" cy="121614"/>
-          </a:xfrm>
-          <a:prstGeom prst="straightConnector1">
-            <a:avLst/>
-          </a:prstGeom>
-          <a:ln>
-            <a:tailEnd type="triangle"/>
-          </a:ln>
-        </p:spPr>
-        <p:style>
-          <a:lnRef idx="1">
-            <a:schemeClr val="accent1"/>
-          </a:lnRef>
-          <a:fillRef idx="0">
-            <a:schemeClr val="accent1"/>
-          </a:fillRef>
-          <a:effectRef idx="0">
-            <a:schemeClr val="accent1"/>
-          </a:effectRef>
-          <a:fontRef idx="minor">
-            <a:schemeClr val="tx1"/>
-          </a:fontRef>
-        </p:style>
-      </p:cxnSp>
+            <a:endParaRPr lang="en-US" sz="5400" dirty="0">
+              <a:solidFill>
+                <a:schemeClr val="tx1"/>
+              </a:solidFill>
+            </a:endParaRPr>
+          </a:p>
+        </p:txBody>
+      </p:sp>
     </p:spTree>
     <p:extLst>
       <p:ext uri="{BB962C8B-B14F-4D97-AF65-F5344CB8AC3E}">
-        <p14:creationId xmlns:p14="http://schemas.microsoft.com/office/powerpoint/2010/main" val="2592839242"/>
+        <p14:creationId xmlns:p14="http://schemas.microsoft.com/office/powerpoint/2010/main" val="2820633275"/>
       </p:ext>
     </p:extLst>
   </p:cSld>
@@ -7408,7 +7091,7 @@
 </p:sld>
 </file>
 
-<file path=ppt/slides/slide4.xml><?xml version="1.0" encoding="utf-8"?>
+<file path=ppt/slides/slide3.xml><?xml version="1.0" encoding="utf-8"?>
 <p:sld xmlns:a="http://schemas.openxmlformats.org/drawingml/2006/main" xmlns:r="http://schemas.openxmlformats.org/officeDocument/2006/relationships" xmlns:p="http://schemas.openxmlformats.org/presentationml/2006/main">
   <p:cSld>
     <p:bg>
@@ -7435,10 +7118,10 @@
       </p:grpSpPr>
       <p:sp>
         <p:nvSpPr>
-          <p:cNvPr id="10" name="Freeform 6">
+          <p:cNvPr id="8" name="Freeform 6">
             <a:extLst>
               <a:ext uri="{FF2B5EF4-FFF2-40B4-BE49-F238E27FC236}">
-                <a16:creationId xmlns:a16="http://schemas.microsoft.com/office/drawing/2014/main" id="{133F8CB7-795C-4272-9073-64D8CF97F220}"/>
+                <a16:creationId xmlns:a16="http://schemas.microsoft.com/office/drawing/2014/main" id="{8775F366-526C-4C42-8931-696FFE8AA517}"/>
               </a:ext>
               <a:ext uri="{C183D7F6-B498-43B3-948B-1728B52AA6E4}">
                 <adec:decorative xmlns:adec="http://schemas.microsoft.com/office/drawing/2017/decorative" val="1"/>
@@ -7528,3296 +7211,7 @@
           <a:effectLst/>
           <a:extLst>
             <a:ext uri="{91240B29-F687-4f45-9708-019B960494DF}">
-              <a14:hiddenLine xmlns:a14="http://schemas.microsoft.com/office/drawing/2010/main" xmlns:p14="http://schemas.microsoft.com/office/powerpoint/2010/main" xmlns:a16="http://schemas.microsoft.com/office/drawing/2014/main" xmlns="" w="9525">
-                <a:solidFill>
-                  <a:srgbClr val="000000"/>
-                </a:solidFill>
-                <a:round/>
-                <a:headEnd/>
-                <a:tailEnd/>
-              </a14:hiddenLine>
-            </a:ext>
-          </a:extLst>
-        </p:spPr>
-        <p:style>
-          <a:lnRef idx="1">
-            <a:schemeClr val="accent1"/>
-          </a:lnRef>
-          <a:fillRef idx="3">
-            <a:schemeClr val="accent1"/>
-          </a:fillRef>
-          <a:effectRef idx="2">
-            <a:schemeClr val="accent1"/>
-          </a:effectRef>
-          <a:fontRef idx="minor">
-            <a:schemeClr val="lt1"/>
-          </a:fontRef>
-        </p:style>
-      </p:sp>
-      <p:sp>
-        <p:nvSpPr>
-          <p:cNvPr id="12" name="Rectangle 11">
-            <a:extLst>
-              <a:ext uri="{FF2B5EF4-FFF2-40B4-BE49-F238E27FC236}">
-                <a16:creationId xmlns:a16="http://schemas.microsoft.com/office/drawing/2014/main" id="{B7743172-17A8-4FA4-8434-B813E03B7665}"/>
-              </a:ext>
-              <a:ext uri="{C183D7F6-B498-43B3-948B-1728B52AA6E4}">
-                <adec:decorative xmlns:adec="http://schemas.microsoft.com/office/drawing/2017/decorative" val="1"/>
-              </a:ext>
-            </a:extLst>
-          </p:cNvPr>
-          <p:cNvSpPr>
-            <a:spLocks noGrp="1" noRot="1" noChangeAspect="1" noMove="1" noResize="1" noEditPoints="1" noAdjustHandles="1" noChangeArrowheads="1" noChangeShapeType="1" noTextEdit="1"/>
-          </p:cNvSpPr>
-          <p:nvPr>
-            <p:extLst>
-              <p:ext uri="{386F3935-93C4-4BCD-93E2-E3B085C9AB24}">
-                <p16:designElem xmlns:p16="http://schemas.microsoft.com/office/powerpoint/2015/main" val="1"/>
-              </p:ext>
-            </p:extLst>
-          </p:nvPr>
-        </p:nvSpPr>
-        <p:spPr>
-          <a:xfrm>
-            <a:off x="0" y="0"/>
-            <a:ext cx="12192000" cy="6858000"/>
-          </a:xfrm>
-          <a:prstGeom prst="rect">
-            <a:avLst/>
-          </a:prstGeom>
-          <a:solidFill>
-            <a:schemeClr val="bg1"/>
-          </a:solidFill>
-          <a:ln>
-            <a:noFill/>
-          </a:ln>
-        </p:spPr>
-        <p:style>
-          <a:lnRef idx="2">
-            <a:schemeClr val="accent1">
-              <a:shade val="50000"/>
-            </a:schemeClr>
-          </a:lnRef>
-          <a:fillRef idx="1">
-            <a:schemeClr val="accent1"/>
-          </a:fillRef>
-          <a:effectRef idx="0">
-            <a:schemeClr val="accent1"/>
-          </a:effectRef>
-          <a:fontRef idx="minor">
-            <a:schemeClr val="lt1"/>
-          </a:fontRef>
-        </p:style>
-        <p:txBody>
-          <a:bodyPr rtlCol="0" anchor="ctr"/>
-          <a:lstStyle/>
-          <a:p>
-            <a:pPr algn="ctr"/>
-            <a:endParaRPr lang="en-US"/>
-          </a:p>
-        </p:txBody>
-      </p:sp>
-      <p:sp>
-        <p:nvSpPr>
-          <p:cNvPr id="14" name="Freeform 23">
-            <a:extLst>
-              <a:ext uri="{FF2B5EF4-FFF2-40B4-BE49-F238E27FC236}">
-                <a16:creationId xmlns:a16="http://schemas.microsoft.com/office/drawing/2014/main" id="{4CE1233C-FD2F-489E-BFDE-086F5FED6491}"/>
-              </a:ext>
-              <a:ext uri="{C183D7F6-B498-43B3-948B-1728B52AA6E4}">
-                <adec:decorative xmlns:adec="http://schemas.microsoft.com/office/drawing/2017/decorative" val="1"/>
-              </a:ext>
-            </a:extLst>
-          </p:cNvPr>
-          <p:cNvSpPr>
-            <a:spLocks noGrp="1" noRot="1" noChangeAspect="1" noMove="1" noResize="1" noEditPoints="1" noAdjustHandles="1" noChangeArrowheads="1" noChangeShapeType="1" noTextEdit="1"/>
-          </p:cNvSpPr>
-          <p:nvPr>
-            <p:extLst>
-              <p:ext uri="{386F3935-93C4-4BCD-93E2-E3B085C9AB24}">
-                <p16:designElem xmlns:p16="http://schemas.microsoft.com/office/powerpoint/2015/main" val="1"/>
-              </p:ext>
-            </p:extLst>
-          </p:nvPr>
-        </p:nvSpPr>
-        <p:spPr bwMode="white">
-          <a:xfrm>
-            <a:off x="0" y="0"/>
-            <a:ext cx="4637005" cy="6858000"/>
-          </a:xfrm>
-          <a:custGeom>
-            <a:avLst/>
-            <a:gdLst>
-              <a:gd name="connsiteX0" fmla="*/ 0 w 4637005"/>
-              <a:gd name="connsiteY0" fmla="*/ 0 h 6858000"/>
-              <a:gd name="connsiteX1" fmla="*/ 4637005 w 4637005"/>
-              <a:gd name="connsiteY1" fmla="*/ 0 h 6858000"/>
-              <a:gd name="connsiteX2" fmla="*/ 4637005 w 4637005"/>
-              <a:gd name="connsiteY2" fmla="*/ 1900238 h 6858000"/>
-              <a:gd name="connsiteX3" fmla="*/ 4266589 w 4637005"/>
-              <a:gd name="connsiteY3" fmla="*/ 2178050 h 6858000"/>
-              <a:gd name="connsiteX4" fmla="*/ 4262355 w 4637005"/>
-              <a:gd name="connsiteY4" fmla="*/ 2184400 h 6858000"/>
-              <a:gd name="connsiteX5" fmla="*/ 4256005 w 4637005"/>
-              <a:gd name="connsiteY5" fmla="*/ 2193925 h 6858000"/>
-              <a:gd name="connsiteX6" fmla="*/ 4249655 w 4637005"/>
-              <a:gd name="connsiteY6" fmla="*/ 2201863 h 6858000"/>
-              <a:gd name="connsiteX7" fmla="*/ 4249655 w 4637005"/>
-              <a:gd name="connsiteY7" fmla="*/ 2211388 h 6858000"/>
-              <a:gd name="connsiteX8" fmla="*/ 4249655 w 4637005"/>
-              <a:gd name="connsiteY8" fmla="*/ 2220913 h 6858000"/>
-              <a:gd name="connsiteX9" fmla="*/ 4256005 w 4637005"/>
-              <a:gd name="connsiteY9" fmla="*/ 2228850 h 6858000"/>
-              <a:gd name="connsiteX10" fmla="*/ 4262355 w 4637005"/>
-              <a:gd name="connsiteY10" fmla="*/ 2238375 h 6858000"/>
-              <a:gd name="connsiteX11" fmla="*/ 4266589 w 4637005"/>
-              <a:gd name="connsiteY11" fmla="*/ 2244725 h 6858000"/>
-              <a:gd name="connsiteX12" fmla="*/ 4637005 w 4637005"/>
-              <a:gd name="connsiteY12" fmla="*/ 2522538 h 6858000"/>
-              <a:gd name="connsiteX13" fmla="*/ 4637005 w 4637005"/>
-              <a:gd name="connsiteY13" fmla="*/ 6858000 h 6858000"/>
-              <a:gd name="connsiteX14" fmla="*/ 0 w 4637005"/>
-              <a:gd name="connsiteY14" fmla="*/ 6858000 h 6858000"/>
-            </a:gdLst>
-            <a:ahLst/>
-            <a:cxnLst>
-              <a:cxn ang="0">
-                <a:pos x="connsiteX0" y="connsiteY0"/>
-              </a:cxn>
-              <a:cxn ang="0">
-                <a:pos x="connsiteX1" y="connsiteY1"/>
-              </a:cxn>
-              <a:cxn ang="0">
-                <a:pos x="connsiteX2" y="connsiteY2"/>
-              </a:cxn>
-              <a:cxn ang="0">
-                <a:pos x="connsiteX3" y="connsiteY3"/>
-              </a:cxn>
-              <a:cxn ang="0">
-                <a:pos x="connsiteX4" y="connsiteY4"/>
-              </a:cxn>
-              <a:cxn ang="0">
-                <a:pos x="connsiteX5" y="connsiteY5"/>
-              </a:cxn>
-              <a:cxn ang="0">
-                <a:pos x="connsiteX6" y="connsiteY6"/>
-              </a:cxn>
-              <a:cxn ang="0">
-                <a:pos x="connsiteX7" y="connsiteY7"/>
-              </a:cxn>
-              <a:cxn ang="0">
-                <a:pos x="connsiteX8" y="connsiteY8"/>
-              </a:cxn>
-              <a:cxn ang="0">
-                <a:pos x="connsiteX9" y="connsiteY9"/>
-              </a:cxn>
-              <a:cxn ang="0">
-                <a:pos x="connsiteX10" y="connsiteY10"/>
-              </a:cxn>
-              <a:cxn ang="0">
-                <a:pos x="connsiteX11" y="connsiteY11"/>
-              </a:cxn>
-              <a:cxn ang="0">
-                <a:pos x="connsiteX12" y="connsiteY12"/>
-              </a:cxn>
-              <a:cxn ang="0">
-                <a:pos x="connsiteX13" y="connsiteY13"/>
-              </a:cxn>
-              <a:cxn ang="0">
-                <a:pos x="connsiteX14" y="connsiteY14"/>
-              </a:cxn>
-            </a:cxnLst>
-            <a:rect l="l" t="t" r="r" b="b"/>
-            <a:pathLst>
-              <a:path w="4637005" h="6858000">
-                <a:moveTo>
-                  <a:pt x="0" y="0"/>
-                </a:moveTo>
-                <a:lnTo>
-                  <a:pt x="4637005" y="0"/>
-                </a:lnTo>
-                <a:lnTo>
-                  <a:pt x="4637005" y="1900238"/>
-                </a:lnTo>
-                <a:lnTo>
-                  <a:pt x="4266589" y="2178050"/>
-                </a:lnTo>
-                <a:lnTo>
-                  <a:pt x="4262355" y="2184400"/>
-                </a:lnTo>
-                <a:lnTo>
-                  <a:pt x="4256005" y="2193925"/>
-                </a:lnTo>
-                <a:lnTo>
-                  <a:pt x="4249655" y="2201863"/>
-                </a:lnTo>
-                <a:lnTo>
-                  <a:pt x="4249655" y="2211388"/>
-                </a:lnTo>
-                <a:lnTo>
-                  <a:pt x="4249655" y="2220913"/>
-                </a:lnTo>
-                <a:lnTo>
-                  <a:pt x="4256005" y="2228850"/>
-                </a:lnTo>
-                <a:lnTo>
-                  <a:pt x="4262355" y="2238375"/>
-                </a:lnTo>
-                <a:lnTo>
-                  <a:pt x="4266589" y="2244725"/>
-                </a:lnTo>
-                <a:lnTo>
-                  <a:pt x="4637005" y="2522538"/>
-                </a:lnTo>
-                <a:lnTo>
-                  <a:pt x="4637005" y="6858000"/>
-                </a:lnTo>
-                <a:lnTo>
-                  <a:pt x="0" y="6858000"/>
-                </a:lnTo>
-                <a:close/>
-              </a:path>
-            </a:pathLst>
-          </a:custGeom>
-          <a:blipFill>
-            <a:blip r:embed="rId2">
-              <a:duotone>
-                <a:schemeClr val="accent1">
-                  <a:tint val="98000"/>
-                  <a:lumMod val="102000"/>
-                </a:schemeClr>
-                <a:schemeClr val="accent1">
-                  <a:shade val="98000"/>
-                  <a:lumMod val="98000"/>
-                </a:schemeClr>
-              </a:duotone>
-            </a:blip>
-            <a:tile tx="0" ty="0" sx="100000" sy="100000" flip="none" algn="tl"/>
-          </a:blipFill>
-          <a:ln>
-            <a:headEnd/>
-            <a:tailEnd/>
-          </a:ln>
-        </p:spPr>
-        <p:style>
-          <a:lnRef idx="1">
-            <a:schemeClr val="accent1"/>
-          </a:lnRef>
-          <a:fillRef idx="3">
-            <a:schemeClr val="accent1"/>
-          </a:fillRef>
-          <a:effectRef idx="2">
-            <a:schemeClr val="accent1"/>
-          </a:effectRef>
-          <a:fontRef idx="minor">
-            <a:schemeClr val="lt1"/>
-          </a:fontRef>
-        </p:style>
-        <p:txBody>
-          <a:bodyPr wrap="square" rtlCol="0" anchor="ctr">
-            <a:noAutofit/>
-          </a:bodyPr>
-          <a:lstStyle/>
-          <a:p>
-            <a:pPr algn="ctr"/>
-            <a:endParaRPr lang="en-US"/>
-          </a:p>
-        </p:txBody>
-      </p:sp>
-      <p:sp>
-        <p:nvSpPr>
-          <p:cNvPr id="2" name="Заголовок 1">
-            <a:extLst>
-              <a:ext uri="{FF2B5EF4-FFF2-40B4-BE49-F238E27FC236}">
-                <a16:creationId xmlns:a16="http://schemas.microsoft.com/office/drawing/2014/main" id="{A47FF219-609B-7D40-9C27-8F04DC4A951B}"/>
-              </a:ext>
-            </a:extLst>
-          </p:cNvPr>
-          <p:cNvSpPr>
-            <a:spLocks noGrp="1"/>
-          </p:cNvSpPr>
-          <p:nvPr>
-            <p:ph type="title"/>
-          </p:nvPr>
-        </p:nvSpPr>
-        <p:spPr>
-          <a:xfrm>
-            <a:off x="170209" y="593451"/>
-            <a:ext cx="4323719" cy="6600636"/>
-          </a:xfrm>
-        </p:spPr>
-        <p:txBody>
-          <a:bodyPr vert="horz" lIns="91440" tIns="45720" rIns="91440" bIns="45720" rtlCol="0" anchor="t">
-            <a:normAutofit/>
-          </a:bodyPr>
-          <a:lstStyle/>
-          <a:p>
-            <a:r>
-              <a:rPr lang="ru-RU" sz="2800" dirty="0"/>
-              <a:t>Главная страница 1– это экран из задания</a:t>
-            </a:r>
-            <a:br>
-              <a:rPr lang="ru-RU" sz="2800" dirty="0"/>
-            </a:br>
-            <a:br>
-              <a:rPr lang="ru-RU" sz="2800" dirty="0"/>
-            </a:br>
-            <a:r>
-              <a:rPr lang="ru-RU" sz="2800" dirty="0"/>
-              <a:t>Главная страница 2 – это экран созданный мною</a:t>
-            </a:r>
-            <a:br>
-              <a:rPr lang="ru-RU" sz="2800" dirty="0"/>
-            </a:br>
-            <a:br>
-              <a:rPr lang="ru-RU" sz="2800" dirty="0"/>
-            </a:br>
-            <a:r>
-              <a:rPr lang="ru-RU" sz="2800" dirty="0"/>
-              <a:t>Есть визуальные различия в размерах шрифтов и картинок, это произошло из-за особенности макета</a:t>
-            </a:r>
-            <a:endParaRPr lang="en-US" sz="2800" dirty="0"/>
-          </a:p>
-        </p:txBody>
-      </p:sp>
-      <p:sp>
-        <p:nvSpPr>
-          <p:cNvPr id="9" name="TextBox 8">
-            <a:extLst>
-              <a:ext uri="{FF2B5EF4-FFF2-40B4-BE49-F238E27FC236}">
-                <a16:creationId xmlns:a16="http://schemas.microsoft.com/office/drawing/2014/main" id="{E654F38B-0950-ED41-B35A-03D71DC9046C}"/>
-              </a:ext>
-            </a:extLst>
-          </p:cNvPr>
-          <p:cNvSpPr txBox="1"/>
-          <p:nvPr/>
-        </p:nvSpPr>
-        <p:spPr>
-          <a:xfrm>
-            <a:off x="4719685" y="5922874"/>
-            <a:ext cx="3220699" cy="461665"/>
-          </a:xfrm>
-          <a:prstGeom prst="rect">
-            <a:avLst/>
-          </a:prstGeom>
-          <a:noFill/>
-        </p:spPr>
-        <p:txBody>
-          <a:bodyPr wrap="square" rtlCol="0">
-            <a:spAutoFit/>
-          </a:bodyPr>
-          <a:lstStyle/>
-          <a:p>
-            <a:r>
-              <a:rPr lang="ru-RU" sz="2400" dirty="0"/>
-              <a:t>Главная страница 1</a:t>
-            </a:r>
-          </a:p>
-        </p:txBody>
-      </p:sp>
-      <p:pic>
-        <p:nvPicPr>
-          <p:cNvPr id="11" name="Объект 4" descr="Изображение выглядит как текст&#10;&#10;Автоматически созданное описание">
-            <a:extLst>
-              <a:ext uri="{FF2B5EF4-FFF2-40B4-BE49-F238E27FC236}">
-                <a16:creationId xmlns:a16="http://schemas.microsoft.com/office/drawing/2014/main" id="{DC22DDBE-5622-8A44-AB3B-8CA40D8E3A93}"/>
-              </a:ext>
-            </a:extLst>
-          </p:cNvPr>
-          <p:cNvPicPr>
-            <a:picLocks noChangeAspect="1"/>
-          </p:cNvPicPr>
-          <p:nvPr/>
-        </p:nvPicPr>
-        <p:blipFill>
-          <a:blip r:embed="rId3"/>
-          <a:stretch>
-            <a:fillRect/>
-          </a:stretch>
-        </p:blipFill>
-        <p:spPr>
-          <a:xfrm>
-            <a:off x="5088519" y="489587"/>
-            <a:ext cx="2483032" cy="5397897"/>
-          </a:xfrm>
-          <a:prstGeom prst="roundRect">
-            <a:avLst>
-              <a:gd name="adj" fmla="val 3876"/>
-            </a:avLst>
-          </a:prstGeom>
-          <a:ln>
-            <a:solidFill>
-              <a:schemeClr val="accent1"/>
-            </a:solidFill>
-          </a:ln>
-          <a:effectLst/>
-        </p:spPr>
-      </p:pic>
-      <p:pic>
-        <p:nvPicPr>
-          <p:cNvPr id="8" name="Объект 4" descr="Изображение выглядит как текст&#10;&#10;Автоматически созданное описание">
-            <a:extLst>
-              <a:ext uri="{FF2B5EF4-FFF2-40B4-BE49-F238E27FC236}">
-                <a16:creationId xmlns:a16="http://schemas.microsoft.com/office/drawing/2014/main" id="{CA1871BF-1CF0-1D4B-9065-835F9E40D1D6}"/>
-              </a:ext>
-            </a:extLst>
-          </p:cNvPr>
-          <p:cNvPicPr>
-            <a:picLocks noGrp="1" noChangeAspect="1"/>
-          </p:cNvPicPr>
-          <p:nvPr>
-            <p:ph idx="1"/>
-          </p:nvPr>
-        </p:nvPicPr>
-        <p:blipFill>
-          <a:blip r:embed="rId4"/>
-          <a:stretch>
-            <a:fillRect/>
-          </a:stretch>
-        </p:blipFill>
-        <p:spPr>
-          <a:xfrm>
-            <a:off x="8929230" y="489587"/>
-            <a:ext cx="2550506" cy="5397897"/>
-          </a:xfrm>
-          <a:prstGeom prst="roundRect">
-            <a:avLst>
-              <a:gd name="adj" fmla="val 3876"/>
-            </a:avLst>
-          </a:prstGeom>
-          <a:ln>
-            <a:solidFill>
-              <a:schemeClr val="accent1"/>
-            </a:solidFill>
-          </a:ln>
-          <a:effectLst/>
-        </p:spPr>
-      </p:pic>
-      <p:sp>
-        <p:nvSpPr>
-          <p:cNvPr id="15" name="TextBox 14">
-            <a:extLst>
-              <a:ext uri="{FF2B5EF4-FFF2-40B4-BE49-F238E27FC236}">
-                <a16:creationId xmlns:a16="http://schemas.microsoft.com/office/drawing/2014/main" id="{6325215C-0B48-AA4D-864B-90D638B74C95}"/>
-              </a:ext>
-            </a:extLst>
-          </p:cNvPr>
-          <p:cNvSpPr txBox="1"/>
-          <p:nvPr/>
-        </p:nvSpPr>
-        <p:spPr>
-          <a:xfrm>
-            <a:off x="8455842" y="5911076"/>
-            <a:ext cx="3220699" cy="461665"/>
-          </a:xfrm>
-          <a:prstGeom prst="rect">
-            <a:avLst/>
-          </a:prstGeom>
-          <a:noFill/>
-        </p:spPr>
-        <p:txBody>
-          <a:bodyPr wrap="square" rtlCol="0">
-            <a:spAutoFit/>
-          </a:bodyPr>
-          <a:lstStyle/>
-          <a:p>
-            <a:r>
-              <a:rPr lang="ru-RU" sz="2400" dirty="0"/>
-              <a:t>Главная страница 2</a:t>
-            </a:r>
-          </a:p>
-        </p:txBody>
-      </p:sp>
-      <p:pic>
-        <p:nvPicPr>
-          <p:cNvPr id="16" name="Рисунок 15">
-            <a:extLst>
-              <a:ext uri="{FF2B5EF4-FFF2-40B4-BE49-F238E27FC236}">
-                <a16:creationId xmlns:a16="http://schemas.microsoft.com/office/drawing/2014/main" id="{190A2DEE-A6D1-A74F-A388-401EFD372CE8}"/>
-              </a:ext>
-            </a:extLst>
-          </p:cNvPr>
-          <p:cNvPicPr>
-            <a:picLocks noChangeAspect="1"/>
-          </p:cNvPicPr>
-          <p:nvPr/>
-        </p:nvPicPr>
-        <p:blipFill>
-          <a:blip r:embed="rId5"/>
-          <a:stretch>
-            <a:fillRect/>
-          </a:stretch>
-        </p:blipFill>
-        <p:spPr>
-          <a:xfrm>
-            <a:off x="9821264" y="932416"/>
-            <a:ext cx="107950" cy="76200"/>
-          </a:xfrm>
-          <a:prstGeom prst="rect">
-            <a:avLst/>
-          </a:prstGeom>
-        </p:spPr>
-      </p:pic>
-    </p:spTree>
-    <p:extLst>
-      <p:ext uri="{BB962C8B-B14F-4D97-AF65-F5344CB8AC3E}">
-        <p14:creationId xmlns:p14="http://schemas.microsoft.com/office/powerpoint/2010/main" val="1499040426"/>
-      </p:ext>
-    </p:extLst>
-  </p:cSld>
-  <p:clrMapOvr>
-    <a:overrideClrMapping bg1="lt1" tx1="dk1" bg2="lt2" tx2="dk2" accent1="accent1" accent2="accent2" accent3="accent3" accent4="accent4" accent5="accent5" accent6="accent6" hlink="hlink" folHlink="folHlink"/>
-  </p:clrMapOvr>
-</p:sld>
-</file>
-
-<file path=ppt/slides/slide5.xml><?xml version="1.0" encoding="utf-8"?>
-<p:sld xmlns:a="http://schemas.openxmlformats.org/drawingml/2006/main" xmlns:r="http://schemas.openxmlformats.org/officeDocument/2006/relationships" xmlns:p="http://schemas.openxmlformats.org/presentationml/2006/main">
-  <p:cSld>
-    <p:bg>
-      <p:bgPr>
-        <a:solidFill>
-          <a:schemeClr val="bg1"/>
-        </a:solidFill>
-        <a:effectLst/>
-      </p:bgPr>
-    </p:bg>
-    <p:spTree>
-      <p:nvGrpSpPr>
-        <p:cNvPr id="1" name=""/>
-        <p:cNvGrpSpPr/>
-        <p:nvPr/>
-      </p:nvGrpSpPr>
-      <p:grpSpPr>
-        <a:xfrm>
-          <a:off x="0" y="0"/>
-          <a:ext cx="0" cy="0"/>
-          <a:chOff x="0" y="0"/>
-          <a:chExt cx="0" cy="0"/>
-        </a:xfrm>
-      </p:grpSpPr>
-      <p:sp>
-        <p:nvSpPr>
-          <p:cNvPr id="10" name="Freeform 6">
-            <a:extLst>
-              <a:ext uri="{FF2B5EF4-FFF2-40B4-BE49-F238E27FC236}">
-                <a16:creationId xmlns:a16="http://schemas.microsoft.com/office/drawing/2014/main" id="{133F8CB7-795C-4272-9073-64D8CF97F220}"/>
-              </a:ext>
-              <a:ext uri="{C183D7F6-B498-43B3-948B-1728B52AA6E4}">
-                <adec:decorative xmlns:adec="http://schemas.microsoft.com/office/drawing/2017/decorative" val="1"/>
-              </a:ext>
-            </a:extLst>
-          </p:cNvPr>
-          <p:cNvSpPr>
-            <a:spLocks noGrp="1" noRot="1" noChangeAspect="1" noMove="1" noResize="1" noEditPoints="1" noAdjustHandles="1" noChangeArrowheads="1" noChangeShapeType="1" noTextEdit="1"/>
-          </p:cNvSpPr>
-          <p:nvPr>
-            <p:extLst>
-              <p:ext uri="{386F3935-93C4-4BCD-93E2-E3B085C9AB24}">
-                <p16:designElem xmlns:p16="http://schemas.microsoft.com/office/powerpoint/2015/main" val="1"/>
-              </p:ext>
-            </p:extLst>
-          </p:nvPr>
-        </p:nvSpPr>
-        <p:spPr bwMode="auto">
-          <a:xfrm>
-            <a:off x="0" y="-3175"/>
-            <a:ext cx="12192000" cy="5203825"/>
-          </a:xfrm>
-          <a:custGeom>
-            <a:avLst/>
-            <a:gdLst/>
-            <a:ahLst/>
-            <a:cxnLst/>
-            <a:rect l="0" t="0" r="r" b="b"/>
-            <a:pathLst>
-              <a:path w="5760" h="3278">
-                <a:moveTo>
-                  <a:pt x="5760" y="0"/>
-                </a:moveTo>
-                <a:lnTo>
-                  <a:pt x="0" y="0"/>
-                </a:lnTo>
-                <a:lnTo>
-                  <a:pt x="0" y="3090"/>
-                </a:lnTo>
-                <a:lnTo>
-                  <a:pt x="943" y="3090"/>
-                </a:lnTo>
-                <a:lnTo>
-                  <a:pt x="1123" y="3270"/>
-                </a:lnTo>
-                <a:lnTo>
-                  <a:pt x="1123" y="3270"/>
-                </a:lnTo>
-                <a:lnTo>
-                  <a:pt x="1127" y="3272"/>
-                </a:lnTo>
-                <a:lnTo>
-                  <a:pt x="1133" y="3275"/>
-                </a:lnTo>
-                <a:lnTo>
-                  <a:pt x="1139" y="3278"/>
-                </a:lnTo>
-                <a:lnTo>
-                  <a:pt x="1144" y="3278"/>
-                </a:lnTo>
-                <a:lnTo>
-                  <a:pt x="1150" y="3278"/>
-                </a:lnTo>
-                <a:lnTo>
-                  <a:pt x="1155" y="3275"/>
-                </a:lnTo>
-                <a:lnTo>
-                  <a:pt x="1161" y="3272"/>
-                </a:lnTo>
-                <a:lnTo>
-                  <a:pt x="1165" y="3270"/>
-                </a:lnTo>
-                <a:lnTo>
-                  <a:pt x="1345" y="3090"/>
-                </a:lnTo>
-                <a:lnTo>
-                  <a:pt x="5760" y="3090"/>
-                </a:lnTo>
-                <a:lnTo>
-                  <a:pt x="5760" y="0"/>
-                </a:lnTo>
-                <a:close/>
-              </a:path>
-            </a:pathLst>
-          </a:custGeom>
-          <a:ln/>
-          <a:effectLst/>
-          <a:extLst>
-            <a:ext uri="{91240B29-F687-4f45-9708-019B960494DF}">
-              <a14:hiddenLine xmlns="" xmlns:a16="http://schemas.microsoft.com/office/drawing/2014/main" xmlns:p14="http://schemas.microsoft.com/office/powerpoint/2010/main" xmlns:a14="http://schemas.microsoft.com/office/drawing/2010/main" w="9525">
-                <a:solidFill>
-                  <a:srgbClr val="000000"/>
-                </a:solidFill>
-                <a:round/>
-                <a:headEnd/>
-                <a:tailEnd/>
-              </a14:hiddenLine>
-            </a:ext>
-          </a:extLst>
-        </p:spPr>
-        <p:style>
-          <a:lnRef idx="1">
-            <a:schemeClr val="accent1"/>
-          </a:lnRef>
-          <a:fillRef idx="3">
-            <a:schemeClr val="accent1"/>
-          </a:fillRef>
-          <a:effectRef idx="2">
-            <a:schemeClr val="accent1"/>
-          </a:effectRef>
-          <a:fontRef idx="minor">
-            <a:schemeClr val="lt1"/>
-          </a:fontRef>
-        </p:style>
-      </p:sp>
-      <p:sp>
-        <p:nvSpPr>
-          <p:cNvPr id="16" name="Rectangle 11">
-            <a:extLst>
-              <a:ext uri="{FF2B5EF4-FFF2-40B4-BE49-F238E27FC236}">
-                <a16:creationId xmlns:a16="http://schemas.microsoft.com/office/drawing/2014/main" id="{B7743172-17A8-4FA4-8434-B813E03B7665}"/>
-              </a:ext>
-              <a:ext uri="{C183D7F6-B498-43B3-948B-1728B52AA6E4}">
-                <adec:decorative xmlns:adec="http://schemas.microsoft.com/office/drawing/2017/decorative" val="1"/>
-              </a:ext>
-            </a:extLst>
-          </p:cNvPr>
-          <p:cNvSpPr>
-            <a:spLocks noGrp="1" noRot="1" noChangeAspect="1" noMove="1" noResize="1" noEditPoints="1" noAdjustHandles="1" noChangeArrowheads="1" noChangeShapeType="1" noTextEdit="1"/>
-          </p:cNvSpPr>
-          <p:nvPr>
-            <p:extLst>
-              <p:ext uri="{386F3935-93C4-4BCD-93E2-E3B085C9AB24}">
-                <p16:designElem xmlns:p16="http://schemas.microsoft.com/office/powerpoint/2015/main" val="1"/>
-              </p:ext>
-            </p:extLst>
-          </p:nvPr>
-        </p:nvSpPr>
-        <p:spPr>
-          <a:xfrm>
-            <a:off x="0" y="0"/>
-            <a:ext cx="12192000" cy="6858000"/>
-          </a:xfrm>
-          <a:prstGeom prst="rect">
-            <a:avLst/>
-          </a:prstGeom>
-          <a:solidFill>
-            <a:schemeClr val="bg1"/>
-          </a:solidFill>
-          <a:ln>
-            <a:noFill/>
-          </a:ln>
-        </p:spPr>
-        <p:style>
-          <a:lnRef idx="2">
-            <a:schemeClr val="accent1">
-              <a:shade val="50000"/>
-            </a:schemeClr>
-          </a:lnRef>
-          <a:fillRef idx="1">
-            <a:schemeClr val="accent1"/>
-          </a:fillRef>
-          <a:effectRef idx="0">
-            <a:schemeClr val="accent1"/>
-          </a:effectRef>
-          <a:fontRef idx="minor">
-            <a:schemeClr val="lt1"/>
-          </a:fontRef>
-        </p:style>
-        <p:txBody>
-          <a:bodyPr rtlCol="0" anchor="ctr"/>
-          <a:lstStyle/>
-          <a:p>
-            <a:pPr algn="ctr"/>
-            <a:endParaRPr lang="en-US"/>
-          </a:p>
-        </p:txBody>
-      </p:sp>
-      <p:sp>
-        <p:nvSpPr>
-          <p:cNvPr id="17" name="Freeform 23">
-            <a:extLst>
-              <a:ext uri="{FF2B5EF4-FFF2-40B4-BE49-F238E27FC236}">
-                <a16:creationId xmlns:a16="http://schemas.microsoft.com/office/drawing/2014/main" id="{4CE1233C-FD2F-489E-BFDE-086F5FED6491}"/>
-              </a:ext>
-              <a:ext uri="{C183D7F6-B498-43B3-948B-1728B52AA6E4}">
-                <adec:decorative xmlns:adec="http://schemas.microsoft.com/office/drawing/2017/decorative" val="1"/>
-              </a:ext>
-            </a:extLst>
-          </p:cNvPr>
-          <p:cNvSpPr>
-            <a:spLocks noGrp="1" noRot="1" noChangeAspect="1" noMove="1" noResize="1" noEditPoints="1" noAdjustHandles="1" noChangeArrowheads="1" noChangeShapeType="1" noTextEdit="1"/>
-          </p:cNvSpPr>
-          <p:nvPr>
-            <p:extLst>
-              <p:ext uri="{386F3935-93C4-4BCD-93E2-E3B085C9AB24}">
-                <p16:designElem xmlns:p16="http://schemas.microsoft.com/office/powerpoint/2015/main" val="1"/>
-              </p:ext>
-            </p:extLst>
-          </p:nvPr>
-        </p:nvSpPr>
-        <p:spPr bwMode="white">
-          <a:xfrm>
-            <a:off x="0" y="0"/>
-            <a:ext cx="4637005" cy="6858000"/>
-          </a:xfrm>
-          <a:custGeom>
-            <a:avLst/>
-            <a:gdLst>
-              <a:gd name="connsiteX0" fmla="*/ 0 w 4637005"/>
-              <a:gd name="connsiteY0" fmla="*/ 0 h 6858000"/>
-              <a:gd name="connsiteX1" fmla="*/ 4637005 w 4637005"/>
-              <a:gd name="connsiteY1" fmla="*/ 0 h 6858000"/>
-              <a:gd name="connsiteX2" fmla="*/ 4637005 w 4637005"/>
-              <a:gd name="connsiteY2" fmla="*/ 1900238 h 6858000"/>
-              <a:gd name="connsiteX3" fmla="*/ 4266589 w 4637005"/>
-              <a:gd name="connsiteY3" fmla="*/ 2178050 h 6858000"/>
-              <a:gd name="connsiteX4" fmla="*/ 4262355 w 4637005"/>
-              <a:gd name="connsiteY4" fmla="*/ 2184400 h 6858000"/>
-              <a:gd name="connsiteX5" fmla="*/ 4256005 w 4637005"/>
-              <a:gd name="connsiteY5" fmla="*/ 2193925 h 6858000"/>
-              <a:gd name="connsiteX6" fmla="*/ 4249655 w 4637005"/>
-              <a:gd name="connsiteY6" fmla="*/ 2201863 h 6858000"/>
-              <a:gd name="connsiteX7" fmla="*/ 4249655 w 4637005"/>
-              <a:gd name="connsiteY7" fmla="*/ 2211388 h 6858000"/>
-              <a:gd name="connsiteX8" fmla="*/ 4249655 w 4637005"/>
-              <a:gd name="connsiteY8" fmla="*/ 2220913 h 6858000"/>
-              <a:gd name="connsiteX9" fmla="*/ 4256005 w 4637005"/>
-              <a:gd name="connsiteY9" fmla="*/ 2228850 h 6858000"/>
-              <a:gd name="connsiteX10" fmla="*/ 4262355 w 4637005"/>
-              <a:gd name="connsiteY10" fmla="*/ 2238375 h 6858000"/>
-              <a:gd name="connsiteX11" fmla="*/ 4266589 w 4637005"/>
-              <a:gd name="connsiteY11" fmla="*/ 2244725 h 6858000"/>
-              <a:gd name="connsiteX12" fmla="*/ 4637005 w 4637005"/>
-              <a:gd name="connsiteY12" fmla="*/ 2522538 h 6858000"/>
-              <a:gd name="connsiteX13" fmla="*/ 4637005 w 4637005"/>
-              <a:gd name="connsiteY13" fmla="*/ 6858000 h 6858000"/>
-              <a:gd name="connsiteX14" fmla="*/ 0 w 4637005"/>
-              <a:gd name="connsiteY14" fmla="*/ 6858000 h 6858000"/>
-            </a:gdLst>
-            <a:ahLst/>
-            <a:cxnLst>
-              <a:cxn ang="0">
-                <a:pos x="connsiteX0" y="connsiteY0"/>
-              </a:cxn>
-              <a:cxn ang="0">
-                <a:pos x="connsiteX1" y="connsiteY1"/>
-              </a:cxn>
-              <a:cxn ang="0">
-                <a:pos x="connsiteX2" y="connsiteY2"/>
-              </a:cxn>
-              <a:cxn ang="0">
-                <a:pos x="connsiteX3" y="connsiteY3"/>
-              </a:cxn>
-              <a:cxn ang="0">
-                <a:pos x="connsiteX4" y="connsiteY4"/>
-              </a:cxn>
-              <a:cxn ang="0">
-                <a:pos x="connsiteX5" y="connsiteY5"/>
-              </a:cxn>
-              <a:cxn ang="0">
-                <a:pos x="connsiteX6" y="connsiteY6"/>
-              </a:cxn>
-              <a:cxn ang="0">
-                <a:pos x="connsiteX7" y="connsiteY7"/>
-              </a:cxn>
-              <a:cxn ang="0">
-                <a:pos x="connsiteX8" y="connsiteY8"/>
-              </a:cxn>
-              <a:cxn ang="0">
-                <a:pos x="connsiteX9" y="connsiteY9"/>
-              </a:cxn>
-              <a:cxn ang="0">
-                <a:pos x="connsiteX10" y="connsiteY10"/>
-              </a:cxn>
-              <a:cxn ang="0">
-                <a:pos x="connsiteX11" y="connsiteY11"/>
-              </a:cxn>
-              <a:cxn ang="0">
-                <a:pos x="connsiteX12" y="connsiteY12"/>
-              </a:cxn>
-              <a:cxn ang="0">
-                <a:pos x="connsiteX13" y="connsiteY13"/>
-              </a:cxn>
-              <a:cxn ang="0">
-                <a:pos x="connsiteX14" y="connsiteY14"/>
-              </a:cxn>
-            </a:cxnLst>
-            <a:rect l="l" t="t" r="r" b="b"/>
-            <a:pathLst>
-              <a:path w="4637005" h="6858000">
-                <a:moveTo>
-                  <a:pt x="0" y="0"/>
-                </a:moveTo>
-                <a:lnTo>
-                  <a:pt x="4637005" y="0"/>
-                </a:lnTo>
-                <a:lnTo>
-                  <a:pt x="4637005" y="1900238"/>
-                </a:lnTo>
-                <a:lnTo>
-                  <a:pt x="4266589" y="2178050"/>
-                </a:lnTo>
-                <a:lnTo>
-                  <a:pt x="4262355" y="2184400"/>
-                </a:lnTo>
-                <a:lnTo>
-                  <a:pt x="4256005" y="2193925"/>
-                </a:lnTo>
-                <a:lnTo>
-                  <a:pt x="4249655" y="2201863"/>
-                </a:lnTo>
-                <a:lnTo>
-                  <a:pt x="4249655" y="2211388"/>
-                </a:lnTo>
-                <a:lnTo>
-                  <a:pt x="4249655" y="2220913"/>
-                </a:lnTo>
-                <a:lnTo>
-                  <a:pt x="4256005" y="2228850"/>
-                </a:lnTo>
-                <a:lnTo>
-                  <a:pt x="4262355" y="2238375"/>
-                </a:lnTo>
-                <a:lnTo>
-                  <a:pt x="4266589" y="2244725"/>
-                </a:lnTo>
-                <a:lnTo>
-                  <a:pt x="4637005" y="2522538"/>
-                </a:lnTo>
-                <a:lnTo>
-                  <a:pt x="4637005" y="6858000"/>
-                </a:lnTo>
-                <a:lnTo>
-                  <a:pt x="0" y="6858000"/>
-                </a:lnTo>
-                <a:close/>
-              </a:path>
-            </a:pathLst>
-          </a:custGeom>
-          <a:blipFill>
-            <a:blip r:embed="rId2">
-              <a:duotone>
-                <a:schemeClr val="accent1">
-                  <a:tint val="98000"/>
-                  <a:lumMod val="102000"/>
-                </a:schemeClr>
-                <a:schemeClr val="accent1">
-                  <a:shade val="98000"/>
-                  <a:lumMod val="98000"/>
-                </a:schemeClr>
-              </a:duotone>
-            </a:blip>
-            <a:tile tx="0" ty="0" sx="100000" sy="100000" flip="none" algn="tl"/>
-          </a:blipFill>
-          <a:ln>
-            <a:headEnd/>
-            <a:tailEnd/>
-          </a:ln>
-        </p:spPr>
-        <p:style>
-          <a:lnRef idx="1">
-            <a:schemeClr val="accent1"/>
-          </a:lnRef>
-          <a:fillRef idx="3">
-            <a:schemeClr val="accent1"/>
-          </a:fillRef>
-          <a:effectRef idx="2">
-            <a:schemeClr val="accent1"/>
-          </a:effectRef>
-          <a:fontRef idx="minor">
-            <a:schemeClr val="lt1"/>
-          </a:fontRef>
-        </p:style>
-        <p:txBody>
-          <a:bodyPr wrap="square" rtlCol="0" anchor="ctr">
-            <a:noAutofit/>
-          </a:bodyPr>
-          <a:lstStyle/>
-          <a:p>
-            <a:pPr algn="ctr"/>
-            <a:endParaRPr lang="en-US"/>
-          </a:p>
-        </p:txBody>
-      </p:sp>
-      <p:sp>
-        <p:nvSpPr>
-          <p:cNvPr id="2" name="Заголовок 1">
-            <a:extLst>
-              <a:ext uri="{FF2B5EF4-FFF2-40B4-BE49-F238E27FC236}">
-                <a16:creationId xmlns:a16="http://schemas.microsoft.com/office/drawing/2014/main" id="{13840C64-1342-5640-A7E3-4F85BFEF5AE0}"/>
-              </a:ext>
-            </a:extLst>
-          </p:cNvPr>
-          <p:cNvSpPr>
-            <a:spLocks noGrp="1"/>
-          </p:cNvSpPr>
-          <p:nvPr>
-            <p:ph type="title"/>
-          </p:nvPr>
-        </p:nvSpPr>
-        <p:spPr>
-          <a:xfrm>
-            <a:off x="196579" y="932416"/>
-            <a:ext cx="4374639" cy="4241136"/>
-          </a:xfrm>
-        </p:spPr>
-        <p:txBody>
-          <a:bodyPr vert="horz" lIns="91440" tIns="45720" rIns="91440" bIns="45720" rtlCol="0" anchor="t">
-            <a:normAutofit/>
-          </a:bodyPr>
-          <a:lstStyle/>
-          <a:p>
-            <a:r>
-              <a:rPr lang="ru-RU" sz="3200" dirty="0"/>
-              <a:t>Оба экрана корректно отображают погодные данные с сервера</a:t>
-            </a:r>
-            <a:br>
-              <a:rPr lang="ru-RU" sz="3200" dirty="0"/>
-            </a:br>
-            <a:r>
-              <a:rPr lang="ru-RU" sz="3200" dirty="0"/>
-              <a:t>Переходы реализованы согласно заданию</a:t>
-            </a:r>
-            <a:endParaRPr lang="en-US" sz="3200" dirty="0"/>
-          </a:p>
-        </p:txBody>
-      </p:sp>
-      <p:pic>
-        <p:nvPicPr>
-          <p:cNvPr id="5" name="Объект 4" descr="Изображение выглядит как текст&#10;&#10;Автоматически созданное описание">
-            <a:extLst>
-              <a:ext uri="{FF2B5EF4-FFF2-40B4-BE49-F238E27FC236}">
-                <a16:creationId xmlns:a16="http://schemas.microsoft.com/office/drawing/2014/main" id="{811ED202-FC7B-6645-943E-E7242D0CABBB}"/>
-              </a:ext>
-            </a:extLst>
-          </p:cNvPr>
-          <p:cNvPicPr>
-            <a:picLocks noGrp="1" noChangeAspect="1"/>
-          </p:cNvPicPr>
-          <p:nvPr>
-            <p:ph idx="1"/>
-          </p:nvPr>
-        </p:nvPicPr>
-        <p:blipFill>
-          <a:blip r:embed="rId3"/>
-          <a:stretch>
-            <a:fillRect/>
-          </a:stretch>
-        </p:blipFill>
-        <p:spPr>
-          <a:xfrm>
-            <a:off x="8810604" y="489587"/>
-            <a:ext cx="2550506" cy="5397897"/>
-          </a:xfrm>
-          <a:prstGeom prst="roundRect">
-            <a:avLst>
-              <a:gd name="adj" fmla="val 3876"/>
-            </a:avLst>
-          </a:prstGeom>
-          <a:ln>
-            <a:solidFill>
-              <a:schemeClr val="accent1"/>
-            </a:solidFill>
-          </a:ln>
-          <a:effectLst/>
-        </p:spPr>
-      </p:pic>
-      <p:pic>
-        <p:nvPicPr>
-          <p:cNvPr id="13" name="Объект 4" descr="Изображение выглядит как текст&#10;&#10;Автоматически созданное описание">
-            <a:extLst>
-              <a:ext uri="{FF2B5EF4-FFF2-40B4-BE49-F238E27FC236}">
-                <a16:creationId xmlns:a16="http://schemas.microsoft.com/office/drawing/2014/main" id="{0FC11CB0-8DC8-674F-9651-C89FBAC6709E}"/>
-              </a:ext>
-            </a:extLst>
-          </p:cNvPr>
-          <p:cNvPicPr>
-            <a:picLocks noChangeAspect="1"/>
-          </p:cNvPicPr>
-          <p:nvPr/>
-        </p:nvPicPr>
-        <p:blipFill>
-          <a:blip r:embed="rId4"/>
-          <a:stretch>
-            <a:fillRect/>
-          </a:stretch>
-        </p:blipFill>
-        <p:spPr>
-          <a:xfrm>
-            <a:off x="5088519" y="489587"/>
-            <a:ext cx="2483032" cy="5397897"/>
-          </a:xfrm>
-          <a:prstGeom prst="roundRect">
-            <a:avLst>
-              <a:gd name="adj" fmla="val 3876"/>
-            </a:avLst>
-          </a:prstGeom>
-          <a:ln>
-            <a:solidFill>
-              <a:schemeClr val="accent1"/>
-            </a:solidFill>
-          </a:ln>
-          <a:effectLst/>
-        </p:spPr>
-      </p:pic>
-      <p:sp>
-        <p:nvSpPr>
-          <p:cNvPr id="15" name="TextBox 14">
-            <a:extLst>
-              <a:ext uri="{FF2B5EF4-FFF2-40B4-BE49-F238E27FC236}">
-                <a16:creationId xmlns:a16="http://schemas.microsoft.com/office/drawing/2014/main" id="{513F3CAA-003B-FE4E-AB35-C52DDC2B2361}"/>
-              </a:ext>
-            </a:extLst>
-          </p:cNvPr>
-          <p:cNvSpPr txBox="1"/>
-          <p:nvPr/>
-        </p:nvSpPr>
-        <p:spPr>
-          <a:xfrm>
-            <a:off x="4719685" y="5922874"/>
-            <a:ext cx="3220699" cy="461665"/>
-          </a:xfrm>
-          <a:prstGeom prst="rect">
-            <a:avLst/>
-          </a:prstGeom>
-          <a:noFill/>
-        </p:spPr>
-        <p:txBody>
-          <a:bodyPr wrap="square" rtlCol="0">
-            <a:spAutoFit/>
-          </a:bodyPr>
-          <a:lstStyle/>
-          <a:p>
-            <a:r>
-              <a:rPr lang="ru-RU" sz="2400" dirty="0"/>
-              <a:t>Главная страница 1</a:t>
-            </a:r>
-          </a:p>
-        </p:txBody>
-      </p:sp>
-      <p:sp>
-        <p:nvSpPr>
-          <p:cNvPr id="18" name="TextBox 17">
-            <a:extLst>
-              <a:ext uri="{FF2B5EF4-FFF2-40B4-BE49-F238E27FC236}">
-                <a16:creationId xmlns:a16="http://schemas.microsoft.com/office/drawing/2014/main" id="{5BEC6D70-7E53-424B-A847-4E2E4F0B935D}"/>
-              </a:ext>
-            </a:extLst>
-          </p:cNvPr>
-          <p:cNvSpPr txBox="1"/>
-          <p:nvPr/>
-        </p:nvSpPr>
-        <p:spPr>
-          <a:xfrm>
-            <a:off x="8590241" y="5922874"/>
-            <a:ext cx="3220699" cy="461665"/>
-          </a:xfrm>
-          <a:prstGeom prst="rect">
-            <a:avLst/>
-          </a:prstGeom>
-          <a:noFill/>
-        </p:spPr>
-        <p:txBody>
-          <a:bodyPr wrap="square" rtlCol="0">
-            <a:spAutoFit/>
-          </a:bodyPr>
-          <a:lstStyle/>
-          <a:p>
-            <a:r>
-              <a:rPr lang="ru-RU" sz="2400" dirty="0"/>
-              <a:t>Главная страница 2</a:t>
-            </a:r>
-          </a:p>
-        </p:txBody>
-      </p:sp>
-      <p:pic>
-        <p:nvPicPr>
-          <p:cNvPr id="7" name="Рисунок 6">
-            <a:extLst>
-              <a:ext uri="{FF2B5EF4-FFF2-40B4-BE49-F238E27FC236}">
-                <a16:creationId xmlns:a16="http://schemas.microsoft.com/office/drawing/2014/main" id="{AE006C26-6104-9845-834F-ADB1EBB86006}"/>
-              </a:ext>
-            </a:extLst>
-          </p:cNvPr>
-          <p:cNvPicPr>
-            <a:picLocks noChangeAspect="1"/>
-          </p:cNvPicPr>
-          <p:nvPr/>
-        </p:nvPicPr>
-        <p:blipFill>
-          <a:blip r:embed="rId5"/>
-          <a:stretch>
-            <a:fillRect/>
-          </a:stretch>
-        </p:blipFill>
-        <p:spPr>
-          <a:xfrm>
-            <a:off x="9700151" y="932416"/>
-            <a:ext cx="107950" cy="76200"/>
-          </a:xfrm>
-          <a:prstGeom prst="rect">
-            <a:avLst/>
-          </a:prstGeom>
-        </p:spPr>
-      </p:pic>
-    </p:spTree>
-    <p:extLst>
-      <p:ext uri="{BB962C8B-B14F-4D97-AF65-F5344CB8AC3E}">
-        <p14:creationId xmlns:p14="http://schemas.microsoft.com/office/powerpoint/2010/main" val="949967984"/>
-      </p:ext>
-    </p:extLst>
-  </p:cSld>
-  <p:clrMapOvr>
-    <a:overrideClrMapping bg1="lt1" tx1="dk1" bg2="lt2" tx2="dk2" accent1="accent1" accent2="accent2" accent3="accent3" accent4="accent4" accent5="accent5" accent6="accent6" hlink="hlink" folHlink="folHlink"/>
-  </p:clrMapOvr>
-</p:sld>
-</file>
-
-<file path=ppt/slides/slide6.xml><?xml version="1.0" encoding="utf-8"?>
-<p:sld xmlns:a="http://schemas.openxmlformats.org/drawingml/2006/main" xmlns:r="http://schemas.openxmlformats.org/officeDocument/2006/relationships" xmlns:p="http://schemas.openxmlformats.org/presentationml/2006/main">
-  <p:cSld>
-    <p:bg>
-      <p:bgPr>
-        <a:solidFill>
-          <a:schemeClr val="bg1"/>
-        </a:solidFill>
-        <a:effectLst/>
-      </p:bgPr>
-    </p:bg>
-    <p:spTree>
-      <p:nvGrpSpPr>
-        <p:cNvPr id="1" name=""/>
-        <p:cNvGrpSpPr/>
-        <p:nvPr/>
-      </p:nvGrpSpPr>
-      <p:grpSpPr>
-        <a:xfrm>
-          <a:off x="0" y="0"/>
-          <a:ext cx="0" cy="0"/>
-          <a:chOff x="0" y="0"/>
-          <a:chExt cx="0" cy="0"/>
-        </a:xfrm>
-      </p:grpSpPr>
-      <p:sp>
-        <p:nvSpPr>
-          <p:cNvPr id="10" name="Freeform 6">
-            <a:extLst>
-              <a:ext uri="{FF2B5EF4-FFF2-40B4-BE49-F238E27FC236}">
-                <a16:creationId xmlns:a16="http://schemas.microsoft.com/office/drawing/2014/main" id="{133F8CB7-795C-4272-9073-64D8CF97F220}"/>
-              </a:ext>
-              <a:ext uri="{C183D7F6-B498-43B3-948B-1728B52AA6E4}">
-                <adec:decorative xmlns:adec="http://schemas.microsoft.com/office/drawing/2017/decorative" val="1"/>
-              </a:ext>
-            </a:extLst>
-          </p:cNvPr>
-          <p:cNvSpPr>
-            <a:spLocks noGrp="1" noRot="1" noChangeAspect="1" noMove="1" noResize="1" noEditPoints="1" noAdjustHandles="1" noChangeArrowheads="1" noChangeShapeType="1" noTextEdit="1"/>
-          </p:cNvSpPr>
-          <p:nvPr>
-            <p:extLst>
-              <p:ext uri="{386F3935-93C4-4BCD-93E2-E3B085C9AB24}">
-                <p16:designElem xmlns:p16="http://schemas.microsoft.com/office/powerpoint/2015/main" val="1"/>
-              </p:ext>
-            </p:extLst>
-          </p:nvPr>
-        </p:nvSpPr>
-        <p:spPr bwMode="auto">
-          <a:xfrm>
-            <a:off x="0" y="-3175"/>
-            <a:ext cx="12192000" cy="5203825"/>
-          </a:xfrm>
-          <a:custGeom>
-            <a:avLst/>
-            <a:gdLst/>
-            <a:ahLst/>
-            <a:cxnLst/>
-            <a:rect l="0" t="0" r="r" b="b"/>
-            <a:pathLst>
-              <a:path w="5760" h="3278">
-                <a:moveTo>
-                  <a:pt x="5760" y="0"/>
-                </a:moveTo>
-                <a:lnTo>
-                  <a:pt x="0" y="0"/>
-                </a:lnTo>
-                <a:lnTo>
-                  <a:pt x="0" y="3090"/>
-                </a:lnTo>
-                <a:lnTo>
-                  <a:pt x="943" y="3090"/>
-                </a:lnTo>
-                <a:lnTo>
-                  <a:pt x="1123" y="3270"/>
-                </a:lnTo>
-                <a:lnTo>
-                  <a:pt x="1123" y="3270"/>
-                </a:lnTo>
-                <a:lnTo>
-                  <a:pt x="1127" y="3272"/>
-                </a:lnTo>
-                <a:lnTo>
-                  <a:pt x="1133" y="3275"/>
-                </a:lnTo>
-                <a:lnTo>
-                  <a:pt x="1139" y="3278"/>
-                </a:lnTo>
-                <a:lnTo>
-                  <a:pt x="1144" y="3278"/>
-                </a:lnTo>
-                <a:lnTo>
-                  <a:pt x="1150" y="3278"/>
-                </a:lnTo>
-                <a:lnTo>
-                  <a:pt x="1155" y="3275"/>
-                </a:lnTo>
-                <a:lnTo>
-                  <a:pt x="1161" y="3272"/>
-                </a:lnTo>
-                <a:lnTo>
-                  <a:pt x="1165" y="3270"/>
-                </a:lnTo>
-                <a:lnTo>
-                  <a:pt x="1345" y="3090"/>
-                </a:lnTo>
-                <a:lnTo>
-                  <a:pt x="5760" y="3090"/>
-                </a:lnTo>
-                <a:lnTo>
-                  <a:pt x="5760" y="0"/>
-                </a:lnTo>
-                <a:close/>
-              </a:path>
-            </a:pathLst>
-          </a:custGeom>
-          <a:ln/>
-          <a:effectLst/>
-          <a:extLst>
-            <a:ext uri="{91240B29-F687-4f45-9708-019B960494DF}">
-              <a14:hiddenLine xmlns="" xmlns:a16="http://schemas.microsoft.com/office/drawing/2014/main" xmlns:p14="http://schemas.microsoft.com/office/powerpoint/2010/main" xmlns:a14="http://schemas.microsoft.com/office/drawing/2010/main" w="9525">
-                <a:solidFill>
-                  <a:srgbClr val="000000"/>
-                </a:solidFill>
-                <a:round/>
-                <a:headEnd/>
-                <a:tailEnd/>
-              </a14:hiddenLine>
-            </a:ext>
-          </a:extLst>
-        </p:spPr>
-        <p:style>
-          <a:lnRef idx="1">
-            <a:schemeClr val="accent1"/>
-          </a:lnRef>
-          <a:fillRef idx="3">
-            <a:schemeClr val="accent1"/>
-          </a:fillRef>
-          <a:effectRef idx="2">
-            <a:schemeClr val="accent1"/>
-          </a:effectRef>
-          <a:fontRef idx="minor">
-            <a:schemeClr val="lt1"/>
-          </a:fontRef>
-        </p:style>
-      </p:sp>
-      <p:sp>
-        <p:nvSpPr>
-          <p:cNvPr id="12" name="Rectangle 11">
-            <a:extLst>
-              <a:ext uri="{FF2B5EF4-FFF2-40B4-BE49-F238E27FC236}">
-                <a16:creationId xmlns:a16="http://schemas.microsoft.com/office/drawing/2014/main" id="{B7743172-17A8-4FA4-8434-B813E03B7665}"/>
-              </a:ext>
-              <a:ext uri="{C183D7F6-B498-43B3-948B-1728B52AA6E4}">
-                <adec:decorative xmlns:adec="http://schemas.microsoft.com/office/drawing/2017/decorative" val="1"/>
-              </a:ext>
-            </a:extLst>
-          </p:cNvPr>
-          <p:cNvSpPr>
-            <a:spLocks noGrp="1" noRot="1" noChangeAspect="1" noMove="1" noResize="1" noEditPoints="1" noAdjustHandles="1" noChangeArrowheads="1" noChangeShapeType="1" noTextEdit="1"/>
-          </p:cNvSpPr>
-          <p:nvPr>
-            <p:extLst>
-              <p:ext uri="{386F3935-93C4-4BCD-93E2-E3B085C9AB24}">
-                <p16:designElem xmlns:p16="http://schemas.microsoft.com/office/powerpoint/2015/main" val="1"/>
-              </p:ext>
-            </p:extLst>
-          </p:nvPr>
-        </p:nvSpPr>
-        <p:spPr>
-          <a:xfrm>
-            <a:off x="0" y="0"/>
-            <a:ext cx="12192000" cy="6858000"/>
-          </a:xfrm>
-          <a:prstGeom prst="rect">
-            <a:avLst/>
-          </a:prstGeom>
-          <a:solidFill>
-            <a:schemeClr val="bg1"/>
-          </a:solidFill>
-          <a:ln>
-            <a:noFill/>
-          </a:ln>
-        </p:spPr>
-        <p:style>
-          <a:lnRef idx="2">
-            <a:schemeClr val="accent1">
-              <a:shade val="50000"/>
-            </a:schemeClr>
-          </a:lnRef>
-          <a:fillRef idx="1">
-            <a:schemeClr val="accent1"/>
-          </a:fillRef>
-          <a:effectRef idx="0">
-            <a:schemeClr val="accent1"/>
-          </a:effectRef>
-          <a:fontRef idx="minor">
-            <a:schemeClr val="lt1"/>
-          </a:fontRef>
-        </p:style>
-        <p:txBody>
-          <a:bodyPr rtlCol="0" anchor="ctr"/>
-          <a:lstStyle/>
-          <a:p>
-            <a:pPr algn="ctr"/>
-            <a:endParaRPr lang="en-US"/>
-          </a:p>
-        </p:txBody>
-      </p:sp>
-      <p:sp>
-        <p:nvSpPr>
-          <p:cNvPr id="14" name="Freeform 23">
-            <a:extLst>
-              <a:ext uri="{FF2B5EF4-FFF2-40B4-BE49-F238E27FC236}">
-                <a16:creationId xmlns:a16="http://schemas.microsoft.com/office/drawing/2014/main" id="{4CE1233C-FD2F-489E-BFDE-086F5FED6491}"/>
-              </a:ext>
-              <a:ext uri="{C183D7F6-B498-43B3-948B-1728B52AA6E4}">
-                <adec:decorative xmlns:adec="http://schemas.microsoft.com/office/drawing/2017/decorative" val="1"/>
-              </a:ext>
-            </a:extLst>
-          </p:cNvPr>
-          <p:cNvSpPr>
-            <a:spLocks noGrp="1" noRot="1" noChangeAspect="1" noMove="1" noResize="1" noEditPoints="1" noAdjustHandles="1" noChangeArrowheads="1" noChangeShapeType="1" noTextEdit="1"/>
-          </p:cNvSpPr>
-          <p:nvPr>
-            <p:extLst>
-              <p:ext uri="{386F3935-93C4-4BCD-93E2-E3B085C9AB24}">
-                <p16:designElem xmlns:p16="http://schemas.microsoft.com/office/powerpoint/2015/main" val="1"/>
-              </p:ext>
-            </p:extLst>
-          </p:nvPr>
-        </p:nvSpPr>
-        <p:spPr bwMode="white">
-          <a:xfrm>
-            <a:off x="0" y="0"/>
-            <a:ext cx="4637005" cy="6858000"/>
-          </a:xfrm>
-          <a:custGeom>
-            <a:avLst/>
-            <a:gdLst>
-              <a:gd name="connsiteX0" fmla="*/ 0 w 4637005"/>
-              <a:gd name="connsiteY0" fmla="*/ 0 h 6858000"/>
-              <a:gd name="connsiteX1" fmla="*/ 4637005 w 4637005"/>
-              <a:gd name="connsiteY1" fmla="*/ 0 h 6858000"/>
-              <a:gd name="connsiteX2" fmla="*/ 4637005 w 4637005"/>
-              <a:gd name="connsiteY2" fmla="*/ 1900238 h 6858000"/>
-              <a:gd name="connsiteX3" fmla="*/ 4266589 w 4637005"/>
-              <a:gd name="connsiteY3" fmla="*/ 2178050 h 6858000"/>
-              <a:gd name="connsiteX4" fmla="*/ 4262355 w 4637005"/>
-              <a:gd name="connsiteY4" fmla="*/ 2184400 h 6858000"/>
-              <a:gd name="connsiteX5" fmla="*/ 4256005 w 4637005"/>
-              <a:gd name="connsiteY5" fmla="*/ 2193925 h 6858000"/>
-              <a:gd name="connsiteX6" fmla="*/ 4249655 w 4637005"/>
-              <a:gd name="connsiteY6" fmla="*/ 2201863 h 6858000"/>
-              <a:gd name="connsiteX7" fmla="*/ 4249655 w 4637005"/>
-              <a:gd name="connsiteY7" fmla="*/ 2211388 h 6858000"/>
-              <a:gd name="connsiteX8" fmla="*/ 4249655 w 4637005"/>
-              <a:gd name="connsiteY8" fmla="*/ 2220913 h 6858000"/>
-              <a:gd name="connsiteX9" fmla="*/ 4256005 w 4637005"/>
-              <a:gd name="connsiteY9" fmla="*/ 2228850 h 6858000"/>
-              <a:gd name="connsiteX10" fmla="*/ 4262355 w 4637005"/>
-              <a:gd name="connsiteY10" fmla="*/ 2238375 h 6858000"/>
-              <a:gd name="connsiteX11" fmla="*/ 4266589 w 4637005"/>
-              <a:gd name="connsiteY11" fmla="*/ 2244725 h 6858000"/>
-              <a:gd name="connsiteX12" fmla="*/ 4637005 w 4637005"/>
-              <a:gd name="connsiteY12" fmla="*/ 2522538 h 6858000"/>
-              <a:gd name="connsiteX13" fmla="*/ 4637005 w 4637005"/>
-              <a:gd name="connsiteY13" fmla="*/ 6858000 h 6858000"/>
-              <a:gd name="connsiteX14" fmla="*/ 0 w 4637005"/>
-              <a:gd name="connsiteY14" fmla="*/ 6858000 h 6858000"/>
-            </a:gdLst>
-            <a:ahLst/>
-            <a:cxnLst>
-              <a:cxn ang="0">
-                <a:pos x="connsiteX0" y="connsiteY0"/>
-              </a:cxn>
-              <a:cxn ang="0">
-                <a:pos x="connsiteX1" y="connsiteY1"/>
-              </a:cxn>
-              <a:cxn ang="0">
-                <a:pos x="connsiteX2" y="connsiteY2"/>
-              </a:cxn>
-              <a:cxn ang="0">
-                <a:pos x="connsiteX3" y="connsiteY3"/>
-              </a:cxn>
-              <a:cxn ang="0">
-                <a:pos x="connsiteX4" y="connsiteY4"/>
-              </a:cxn>
-              <a:cxn ang="0">
-                <a:pos x="connsiteX5" y="connsiteY5"/>
-              </a:cxn>
-              <a:cxn ang="0">
-                <a:pos x="connsiteX6" y="connsiteY6"/>
-              </a:cxn>
-              <a:cxn ang="0">
-                <a:pos x="connsiteX7" y="connsiteY7"/>
-              </a:cxn>
-              <a:cxn ang="0">
-                <a:pos x="connsiteX8" y="connsiteY8"/>
-              </a:cxn>
-              <a:cxn ang="0">
-                <a:pos x="connsiteX9" y="connsiteY9"/>
-              </a:cxn>
-              <a:cxn ang="0">
-                <a:pos x="connsiteX10" y="connsiteY10"/>
-              </a:cxn>
-              <a:cxn ang="0">
-                <a:pos x="connsiteX11" y="connsiteY11"/>
-              </a:cxn>
-              <a:cxn ang="0">
-                <a:pos x="connsiteX12" y="connsiteY12"/>
-              </a:cxn>
-              <a:cxn ang="0">
-                <a:pos x="connsiteX13" y="connsiteY13"/>
-              </a:cxn>
-              <a:cxn ang="0">
-                <a:pos x="connsiteX14" y="connsiteY14"/>
-              </a:cxn>
-            </a:cxnLst>
-            <a:rect l="l" t="t" r="r" b="b"/>
-            <a:pathLst>
-              <a:path w="4637005" h="6858000">
-                <a:moveTo>
-                  <a:pt x="0" y="0"/>
-                </a:moveTo>
-                <a:lnTo>
-                  <a:pt x="4637005" y="0"/>
-                </a:lnTo>
-                <a:lnTo>
-                  <a:pt x="4637005" y="1900238"/>
-                </a:lnTo>
-                <a:lnTo>
-                  <a:pt x="4266589" y="2178050"/>
-                </a:lnTo>
-                <a:lnTo>
-                  <a:pt x="4262355" y="2184400"/>
-                </a:lnTo>
-                <a:lnTo>
-                  <a:pt x="4256005" y="2193925"/>
-                </a:lnTo>
-                <a:lnTo>
-                  <a:pt x="4249655" y="2201863"/>
-                </a:lnTo>
-                <a:lnTo>
-                  <a:pt x="4249655" y="2211388"/>
-                </a:lnTo>
-                <a:lnTo>
-                  <a:pt x="4249655" y="2220913"/>
-                </a:lnTo>
-                <a:lnTo>
-                  <a:pt x="4256005" y="2228850"/>
-                </a:lnTo>
-                <a:lnTo>
-                  <a:pt x="4262355" y="2238375"/>
-                </a:lnTo>
-                <a:lnTo>
-                  <a:pt x="4266589" y="2244725"/>
-                </a:lnTo>
-                <a:lnTo>
-                  <a:pt x="4637005" y="2522538"/>
-                </a:lnTo>
-                <a:lnTo>
-                  <a:pt x="4637005" y="6858000"/>
-                </a:lnTo>
-                <a:lnTo>
-                  <a:pt x="0" y="6858000"/>
-                </a:lnTo>
-                <a:close/>
-              </a:path>
-            </a:pathLst>
-          </a:custGeom>
-          <a:blipFill>
-            <a:blip r:embed="rId2">
-              <a:duotone>
-                <a:schemeClr val="accent1">
-                  <a:tint val="98000"/>
-                  <a:lumMod val="102000"/>
-                </a:schemeClr>
-                <a:schemeClr val="accent1">
-                  <a:shade val="98000"/>
-                  <a:lumMod val="98000"/>
-                </a:schemeClr>
-              </a:duotone>
-            </a:blip>
-            <a:tile tx="0" ty="0" sx="100000" sy="100000" flip="none" algn="tl"/>
-          </a:blipFill>
-          <a:ln>
-            <a:headEnd/>
-            <a:tailEnd/>
-          </a:ln>
-        </p:spPr>
-        <p:style>
-          <a:lnRef idx="1">
-            <a:schemeClr val="accent1"/>
-          </a:lnRef>
-          <a:fillRef idx="3">
-            <a:schemeClr val="accent1"/>
-          </a:fillRef>
-          <a:effectRef idx="2">
-            <a:schemeClr val="accent1"/>
-          </a:effectRef>
-          <a:fontRef idx="minor">
-            <a:schemeClr val="lt1"/>
-          </a:fontRef>
-        </p:style>
-        <p:txBody>
-          <a:bodyPr wrap="square" rtlCol="0" anchor="ctr">
-            <a:noAutofit/>
-          </a:bodyPr>
-          <a:lstStyle/>
-          <a:p>
-            <a:pPr algn="ctr"/>
-            <a:endParaRPr lang="en-US"/>
-          </a:p>
-        </p:txBody>
-      </p:sp>
-      <p:sp>
-        <p:nvSpPr>
-          <p:cNvPr id="2" name="Заголовок 1">
-            <a:extLst>
-              <a:ext uri="{FF2B5EF4-FFF2-40B4-BE49-F238E27FC236}">
-                <a16:creationId xmlns:a16="http://schemas.microsoft.com/office/drawing/2014/main" id="{145DC289-3FDD-7140-8F36-01DECF772809}"/>
-              </a:ext>
-            </a:extLst>
-          </p:cNvPr>
-          <p:cNvSpPr>
-            <a:spLocks noGrp="1"/>
-          </p:cNvSpPr>
-          <p:nvPr>
-            <p:ph type="title"/>
-          </p:nvPr>
-        </p:nvSpPr>
-        <p:spPr>
-          <a:xfrm>
-            <a:off x="154788" y="47053"/>
-            <a:ext cx="4228433" cy="4241136"/>
-          </a:xfrm>
-        </p:spPr>
-        <p:txBody>
-          <a:bodyPr vert="horz" lIns="91440" tIns="45720" rIns="91440" bIns="45720" rtlCol="0" anchor="t">
-            <a:normAutofit fontScale="90000"/>
-          </a:bodyPr>
-          <a:lstStyle/>
-          <a:p>
-            <a:r>
-              <a:rPr lang="ru-RU" sz="2800" dirty="0"/>
-              <a:t>Уведомления 1 – это экран из задания</a:t>
-            </a:r>
-            <a:br>
-              <a:rPr lang="ru-RU" sz="2800" dirty="0"/>
-            </a:br>
-            <a:br>
-              <a:rPr lang="ru-RU" sz="2800" dirty="0"/>
-            </a:br>
-            <a:r>
-              <a:rPr lang="ru-RU" sz="2800" dirty="0"/>
-              <a:t>Уведомления 2 – это экран созданный мною</a:t>
-            </a:r>
-            <a:br>
-              <a:rPr lang="ru-RU" sz="2800" dirty="0"/>
-            </a:br>
-            <a:br>
-              <a:rPr lang="ru-RU" sz="2800" dirty="0"/>
-            </a:br>
-            <a:r>
-              <a:rPr lang="ru-RU" sz="2800" dirty="0"/>
-              <a:t>Есть визуальные различия в размерах шрифтов и картинок, это произошло из-за особенности макета</a:t>
-            </a:r>
-            <a:br>
-              <a:rPr lang="ru-RU" sz="2800" dirty="0"/>
-            </a:br>
-            <a:br>
-              <a:rPr lang="ru-RU" sz="2800" dirty="0"/>
-            </a:br>
-            <a:r>
-              <a:rPr lang="ru-RU" sz="2800" dirty="0"/>
-              <a:t>Уведомления, при нажатии выделяются так же как на макетном экране</a:t>
-            </a:r>
-            <a:endParaRPr lang="en-US" sz="2800" dirty="0"/>
-          </a:p>
-        </p:txBody>
-      </p:sp>
-      <p:pic>
-        <p:nvPicPr>
-          <p:cNvPr id="5" name="Объект 4" descr="Изображение выглядит как текст&#10;&#10;Автоматически созданное описание">
-            <a:extLst>
-              <a:ext uri="{FF2B5EF4-FFF2-40B4-BE49-F238E27FC236}">
-                <a16:creationId xmlns:a16="http://schemas.microsoft.com/office/drawing/2014/main" id="{2085A893-A66B-B44C-8FA7-228BC3EDEF67}"/>
-              </a:ext>
-            </a:extLst>
-          </p:cNvPr>
-          <p:cNvPicPr>
-            <a:picLocks noGrp="1" noChangeAspect="1"/>
-          </p:cNvPicPr>
-          <p:nvPr>
-            <p:ph idx="1"/>
-          </p:nvPr>
-        </p:nvPicPr>
-        <p:blipFill>
-          <a:blip r:embed="rId3"/>
-          <a:stretch>
-            <a:fillRect/>
-          </a:stretch>
-        </p:blipFill>
-        <p:spPr>
-          <a:xfrm>
-            <a:off x="8861124" y="582909"/>
-            <a:ext cx="2510022" cy="5397897"/>
-          </a:xfrm>
-          <a:prstGeom prst="roundRect">
-            <a:avLst>
-              <a:gd name="adj" fmla="val 3876"/>
-            </a:avLst>
-          </a:prstGeom>
-          <a:ln>
-            <a:solidFill>
-              <a:schemeClr val="accent1"/>
-            </a:solidFill>
-          </a:ln>
-          <a:effectLst/>
-        </p:spPr>
-      </p:pic>
-      <p:pic>
-        <p:nvPicPr>
-          <p:cNvPr id="9" name="Объект 4" descr="Изображение выглядит как текст&#10;&#10;Автоматически созданное описание">
-            <a:extLst>
-              <a:ext uri="{FF2B5EF4-FFF2-40B4-BE49-F238E27FC236}">
-                <a16:creationId xmlns:a16="http://schemas.microsoft.com/office/drawing/2014/main" id="{FBA9A0EE-6B16-C14F-9979-6C1FB1DC5C06}"/>
-              </a:ext>
-            </a:extLst>
-          </p:cNvPr>
-          <p:cNvPicPr>
-            <a:picLocks noChangeAspect="1"/>
-          </p:cNvPicPr>
-          <p:nvPr/>
-        </p:nvPicPr>
-        <p:blipFill>
-          <a:blip r:embed="rId4"/>
-          <a:stretch>
-            <a:fillRect/>
-          </a:stretch>
-        </p:blipFill>
-        <p:spPr>
-          <a:xfrm>
-            <a:off x="5500801" y="631428"/>
-            <a:ext cx="2496526" cy="5397897"/>
-          </a:xfrm>
-          <a:prstGeom prst="roundRect">
-            <a:avLst>
-              <a:gd name="adj" fmla="val 3876"/>
-            </a:avLst>
-          </a:prstGeom>
-          <a:ln>
-            <a:solidFill>
-              <a:schemeClr val="accent1"/>
-            </a:solidFill>
-          </a:ln>
-          <a:effectLst/>
-        </p:spPr>
-      </p:pic>
-      <p:sp>
-        <p:nvSpPr>
-          <p:cNvPr id="6" name="TextBox 5">
-            <a:extLst>
-              <a:ext uri="{FF2B5EF4-FFF2-40B4-BE49-F238E27FC236}">
-                <a16:creationId xmlns:a16="http://schemas.microsoft.com/office/drawing/2014/main" id="{49E2BC13-92D7-8443-A884-219A15D64B08}"/>
-              </a:ext>
-            </a:extLst>
-          </p:cNvPr>
-          <p:cNvSpPr txBox="1"/>
-          <p:nvPr/>
-        </p:nvSpPr>
-        <p:spPr>
-          <a:xfrm>
-            <a:off x="5780966" y="6074330"/>
-            <a:ext cx="2476753" cy="369332"/>
-          </a:xfrm>
-          <a:prstGeom prst="rect">
-            <a:avLst/>
-          </a:prstGeom>
-          <a:noFill/>
-        </p:spPr>
-        <p:txBody>
-          <a:bodyPr wrap="square" rtlCol="0">
-            <a:spAutoFit/>
-          </a:bodyPr>
-          <a:lstStyle/>
-          <a:p>
-            <a:r>
-              <a:rPr lang="ru-RU" dirty="0"/>
-              <a:t>Уведомления 1</a:t>
-            </a:r>
-          </a:p>
-        </p:txBody>
-      </p:sp>
-      <p:sp>
-        <p:nvSpPr>
-          <p:cNvPr id="11" name="TextBox 10">
-            <a:extLst>
-              <a:ext uri="{FF2B5EF4-FFF2-40B4-BE49-F238E27FC236}">
-                <a16:creationId xmlns:a16="http://schemas.microsoft.com/office/drawing/2014/main" id="{15C5F082-A487-204D-A482-177CC7A187A8}"/>
-              </a:ext>
-            </a:extLst>
-          </p:cNvPr>
-          <p:cNvSpPr txBox="1"/>
-          <p:nvPr/>
-        </p:nvSpPr>
-        <p:spPr>
-          <a:xfrm>
-            <a:off x="9138954" y="6090425"/>
-            <a:ext cx="2476753" cy="369332"/>
-          </a:xfrm>
-          <a:prstGeom prst="rect">
-            <a:avLst/>
-          </a:prstGeom>
-          <a:noFill/>
-        </p:spPr>
-        <p:txBody>
-          <a:bodyPr wrap="square" rtlCol="0">
-            <a:spAutoFit/>
-          </a:bodyPr>
-          <a:lstStyle/>
-          <a:p>
-            <a:r>
-              <a:rPr lang="ru-RU" dirty="0"/>
-              <a:t>Уведомления 2</a:t>
-            </a:r>
-          </a:p>
-        </p:txBody>
-      </p:sp>
-    </p:spTree>
-    <p:extLst>
-      <p:ext uri="{BB962C8B-B14F-4D97-AF65-F5344CB8AC3E}">
-        <p14:creationId xmlns:p14="http://schemas.microsoft.com/office/powerpoint/2010/main" val="2658038130"/>
-      </p:ext>
-    </p:extLst>
-  </p:cSld>
-  <p:clrMapOvr>
-    <a:overrideClrMapping bg1="lt1" tx1="dk1" bg2="lt2" tx2="dk2" accent1="accent1" accent2="accent2" accent3="accent3" accent4="accent4" accent5="accent5" accent6="accent6" hlink="hlink" folHlink="folHlink"/>
-  </p:clrMapOvr>
-</p:sld>
-</file>
-
-<file path=ppt/slides/slide7.xml><?xml version="1.0" encoding="utf-8"?>
-<p:sld xmlns:a="http://schemas.openxmlformats.org/drawingml/2006/main" xmlns:r="http://schemas.openxmlformats.org/officeDocument/2006/relationships" xmlns:p="http://schemas.openxmlformats.org/presentationml/2006/main">
-  <p:cSld>
-    <p:bg>
-      <p:bgPr>
-        <a:solidFill>
-          <a:schemeClr val="bg1"/>
-        </a:solidFill>
-        <a:effectLst/>
-      </p:bgPr>
-    </p:bg>
-    <p:spTree>
-      <p:nvGrpSpPr>
-        <p:cNvPr id="1" name=""/>
-        <p:cNvGrpSpPr/>
-        <p:nvPr/>
-      </p:nvGrpSpPr>
-      <p:grpSpPr>
-        <a:xfrm>
-          <a:off x="0" y="0"/>
-          <a:ext cx="0" cy="0"/>
-          <a:chOff x="0" y="0"/>
-          <a:chExt cx="0" cy="0"/>
-        </a:xfrm>
-      </p:grpSpPr>
-      <p:sp>
-        <p:nvSpPr>
-          <p:cNvPr id="10" name="Freeform 6">
-            <a:extLst>
-              <a:ext uri="{FF2B5EF4-FFF2-40B4-BE49-F238E27FC236}">
-                <a16:creationId xmlns:a16="http://schemas.microsoft.com/office/drawing/2014/main" id="{133F8CB7-795C-4272-9073-64D8CF97F220}"/>
-              </a:ext>
-              <a:ext uri="{C183D7F6-B498-43B3-948B-1728B52AA6E4}">
-                <adec:decorative xmlns:adec="http://schemas.microsoft.com/office/drawing/2017/decorative" val="1"/>
-              </a:ext>
-            </a:extLst>
-          </p:cNvPr>
-          <p:cNvSpPr>
-            <a:spLocks noGrp="1" noRot="1" noChangeAspect="1" noMove="1" noResize="1" noEditPoints="1" noAdjustHandles="1" noChangeArrowheads="1" noChangeShapeType="1" noTextEdit="1"/>
-          </p:cNvSpPr>
-          <p:nvPr>
-            <p:extLst>
-              <p:ext uri="{386F3935-93C4-4BCD-93E2-E3B085C9AB24}">
-                <p16:designElem xmlns:p16="http://schemas.microsoft.com/office/powerpoint/2015/main" val="1"/>
-              </p:ext>
-            </p:extLst>
-          </p:nvPr>
-        </p:nvSpPr>
-        <p:spPr bwMode="auto">
-          <a:xfrm>
-            <a:off x="0" y="-3175"/>
-            <a:ext cx="12192000" cy="5203825"/>
-          </a:xfrm>
-          <a:custGeom>
-            <a:avLst/>
-            <a:gdLst/>
-            <a:ahLst/>
-            <a:cxnLst/>
-            <a:rect l="0" t="0" r="r" b="b"/>
-            <a:pathLst>
-              <a:path w="5760" h="3278">
-                <a:moveTo>
-                  <a:pt x="5760" y="0"/>
-                </a:moveTo>
-                <a:lnTo>
-                  <a:pt x="0" y="0"/>
-                </a:lnTo>
-                <a:lnTo>
-                  <a:pt x="0" y="3090"/>
-                </a:lnTo>
-                <a:lnTo>
-                  <a:pt x="943" y="3090"/>
-                </a:lnTo>
-                <a:lnTo>
-                  <a:pt x="1123" y="3270"/>
-                </a:lnTo>
-                <a:lnTo>
-                  <a:pt x="1123" y="3270"/>
-                </a:lnTo>
-                <a:lnTo>
-                  <a:pt x="1127" y="3272"/>
-                </a:lnTo>
-                <a:lnTo>
-                  <a:pt x="1133" y="3275"/>
-                </a:lnTo>
-                <a:lnTo>
-                  <a:pt x="1139" y="3278"/>
-                </a:lnTo>
-                <a:lnTo>
-                  <a:pt x="1144" y="3278"/>
-                </a:lnTo>
-                <a:lnTo>
-                  <a:pt x="1150" y="3278"/>
-                </a:lnTo>
-                <a:lnTo>
-                  <a:pt x="1155" y="3275"/>
-                </a:lnTo>
-                <a:lnTo>
-                  <a:pt x="1161" y="3272"/>
-                </a:lnTo>
-                <a:lnTo>
-                  <a:pt x="1165" y="3270"/>
-                </a:lnTo>
-                <a:lnTo>
-                  <a:pt x="1345" y="3090"/>
-                </a:lnTo>
-                <a:lnTo>
-                  <a:pt x="5760" y="3090"/>
-                </a:lnTo>
-                <a:lnTo>
-                  <a:pt x="5760" y="0"/>
-                </a:lnTo>
-                <a:close/>
-              </a:path>
-            </a:pathLst>
-          </a:custGeom>
-          <a:ln/>
-          <a:effectLst/>
-          <a:extLst>
-            <a:ext uri="{91240B29-F687-4f45-9708-019B960494DF}">
-              <a14:hiddenLine xmlns="" xmlns:a16="http://schemas.microsoft.com/office/drawing/2014/main" xmlns:p14="http://schemas.microsoft.com/office/powerpoint/2010/main" xmlns:a14="http://schemas.microsoft.com/office/drawing/2010/main" w="9525">
-                <a:solidFill>
-                  <a:srgbClr val="000000"/>
-                </a:solidFill>
-                <a:round/>
-                <a:headEnd/>
-                <a:tailEnd/>
-              </a14:hiddenLine>
-            </a:ext>
-          </a:extLst>
-        </p:spPr>
-        <p:style>
-          <a:lnRef idx="1">
-            <a:schemeClr val="accent1"/>
-          </a:lnRef>
-          <a:fillRef idx="3">
-            <a:schemeClr val="accent1"/>
-          </a:fillRef>
-          <a:effectRef idx="2">
-            <a:schemeClr val="accent1"/>
-          </a:effectRef>
-          <a:fontRef idx="minor">
-            <a:schemeClr val="lt1"/>
-          </a:fontRef>
-        </p:style>
-      </p:sp>
-      <p:sp>
-        <p:nvSpPr>
-          <p:cNvPr id="12" name="Rectangle 11">
-            <a:extLst>
-              <a:ext uri="{FF2B5EF4-FFF2-40B4-BE49-F238E27FC236}">
-                <a16:creationId xmlns:a16="http://schemas.microsoft.com/office/drawing/2014/main" id="{B7743172-17A8-4FA4-8434-B813E03B7665}"/>
-              </a:ext>
-              <a:ext uri="{C183D7F6-B498-43B3-948B-1728B52AA6E4}">
-                <adec:decorative xmlns:adec="http://schemas.microsoft.com/office/drawing/2017/decorative" val="1"/>
-              </a:ext>
-            </a:extLst>
-          </p:cNvPr>
-          <p:cNvSpPr>
-            <a:spLocks noGrp="1" noRot="1" noChangeAspect="1" noMove="1" noResize="1" noEditPoints="1" noAdjustHandles="1" noChangeArrowheads="1" noChangeShapeType="1" noTextEdit="1"/>
-          </p:cNvSpPr>
-          <p:nvPr>
-            <p:extLst>
-              <p:ext uri="{386F3935-93C4-4BCD-93E2-E3B085C9AB24}">
-                <p16:designElem xmlns:p16="http://schemas.microsoft.com/office/powerpoint/2015/main" val="1"/>
-              </p:ext>
-            </p:extLst>
-          </p:nvPr>
-        </p:nvSpPr>
-        <p:spPr>
-          <a:xfrm>
-            <a:off x="0" y="0"/>
-            <a:ext cx="12192000" cy="6858000"/>
-          </a:xfrm>
-          <a:prstGeom prst="rect">
-            <a:avLst/>
-          </a:prstGeom>
-          <a:solidFill>
-            <a:schemeClr val="bg1"/>
-          </a:solidFill>
-          <a:ln>
-            <a:noFill/>
-          </a:ln>
-        </p:spPr>
-        <p:style>
-          <a:lnRef idx="2">
-            <a:schemeClr val="accent1">
-              <a:shade val="50000"/>
-            </a:schemeClr>
-          </a:lnRef>
-          <a:fillRef idx="1">
-            <a:schemeClr val="accent1"/>
-          </a:fillRef>
-          <a:effectRef idx="0">
-            <a:schemeClr val="accent1"/>
-          </a:effectRef>
-          <a:fontRef idx="minor">
-            <a:schemeClr val="lt1"/>
-          </a:fontRef>
-        </p:style>
-        <p:txBody>
-          <a:bodyPr rtlCol="0" anchor="ctr"/>
-          <a:lstStyle/>
-          <a:p>
-            <a:pPr algn="ctr"/>
-            <a:endParaRPr lang="en-US"/>
-          </a:p>
-        </p:txBody>
-      </p:sp>
-      <p:sp>
-        <p:nvSpPr>
-          <p:cNvPr id="14" name="Freeform 23">
-            <a:extLst>
-              <a:ext uri="{FF2B5EF4-FFF2-40B4-BE49-F238E27FC236}">
-                <a16:creationId xmlns:a16="http://schemas.microsoft.com/office/drawing/2014/main" id="{4CE1233C-FD2F-489E-BFDE-086F5FED6491}"/>
-              </a:ext>
-              <a:ext uri="{C183D7F6-B498-43B3-948B-1728B52AA6E4}">
-                <adec:decorative xmlns:adec="http://schemas.microsoft.com/office/drawing/2017/decorative" val="1"/>
-              </a:ext>
-            </a:extLst>
-          </p:cNvPr>
-          <p:cNvSpPr>
-            <a:spLocks noGrp="1" noRot="1" noChangeAspect="1" noMove="1" noResize="1" noEditPoints="1" noAdjustHandles="1" noChangeArrowheads="1" noChangeShapeType="1" noTextEdit="1"/>
-          </p:cNvSpPr>
-          <p:nvPr>
-            <p:extLst>
-              <p:ext uri="{386F3935-93C4-4BCD-93E2-E3B085C9AB24}">
-                <p16:designElem xmlns:p16="http://schemas.microsoft.com/office/powerpoint/2015/main" val="1"/>
-              </p:ext>
-            </p:extLst>
-          </p:nvPr>
-        </p:nvSpPr>
-        <p:spPr bwMode="white">
-          <a:xfrm>
-            <a:off x="0" y="0"/>
-            <a:ext cx="4637005" cy="6858000"/>
-          </a:xfrm>
-          <a:custGeom>
-            <a:avLst/>
-            <a:gdLst>
-              <a:gd name="connsiteX0" fmla="*/ 0 w 4637005"/>
-              <a:gd name="connsiteY0" fmla="*/ 0 h 6858000"/>
-              <a:gd name="connsiteX1" fmla="*/ 4637005 w 4637005"/>
-              <a:gd name="connsiteY1" fmla="*/ 0 h 6858000"/>
-              <a:gd name="connsiteX2" fmla="*/ 4637005 w 4637005"/>
-              <a:gd name="connsiteY2" fmla="*/ 1900238 h 6858000"/>
-              <a:gd name="connsiteX3" fmla="*/ 4266589 w 4637005"/>
-              <a:gd name="connsiteY3" fmla="*/ 2178050 h 6858000"/>
-              <a:gd name="connsiteX4" fmla="*/ 4262355 w 4637005"/>
-              <a:gd name="connsiteY4" fmla="*/ 2184400 h 6858000"/>
-              <a:gd name="connsiteX5" fmla="*/ 4256005 w 4637005"/>
-              <a:gd name="connsiteY5" fmla="*/ 2193925 h 6858000"/>
-              <a:gd name="connsiteX6" fmla="*/ 4249655 w 4637005"/>
-              <a:gd name="connsiteY6" fmla="*/ 2201863 h 6858000"/>
-              <a:gd name="connsiteX7" fmla="*/ 4249655 w 4637005"/>
-              <a:gd name="connsiteY7" fmla="*/ 2211388 h 6858000"/>
-              <a:gd name="connsiteX8" fmla="*/ 4249655 w 4637005"/>
-              <a:gd name="connsiteY8" fmla="*/ 2220913 h 6858000"/>
-              <a:gd name="connsiteX9" fmla="*/ 4256005 w 4637005"/>
-              <a:gd name="connsiteY9" fmla="*/ 2228850 h 6858000"/>
-              <a:gd name="connsiteX10" fmla="*/ 4262355 w 4637005"/>
-              <a:gd name="connsiteY10" fmla="*/ 2238375 h 6858000"/>
-              <a:gd name="connsiteX11" fmla="*/ 4266589 w 4637005"/>
-              <a:gd name="connsiteY11" fmla="*/ 2244725 h 6858000"/>
-              <a:gd name="connsiteX12" fmla="*/ 4637005 w 4637005"/>
-              <a:gd name="connsiteY12" fmla="*/ 2522538 h 6858000"/>
-              <a:gd name="connsiteX13" fmla="*/ 4637005 w 4637005"/>
-              <a:gd name="connsiteY13" fmla="*/ 6858000 h 6858000"/>
-              <a:gd name="connsiteX14" fmla="*/ 0 w 4637005"/>
-              <a:gd name="connsiteY14" fmla="*/ 6858000 h 6858000"/>
-            </a:gdLst>
-            <a:ahLst/>
-            <a:cxnLst>
-              <a:cxn ang="0">
-                <a:pos x="connsiteX0" y="connsiteY0"/>
-              </a:cxn>
-              <a:cxn ang="0">
-                <a:pos x="connsiteX1" y="connsiteY1"/>
-              </a:cxn>
-              <a:cxn ang="0">
-                <a:pos x="connsiteX2" y="connsiteY2"/>
-              </a:cxn>
-              <a:cxn ang="0">
-                <a:pos x="connsiteX3" y="connsiteY3"/>
-              </a:cxn>
-              <a:cxn ang="0">
-                <a:pos x="connsiteX4" y="connsiteY4"/>
-              </a:cxn>
-              <a:cxn ang="0">
-                <a:pos x="connsiteX5" y="connsiteY5"/>
-              </a:cxn>
-              <a:cxn ang="0">
-                <a:pos x="connsiteX6" y="connsiteY6"/>
-              </a:cxn>
-              <a:cxn ang="0">
-                <a:pos x="connsiteX7" y="connsiteY7"/>
-              </a:cxn>
-              <a:cxn ang="0">
-                <a:pos x="connsiteX8" y="connsiteY8"/>
-              </a:cxn>
-              <a:cxn ang="0">
-                <a:pos x="connsiteX9" y="connsiteY9"/>
-              </a:cxn>
-              <a:cxn ang="0">
-                <a:pos x="connsiteX10" y="connsiteY10"/>
-              </a:cxn>
-              <a:cxn ang="0">
-                <a:pos x="connsiteX11" y="connsiteY11"/>
-              </a:cxn>
-              <a:cxn ang="0">
-                <a:pos x="connsiteX12" y="connsiteY12"/>
-              </a:cxn>
-              <a:cxn ang="0">
-                <a:pos x="connsiteX13" y="connsiteY13"/>
-              </a:cxn>
-              <a:cxn ang="0">
-                <a:pos x="connsiteX14" y="connsiteY14"/>
-              </a:cxn>
-            </a:cxnLst>
-            <a:rect l="l" t="t" r="r" b="b"/>
-            <a:pathLst>
-              <a:path w="4637005" h="6858000">
-                <a:moveTo>
-                  <a:pt x="0" y="0"/>
-                </a:moveTo>
-                <a:lnTo>
-                  <a:pt x="4637005" y="0"/>
-                </a:lnTo>
-                <a:lnTo>
-                  <a:pt x="4637005" y="1900238"/>
-                </a:lnTo>
-                <a:lnTo>
-                  <a:pt x="4266589" y="2178050"/>
-                </a:lnTo>
-                <a:lnTo>
-                  <a:pt x="4262355" y="2184400"/>
-                </a:lnTo>
-                <a:lnTo>
-                  <a:pt x="4256005" y="2193925"/>
-                </a:lnTo>
-                <a:lnTo>
-                  <a:pt x="4249655" y="2201863"/>
-                </a:lnTo>
-                <a:lnTo>
-                  <a:pt x="4249655" y="2211388"/>
-                </a:lnTo>
-                <a:lnTo>
-                  <a:pt x="4249655" y="2220913"/>
-                </a:lnTo>
-                <a:lnTo>
-                  <a:pt x="4256005" y="2228850"/>
-                </a:lnTo>
-                <a:lnTo>
-                  <a:pt x="4262355" y="2238375"/>
-                </a:lnTo>
-                <a:lnTo>
-                  <a:pt x="4266589" y="2244725"/>
-                </a:lnTo>
-                <a:lnTo>
-                  <a:pt x="4637005" y="2522538"/>
-                </a:lnTo>
-                <a:lnTo>
-                  <a:pt x="4637005" y="6858000"/>
-                </a:lnTo>
-                <a:lnTo>
-                  <a:pt x="0" y="6858000"/>
-                </a:lnTo>
-                <a:close/>
-              </a:path>
-            </a:pathLst>
-          </a:custGeom>
-          <a:blipFill>
-            <a:blip r:embed="rId2">
-              <a:duotone>
-                <a:schemeClr val="accent1">
-                  <a:tint val="98000"/>
-                  <a:lumMod val="102000"/>
-                </a:schemeClr>
-                <a:schemeClr val="accent1">
-                  <a:shade val="98000"/>
-                  <a:lumMod val="98000"/>
-                </a:schemeClr>
-              </a:duotone>
-            </a:blip>
-            <a:tile tx="0" ty="0" sx="100000" sy="100000" flip="none" algn="tl"/>
-          </a:blipFill>
-          <a:ln>
-            <a:headEnd/>
-            <a:tailEnd/>
-          </a:ln>
-        </p:spPr>
-        <p:style>
-          <a:lnRef idx="1">
-            <a:schemeClr val="accent1"/>
-          </a:lnRef>
-          <a:fillRef idx="3">
-            <a:schemeClr val="accent1"/>
-          </a:fillRef>
-          <a:effectRef idx="2">
-            <a:schemeClr val="accent1"/>
-          </a:effectRef>
-          <a:fontRef idx="minor">
-            <a:schemeClr val="lt1"/>
-          </a:fontRef>
-        </p:style>
-        <p:txBody>
-          <a:bodyPr wrap="square" rtlCol="0" anchor="ctr">
-            <a:noAutofit/>
-          </a:bodyPr>
-          <a:lstStyle/>
-          <a:p>
-            <a:pPr algn="ctr"/>
-            <a:endParaRPr lang="en-US"/>
-          </a:p>
-        </p:txBody>
-      </p:sp>
-      <p:sp>
-        <p:nvSpPr>
-          <p:cNvPr id="2" name="Заголовок 1">
-            <a:extLst>
-              <a:ext uri="{FF2B5EF4-FFF2-40B4-BE49-F238E27FC236}">
-                <a16:creationId xmlns:a16="http://schemas.microsoft.com/office/drawing/2014/main" id="{0AE43486-FC31-1146-8E5D-EA61B132873B}"/>
-              </a:ext>
-            </a:extLst>
-          </p:cNvPr>
-          <p:cNvSpPr>
-            <a:spLocks noGrp="1"/>
-          </p:cNvSpPr>
-          <p:nvPr>
-            <p:ph type="title"/>
-          </p:nvPr>
-        </p:nvSpPr>
-        <p:spPr>
-          <a:xfrm>
-            <a:off x="216127" y="553943"/>
-            <a:ext cx="4204749" cy="4241136"/>
-          </a:xfrm>
-        </p:spPr>
-        <p:txBody>
-          <a:bodyPr vert="horz" lIns="91440" tIns="45720" rIns="91440" bIns="45720" rtlCol="0" anchor="t">
-            <a:normAutofit fontScale="90000"/>
-          </a:bodyPr>
-          <a:lstStyle/>
-          <a:p>
-            <a:r>
-              <a:rPr lang="ru-RU" sz="2800" dirty="0"/>
-              <a:t>Карта 1 – это экран из задания</a:t>
-            </a:r>
-            <a:br>
-              <a:rPr lang="ru-RU" sz="2800" dirty="0"/>
-            </a:br>
-            <a:br>
-              <a:rPr lang="ru-RU" sz="2800" dirty="0"/>
-            </a:br>
-            <a:r>
-              <a:rPr lang="ru-RU" sz="2800" dirty="0"/>
-              <a:t>Карта 2 – это экран созданный мною</a:t>
-            </a:r>
-            <a:br>
-              <a:rPr lang="ru-RU" sz="2800" dirty="0"/>
-            </a:br>
-            <a:br>
-              <a:rPr lang="ru-RU" sz="2800" dirty="0"/>
-            </a:br>
-            <a:r>
-              <a:rPr lang="ru-RU" sz="2800" dirty="0"/>
-              <a:t>На экране Карта 2 по заданию реализована карта с определением текущего местоположения, создан </a:t>
-            </a:r>
-            <a:r>
-              <a:rPr lang="ru-RU" sz="2800" dirty="0" err="1"/>
-              <a:t>скролл</a:t>
-            </a:r>
-            <a:r>
-              <a:rPr lang="ru-RU" sz="2800" dirty="0"/>
-              <a:t> по недавним запросам и поиск городов</a:t>
-            </a:r>
-            <a:endParaRPr lang="en-US" sz="2800" dirty="0"/>
-          </a:p>
-        </p:txBody>
-      </p:sp>
-      <p:pic>
-        <p:nvPicPr>
-          <p:cNvPr id="5" name="Объект 4">
-            <a:extLst>
-              <a:ext uri="{FF2B5EF4-FFF2-40B4-BE49-F238E27FC236}">
-                <a16:creationId xmlns:a16="http://schemas.microsoft.com/office/drawing/2014/main" id="{BA6C4A17-BD3A-2042-8EEA-88CE16B6C27E}"/>
-              </a:ext>
-            </a:extLst>
-          </p:cNvPr>
-          <p:cNvPicPr>
-            <a:picLocks noGrp="1" noChangeAspect="1"/>
-          </p:cNvPicPr>
-          <p:nvPr>
-            <p:ph idx="1"/>
-          </p:nvPr>
-        </p:nvPicPr>
-        <p:blipFill>
-          <a:blip r:embed="rId3"/>
-          <a:stretch>
-            <a:fillRect/>
-          </a:stretch>
-        </p:blipFill>
-        <p:spPr>
-          <a:xfrm>
-            <a:off x="9067878" y="631427"/>
-            <a:ext cx="2496526" cy="5397897"/>
-          </a:xfrm>
-          <a:prstGeom prst="roundRect">
-            <a:avLst>
-              <a:gd name="adj" fmla="val 3876"/>
-            </a:avLst>
-          </a:prstGeom>
-          <a:ln>
-            <a:solidFill>
-              <a:schemeClr val="accent1"/>
-            </a:solidFill>
-          </a:ln>
-          <a:effectLst/>
-        </p:spPr>
-      </p:pic>
-      <p:pic>
-        <p:nvPicPr>
-          <p:cNvPr id="9" name="Объект 4" descr="Изображение выглядит как карта&#10;&#10;Автоматически созданное описание">
-            <a:extLst>
-              <a:ext uri="{FF2B5EF4-FFF2-40B4-BE49-F238E27FC236}">
-                <a16:creationId xmlns:a16="http://schemas.microsoft.com/office/drawing/2014/main" id="{BC55A09A-B8BB-C646-AEE9-0D28C000CAE8}"/>
-              </a:ext>
-            </a:extLst>
-          </p:cNvPr>
-          <p:cNvPicPr>
-            <a:picLocks noChangeAspect="1"/>
-          </p:cNvPicPr>
-          <p:nvPr/>
-        </p:nvPicPr>
-        <p:blipFill>
-          <a:blip r:embed="rId4"/>
-          <a:stretch>
-            <a:fillRect/>
-          </a:stretch>
-        </p:blipFill>
-        <p:spPr>
-          <a:xfrm>
-            <a:off x="5624421" y="631428"/>
-            <a:ext cx="2456041" cy="5397897"/>
-          </a:xfrm>
-          <a:prstGeom prst="roundRect">
-            <a:avLst>
-              <a:gd name="adj" fmla="val 3876"/>
-            </a:avLst>
-          </a:prstGeom>
-          <a:ln>
-            <a:solidFill>
-              <a:schemeClr val="accent1"/>
-            </a:solidFill>
-          </a:ln>
-          <a:effectLst/>
-        </p:spPr>
-      </p:pic>
-      <p:sp>
-        <p:nvSpPr>
-          <p:cNvPr id="11" name="TextBox 10">
-            <a:extLst>
-              <a:ext uri="{FF2B5EF4-FFF2-40B4-BE49-F238E27FC236}">
-                <a16:creationId xmlns:a16="http://schemas.microsoft.com/office/drawing/2014/main" id="{CDDB9470-95D6-9043-842F-9B694375FC9C}"/>
-              </a:ext>
-            </a:extLst>
-          </p:cNvPr>
-          <p:cNvSpPr txBox="1"/>
-          <p:nvPr/>
-        </p:nvSpPr>
-        <p:spPr>
-          <a:xfrm>
-            <a:off x="6006236" y="6151412"/>
-            <a:ext cx="1503809" cy="461665"/>
-          </a:xfrm>
-          <a:prstGeom prst="rect">
-            <a:avLst/>
-          </a:prstGeom>
-          <a:noFill/>
-        </p:spPr>
-        <p:txBody>
-          <a:bodyPr wrap="square" rtlCol="0">
-            <a:spAutoFit/>
-          </a:bodyPr>
-          <a:lstStyle/>
-          <a:p>
-            <a:r>
-              <a:rPr lang="ru-RU" sz="2400" dirty="0"/>
-              <a:t>Карта 1</a:t>
-            </a:r>
-          </a:p>
-        </p:txBody>
-      </p:sp>
-      <p:sp>
-        <p:nvSpPr>
-          <p:cNvPr id="13" name="TextBox 12">
-            <a:extLst>
-              <a:ext uri="{FF2B5EF4-FFF2-40B4-BE49-F238E27FC236}">
-                <a16:creationId xmlns:a16="http://schemas.microsoft.com/office/drawing/2014/main" id="{EB579B96-B74C-C64C-9A93-D8D2BC561A56}"/>
-              </a:ext>
-            </a:extLst>
-          </p:cNvPr>
-          <p:cNvSpPr txBox="1"/>
-          <p:nvPr/>
-        </p:nvSpPr>
-        <p:spPr>
-          <a:xfrm>
-            <a:off x="9564236" y="6168472"/>
-            <a:ext cx="1503809" cy="461665"/>
-          </a:xfrm>
-          <a:prstGeom prst="rect">
-            <a:avLst/>
-          </a:prstGeom>
-          <a:noFill/>
-        </p:spPr>
-        <p:txBody>
-          <a:bodyPr wrap="square" rtlCol="0">
-            <a:spAutoFit/>
-          </a:bodyPr>
-          <a:lstStyle/>
-          <a:p>
-            <a:r>
-              <a:rPr lang="ru-RU" sz="2400" dirty="0"/>
-              <a:t>Карта 2</a:t>
-            </a:r>
-          </a:p>
-        </p:txBody>
-      </p:sp>
-    </p:spTree>
-    <p:extLst>
-      <p:ext uri="{BB962C8B-B14F-4D97-AF65-F5344CB8AC3E}">
-        <p14:creationId xmlns:p14="http://schemas.microsoft.com/office/powerpoint/2010/main" val="2821444704"/>
-      </p:ext>
-    </p:extLst>
-  </p:cSld>
-  <p:clrMapOvr>
-    <a:overrideClrMapping bg1="lt1" tx1="dk1" bg2="lt2" tx2="dk2" accent1="accent1" accent2="accent2" accent3="accent3" accent4="accent4" accent5="accent5" accent6="accent6" hlink="hlink" folHlink="folHlink"/>
-  </p:clrMapOvr>
-</p:sld>
-</file>
-
-<file path=ppt/slides/slide8.xml><?xml version="1.0" encoding="utf-8"?>
-<p:sld xmlns:a="http://schemas.openxmlformats.org/drawingml/2006/main" xmlns:r="http://schemas.openxmlformats.org/officeDocument/2006/relationships" xmlns:p="http://schemas.openxmlformats.org/presentationml/2006/main">
-  <p:cSld>
-    <p:bg>
-      <p:bgPr>
-        <a:solidFill>
-          <a:schemeClr val="bg1"/>
-        </a:solidFill>
-        <a:effectLst/>
-      </p:bgPr>
-    </p:bg>
-    <p:spTree>
-      <p:nvGrpSpPr>
-        <p:cNvPr id="1" name=""/>
-        <p:cNvGrpSpPr/>
-        <p:nvPr/>
-      </p:nvGrpSpPr>
-      <p:grpSpPr>
-        <a:xfrm>
-          <a:off x="0" y="0"/>
-          <a:ext cx="0" cy="0"/>
-          <a:chOff x="0" y="0"/>
-          <a:chExt cx="0" cy="0"/>
-        </a:xfrm>
-      </p:grpSpPr>
-      <p:sp>
-        <p:nvSpPr>
-          <p:cNvPr id="10" name="Freeform 6">
-            <a:extLst>
-              <a:ext uri="{FF2B5EF4-FFF2-40B4-BE49-F238E27FC236}">
-                <a16:creationId xmlns:a16="http://schemas.microsoft.com/office/drawing/2014/main" id="{133F8CB7-795C-4272-9073-64D8CF97F220}"/>
-              </a:ext>
-              <a:ext uri="{C183D7F6-B498-43B3-948B-1728B52AA6E4}">
-                <adec:decorative xmlns:adec="http://schemas.microsoft.com/office/drawing/2017/decorative" val="1"/>
-              </a:ext>
-            </a:extLst>
-          </p:cNvPr>
-          <p:cNvSpPr>
-            <a:spLocks noGrp="1" noRot="1" noChangeAspect="1" noMove="1" noResize="1" noEditPoints="1" noAdjustHandles="1" noChangeArrowheads="1" noChangeShapeType="1" noTextEdit="1"/>
-          </p:cNvSpPr>
-          <p:nvPr>
-            <p:extLst>
-              <p:ext uri="{386F3935-93C4-4BCD-93E2-E3B085C9AB24}">
-                <p16:designElem xmlns:p16="http://schemas.microsoft.com/office/powerpoint/2015/main" val="1"/>
-              </p:ext>
-            </p:extLst>
-          </p:nvPr>
-        </p:nvSpPr>
-        <p:spPr bwMode="auto">
-          <a:xfrm>
-            <a:off x="0" y="-3175"/>
-            <a:ext cx="12192000" cy="5203825"/>
-          </a:xfrm>
-          <a:custGeom>
-            <a:avLst/>
-            <a:gdLst/>
-            <a:ahLst/>
-            <a:cxnLst/>
-            <a:rect l="0" t="0" r="r" b="b"/>
-            <a:pathLst>
-              <a:path w="5760" h="3278">
-                <a:moveTo>
-                  <a:pt x="5760" y="0"/>
-                </a:moveTo>
-                <a:lnTo>
-                  <a:pt x="0" y="0"/>
-                </a:lnTo>
-                <a:lnTo>
-                  <a:pt x="0" y="3090"/>
-                </a:lnTo>
-                <a:lnTo>
-                  <a:pt x="943" y="3090"/>
-                </a:lnTo>
-                <a:lnTo>
-                  <a:pt x="1123" y="3270"/>
-                </a:lnTo>
-                <a:lnTo>
-                  <a:pt x="1123" y="3270"/>
-                </a:lnTo>
-                <a:lnTo>
-                  <a:pt x="1127" y="3272"/>
-                </a:lnTo>
-                <a:lnTo>
-                  <a:pt x="1133" y="3275"/>
-                </a:lnTo>
-                <a:lnTo>
-                  <a:pt x="1139" y="3278"/>
-                </a:lnTo>
-                <a:lnTo>
-                  <a:pt x="1144" y="3278"/>
-                </a:lnTo>
-                <a:lnTo>
-                  <a:pt x="1150" y="3278"/>
-                </a:lnTo>
-                <a:lnTo>
-                  <a:pt x="1155" y="3275"/>
-                </a:lnTo>
-                <a:lnTo>
-                  <a:pt x="1161" y="3272"/>
-                </a:lnTo>
-                <a:lnTo>
-                  <a:pt x="1165" y="3270"/>
-                </a:lnTo>
-                <a:lnTo>
-                  <a:pt x="1345" y="3090"/>
-                </a:lnTo>
-                <a:lnTo>
-                  <a:pt x="5760" y="3090"/>
-                </a:lnTo>
-                <a:lnTo>
-                  <a:pt x="5760" y="0"/>
-                </a:lnTo>
-                <a:close/>
-              </a:path>
-            </a:pathLst>
-          </a:custGeom>
-          <a:ln/>
-          <a:effectLst/>
-          <a:extLst>
-            <a:ext uri="{91240B29-F687-4f45-9708-019B960494DF}">
-              <a14:hiddenLine xmlns="" xmlns:a16="http://schemas.microsoft.com/office/drawing/2014/main" xmlns:p14="http://schemas.microsoft.com/office/powerpoint/2010/main" xmlns:a14="http://schemas.microsoft.com/office/drawing/2010/main" w="9525">
-                <a:solidFill>
-                  <a:srgbClr val="000000"/>
-                </a:solidFill>
-                <a:round/>
-                <a:headEnd/>
-                <a:tailEnd/>
-              </a14:hiddenLine>
-            </a:ext>
-          </a:extLst>
-        </p:spPr>
-        <p:style>
-          <a:lnRef idx="1">
-            <a:schemeClr val="accent1"/>
-          </a:lnRef>
-          <a:fillRef idx="3">
-            <a:schemeClr val="accent1"/>
-          </a:fillRef>
-          <a:effectRef idx="2">
-            <a:schemeClr val="accent1"/>
-          </a:effectRef>
-          <a:fontRef idx="minor">
-            <a:schemeClr val="lt1"/>
-          </a:fontRef>
-        </p:style>
-      </p:sp>
-      <p:sp>
-        <p:nvSpPr>
-          <p:cNvPr id="12" name="Rectangle 11">
-            <a:extLst>
-              <a:ext uri="{FF2B5EF4-FFF2-40B4-BE49-F238E27FC236}">
-                <a16:creationId xmlns:a16="http://schemas.microsoft.com/office/drawing/2014/main" id="{B7743172-17A8-4FA4-8434-B813E03B7665}"/>
-              </a:ext>
-              <a:ext uri="{C183D7F6-B498-43B3-948B-1728B52AA6E4}">
-                <adec:decorative xmlns:adec="http://schemas.microsoft.com/office/drawing/2017/decorative" val="1"/>
-              </a:ext>
-            </a:extLst>
-          </p:cNvPr>
-          <p:cNvSpPr>
-            <a:spLocks noGrp="1" noRot="1" noChangeAspect="1" noMove="1" noResize="1" noEditPoints="1" noAdjustHandles="1" noChangeArrowheads="1" noChangeShapeType="1" noTextEdit="1"/>
-          </p:cNvSpPr>
-          <p:nvPr>
-            <p:extLst>
-              <p:ext uri="{386F3935-93C4-4BCD-93E2-E3B085C9AB24}">
-                <p16:designElem xmlns:p16="http://schemas.microsoft.com/office/powerpoint/2015/main" val="1"/>
-              </p:ext>
-            </p:extLst>
-          </p:nvPr>
-        </p:nvSpPr>
-        <p:spPr>
-          <a:xfrm>
-            <a:off x="0" y="0"/>
-            <a:ext cx="12192000" cy="6858000"/>
-          </a:xfrm>
-          <a:prstGeom prst="rect">
-            <a:avLst/>
-          </a:prstGeom>
-          <a:solidFill>
-            <a:schemeClr val="bg1"/>
-          </a:solidFill>
-          <a:ln>
-            <a:noFill/>
-          </a:ln>
-        </p:spPr>
-        <p:style>
-          <a:lnRef idx="2">
-            <a:schemeClr val="accent1">
-              <a:shade val="50000"/>
-            </a:schemeClr>
-          </a:lnRef>
-          <a:fillRef idx="1">
-            <a:schemeClr val="accent1"/>
-          </a:fillRef>
-          <a:effectRef idx="0">
-            <a:schemeClr val="accent1"/>
-          </a:effectRef>
-          <a:fontRef idx="minor">
-            <a:schemeClr val="lt1"/>
-          </a:fontRef>
-        </p:style>
-        <p:txBody>
-          <a:bodyPr rtlCol="0" anchor="ctr"/>
-          <a:lstStyle/>
-          <a:p>
-            <a:pPr algn="ctr"/>
-            <a:endParaRPr lang="en-US"/>
-          </a:p>
-        </p:txBody>
-      </p:sp>
-      <p:sp>
-        <p:nvSpPr>
-          <p:cNvPr id="14" name="Freeform 23">
-            <a:extLst>
-              <a:ext uri="{FF2B5EF4-FFF2-40B4-BE49-F238E27FC236}">
-                <a16:creationId xmlns:a16="http://schemas.microsoft.com/office/drawing/2014/main" id="{4CE1233C-FD2F-489E-BFDE-086F5FED6491}"/>
-              </a:ext>
-              <a:ext uri="{C183D7F6-B498-43B3-948B-1728B52AA6E4}">
-                <adec:decorative xmlns:adec="http://schemas.microsoft.com/office/drawing/2017/decorative" val="1"/>
-              </a:ext>
-            </a:extLst>
-          </p:cNvPr>
-          <p:cNvSpPr>
-            <a:spLocks noGrp="1" noRot="1" noChangeAspect="1" noMove="1" noResize="1" noEditPoints="1" noAdjustHandles="1" noChangeArrowheads="1" noChangeShapeType="1" noTextEdit="1"/>
-          </p:cNvSpPr>
-          <p:nvPr>
-            <p:extLst>
-              <p:ext uri="{386F3935-93C4-4BCD-93E2-E3B085C9AB24}">
-                <p16:designElem xmlns:p16="http://schemas.microsoft.com/office/powerpoint/2015/main" val="1"/>
-              </p:ext>
-            </p:extLst>
-          </p:nvPr>
-        </p:nvSpPr>
-        <p:spPr bwMode="white">
-          <a:xfrm>
-            <a:off x="0" y="0"/>
-            <a:ext cx="4637005" cy="6858000"/>
-          </a:xfrm>
-          <a:custGeom>
-            <a:avLst/>
-            <a:gdLst>
-              <a:gd name="connsiteX0" fmla="*/ 0 w 4637005"/>
-              <a:gd name="connsiteY0" fmla="*/ 0 h 6858000"/>
-              <a:gd name="connsiteX1" fmla="*/ 4637005 w 4637005"/>
-              <a:gd name="connsiteY1" fmla="*/ 0 h 6858000"/>
-              <a:gd name="connsiteX2" fmla="*/ 4637005 w 4637005"/>
-              <a:gd name="connsiteY2" fmla="*/ 1900238 h 6858000"/>
-              <a:gd name="connsiteX3" fmla="*/ 4266589 w 4637005"/>
-              <a:gd name="connsiteY3" fmla="*/ 2178050 h 6858000"/>
-              <a:gd name="connsiteX4" fmla="*/ 4262355 w 4637005"/>
-              <a:gd name="connsiteY4" fmla="*/ 2184400 h 6858000"/>
-              <a:gd name="connsiteX5" fmla="*/ 4256005 w 4637005"/>
-              <a:gd name="connsiteY5" fmla="*/ 2193925 h 6858000"/>
-              <a:gd name="connsiteX6" fmla="*/ 4249655 w 4637005"/>
-              <a:gd name="connsiteY6" fmla="*/ 2201863 h 6858000"/>
-              <a:gd name="connsiteX7" fmla="*/ 4249655 w 4637005"/>
-              <a:gd name="connsiteY7" fmla="*/ 2211388 h 6858000"/>
-              <a:gd name="connsiteX8" fmla="*/ 4249655 w 4637005"/>
-              <a:gd name="connsiteY8" fmla="*/ 2220913 h 6858000"/>
-              <a:gd name="connsiteX9" fmla="*/ 4256005 w 4637005"/>
-              <a:gd name="connsiteY9" fmla="*/ 2228850 h 6858000"/>
-              <a:gd name="connsiteX10" fmla="*/ 4262355 w 4637005"/>
-              <a:gd name="connsiteY10" fmla="*/ 2238375 h 6858000"/>
-              <a:gd name="connsiteX11" fmla="*/ 4266589 w 4637005"/>
-              <a:gd name="connsiteY11" fmla="*/ 2244725 h 6858000"/>
-              <a:gd name="connsiteX12" fmla="*/ 4637005 w 4637005"/>
-              <a:gd name="connsiteY12" fmla="*/ 2522538 h 6858000"/>
-              <a:gd name="connsiteX13" fmla="*/ 4637005 w 4637005"/>
-              <a:gd name="connsiteY13" fmla="*/ 6858000 h 6858000"/>
-              <a:gd name="connsiteX14" fmla="*/ 0 w 4637005"/>
-              <a:gd name="connsiteY14" fmla="*/ 6858000 h 6858000"/>
-            </a:gdLst>
-            <a:ahLst/>
-            <a:cxnLst>
-              <a:cxn ang="0">
-                <a:pos x="connsiteX0" y="connsiteY0"/>
-              </a:cxn>
-              <a:cxn ang="0">
-                <a:pos x="connsiteX1" y="connsiteY1"/>
-              </a:cxn>
-              <a:cxn ang="0">
-                <a:pos x="connsiteX2" y="connsiteY2"/>
-              </a:cxn>
-              <a:cxn ang="0">
-                <a:pos x="connsiteX3" y="connsiteY3"/>
-              </a:cxn>
-              <a:cxn ang="0">
-                <a:pos x="connsiteX4" y="connsiteY4"/>
-              </a:cxn>
-              <a:cxn ang="0">
-                <a:pos x="connsiteX5" y="connsiteY5"/>
-              </a:cxn>
-              <a:cxn ang="0">
-                <a:pos x="connsiteX6" y="connsiteY6"/>
-              </a:cxn>
-              <a:cxn ang="0">
-                <a:pos x="connsiteX7" y="connsiteY7"/>
-              </a:cxn>
-              <a:cxn ang="0">
-                <a:pos x="connsiteX8" y="connsiteY8"/>
-              </a:cxn>
-              <a:cxn ang="0">
-                <a:pos x="connsiteX9" y="connsiteY9"/>
-              </a:cxn>
-              <a:cxn ang="0">
-                <a:pos x="connsiteX10" y="connsiteY10"/>
-              </a:cxn>
-              <a:cxn ang="0">
-                <a:pos x="connsiteX11" y="connsiteY11"/>
-              </a:cxn>
-              <a:cxn ang="0">
-                <a:pos x="connsiteX12" y="connsiteY12"/>
-              </a:cxn>
-              <a:cxn ang="0">
-                <a:pos x="connsiteX13" y="connsiteY13"/>
-              </a:cxn>
-              <a:cxn ang="0">
-                <a:pos x="connsiteX14" y="connsiteY14"/>
-              </a:cxn>
-            </a:cxnLst>
-            <a:rect l="l" t="t" r="r" b="b"/>
-            <a:pathLst>
-              <a:path w="4637005" h="6858000">
-                <a:moveTo>
-                  <a:pt x="0" y="0"/>
-                </a:moveTo>
-                <a:lnTo>
-                  <a:pt x="4637005" y="0"/>
-                </a:lnTo>
-                <a:lnTo>
-                  <a:pt x="4637005" y="1900238"/>
-                </a:lnTo>
-                <a:lnTo>
-                  <a:pt x="4266589" y="2178050"/>
-                </a:lnTo>
-                <a:lnTo>
-                  <a:pt x="4262355" y="2184400"/>
-                </a:lnTo>
-                <a:lnTo>
-                  <a:pt x="4256005" y="2193925"/>
-                </a:lnTo>
-                <a:lnTo>
-                  <a:pt x="4249655" y="2201863"/>
-                </a:lnTo>
-                <a:lnTo>
-                  <a:pt x="4249655" y="2211388"/>
-                </a:lnTo>
-                <a:lnTo>
-                  <a:pt x="4249655" y="2220913"/>
-                </a:lnTo>
-                <a:lnTo>
-                  <a:pt x="4256005" y="2228850"/>
-                </a:lnTo>
-                <a:lnTo>
-                  <a:pt x="4262355" y="2238375"/>
-                </a:lnTo>
-                <a:lnTo>
-                  <a:pt x="4266589" y="2244725"/>
-                </a:lnTo>
-                <a:lnTo>
-                  <a:pt x="4637005" y="2522538"/>
-                </a:lnTo>
-                <a:lnTo>
-                  <a:pt x="4637005" y="6858000"/>
-                </a:lnTo>
-                <a:lnTo>
-                  <a:pt x="0" y="6858000"/>
-                </a:lnTo>
-                <a:close/>
-              </a:path>
-            </a:pathLst>
-          </a:custGeom>
-          <a:blipFill>
-            <a:blip r:embed="rId2">
-              <a:duotone>
-                <a:schemeClr val="accent1">
-                  <a:tint val="98000"/>
-                  <a:lumMod val="102000"/>
-                </a:schemeClr>
-                <a:schemeClr val="accent1">
-                  <a:shade val="98000"/>
-                  <a:lumMod val="98000"/>
-                </a:schemeClr>
-              </a:duotone>
-            </a:blip>
-            <a:tile tx="0" ty="0" sx="100000" sy="100000" flip="none" algn="tl"/>
-          </a:blipFill>
-          <a:ln>
-            <a:headEnd/>
-            <a:tailEnd/>
-          </a:ln>
-        </p:spPr>
-        <p:style>
-          <a:lnRef idx="1">
-            <a:schemeClr val="accent1"/>
-          </a:lnRef>
-          <a:fillRef idx="3">
-            <a:schemeClr val="accent1"/>
-          </a:fillRef>
-          <a:effectRef idx="2">
-            <a:schemeClr val="accent1"/>
-          </a:effectRef>
-          <a:fontRef idx="minor">
-            <a:schemeClr val="lt1"/>
-          </a:fontRef>
-        </p:style>
-        <p:txBody>
-          <a:bodyPr wrap="square" rtlCol="0" anchor="ctr">
-            <a:noAutofit/>
-          </a:bodyPr>
-          <a:lstStyle/>
-          <a:p>
-            <a:pPr algn="ctr"/>
-            <a:endParaRPr lang="en-US"/>
-          </a:p>
-        </p:txBody>
-      </p:sp>
-      <p:sp>
-        <p:nvSpPr>
-          <p:cNvPr id="2" name="Заголовок 1">
-            <a:extLst>
-              <a:ext uri="{FF2B5EF4-FFF2-40B4-BE49-F238E27FC236}">
-                <a16:creationId xmlns:a16="http://schemas.microsoft.com/office/drawing/2014/main" id="{346D217C-A293-F444-827C-7509E2C6CC3A}"/>
-              </a:ext>
-            </a:extLst>
-          </p:cNvPr>
-          <p:cNvSpPr>
-            <a:spLocks noGrp="1"/>
-          </p:cNvSpPr>
-          <p:nvPr>
-            <p:ph type="title"/>
-          </p:nvPr>
-        </p:nvSpPr>
-        <p:spPr>
-          <a:xfrm>
-            <a:off x="260231" y="304485"/>
-            <a:ext cx="4116542" cy="4241136"/>
-          </a:xfrm>
-        </p:spPr>
-        <p:txBody>
-          <a:bodyPr vert="horz" lIns="91440" tIns="45720" rIns="91440" bIns="45720" rtlCol="0" anchor="t">
-            <a:noAutofit/>
-          </a:bodyPr>
-          <a:lstStyle/>
-          <a:p>
-            <a:r>
-              <a:rPr lang="ru-RU" sz="2000" dirty="0"/>
-              <a:t>Подробности 1 – это экран из задания</a:t>
-            </a:r>
-            <a:br>
-              <a:rPr lang="ru-RU" sz="2000" dirty="0"/>
-            </a:br>
-            <a:br>
-              <a:rPr lang="ru-RU" sz="2000" dirty="0"/>
-            </a:br>
-            <a:r>
-              <a:rPr lang="ru-RU" sz="2000" dirty="0"/>
-              <a:t>Подробности 2 – это экран созданный мною</a:t>
-            </a:r>
-            <a:br>
-              <a:rPr lang="ru-RU" sz="2000" dirty="0"/>
-            </a:br>
-            <a:br>
-              <a:rPr lang="ru-RU" sz="2000" dirty="0"/>
-            </a:br>
-            <a:r>
-              <a:rPr lang="ru-RU" sz="2000" dirty="0"/>
-              <a:t>Есть визуальные различия в размерах шрифтов и картинок, это произошло из-за особенности макета</a:t>
-            </a:r>
-            <a:br>
-              <a:rPr lang="ru-RU" sz="2000" dirty="0"/>
-            </a:br>
-            <a:br>
-              <a:rPr lang="ru-RU" sz="2000" dirty="0"/>
-            </a:br>
-            <a:r>
-              <a:rPr lang="ru-RU" sz="2000" dirty="0"/>
-              <a:t>На экране Подробности 2 по заданию реализован </a:t>
-            </a:r>
-            <a:r>
-              <a:rPr lang="ru-RU" sz="2000" dirty="0" err="1"/>
-              <a:t>скролл</a:t>
-            </a:r>
-            <a:r>
-              <a:rPr lang="ru-RU" sz="2000" dirty="0"/>
-              <a:t> отображающий погоду на 2 дня вперед и погода на сегодняшний день по часам от 15:00 до 19:00( при нажатии на определенное время, оно выделяется так </a:t>
-            </a:r>
-            <a:r>
-              <a:rPr lang="ru-RU" sz="2000"/>
-              <a:t>же как </a:t>
-            </a:r>
-            <a:r>
-              <a:rPr lang="ru-RU" sz="2000" dirty="0"/>
-              <a:t>на макете)</a:t>
-            </a:r>
-            <a:endParaRPr lang="en-US" sz="2000" dirty="0"/>
-          </a:p>
-        </p:txBody>
-      </p:sp>
-      <p:pic>
-        <p:nvPicPr>
-          <p:cNvPr id="5" name="Объект 4">
-            <a:extLst>
-              <a:ext uri="{FF2B5EF4-FFF2-40B4-BE49-F238E27FC236}">
-                <a16:creationId xmlns:a16="http://schemas.microsoft.com/office/drawing/2014/main" id="{7F7230A1-3B82-F24B-A94F-93CA41E681BA}"/>
-              </a:ext>
-            </a:extLst>
-          </p:cNvPr>
-          <p:cNvPicPr>
-            <a:picLocks noGrp="1" noChangeAspect="1"/>
-          </p:cNvPicPr>
-          <p:nvPr>
-            <p:ph idx="1"/>
-          </p:nvPr>
-        </p:nvPicPr>
-        <p:blipFill>
-          <a:blip r:embed="rId3"/>
-          <a:stretch>
-            <a:fillRect/>
-          </a:stretch>
-        </p:blipFill>
-        <p:spPr>
-          <a:xfrm>
-            <a:off x="9213734" y="643464"/>
-            <a:ext cx="2483032" cy="5397897"/>
-          </a:xfrm>
-          <a:prstGeom prst="roundRect">
-            <a:avLst>
-              <a:gd name="adj" fmla="val 3876"/>
-            </a:avLst>
-          </a:prstGeom>
-          <a:ln>
-            <a:solidFill>
-              <a:schemeClr val="accent1"/>
-            </a:solidFill>
-          </a:ln>
-          <a:effectLst/>
-        </p:spPr>
-      </p:pic>
-      <p:pic>
-        <p:nvPicPr>
-          <p:cNvPr id="11" name="Объект 4">
-            <a:extLst>
-              <a:ext uri="{FF2B5EF4-FFF2-40B4-BE49-F238E27FC236}">
-                <a16:creationId xmlns:a16="http://schemas.microsoft.com/office/drawing/2014/main" id="{03B73561-1BAB-6647-B5B6-6AB81BDCB792}"/>
-              </a:ext>
-            </a:extLst>
-          </p:cNvPr>
-          <p:cNvPicPr>
-            <a:picLocks noChangeAspect="1"/>
-          </p:cNvPicPr>
-          <p:nvPr/>
-        </p:nvPicPr>
-        <p:blipFill>
-          <a:blip r:embed="rId4"/>
-          <a:stretch>
-            <a:fillRect/>
-          </a:stretch>
-        </p:blipFill>
-        <p:spPr>
-          <a:xfrm>
-            <a:off x="5834956" y="628098"/>
-            <a:ext cx="2469538" cy="5397897"/>
-          </a:xfrm>
-          <a:prstGeom prst="roundRect">
-            <a:avLst>
-              <a:gd name="adj" fmla="val 3876"/>
-            </a:avLst>
-          </a:prstGeom>
-          <a:ln>
-            <a:solidFill>
-              <a:schemeClr val="accent1"/>
-            </a:solidFill>
-          </a:ln>
-          <a:effectLst/>
-        </p:spPr>
-      </p:pic>
-      <p:sp>
-        <p:nvSpPr>
-          <p:cNvPr id="16" name="TextBox 15">
-            <a:extLst>
-              <a:ext uri="{FF2B5EF4-FFF2-40B4-BE49-F238E27FC236}">
-                <a16:creationId xmlns:a16="http://schemas.microsoft.com/office/drawing/2014/main" id="{946DE74B-D70F-5C43-BD33-150AFE32BC7F}"/>
-              </a:ext>
-            </a:extLst>
-          </p:cNvPr>
-          <p:cNvSpPr txBox="1"/>
-          <p:nvPr/>
-        </p:nvSpPr>
-        <p:spPr>
-          <a:xfrm>
-            <a:off x="5834956" y="6080758"/>
-            <a:ext cx="2642273" cy="461665"/>
-          </a:xfrm>
-          <a:prstGeom prst="rect">
-            <a:avLst/>
-          </a:prstGeom>
-          <a:noFill/>
-        </p:spPr>
-        <p:txBody>
-          <a:bodyPr wrap="square" rtlCol="0">
-            <a:spAutoFit/>
-          </a:bodyPr>
-          <a:lstStyle/>
-          <a:p>
-            <a:r>
-              <a:rPr lang="ru-RU" sz="2400" dirty="0"/>
-              <a:t>Подробности 1</a:t>
-            </a:r>
-          </a:p>
-        </p:txBody>
-      </p:sp>
-      <p:sp>
-        <p:nvSpPr>
-          <p:cNvPr id="17" name="TextBox 16">
-            <a:extLst>
-              <a:ext uri="{FF2B5EF4-FFF2-40B4-BE49-F238E27FC236}">
-                <a16:creationId xmlns:a16="http://schemas.microsoft.com/office/drawing/2014/main" id="{F4218DD8-1A4F-A44D-91C2-B0C2F8A7517D}"/>
-              </a:ext>
-            </a:extLst>
-          </p:cNvPr>
-          <p:cNvSpPr txBox="1"/>
-          <p:nvPr/>
-        </p:nvSpPr>
-        <p:spPr>
-          <a:xfrm>
-            <a:off x="9213734" y="6080758"/>
-            <a:ext cx="2642273" cy="461665"/>
-          </a:xfrm>
-          <a:prstGeom prst="rect">
-            <a:avLst/>
-          </a:prstGeom>
-          <a:noFill/>
-        </p:spPr>
-        <p:txBody>
-          <a:bodyPr wrap="square" rtlCol="0">
-            <a:spAutoFit/>
-          </a:bodyPr>
-          <a:lstStyle/>
-          <a:p>
-            <a:r>
-              <a:rPr lang="ru-RU" sz="2400" dirty="0"/>
-              <a:t>Подробности 2</a:t>
-            </a:r>
-          </a:p>
-        </p:txBody>
-      </p:sp>
-      <p:pic>
-        <p:nvPicPr>
-          <p:cNvPr id="8" name="Рисунок 7">
-            <a:extLst>
-              <a:ext uri="{FF2B5EF4-FFF2-40B4-BE49-F238E27FC236}">
-                <a16:creationId xmlns:a16="http://schemas.microsoft.com/office/drawing/2014/main" id="{A49CE6F0-F04A-EF45-81CE-F04796976243}"/>
-              </a:ext>
-            </a:extLst>
-          </p:cNvPr>
-          <p:cNvPicPr>
-            <a:picLocks noChangeAspect="1"/>
-          </p:cNvPicPr>
-          <p:nvPr/>
-        </p:nvPicPr>
-        <p:blipFill>
-          <a:blip r:embed="rId5"/>
-          <a:stretch>
-            <a:fillRect/>
-          </a:stretch>
-        </p:blipFill>
-        <p:spPr>
-          <a:xfrm>
-            <a:off x="11426787" y="3467998"/>
-            <a:ext cx="160133" cy="1820768"/>
-          </a:xfrm>
-          <a:prstGeom prst="rect">
-            <a:avLst/>
-          </a:prstGeom>
-          <a:effectLst>
-            <a:softEdge rad="25400"/>
-          </a:effectLst>
-        </p:spPr>
-      </p:pic>
-    </p:spTree>
-    <p:extLst>
-      <p:ext uri="{BB962C8B-B14F-4D97-AF65-F5344CB8AC3E}">
-        <p14:creationId xmlns:p14="http://schemas.microsoft.com/office/powerpoint/2010/main" val="2163146374"/>
-      </p:ext>
-    </p:extLst>
-  </p:cSld>
-  <p:clrMapOvr>
-    <a:overrideClrMapping bg1="lt1" tx1="dk1" bg2="lt2" tx2="dk2" accent1="accent1" accent2="accent2" accent3="accent3" accent4="accent4" accent5="accent5" accent6="accent6" hlink="hlink" folHlink="folHlink"/>
-  </p:clrMapOvr>
-</p:sld>
-</file>
-
-<file path=ppt/slides/slide9.xml><?xml version="1.0" encoding="utf-8"?>
-<p:sld xmlns:a="http://schemas.openxmlformats.org/drawingml/2006/main" xmlns:r="http://schemas.openxmlformats.org/officeDocument/2006/relationships" xmlns:p="http://schemas.openxmlformats.org/presentationml/2006/main">
-  <p:cSld>
-    <p:bg>
-      <p:bgPr>
-        <a:solidFill>
-          <a:schemeClr val="bg1"/>
-        </a:solidFill>
-        <a:effectLst/>
-      </p:bgPr>
-    </p:bg>
-    <p:spTree>
-      <p:nvGrpSpPr>
-        <p:cNvPr id="1" name=""/>
-        <p:cNvGrpSpPr/>
-        <p:nvPr/>
-      </p:nvGrpSpPr>
-      <p:grpSpPr>
-        <a:xfrm>
-          <a:off x="0" y="0"/>
-          <a:ext cx="0" cy="0"/>
-          <a:chOff x="0" y="0"/>
-          <a:chExt cx="0" cy="0"/>
-        </a:xfrm>
-      </p:grpSpPr>
-      <p:sp>
-        <p:nvSpPr>
-          <p:cNvPr id="8" name="Freeform 6">
-            <a:extLst>
-              <a:ext uri="{FF2B5EF4-FFF2-40B4-BE49-F238E27FC236}">
-                <a16:creationId xmlns:a16="http://schemas.microsoft.com/office/drawing/2014/main" id="{8775F366-526C-4C42-8931-696FFE8AA517}"/>
-              </a:ext>
-              <a:ext uri="{C183D7F6-B498-43B3-948B-1728B52AA6E4}">
-                <adec:decorative xmlns:adec="http://schemas.microsoft.com/office/drawing/2017/decorative" val="1"/>
-              </a:ext>
-            </a:extLst>
-          </p:cNvPr>
-          <p:cNvSpPr>
-            <a:spLocks noGrp="1" noRot="1" noChangeAspect="1" noMove="1" noResize="1" noEditPoints="1" noAdjustHandles="1" noChangeArrowheads="1" noChangeShapeType="1" noTextEdit="1"/>
-          </p:cNvSpPr>
-          <p:nvPr>
-            <p:extLst>
-              <p:ext uri="{386F3935-93C4-4BCD-93E2-E3B085C9AB24}">
-                <p16:designElem xmlns:p16="http://schemas.microsoft.com/office/powerpoint/2015/main" val="1"/>
-              </p:ext>
-            </p:extLst>
-          </p:nvPr>
-        </p:nvSpPr>
-        <p:spPr bwMode="auto">
-          <a:xfrm>
-            <a:off x="0" y="-3175"/>
-            <a:ext cx="12192000" cy="5203825"/>
-          </a:xfrm>
-          <a:custGeom>
-            <a:avLst/>
-            <a:gdLst/>
-            <a:ahLst/>
-            <a:cxnLst/>
-            <a:rect l="0" t="0" r="r" b="b"/>
-            <a:pathLst>
-              <a:path w="5760" h="3278">
-                <a:moveTo>
-                  <a:pt x="5760" y="0"/>
-                </a:moveTo>
-                <a:lnTo>
-                  <a:pt x="0" y="0"/>
-                </a:lnTo>
-                <a:lnTo>
-                  <a:pt x="0" y="3090"/>
-                </a:lnTo>
-                <a:lnTo>
-                  <a:pt x="943" y="3090"/>
-                </a:lnTo>
-                <a:lnTo>
-                  <a:pt x="1123" y="3270"/>
-                </a:lnTo>
-                <a:lnTo>
-                  <a:pt x="1123" y="3270"/>
-                </a:lnTo>
-                <a:lnTo>
-                  <a:pt x="1127" y="3272"/>
-                </a:lnTo>
-                <a:lnTo>
-                  <a:pt x="1133" y="3275"/>
-                </a:lnTo>
-                <a:lnTo>
-                  <a:pt x="1139" y="3278"/>
-                </a:lnTo>
-                <a:lnTo>
-                  <a:pt x="1144" y="3278"/>
-                </a:lnTo>
-                <a:lnTo>
-                  <a:pt x="1150" y="3278"/>
-                </a:lnTo>
-                <a:lnTo>
-                  <a:pt x="1155" y="3275"/>
-                </a:lnTo>
-                <a:lnTo>
-                  <a:pt x="1161" y="3272"/>
-                </a:lnTo>
-                <a:lnTo>
-                  <a:pt x="1165" y="3270"/>
-                </a:lnTo>
-                <a:lnTo>
-                  <a:pt x="1345" y="3090"/>
-                </a:lnTo>
-                <a:lnTo>
-                  <a:pt x="5760" y="3090"/>
-                </a:lnTo>
-                <a:lnTo>
-                  <a:pt x="5760" y="0"/>
-                </a:lnTo>
-                <a:close/>
-              </a:path>
-            </a:pathLst>
-          </a:custGeom>
-          <a:ln/>
-          <a:effectLst/>
-          <a:extLst>
-            <a:ext uri="{91240B29-F687-4f45-9708-019B960494DF}">
-              <a14:hiddenLine xmlns:a16="http://schemas.microsoft.com/office/drawing/2014/main" xmlns:a14="http://schemas.microsoft.com/office/drawing/2010/main" xmlns="" w="9525">
+              <a14:hiddenLine xmlns="" xmlns:a14="http://schemas.microsoft.com/office/drawing/2010/main" xmlns:a16="http://schemas.microsoft.com/office/drawing/2014/main" w="9525">
                 <a:solidFill>
                   <a:srgbClr val="000000"/>
                 </a:solidFill>
@@ -11150,12 +7544,1419 @@
           </a:p>
         </p:txBody>
       </p:sp>
+      <p:pic>
+        <p:nvPicPr>
+          <p:cNvPr id="7" name="Объект 4" descr="Изображение выглядит как текст&#10;&#10;Автоматически созданное описание">
+            <a:extLst>
+              <a:ext uri="{FF2B5EF4-FFF2-40B4-BE49-F238E27FC236}">
+                <a16:creationId xmlns:a16="http://schemas.microsoft.com/office/drawing/2014/main" id="{9A13B144-CFC6-B842-8205-F26429CA602B}"/>
+              </a:ext>
+            </a:extLst>
+          </p:cNvPr>
+          <p:cNvPicPr>
+            <a:picLocks noChangeAspect="1"/>
+          </p:cNvPicPr>
+          <p:nvPr/>
+        </p:nvPicPr>
+        <p:blipFill>
+          <a:blip r:embed="rId2"/>
+          <a:stretch>
+            <a:fillRect/>
+          </a:stretch>
+        </p:blipFill>
+        <p:spPr>
+          <a:xfrm>
+            <a:off x="2522035" y="854617"/>
+            <a:ext cx="1124510" cy="2379916"/>
+          </a:xfrm>
+          <a:prstGeom prst="roundRect">
+            <a:avLst>
+              <a:gd name="adj" fmla="val 3876"/>
+            </a:avLst>
+          </a:prstGeom>
+          <a:ln>
+            <a:solidFill>
+              <a:schemeClr val="accent1"/>
+            </a:solidFill>
+          </a:ln>
+          <a:effectLst/>
+        </p:spPr>
+      </p:pic>
+      <p:pic>
+        <p:nvPicPr>
+          <p:cNvPr id="9" name="Объект 4" descr="Изображение выглядит как текст&#10;&#10;Автоматически созданное описание">
+            <a:extLst>
+              <a:ext uri="{FF2B5EF4-FFF2-40B4-BE49-F238E27FC236}">
+                <a16:creationId xmlns:a16="http://schemas.microsoft.com/office/drawing/2014/main" id="{75214FC2-CD8F-1C48-9626-BC2D1E628280}"/>
+              </a:ext>
+            </a:extLst>
+          </p:cNvPr>
+          <p:cNvPicPr>
+            <a:picLocks noChangeAspect="1"/>
+          </p:cNvPicPr>
+          <p:nvPr/>
+        </p:nvPicPr>
+        <p:blipFill>
+          <a:blip r:embed="rId3"/>
+          <a:stretch>
+            <a:fillRect/>
+          </a:stretch>
+        </p:blipFill>
+        <p:spPr>
+          <a:xfrm>
+            <a:off x="2522035" y="3669350"/>
+            <a:ext cx="1080411" cy="2348720"/>
+          </a:xfrm>
+          <a:prstGeom prst="roundRect">
+            <a:avLst>
+              <a:gd name="adj" fmla="val 3876"/>
+            </a:avLst>
+          </a:prstGeom>
+          <a:ln>
+            <a:solidFill>
+              <a:schemeClr val="accent1"/>
+            </a:solidFill>
+          </a:ln>
+          <a:effectLst/>
+        </p:spPr>
+      </p:pic>
+      <p:pic>
+        <p:nvPicPr>
+          <p:cNvPr id="11" name="Объект 4" descr="Изображение выглядит как текст&#10;&#10;Автоматически созданное описание">
+            <a:extLst>
+              <a:ext uri="{FF2B5EF4-FFF2-40B4-BE49-F238E27FC236}">
+                <a16:creationId xmlns:a16="http://schemas.microsoft.com/office/drawing/2014/main" id="{1FF76AEC-4D7E-E94D-A2DE-51D5A20CE3B6}"/>
+              </a:ext>
+            </a:extLst>
+          </p:cNvPr>
+          <p:cNvPicPr>
+            <a:picLocks noChangeAspect="1"/>
+          </p:cNvPicPr>
+          <p:nvPr/>
+        </p:nvPicPr>
+        <p:blipFill>
+          <a:blip r:embed="rId4"/>
+          <a:stretch>
+            <a:fillRect/>
+          </a:stretch>
+        </p:blipFill>
+        <p:spPr>
+          <a:xfrm>
+            <a:off x="4811223" y="3655881"/>
+            <a:ext cx="1080411" cy="2336024"/>
+          </a:xfrm>
+          <a:prstGeom prst="roundRect">
+            <a:avLst>
+              <a:gd name="adj" fmla="val 3876"/>
+            </a:avLst>
+          </a:prstGeom>
+          <a:ln>
+            <a:solidFill>
+              <a:schemeClr val="accent1"/>
+            </a:solidFill>
+          </a:ln>
+          <a:effectLst/>
+        </p:spPr>
+      </p:pic>
+      <p:pic>
+        <p:nvPicPr>
+          <p:cNvPr id="13" name="Объект 4">
+            <a:extLst>
+              <a:ext uri="{FF2B5EF4-FFF2-40B4-BE49-F238E27FC236}">
+                <a16:creationId xmlns:a16="http://schemas.microsoft.com/office/drawing/2014/main" id="{2E3544B2-2501-F34B-A115-E6129A8F8522}"/>
+              </a:ext>
+            </a:extLst>
+          </p:cNvPr>
+          <p:cNvPicPr>
+            <a:picLocks noChangeAspect="1"/>
+          </p:cNvPicPr>
+          <p:nvPr/>
+        </p:nvPicPr>
+        <p:blipFill>
+          <a:blip r:embed="rId5"/>
+          <a:stretch>
+            <a:fillRect/>
+          </a:stretch>
+        </p:blipFill>
+        <p:spPr>
+          <a:xfrm>
+            <a:off x="6509050" y="3634111"/>
+            <a:ext cx="1080411" cy="2361555"/>
+          </a:xfrm>
+          <a:prstGeom prst="roundRect">
+            <a:avLst>
+              <a:gd name="adj" fmla="val 3876"/>
+            </a:avLst>
+          </a:prstGeom>
+          <a:ln>
+            <a:solidFill>
+              <a:schemeClr val="accent1"/>
+            </a:solidFill>
+          </a:ln>
+          <a:effectLst/>
+        </p:spPr>
+      </p:pic>
+      <p:pic>
+        <p:nvPicPr>
+          <p:cNvPr id="14" name="Объект 4" descr="Изображение выглядит как карта&#10;&#10;Автоматически созданное описание">
+            <a:extLst>
+              <a:ext uri="{FF2B5EF4-FFF2-40B4-BE49-F238E27FC236}">
+                <a16:creationId xmlns:a16="http://schemas.microsoft.com/office/drawing/2014/main" id="{E0474555-5F30-AD41-A983-19A6221E0122}"/>
+              </a:ext>
+            </a:extLst>
+          </p:cNvPr>
+          <p:cNvPicPr>
+            <a:picLocks noChangeAspect="1"/>
+          </p:cNvPicPr>
+          <p:nvPr/>
+        </p:nvPicPr>
+        <p:blipFill>
+          <a:blip r:embed="rId6"/>
+          <a:stretch>
+            <a:fillRect/>
+          </a:stretch>
+        </p:blipFill>
+        <p:spPr>
+          <a:xfrm>
+            <a:off x="8245316" y="3614348"/>
+            <a:ext cx="1080411" cy="2374532"/>
+          </a:xfrm>
+          <a:prstGeom prst="roundRect">
+            <a:avLst>
+              <a:gd name="adj" fmla="val 3876"/>
+            </a:avLst>
+          </a:prstGeom>
+          <a:ln>
+            <a:solidFill>
+              <a:schemeClr val="accent1"/>
+            </a:solidFill>
+          </a:ln>
+          <a:effectLst/>
+        </p:spPr>
+      </p:pic>
+      <p:sp>
+        <p:nvSpPr>
+          <p:cNvPr id="15" name="TextBox 14">
+            <a:extLst>
+              <a:ext uri="{FF2B5EF4-FFF2-40B4-BE49-F238E27FC236}">
+                <a16:creationId xmlns:a16="http://schemas.microsoft.com/office/drawing/2014/main" id="{552E0719-3F96-1E4F-A806-0E7EC7A199A7}"/>
+              </a:ext>
+            </a:extLst>
+          </p:cNvPr>
+          <p:cNvSpPr txBox="1"/>
+          <p:nvPr/>
+        </p:nvSpPr>
+        <p:spPr>
+          <a:xfrm>
+            <a:off x="2374082" y="3407863"/>
+            <a:ext cx="1376315" cy="230832"/>
+          </a:xfrm>
+          <a:prstGeom prst="rect">
+            <a:avLst/>
+          </a:prstGeom>
+          <a:noFill/>
+        </p:spPr>
+        <p:txBody>
+          <a:bodyPr wrap="square" rtlCol="0">
+            <a:spAutoFit/>
+          </a:bodyPr>
+          <a:lstStyle/>
+          <a:p>
+            <a:r>
+              <a:rPr lang="ru-RU" sz="900" dirty="0"/>
+              <a:t>Главная страница 1</a:t>
+            </a:r>
+          </a:p>
+        </p:txBody>
+      </p:sp>
+      <p:pic>
+        <p:nvPicPr>
+          <p:cNvPr id="16" name="Объект 4" descr="Изображение выглядит как текст&#10;&#10;Автоматически созданное описание">
+            <a:extLst>
+              <a:ext uri="{FF2B5EF4-FFF2-40B4-BE49-F238E27FC236}">
+                <a16:creationId xmlns:a16="http://schemas.microsoft.com/office/drawing/2014/main" id="{573B7F12-4E7F-5541-859A-9779D4BEE9FC}"/>
+              </a:ext>
+            </a:extLst>
+          </p:cNvPr>
+          <p:cNvPicPr>
+            <a:picLocks noChangeAspect="1"/>
+          </p:cNvPicPr>
+          <p:nvPr/>
+        </p:nvPicPr>
+        <p:blipFill>
+          <a:blip r:embed="rId7"/>
+          <a:stretch>
+            <a:fillRect/>
+          </a:stretch>
+        </p:blipFill>
+        <p:spPr>
+          <a:xfrm>
+            <a:off x="4804272" y="874254"/>
+            <a:ext cx="1106661" cy="2379916"/>
+          </a:xfrm>
+          <a:prstGeom prst="roundRect">
+            <a:avLst>
+              <a:gd name="adj" fmla="val 3876"/>
+            </a:avLst>
+          </a:prstGeom>
+          <a:ln>
+            <a:solidFill>
+              <a:schemeClr val="accent1"/>
+            </a:solidFill>
+          </a:ln>
+          <a:effectLst/>
+        </p:spPr>
+      </p:pic>
+      <p:pic>
+        <p:nvPicPr>
+          <p:cNvPr id="17" name="Объект 4">
+            <a:extLst>
+              <a:ext uri="{FF2B5EF4-FFF2-40B4-BE49-F238E27FC236}">
+                <a16:creationId xmlns:a16="http://schemas.microsoft.com/office/drawing/2014/main" id="{2161E241-6716-0E4A-9B43-0923787D3019}"/>
+              </a:ext>
+            </a:extLst>
+          </p:cNvPr>
+          <p:cNvPicPr>
+            <a:picLocks noChangeAspect="1"/>
+          </p:cNvPicPr>
+          <p:nvPr/>
+        </p:nvPicPr>
+        <p:blipFill>
+          <a:blip r:embed="rId8"/>
+          <a:stretch>
+            <a:fillRect/>
+          </a:stretch>
+        </p:blipFill>
+        <p:spPr>
+          <a:xfrm>
+            <a:off x="6521776" y="867254"/>
+            <a:ext cx="1106661" cy="2392782"/>
+          </a:xfrm>
+          <a:prstGeom prst="roundRect">
+            <a:avLst>
+              <a:gd name="adj" fmla="val 3876"/>
+            </a:avLst>
+          </a:prstGeom>
+          <a:ln>
+            <a:solidFill>
+              <a:schemeClr val="accent1"/>
+            </a:solidFill>
+          </a:ln>
+          <a:effectLst/>
+        </p:spPr>
+      </p:pic>
+      <p:pic>
+        <p:nvPicPr>
+          <p:cNvPr id="18" name="Объект 4">
+            <a:extLst>
+              <a:ext uri="{FF2B5EF4-FFF2-40B4-BE49-F238E27FC236}">
+                <a16:creationId xmlns:a16="http://schemas.microsoft.com/office/drawing/2014/main" id="{BF3364F2-7211-3241-A514-EA807E5F94D0}"/>
+              </a:ext>
+            </a:extLst>
+          </p:cNvPr>
+          <p:cNvPicPr>
+            <a:picLocks noChangeAspect="1"/>
+          </p:cNvPicPr>
+          <p:nvPr/>
+        </p:nvPicPr>
+        <p:blipFill>
+          <a:blip r:embed="rId9"/>
+          <a:stretch>
+            <a:fillRect/>
+          </a:stretch>
+        </p:blipFill>
+        <p:spPr>
+          <a:xfrm>
+            <a:off x="8257129" y="830030"/>
+            <a:ext cx="1118431" cy="2431372"/>
+          </a:xfrm>
+          <a:prstGeom prst="roundRect">
+            <a:avLst>
+              <a:gd name="adj" fmla="val 3876"/>
+            </a:avLst>
+          </a:prstGeom>
+          <a:ln>
+            <a:solidFill>
+              <a:schemeClr val="accent1"/>
+            </a:solidFill>
+          </a:ln>
+          <a:effectLst/>
+        </p:spPr>
+      </p:pic>
+      <p:sp>
+        <p:nvSpPr>
+          <p:cNvPr id="19" name="TextBox 18">
+            <a:extLst>
+              <a:ext uri="{FF2B5EF4-FFF2-40B4-BE49-F238E27FC236}">
+                <a16:creationId xmlns:a16="http://schemas.microsoft.com/office/drawing/2014/main" id="{FD9455F8-9212-C14F-B7E8-621CEFC5A784}"/>
+              </a:ext>
+            </a:extLst>
+          </p:cNvPr>
+          <p:cNvSpPr txBox="1"/>
+          <p:nvPr/>
+        </p:nvSpPr>
+        <p:spPr>
+          <a:xfrm>
+            <a:off x="2408907" y="631411"/>
+            <a:ext cx="1376315" cy="230832"/>
+          </a:xfrm>
+          <a:prstGeom prst="rect">
+            <a:avLst/>
+          </a:prstGeom>
+          <a:noFill/>
+        </p:spPr>
+        <p:txBody>
+          <a:bodyPr wrap="square" rtlCol="0">
+            <a:spAutoFit/>
+          </a:bodyPr>
+          <a:lstStyle/>
+          <a:p>
+            <a:r>
+              <a:rPr lang="ru-RU" sz="900" dirty="0"/>
+              <a:t>Главная страница 2</a:t>
+            </a:r>
+          </a:p>
+        </p:txBody>
+      </p:sp>
+      <p:sp>
+        <p:nvSpPr>
+          <p:cNvPr id="20" name="TextBox 19">
+            <a:extLst>
+              <a:ext uri="{FF2B5EF4-FFF2-40B4-BE49-F238E27FC236}">
+                <a16:creationId xmlns:a16="http://schemas.microsoft.com/office/drawing/2014/main" id="{03513E93-42D0-604F-A15B-7753508B0B78}"/>
+              </a:ext>
+            </a:extLst>
+          </p:cNvPr>
+          <p:cNvSpPr txBox="1"/>
+          <p:nvPr/>
+        </p:nvSpPr>
+        <p:spPr>
+          <a:xfrm>
+            <a:off x="4804272" y="3425049"/>
+            <a:ext cx="1119007" cy="230832"/>
+          </a:xfrm>
+          <a:prstGeom prst="rect">
+            <a:avLst/>
+          </a:prstGeom>
+          <a:noFill/>
+        </p:spPr>
+        <p:txBody>
+          <a:bodyPr wrap="square" rtlCol="0">
+            <a:spAutoFit/>
+          </a:bodyPr>
+          <a:lstStyle/>
+          <a:p>
+            <a:r>
+              <a:rPr lang="ru-RU" sz="900" dirty="0"/>
+              <a:t>Уведомления 1</a:t>
+            </a:r>
+          </a:p>
+        </p:txBody>
+      </p:sp>
+      <p:sp>
+        <p:nvSpPr>
+          <p:cNvPr id="21" name="TextBox 20">
+            <a:extLst>
+              <a:ext uri="{FF2B5EF4-FFF2-40B4-BE49-F238E27FC236}">
+                <a16:creationId xmlns:a16="http://schemas.microsoft.com/office/drawing/2014/main" id="{6EE65346-598F-1040-AD32-B96141FFFEEE}"/>
+              </a:ext>
+            </a:extLst>
+          </p:cNvPr>
+          <p:cNvSpPr txBox="1"/>
+          <p:nvPr/>
+        </p:nvSpPr>
+        <p:spPr>
+          <a:xfrm>
+            <a:off x="4791926" y="646866"/>
+            <a:ext cx="1119007" cy="230832"/>
+          </a:xfrm>
+          <a:prstGeom prst="rect">
+            <a:avLst/>
+          </a:prstGeom>
+          <a:noFill/>
+        </p:spPr>
+        <p:txBody>
+          <a:bodyPr wrap="square" rtlCol="0">
+            <a:spAutoFit/>
+          </a:bodyPr>
+          <a:lstStyle/>
+          <a:p>
+            <a:r>
+              <a:rPr lang="ru-RU" sz="900" dirty="0"/>
+              <a:t>Уведомления 2</a:t>
+            </a:r>
+          </a:p>
+        </p:txBody>
+      </p:sp>
+      <p:sp>
+        <p:nvSpPr>
+          <p:cNvPr id="22" name="TextBox 21">
+            <a:extLst>
+              <a:ext uri="{FF2B5EF4-FFF2-40B4-BE49-F238E27FC236}">
+                <a16:creationId xmlns:a16="http://schemas.microsoft.com/office/drawing/2014/main" id="{14BD155C-24B9-1F40-B2A7-3156209B9AA4}"/>
+              </a:ext>
+            </a:extLst>
+          </p:cNvPr>
+          <p:cNvSpPr txBox="1"/>
+          <p:nvPr/>
+        </p:nvSpPr>
+        <p:spPr>
+          <a:xfrm>
+            <a:off x="6819575" y="646866"/>
+            <a:ext cx="1119007" cy="230832"/>
+          </a:xfrm>
+          <a:prstGeom prst="rect">
+            <a:avLst/>
+          </a:prstGeom>
+          <a:noFill/>
+        </p:spPr>
+        <p:txBody>
+          <a:bodyPr wrap="square" rtlCol="0">
+            <a:spAutoFit/>
+          </a:bodyPr>
+          <a:lstStyle/>
+          <a:p>
+            <a:r>
+              <a:rPr lang="ru-RU" sz="900" dirty="0"/>
+              <a:t>Карта 2</a:t>
+            </a:r>
+          </a:p>
+        </p:txBody>
+      </p:sp>
+      <p:sp>
+        <p:nvSpPr>
+          <p:cNvPr id="23" name="TextBox 22">
+            <a:extLst>
+              <a:ext uri="{FF2B5EF4-FFF2-40B4-BE49-F238E27FC236}">
+                <a16:creationId xmlns:a16="http://schemas.microsoft.com/office/drawing/2014/main" id="{6F2348F7-7E71-CD49-8022-1C769463C148}"/>
+              </a:ext>
+            </a:extLst>
+          </p:cNvPr>
+          <p:cNvSpPr txBox="1"/>
+          <p:nvPr/>
+        </p:nvSpPr>
+        <p:spPr>
+          <a:xfrm>
+            <a:off x="6785248" y="3407863"/>
+            <a:ext cx="1119007" cy="230832"/>
+          </a:xfrm>
+          <a:prstGeom prst="rect">
+            <a:avLst/>
+          </a:prstGeom>
+          <a:noFill/>
+        </p:spPr>
+        <p:txBody>
+          <a:bodyPr wrap="square" rtlCol="0">
+            <a:spAutoFit/>
+          </a:bodyPr>
+          <a:lstStyle/>
+          <a:p>
+            <a:r>
+              <a:rPr lang="ru-RU" sz="900" dirty="0"/>
+              <a:t>Карта 1</a:t>
+            </a:r>
+          </a:p>
+        </p:txBody>
+      </p:sp>
+      <p:sp>
+        <p:nvSpPr>
+          <p:cNvPr id="24" name="TextBox 23">
+            <a:extLst>
+              <a:ext uri="{FF2B5EF4-FFF2-40B4-BE49-F238E27FC236}">
+                <a16:creationId xmlns:a16="http://schemas.microsoft.com/office/drawing/2014/main" id="{4C5CF8E9-EFF5-E74F-B678-5D9B84C28079}"/>
+              </a:ext>
+            </a:extLst>
+          </p:cNvPr>
+          <p:cNvSpPr txBox="1"/>
+          <p:nvPr/>
+        </p:nvSpPr>
+        <p:spPr>
+          <a:xfrm>
+            <a:off x="8287720" y="644993"/>
+            <a:ext cx="1119007" cy="230832"/>
+          </a:xfrm>
+          <a:prstGeom prst="rect">
+            <a:avLst/>
+          </a:prstGeom>
+          <a:noFill/>
+        </p:spPr>
+        <p:txBody>
+          <a:bodyPr wrap="square" rtlCol="0">
+            <a:spAutoFit/>
+          </a:bodyPr>
+          <a:lstStyle/>
+          <a:p>
+            <a:r>
+              <a:rPr lang="ru-RU" sz="900" dirty="0"/>
+              <a:t>Подробности 2</a:t>
+            </a:r>
+          </a:p>
+        </p:txBody>
+      </p:sp>
+      <p:sp>
+        <p:nvSpPr>
+          <p:cNvPr id="25" name="TextBox 24">
+            <a:extLst>
+              <a:ext uri="{FF2B5EF4-FFF2-40B4-BE49-F238E27FC236}">
+                <a16:creationId xmlns:a16="http://schemas.microsoft.com/office/drawing/2014/main" id="{D166E989-E0B8-3F48-80CA-E65FA6236E0E}"/>
+              </a:ext>
+            </a:extLst>
+          </p:cNvPr>
+          <p:cNvSpPr txBox="1"/>
+          <p:nvPr/>
+        </p:nvSpPr>
+        <p:spPr>
+          <a:xfrm>
+            <a:off x="8270425" y="3438544"/>
+            <a:ext cx="1119007" cy="230832"/>
+          </a:xfrm>
+          <a:prstGeom prst="rect">
+            <a:avLst/>
+          </a:prstGeom>
+          <a:noFill/>
+        </p:spPr>
+        <p:txBody>
+          <a:bodyPr wrap="square" rtlCol="0">
+            <a:spAutoFit/>
+          </a:bodyPr>
+          <a:lstStyle/>
+          <a:p>
+            <a:r>
+              <a:rPr lang="ru-RU" sz="900" dirty="0"/>
+              <a:t>Подробности 1</a:t>
+            </a:r>
+          </a:p>
+        </p:txBody>
+      </p:sp>
+      <p:cxnSp>
+        <p:nvCxnSpPr>
+          <p:cNvPr id="5" name="Прямая соединительная линия 4">
+            <a:extLst>
+              <a:ext uri="{FF2B5EF4-FFF2-40B4-BE49-F238E27FC236}">
+                <a16:creationId xmlns:a16="http://schemas.microsoft.com/office/drawing/2014/main" id="{C33B3595-12F1-AB4B-9D33-355EBF71AEC8}"/>
+              </a:ext>
+            </a:extLst>
+          </p:cNvPr>
+          <p:cNvCxnSpPr>
+            <a:stCxn id="9" idx="2"/>
+          </p:cNvCxnSpPr>
+          <p:nvPr/>
+        </p:nvCxnSpPr>
+        <p:spPr>
+          <a:xfrm flipH="1">
+            <a:off x="3062239" y="6018070"/>
+            <a:ext cx="2" cy="134449"/>
+          </a:xfrm>
+          <a:prstGeom prst="line">
+            <a:avLst/>
+          </a:prstGeom>
+        </p:spPr>
+        <p:style>
+          <a:lnRef idx="1">
+            <a:schemeClr val="accent1"/>
+          </a:lnRef>
+          <a:fillRef idx="0">
+            <a:schemeClr val="accent1"/>
+          </a:fillRef>
+          <a:effectRef idx="0">
+            <a:schemeClr val="accent1"/>
+          </a:effectRef>
+          <a:fontRef idx="minor">
+            <a:schemeClr val="tx1"/>
+          </a:fontRef>
+        </p:style>
+      </p:cxnSp>
+      <p:cxnSp>
+        <p:nvCxnSpPr>
+          <p:cNvPr id="30" name="Прямая соединительная линия 29">
+            <a:extLst>
+              <a:ext uri="{FF2B5EF4-FFF2-40B4-BE49-F238E27FC236}">
+                <a16:creationId xmlns:a16="http://schemas.microsoft.com/office/drawing/2014/main" id="{47E02766-32CD-C84D-AF4B-033DBDF1A452}"/>
+              </a:ext>
+            </a:extLst>
+          </p:cNvPr>
+          <p:cNvCxnSpPr>
+            <a:cxnSpLocks/>
+          </p:cNvCxnSpPr>
+          <p:nvPr/>
+        </p:nvCxnSpPr>
+        <p:spPr>
+          <a:xfrm>
+            <a:off x="3062239" y="6152519"/>
+            <a:ext cx="5767006" cy="0"/>
+          </a:xfrm>
+          <a:prstGeom prst="line">
+            <a:avLst/>
+          </a:prstGeom>
+        </p:spPr>
+        <p:style>
+          <a:lnRef idx="1">
+            <a:schemeClr val="accent1"/>
+          </a:lnRef>
+          <a:fillRef idx="0">
+            <a:schemeClr val="accent1"/>
+          </a:fillRef>
+          <a:effectRef idx="0">
+            <a:schemeClr val="accent1"/>
+          </a:effectRef>
+          <a:fontRef idx="minor">
+            <a:schemeClr val="tx1"/>
+          </a:fontRef>
+        </p:style>
+      </p:cxnSp>
+      <p:cxnSp>
+        <p:nvCxnSpPr>
+          <p:cNvPr id="31" name="Прямая соединительная линия 30">
+            <a:extLst>
+              <a:ext uri="{FF2B5EF4-FFF2-40B4-BE49-F238E27FC236}">
+                <a16:creationId xmlns:a16="http://schemas.microsoft.com/office/drawing/2014/main" id="{C1B94DBD-EFD6-5541-91F4-0FE587307252}"/>
+              </a:ext>
+            </a:extLst>
+          </p:cNvPr>
+          <p:cNvCxnSpPr/>
+          <p:nvPr/>
+        </p:nvCxnSpPr>
+        <p:spPr>
+          <a:xfrm>
+            <a:off x="3097064" y="3407863"/>
+            <a:ext cx="5735095" cy="0"/>
+          </a:xfrm>
+          <a:prstGeom prst="line">
+            <a:avLst/>
+          </a:prstGeom>
+        </p:spPr>
+        <p:style>
+          <a:lnRef idx="1">
+            <a:schemeClr val="accent1"/>
+          </a:lnRef>
+          <a:fillRef idx="0">
+            <a:schemeClr val="accent1"/>
+          </a:fillRef>
+          <a:effectRef idx="0">
+            <a:schemeClr val="accent1"/>
+          </a:effectRef>
+          <a:fontRef idx="minor">
+            <a:schemeClr val="tx1"/>
+          </a:fontRef>
+        </p:style>
+      </p:cxnSp>
+      <p:cxnSp>
+        <p:nvCxnSpPr>
+          <p:cNvPr id="34" name="Прямая соединительная линия 33">
+            <a:extLst>
+              <a:ext uri="{FF2B5EF4-FFF2-40B4-BE49-F238E27FC236}">
+                <a16:creationId xmlns:a16="http://schemas.microsoft.com/office/drawing/2014/main" id="{AC504C96-9F4A-0446-9576-A6008F75B718}"/>
+              </a:ext>
+            </a:extLst>
+          </p:cNvPr>
+          <p:cNvCxnSpPr/>
+          <p:nvPr/>
+        </p:nvCxnSpPr>
+        <p:spPr>
+          <a:xfrm flipH="1">
+            <a:off x="3097064" y="3292925"/>
+            <a:ext cx="1" cy="115126"/>
+          </a:xfrm>
+          <a:prstGeom prst="line">
+            <a:avLst/>
+          </a:prstGeom>
+        </p:spPr>
+        <p:style>
+          <a:lnRef idx="1">
+            <a:schemeClr val="accent1"/>
+          </a:lnRef>
+          <a:fillRef idx="0">
+            <a:schemeClr val="accent1"/>
+          </a:fillRef>
+          <a:effectRef idx="0">
+            <a:schemeClr val="accent1"/>
+          </a:effectRef>
+          <a:fontRef idx="minor">
+            <a:schemeClr val="tx1"/>
+          </a:fontRef>
+        </p:style>
+      </p:cxnSp>
+      <p:cxnSp>
+        <p:nvCxnSpPr>
+          <p:cNvPr id="36" name="Прямая со стрелкой 35">
+            <a:extLst>
+              <a:ext uri="{FF2B5EF4-FFF2-40B4-BE49-F238E27FC236}">
+                <a16:creationId xmlns:a16="http://schemas.microsoft.com/office/drawing/2014/main" id="{CA4C7753-94BB-2E44-9F4F-AB6D3CF6A356}"/>
+              </a:ext>
+            </a:extLst>
+          </p:cNvPr>
+          <p:cNvCxnSpPr>
+            <a:cxnSpLocks/>
+          </p:cNvCxnSpPr>
+          <p:nvPr/>
+        </p:nvCxnSpPr>
+        <p:spPr>
+          <a:xfrm flipV="1">
+            <a:off x="7075107" y="3292737"/>
+            <a:ext cx="0" cy="115126"/>
+          </a:xfrm>
+          <a:prstGeom prst="straightConnector1">
+            <a:avLst/>
+          </a:prstGeom>
+          <a:ln>
+            <a:tailEnd type="triangle"/>
+          </a:ln>
+        </p:spPr>
+        <p:style>
+          <a:lnRef idx="1">
+            <a:schemeClr val="accent1"/>
+          </a:lnRef>
+          <a:fillRef idx="0">
+            <a:schemeClr val="accent1"/>
+          </a:fillRef>
+          <a:effectRef idx="0">
+            <a:schemeClr val="accent1"/>
+          </a:effectRef>
+          <a:fontRef idx="minor">
+            <a:schemeClr val="tx1"/>
+          </a:fontRef>
+        </p:style>
+      </p:cxnSp>
+      <p:cxnSp>
+        <p:nvCxnSpPr>
+          <p:cNvPr id="42" name="Прямая со стрелкой 41">
+            <a:extLst>
+              <a:ext uri="{FF2B5EF4-FFF2-40B4-BE49-F238E27FC236}">
+                <a16:creationId xmlns:a16="http://schemas.microsoft.com/office/drawing/2014/main" id="{6258E493-D1EB-C447-81E8-F5BE7194296D}"/>
+              </a:ext>
+            </a:extLst>
+          </p:cNvPr>
+          <p:cNvCxnSpPr>
+            <a:cxnSpLocks/>
+          </p:cNvCxnSpPr>
+          <p:nvPr/>
+        </p:nvCxnSpPr>
+        <p:spPr>
+          <a:xfrm flipV="1">
+            <a:off x="5363775" y="3292737"/>
+            <a:ext cx="0" cy="121614"/>
+          </a:xfrm>
+          <a:prstGeom prst="straightConnector1">
+            <a:avLst/>
+          </a:prstGeom>
+          <a:ln>
+            <a:tailEnd type="triangle"/>
+          </a:ln>
+        </p:spPr>
+        <p:style>
+          <a:lnRef idx="1">
+            <a:schemeClr val="accent1"/>
+          </a:lnRef>
+          <a:fillRef idx="0">
+            <a:schemeClr val="accent1"/>
+          </a:fillRef>
+          <a:effectRef idx="0">
+            <a:schemeClr val="accent1"/>
+          </a:effectRef>
+          <a:fontRef idx="minor">
+            <a:schemeClr val="tx1"/>
+          </a:fontRef>
+        </p:style>
+      </p:cxnSp>
+      <p:cxnSp>
+        <p:nvCxnSpPr>
+          <p:cNvPr id="45" name="Прямая со стрелкой 44">
+            <a:extLst>
+              <a:ext uri="{FF2B5EF4-FFF2-40B4-BE49-F238E27FC236}">
+                <a16:creationId xmlns:a16="http://schemas.microsoft.com/office/drawing/2014/main" id="{BCFB171A-7636-684B-9D6E-8F2A8CBDAD4F}"/>
+              </a:ext>
+            </a:extLst>
+          </p:cNvPr>
+          <p:cNvCxnSpPr>
+            <a:cxnSpLocks/>
+          </p:cNvCxnSpPr>
+          <p:nvPr/>
+        </p:nvCxnSpPr>
+        <p:spPr>
+          <a:xfrm flipV="1">
+            <a:off x="8829245" y="3292737"/>
+            <a:ext cx="0" cy="115126"/>
+          </a:xfrm>
+          <a:prstGeom prst="straightConnector1">
+            <a:avLst/>
+          </a:prstGeom>
+          <a:ln>
+            <a:tailEnd type="triangle"/>
+          </a:ln>
+        </p:spPr>
+        <p:style>
+          <a:lnRef idx="1">
+            <a:schemeClr val="accent1"/>
+          </a:lnRef>
+          <a:fillRef idx="0">
+            <a:schemeClr val="accent1"/>
+          </a:fillRef>
+          <a:effectRef idx="0">
+            <a:schemeClr val="accent1"/>
+          </a:effectRef>
+          <a:fontRef idx="minor">
+            <a:schemeClr val="tx1"/>
+          </a:fontRef>
+        </p:style>
+      </p:cxnSp>
+      <p:cxnSp>
+        <p:nvCxnSpPr>
+          <p:cNvPr id="46" name="Прямая со стрелкой 45">
+            <a:extLst>
+              <a:ext uri="{FF2B5EF4-FFF2-40B4-BE49-F238E27FC236}">
+                <a16:creationId xmlns:a16="http://schemas.microsoft.com/office/drawing/2014/main" id="{D04C14FD-CBAE-9F40-B9EC-F4FF6FE2F8E0}"/>
+              </a:ext>
+            </a:extLst>
+          </p:cNvPr>
+          <p:cNvCxnSpPr>
+            <a:cxnSpLocks/>
+          </p:cNvCxnSpPr>
+          <p:nvPr/>
+        </p:nvCxnSpPr>
+        <p:spPr>
+          <a:xfrm flipV="1">
+            <a:off x="5369327" y="6018070"/>
+            <a:ext cx="0" cy="121614"/>
+          </a:xfrm>
+          <a:prstGeom prst="straightConnector1">
+            <a:avLst/>
+          </a:prstGeom>
+          <a:ln>
+            <a:tailEnd type="triangle"/>
+          </a:ln>
+        </p:spPr>
+        <p:style>
+          <a:lnRef idx="1">
+            <a:schemeClr val="accent1"/>
+          </a:lnRef>
+          <a:fillRef idx="0">
+            <a:schemeClr val="accent1"/>
+          </a:fillRef>
+          <a:effectRef idx="0">
+            <a:schemeClr val="accent1"/>
+          </a:effectRef>
+          <a:fontRef idx="minor">
+            <a:schemeClr val="tx1"/>
+          </a:fontRef>
+        </p:style>
+      </p:cxnSp>
+      <p:cxnSp>
+        <p:nvCxnSpPr>
+          <p:cNvPr id="47" name="Прямая со стрелкой 46">
+            <a:extLst>
+              <a:ext uri="{FF2B5EF4-FFF2-40B4-BE49-F238E27FC236}">
+                <a16:creationId xmlns:a16="http://schemas.microsoft.com/office/drawing/2014/main" id="{69808EC9-AACE-3A45-93E9-6A303098F8AD}"/>
+              </a:ext>
+            </a:extLst>
+          </p:cNvPr>
+          <p:cNvCxnSpPr>
+            <a:cxnSpLocks/>
+          </p:cNvCxnSpPr>
+          <p:nvPr/>
+        </p:nvCxnSpPr>
+        <p:spPr>
+          <a:xfrm flipV="1">
+            <a:off x="7075107" y="6018070"/>
+            <a:ext cx="0" cy="121614"/>
+          </a:xfrm>
+          <a:prstGeom prst="straightConnector1">
+            <a:avLst/>
+          </a:prstGeom>
+          <a:ln>
+            <a:tailEnd type="triangle"/>
+          </a:ln>
+        </p:spPr>
+        <p:style>
+          <a:lnRef idx="1">
+            <a:schemeClr val="accent1"/>
+          </a:lnRef>
+          <a:fillRef idx="0">
+            <a:schemeClr val="accent1"/>
+          </a:fillRef>
+          <a:effectRef idx="0">
+            <a:schemeClr val="accent1"/>
+          </a:effectRef>
+          <a:fontRef idx="minor">
+            <a:schemeClr val="tx1"/>
+          </a:fontRef>
+        </p:style>
+      </p:cxnSp>
+      <p:cxnSp>
+        <p:nvCxnSpPr>
+          <p:cNvPr id="48" name="Прямая со стрелкой 47">
+            <a:extLst>
+              <a:ext uri="{FF2B5EF4-FFF2-40B4-BE49-F238E27FC236}">
+                <a16:creationId xmlns:a16="http://schemas.microsoft.com/office/drawing/2014/main" id="{FA4A830E-D3FA-A648-A6DC-0AE616AAA975}"/>
+              </a:ext>
+            </a:extLst>
+          </p:cNvPr>
+          <p:cNvCxnSpPr>
+            <a:cxnSpLocks/>
+          </p:cNvCxnSpPr>
+          <p:nvPr/>
+        </p:nvCxnSpPr>
+        <p:spPr>
+          <a:xfrm flipV="1">
+            <a:off x="8829245" y="6018070"/>
+            <a:ext cx="0" cy="121614"/>
+          </a:xfrm>
+          <a:prstGeom prst="straightConnector1">
+            <a:avLst/>
+          </a:prstGeom>
+          <a:ln>
+            <a:tailEnd type="triangle"/>
+          </a:ln>
+        </p:spPr>
+        <p:style>
+          <a:lnRef idx="1">
+            <a:schemeClr val="accent1"/>
+          </a:lnRef>
+          <a:fillRef idx="0">
+            <a:schemeClr val="accent1"/>
+          </a:fillRef>
+          <a:effectRef idx="0">
+            <a:schemeClr val="accent1"/>
+          </a:effectRef>
+          <a:fontRef idx="minor">
+            <a:schemeClr val="tx1"/>
+          </a:fontRef>
+        </p:style>
+      </p:cxnSp>
+    </p:spTree>
+    <p:extLst>
+      <p:ext uri="{BB962C8B-B14F-4D97-AF65-F5344CB8AC3E}">
+        <p14:creationId xmlns:p14="http://schemas.microsoft.com/office/powerpoint/2010/main" val="2592839242"/>
+      </p:ext>
+    </p:extLst>
+  </p:cSld>
+  <p:clrMapOvr>
+    <a:overrideClrMapping bg1="lt1" tx1="dk1" bg2="lt2" tx2="dk2" accent1="accent1" accent2="accent2" accent3="accent3" accent4="accent4" accent5="accent5" accent6="accent6" hlink="hlink" folHlink="folHlink"/>
+  </p:clrMapOvr>
+</p:sld>
+</file>
+
+<file path=ppt/slides/slide4.xml><?xml version="1.0" encoding="utf-8"?>
+<p:sld xmlns:a="http://schemas.openxmlformats.org/drawingml/2006/main" xmlns:r="http://schemas.openxmlformats.org/officeDocument/2006/relationships" xmlns:p="http://schemas.openxmlformats.org/presentationml/2006/main">
+  <p:cSld>
+    <p:bg>
+      <p:bgPr>
+        <a:solidFill>
+          <a:schemeClr val="bg1"/>
+        </a:solidFill>
+        <a:effectLst/>
+      </p:bgPr>
+    </p:bg>
+    <p:spTree>
+      <p:nvGrpSpPr>
+        <p:cNvPr id="1" name=""/>
+        <p:cNvGrpSpPr/>
+        <p:nvPr/>
+      </p:nvGrpSpPr>
+      <p:grpSpPr>
+        <a:xfrm>
+          <a:off x="0" y="0"/>
+          <a:ext cx="0" cy="0"/>
+          <a:chOff x="0" y="0"/>
+          <a:chExt cx="0" cy="0"/>
+        </a:xfrm>
+      </p:grpSpPr>
+      <p:sp>
+        <p:nvSpPr>
+          <p:cNvPr id="10" name="Freeform 6">
+            <a:extLst>
+              <a:ext uri="{FF2B5EF4-FFF2-40B4-BE49-F238E27FC236}">
+                <a16:creationId xmlns:a16="http://schemas.microsoft.com/office/drawing/2014/main" id="{133F8CB7-795C-4272-9073-64D8CF97F220}"/>
+              </a:ext>
+              <a:ext uri="{C183D7F6-B498-43B3-948B-1728B52AA6E4}">
+                <adec:decorative xmlns:adec="http://schemas.microsoft.com/office/drawing/2017/decorative" val="1"/>
+              </a:ext>
+            </a:extLst>
+          </p:cNvPr>
+          <p:cNvSpPr>
+            <a:spLocks noGrp="1" noRot="1" noChangeAspect="1" noMove="1" noResize="1" noEditPoints="1" noAdjustHandles="1" noChangeArrowheads="1" noChangeShapeType="1" noTextEdit="1"/>
+          </p:cNvSpPr>
+          <p:nvPr>
+            <p:extLst>
+              <p:ext uri="{386F3935-93C4-4BCD-93E2-E3B085C9AB24}">
+                <p16:designElem xmlns:p16="http://schemas.microsoft.com/office/powerpoint/2015/main" val="1"/>
+              </p:ext>
+            </p:extLst>
+          </p:nvPr>
+        </p:nvSpPr>
+        <p:spPr bwMode="auto">
+          <a:xfrm>
+            <a:off x="0" y="-3175"/>
+            <a:ext cx="12192000" cy="5203825"/>
+          </a:xfrm>
+          <a:custGeom>
+            <a:avLst/>
+            <a:gdLst/>
+            <a:ahLst/>
+            <a:cxnLst/>
+            <a:rect l="0" t="0" r="r" b="b"/>
+            <a:pathLst>
+              <a:path w="5760" h="3278">
+                <a:moveTo>
+                  <a:pt x="5760" y="0"/>
+                </a:moveTo>
+                <a:lnTo>
+                  <a:pt x="0" y="0"/>
+                </a:lnTo>
+                <a:lnTo>
+                  <a:pt x="0" y="3090"/>
+                </a:lnTo>
+                <a:lnTo>
+                  <a:pt x="943" y="3090"/>
+                </a:lnTo>
+                <a:lnTo>
+                  <a:pt x="1123" y="3270"/>
+                </a:lnTo>
+                <a:lnTo>
+                  <a:pt x="1123" y="3270"/>
+                </a:lnTo>
+                <a:lnTo>
+                  <a:pt x="1127" y="3272"/>
+                </a:lnTo>
+                <a:lnTo>
+                  <a:pt x="1133" y="3275"/>
+                </a:lnTo>
+                <a:lnTo>
+                  <a:pt x="1139" y="3278"/>
+                </a:lnTo>
+                <a:lnTo>
+                  <a:pt x="1144" y="3278"/>
+                </a:lnTo>
+                <a:lnTo>
+                  <a:pt x="1150" y="3278"/>
+                </a:lnTo>
+                <a:lnTo>
+                  <a:pt x="1155" y="3275"/>
+                </a:lnTo>
+                <a:lnTo>
+                  <a:pt x="1161" y="3272"/>
+                </a:lnTo>
+                <a:lnTo>
+                  <a:pt x="1165" y="3270"/>
+                </a:lnTo>
+                <a:lnTo>
+                  <a:pt x="1345" y="3090"/>
+                </a:lnTo>
+                <a:lnTo>
+                  <a:pt x="5760" y="3090"/>
+                </a:lnTo>
+                <a:lnTo>
+                  <a:pt x="5760" y="0"/>
+                </a:lnTo>
+                <a:close/>
+              </a:path>
+            </a:pathLst>
+          </a:custGeom>
+          <a:ln/>
+          <a:effectLst/>
+          <a:extLst>
+            <a:ext uri="{91240B29-F687-4f45-9708-019B960494DF}">
+              <a14:hiddenLine xmlns:a14="http://schemas.microsoft.com/office/drawing/2010/main" xmlns:p14="http://schemas.microsoft.com/office/powerpoint/2010/main" xmlns:a16="http://schemas.microsoft.com/office/drawing/2014/main" xmlns="" w="9525">
+                <a:solidFill>
+                  <a:srgbClr val="000000"/>
+                </a:solidFill>
+                <a:round/>
+                <a:headEnd/>
+                <a:tailEnd/>
+              </a14:hiddenLine>
+            </a:ext>
+          </a:extLst>
+        </p:spPr>
+        <p:style>
+          <a:lnRef idx="1">
+            <a:schemeClr val="accent1"/>
+          </a:lnRef>
+          <a:fillRef idx="3">
+            <a:schemeClr val="accent1"/>
+          </a:fillRef>
+          <a:effectRef idx="2">
+            <a:schemeClr val="accent1"/>
+          </a:effectRef>
+          <a:fontRef idx="minor">
+            <a:schemeClr val="lt1"/>
+          </a:fontRef>
+        </p:style>
+      </p:sp>
+      <p:sp>
+        <p:nvSpPr>
+          <p:cNvPr id="12" name="Rectangle 11">
+            <a:extLst>
+              <a:ext uri="{FF2B5EF4-FFF2-40B4-BE49-F238E27FC236}">
+                <a16:creationId xmlns:a16="http://schemas.microsoft.com/office/drawing/2014/main" id="{B7743172-17A8-4FA4-8434-B813E03B7665}"/>
+              </a:ext>
+              <a:ext uri="{C183D7F6-B498-43B3-948B-1728B52AA6E4}">
+                <adec:decorative xmlns:adec="http://schemas.microsoft.com/office/drawing/2017/decorative" val="1"/>
+              </a:ext>
+            </a:extLst>
+          </p:cNvPr>
+          <p:cNvSpPr>
+            <a:spLocks noGrp="1" noRot="1" noChangeAspect="1" noMove="1" noResize="1" noEditPoints="1" noAdjustHandles="1" noChangeArrowheads="1" noChangeShapeType="1" noTextEdit="1"/>
+          </p:cNvSpPr>
+          <p:nvPr>
+            <p:extLst>
+              <p:ext uri="{386F3935-93C4-4BCD-93E2-E3B085C9AB24}">
+                <p16:designElem xmlns:p16="http://schemas.microsoft.com/office/powerpoint/2015/main" val="1"/>
+              </p:ext>
+            </p:extLst>
+          </p:nvPr>
+        </p:nvSpPr>
+        <p:spPr>
+          <a:xfrm>
+            <a:off x="0" y="0"/>
+            <a:ext cx="12192000" cy="6858000"/>
+          </a:xfrm>
+          <a:prstGeom prst="rect">
+            <a:avLst/>
+          </a:prstGeom>
+          <a:solidFill>
+            <a:schemeClr val="bg1"/>
+          </a:solidFill>
+          <a:ln>
+            <a:noFill/>
+          </a:ln>
+        </p:spPr>
+        <p:style>
+          <a:lnRef idx="2">
+            <a:schemeClr val="accent1">
+              <a:shade val="50000"/>
+            </a:schemeClr>
+          </a:lnRef>
+          <a:fillRef idx="1">
+            <a:schemeClr val="accent1"/>
+          </a:fillRef>
+          <a:effectRef idx="0">
+            <a:schemeClr val="accent1"/>
+          </a:effectRef>
+          <a:fontRef idx="minor">
+            <a:schemeClr val="lt1"/>
+          </a:fontRef>
+        </p:style>
+        <p:txBody>
+          <a:bodyPr rtlCol="0" anchor="ctr"/>
+          <a:lstStyle/>
+          <a:p>
+            <a:pPr algn="ctr"/>
+            <a:endParaRPr lang="en-US"/>
+          </a:p>
+        </p:txBody>
+      </p:sp>
+      <p:sp>
+        <p:nvSpPr>
+          <p:cNvPr id="14" name="Freeform 23">
+            <a:extLst>
+              <a:ext uri="{FF2B5EF4-FFF2-40B4-BE49-F238E27FC236}">
+                <a16:creationId xmlns:a16="http://schemas.microsoft.com/office/drawing/2014/main" id="{4CE1233C-FD2F-489E-BFDE-086F5FED6491}"/>
+              </a:ext>
+              <a:ext uri="{C183D7F6-B498-43B3-948B-1728B52AA6E4}">
+                <adec:decorative xmlns:adec="http://schemas.microsoft.com/office/drawing/2017/decorative" val="1"/>
+              </a:ext>
+            </a:extLst>
+          </p:cNvPr>
+          <p:cNvSpPr>
+            <a:spLocks noGrp="1" noRot="1" noChangeAspect="1" noMove="1" noResize="1" noEditPoints="1" noAdjustHandles="1" noChangeArrowheads="1" noChangeShapeType="1" noTextEdit="1"/>
+          </p:cNvSpPr>
+          <p:nvPr>
+            <p:extLst>
+              <p:ext uri="{386F3935-93C4-4BCD-93E2-E3B085C9AB24}">
+                <p16:designElem xmlns:p16="http://schemas.microsoft.com/office/powerpoint/2015/main" val="1"/>
+              </p:ext>
+            </p:extLst>
+          </p:nvPr>
+        </p:nvSpPr>
+        <p:spPr bwMode="white">
+          <a:xfrm>
+            <a:off x="0" y="0"/>
+            <a:ext cx="4637005" cy="6858000"/>
+          </a:xfrm>
+          <a:custGeom>
+            <a:avLst/>
+            <a:gdLst>
+              <a:gd name="connsiteX0" fmla="*/ 0 w 4637005"/>
+              <a:gd name="connsiteY0" fmla="*/ 0 h 6858000"/>
+              <a:gd name="connsiteX1" fmla="*/ 4637005 w 4637005"/>
+              <a:gd name="connsiteY1" fmla="*/ 0 h 6858000"/>
+              <a:gd name="connsiteX2" fmla="*/ 4637005 w 4637005"/>
+              <a:gd name="connsiteY2" fmla="*/ 1900238 h 6858000"/>
+              <a:gd name="connsiteX3" fmla="*/ 4266589 w 4637005"/>
+              <a:gd name="connsiteY3" fmla="*/ 2178050 h 6858000"/>
+              <a:gd name="connsiteX4" fmla="*/ 4262355 w 4637005"/>
+              <a:gd name="connsiteY4" fmla="*/ 2184400 h 6858000"/>
+              <a:gd name="connsiteX5" fmla="*/ 4256005 w 4637005"/>
+              <a:gd name="connsiteY5" fmla="*/ 2193925 h 6858000"/>
+              <a:gd name="connsiteX6" fmla="*/ 4249655 w 4637005"/>
+              <a:gd name="connsiteY6" fmla="*/ 2201863 h 6858000"/>
+              <a:gd name="connsiteX7" fmla="*/ 4249655 w 4637005"/>
+              <a:gd name="connsiteY7" fmla="*/ 2211388 h 6858000"/>
+              <a:gd name="connsiteX8" fmla="*/ 4249655 w 4637005"/>
+              <a:gd name="connsiteY8" fmla="*/ 2220913 h 6858000"/>
+              <a:gd name="connsiteX9" fmla="*/ 4256005 w 4637005"/>
+              <a:gd name="connsiteY9" fmla="*/ 2228850 h 6858000"/>
+              <a:gd name="connsiteX10" fmla="*/ 4262355 w 4637005"/>
+              <a:gd name="connsiteY10" fmla="*/ 2238375 h 6858000"/>
+              <a:gd name="connsiteX11" fmla="*/ 4266589 w 4637005"/>
+              <a:gd name="connsiteY11" fmla="*/ 2244725 h 6858000"/>
+              <a:gd name="connsiteX12" fmla="*/ 4637005 w 4637005"/>
+              <a:gd name="connsiteY12" fmla="*/ 2522538 h 6858000"/>
+              <a:gd name="connsiteX13" fmla="*/ 4637005 w 4637005"/>
+              <a:gd name="connsiteY13" fmla="*/ 6858000 h 6858000"/>
+              <a:gd name="connsiteX14" fmla="*/ 0 w 4637005"/>
+              <a:gd name="connsiteY14" fmla="*/ 6858000 h 6858000"/>
+            </a:gdLst>
+            <a:ahLst/>
+            <a:cxnLst>
+              <a:cxn ang="0">
+                <a:pos x="connsiteX0" y="connsiteY0"/>
+              </a:cxn>
+              <a:cxn ang="0">
+                <a:pos x="connsiteX1" y="connsiteY1"/>
+              </a:cxn>
+              <a:cxn ang="0">
+                <a:pos x="connsiteX2" y="connsiteY2"/>
+              </a:cxn>
+              <a:cxn ang="0">
+                <a:pos x="connsiteX3" y="connsiteY3"/>
+              </a:cxn>
+              <a:cxn ang="0">
+                <a:pos x="connsiteX4" y="connsiteY4"/>
+              </a:cxn>
+              <a:cxn ang="0">
+                <a:pos x="connsiteX5" y="connsiteY5"/>
+              </a:cxn>
+              <a:cxn ang="0">
+                <a:pos x="connsiteX6" y="connsiteY6"/>
+              </a:cxn>
+              <a:cxn ang="0">
+                <a:pos x="connsiteX7" y="connsiteY7"/>
+              </a:cxn>
+              <a:cxn ang="0">
+                <a:pos x="connsiteX8" y="connsiteY8"/>
+              </a:cxn>
+              <a:cxn ang="0">
+                <a:pos x="connsiteX9" y="connsiteY9"/>
+              </a:cxn>
+              <a:cxn ang="0">
+                <a:pos x="connsiteX10" y="connsiteY10"/>
+              </a:cxn>
+              <a:cxn ang="0">
+                <a:pos x="connsiteX11" y="connsiteY11"/>
+              </a:cxn>
+              <a:cxn ang="0">
+                <a:pos x="connsiteX12" y="connsiteY12"/>
+              </a:cxn>
+              <a:cxn ang="0">
+                <a:pos x="connsiteX13" y="connsiteY13"/>
+              </a:cxn>
+              <a:cxn ang="0">
+                <a:pos x="connsiteX14" y="connsiteY14"/>
+              </a:cxn>
+            </a:cxnLst>
+            <a:rect l="l" t="t" r="r" b="b"/>
+            <a:pathLst>
+              <a:path w="4637005" h="6858000">
+                <a:moveTo>
+                  <a:pt x="0" y="0"/>
+                </a:moveTo>
+                <a:lnTo>
+                  <a:pt x="4637005" y="0"/>
+                </a:lnTo>
+                <a:lnTo>
+                  <a:pt x="4637005" y="1900238"/>
+                </a:lnTo>
+                <a:lnTo>
+                  <a:pt x="4266589" y="2178050"/>
+                </a:lnTo>
+                <a:lnTo>
+                  <a:pt x="4262355" y="2184400"/>
+                </a:lnTo>
+                <a:lnTo>
+                  <a:pt x="4256005" y="2193925"/>
+                </a:lnTo>
+                <a:lnTo>
+                  <a:pt x="4249655" y="2201863"/>
+                </a:lnTo>
+                <a:lnTo>
+                  <a:pt x="4249655" y="2211388"/>
+                </a:lnTo>
+                <a:lnTo>
+                  <a:pt x="4249655" y="2220913"/>
+                </a:lnTo>
+                <a:lnTo>
+                  <a:pt x="4256005" y="2228850"/>
+                </a:lnTo>
+                <a:lnTo>
+                  <a:pt x="4262355" y="2238375"/>
+                </a:lnTo>
+                <a:lnTo>
+                  <a:pt x="4266589" y="2244725"/>
+                </a:lnTo>
+                <a:lnTo>
+                  <a:pt x="4637005" y="2522538"/>
+                </a:lnTo>
+                <a:lnTo>
+                  <a:pt x="4637005" y="6858000"/>
+                </a:lnTo>
+                <a:lnTo>
+                  <a:pt x="0" y="6858000"/>
+                </a:lnTo>
+                <a:close/>
+              </a:path>
+            </a:pathLst>
+          </a:custGeom>
+          <a:blipFill>
+            <a:blip r:embed="rId2">
+              <a:duotone>
+                <a:schemeClr val="accent1">
+                  <a:tint val="98000"/>
+                  <a:lumMod val="102000"/>
+                </a:schemeClr>
+                <a:schemeClr val="accent1">
+                  <a:shade val="98000"/>
+                  <a:lumMod val="98000"/>
+                </a:schemeClr>
+              </a:duotone>
+            </a:blip>
+            <a:tile tx="0" ty="0" sx="100000" sy="100000" flip="none" algn="tl"/>
+          </a:blipFill>
+          <a:ln>
+            <a:headEnd/>
+            <a:tailEnd/>
+          </a:ln>
+        </p:spPr>
+        <p:style>
+          <a:lnRef idx="1">
+            <a:schemeClr val="accent1"/>
+          </a:lnRef>
+          <a:fillRef idx="3">
+            <a:schemeClr val="accent1"/>
+          </a:fillRef>
+          <a:effectRef idx="2">
+            <a:schemeClr val="accent1"/>
+          </a:effectRef>
+          <a:fontRef idx="minor">
+            <a:schemeClr val="lt1"/>
+          </a:fontRef>
+        </p:style>
+        <p:txBody>
+          <a:bodyPr wrap="square" rtlCol="0" anchor="ctr">
+            <a:noAutofit/>
+          </a:bodyPr>
+          <a:lstStyle/>
+          <a:p>
+            <a:pPr algn="ctr"/>
+            <a:endParaRPr lang="en-US"/>
+          </a:p>
+        </p:txBody>
+      </p:sp>
       <p:sp>
         <p:nvSpPr>
           <p:cNvPr id="2" name="Заголовок 1">
             <a:extLst>
               <a:ext uri="{FF2B5EF4-FFF2-40B4-BE49-F238E27FC236}">
-                <a16:creationId xmlns:a16="http://schemas.microsoft.com/office/drawing/2014/main" id="{97C3C6B3-E678-E145-9D42-75EF229DB131}"/>
+                <a16:creationId xmlns:a16="http://schemas.microsoft.com/office/drawing/2014/main" id="{A47FF219-609B-7D40-9C27-8F04DC4A951B}"/>
               </a:ext>
             </a:extLst>
           </p:cNvPr>
@@ -11168,38 +8969,3453 @@
         </p:nvSpPr>
         <p:spPr>
           <a:xfrm>
-            <a:off x="1280559" y="1286935"/>
-            <a:ext cx="9638153" cy="2668377"/>
-          </a:xfrm>
-          <a:effectLst/>
-        </p:spPr>
-        <p:txBody>
-          <a:bodyPr vert="horz" lIns="91440" tIns="45720" rIns="91440" bIns="45720" rtlCol="0" anchor="b">
+            <a:off x="170209" y="593451"/>
+            <a:ext cx="4323719" cy="6600636"/>
+          </a:xfrm>
+        </p:spPr>
+        <p:txBody>
+          <a:bodyPr vert="horz" lIns="91440" tIns="45720" rIns="91440" bIns="45720" rtlCol="0" anchor="t">
             <a:normAutofit/>
           </a:bodyPr>
           <a:lstStyle/>
           <a:p>
-            <a:pPr algn="ctr"/>
             <a:r>
-              <a:rPr lang="ru-RU" sz="5400" dirty="0">
-                <a:solidFill>
-                  <a:schemeClr val="tx1"/>
-                </a:solidFill>
-              </a:rPr>
-              <a:t>Спасибо за внимание</a:t>
+              <a:rPr lang="ru-RU" sz="2800" dirty="0"/>
+              <a:t>Главная страница 1– это экран из задания</a:t>
             </a:r>
-            <a:endParaRPr lang="en-US" sz="5400" dirty="0">
-              <a:solidFill>
-                <a:schemeClr val="tx1"/>
-              </a:solidFill>
-            </a:endParaRPr>
-          </a:p>
-        </p:txBody>
-      </p:sp>
+            <a:br>
+              <a:rPr lang="ru-RU" sz="2800" dirty="0"/>
+            </a:br>
+            <a:br>
+              <a:rPr lang="ru-RU" sz="2800" dirty="0"/>
+            </a:br>
+            <a:r>
+              <a:rPr lang="ru-RU" sz="2800" dirty="0"/>
+              <a:t>Главная страница 2 – это экран созданный мною</a:t>
+            </a:r>
+            <a:br>
+              <a:rPr lang="ru-RU" sz="2800" dirty="0"/>
+            </a:br>
+            <a:br>
+              <a:rPr lang="ru-RU" sz="2800" dirty="0"/>
+            </a:br>
+            <a:r>
+              <a:rPr lang="ru-RU" sz="2800" dirty="0"/>
+              <a:t>Есть визуальные различия в размерах шрифтов и картинок, это произошло из-за особенности макета</a:t>
+            </a:r>
+            <a:endParaRPr lang="en-US" sz="2800" dirty="0"/>
+          </a:p>
+        </p:txBody>
+      </p:sp>
+      <p:sp>
+        <p:nvSpPr>
+          <p:cNvPr id="9" name="TextBox 8">
+            <a:extLst>
+              <a:ext uri="{FF2B5EF4-FFF2-40B4-BE49-F238E27FC236}">
+                <a16:creationId xmlns:a16="http://schemas.microsoft.com/office/drawing/2014/main" id="{E654F38B-0950-ED41-B35A-03D71DC9046C}"/>
+              </a:ext>
+            </a:extLst>
+          </p:cNvPr>
+          <p:cNvSpPr txBox="1"/>
+          <p:nvPr/>
+        </p:nvSpPr>
+        <p:spPr>
+          <a:xfrm>
+            <a:off x="4719685" y="5922874"/>
+            <a:ext cx="3220699" cy="461665"/>
+          </a:xfrm>
+          <a:prstGeom prst="rect">
+            <a:avLst/>
+          </a:prstGeom>
+          <a:noFill/>
+        </p:spPr>
+        <p:txBody>
+          <a:bodyPr wrap="square" rtlCol="0">
+            <a:spAutoFit/>
+          </a:bodyPr>
+          <a:lstStyle/>
+          <a:p>
+            <a:r>
+              <a:rPr lang="ru-RU" sz="2400" dirty="0"/>
+              <a:t>Главная страница 1</a:t>
+            </a:r>
+          </a:p>
+        </p:txBody>
+      </p:sp>
+      <p:pic>
+        <p:nvPicPr>
+          <p:cNvPr id="11" name="Объект 4" descr="Изображение выглядит как текст&#10;&#10;Автоматически созданное описание">
+            <a:extLst>
+              <a:ext uri="{FF2B5EF4-FFF2-40B4-BE49-F238E27FC236}">
+                <a16:creationId xmlns:a16="http://schemas.microsoft.com/office/drawing/2014/main" id="{DC22DDBE-5622-8A44-AB3B-8CA40D8E3A93}"/>
+              </a:ext>
+            </a:extLst>
+          </p:cNvPr>
+          <p:cNvPicPr>
+            <a:picLocks noChangeAspect="1"/>
+          </p:cNvPicPr>
+          <p:nvPr/>
+        </p:nvPicPr>
+        <p:blipFill>
+          <a:blip r:embed="rId3"/>
+          <a:stretch>
+            <a:fillRect/>
+          </a:stretch>
+        </p:blipFill>
+        <p:spPr>
+          <a:xfrm>
+            <a:off x="5088519" y="489587"/>
+            <a:ext cx="2483032" cy="5397897"/>
+          </a:xfrm>
+          <a:prstGeom prst="roundRect">
+            <a:avLst>
+              <a:gd name="adj" fmla="val 3876"/>
+            </a:avLst>
+          </a:prstGeom>
+          <a:ln>
+            <a:solidFill>
+              <a:schemeClr val="accent1"/>
+            </a:solidFill>
+          </a:ln>
+          <a:effectLst/>
+        </p:spPr>
+      </p:pic>
+      <p:pic>
+        <p:nvPicPr>
+          <p:cNvPr id="8" name="Объект 4" descr="Изображение выглядит как текст&#10;&#10;Автоматически созданное описание">
+            <a:extLst>
+              <a:ext uri="{FF2B5EF4-FFF2-40B4-BE49-F238E27FC236}">
+                <a16:creationId xmlns:a16="http://schemas.microsoft.com/office/drawing/2014/main" id="{CA1871BF-1CF0-1D4B-9065-835F9E40D1D6}"/>
+              </a:ext>
+            </a:extLst>
+          </p:cNvPr>
+          <p:cNvPicPr>
+            <a:picLocks noGrp="1" noChangeAspect="1"/>
+          </p:cNvPicPr>
+          <p:nvPr>
+            <p:ph idx="1"/>
+          </p:nvPr>
+        </p:nvPicPr>
+        <p:blipFill>
+          <a:blip r:embed="rId4"/>
+          <a:stretch>
+            <a:fillRect/>
+          </a:stretch>
+        </p:blipFill>
+        <p:spPr>
+          <a:xfrm>
+            <a:off x="8929230" y="489587"/>
+            <a:ext cx="2550506" cy="5397897"/>
+          </a:xfrm>
+          <a:prstGeom prst="roundRect">
+            <a:avLst>
+              <a:gd name="adj" fmla="val 3876"/>
+            </a:avLst>
+          </a:prstGeom>
+          <a:ln>
+            <a:solidFill>
+              <a:schemeClr val="accent1"/>
+            </a:solidFill>
+          </a:ln>
+          <a:effectLst/>
+        </p:spPr>
+      </p:pic>
+      <p:sp>
+        <p:nvSpPr>
+          <p:cNvPr id="15" name="TextBox 14">
+            <a:extLst>
+              <a:ext uri="{FF2B5EF4-FFF2-40B4-BE49-F238E27FC236}">
+                <a16:creationId xmlns:a16="http://schemas.microsoft.com/office/drawing/2014/main" id="{6325215C-0B48-AA4D-864B-90D638B74C95}"/>
+              </a:ext>
+            </a:extLst>
+          </p:cNvPr>
+          <p:cNvSpPr txBox="1"/>
+          <p:nvPr/>
+        </p:nvSpPr>
+        <p:spPr>
+          <a:xfrm>
+            <a:off x="8455842" y="5911076"/>
+            <a:ext cx="3220699" cy="461665"/>
+          </a:xfrm>
+          <a:prstGeom prst="rect">
+            <a:avLst/>
+          </a:prstGeom>
+          <a:noFill/>
+        </p:spPr>
+        <p:txBody>
+          <a:bodyPr wrap="square" rtlCol="0">
+            <a:spAutoFit/>
+          </a:bodyPr>
+          <a:lstStyle/>
+          <a:p>
+            <a:r>
+              <a:rPr lang="ru-RU" sz="2400" dirty="0"/>
+              <a:t>Главная страница 2</a:t>
+            </a:r>
+          </a:p>
+        </p:txBody>
+      </p:sp>
+      <p:pic>
+        <p:nvPicPr>
+          <p:cNvPr id="16" name="Рисунок 15">
+            <a:extLst>
+              <a:ext uri="{FF2B5EF4-FFF2-40B4-BE49-F238E27FC236}">
+                <a16:creationId xmlns:a16="http://schemas.microsoft.com/office/drawing/2014/main" id="{190A2DEE-A6D1-A74F-A388-401EFD372CE8}"/>
+              </a:ext>
+            </a:extLst>
+          </p:cNvPr>
+          <p:cNvPicPr>
+            <a:picLocks noChangeAspect="1"/>
+          </p:cNvPicPr>
+          <p:nvPr/>
+        </p:nvPicPr>
+        <p:blipFill>
+          <a:blip r:embed="rId5"/>
+          <a:stretch>
+            <a:fillRect/>
+          </a:stretch>
+        </p:blipFill>
+        <p:spPr>
+          <a:xfrm>
+            <a:off x="9821264" y="932416"/>
+            <a:ext cx="107950" cy="76200"/>
+          </a:xfrm>
+          <a:prstGeom prst="rect">
+            <a:avLst/>
+          </a:prstGeom>
+        </p:spPr>
+      </p:pic>
     </p:spTree>
     <p:extLst>
       <p:ext uri="{BB962C8B-B14F-4D97-AF65-F5344CB8AC3E}">
-        <p14:creationId xmlns:p14="http://schemas.microsoft.com/office/powerpoint/2010/main" val="4294676490"/>
+        <p14:creationId xmlns:p14="http://schemas.microsoft.com/office/powerpoint/2010/main" val="1499040426"/>
+      </p:ext>
+    </p:extLst>
+  </p:cSld>
+  <p:clrMapOvr>
+    <a:overrideClrMapping bg1="lt1" tx1="dk1" bg2="lt2" tx2="dk2" accent1="accent1" accent2="accent2" accent3="accent3" accent4="accent4" accent5="accent5" accent6="accent6" hlink="hlink" folHlink="folHlink"/>
+  </p:clrMapOvr>
+</p:sld>
+</file>
+
+<file path=ppt/slides/slide5.xml><?xml version="1.0" encoding="utf-8"?>
+<p:sld xmlns:a="http://schemas.openxmlformats.org/drawingml/2006/main" xmlns:r="http://schemas.openxmlformats.org/officeDocument/2006/relationships" xmlns:p="http://schemas.openxmlformats.org/presentationml/2006/main">
+  <p:cSld>
+    <p:bg>
+      <p:bgPr>
+        <a:solidFill>
+          <a:schemeClr val="bg1"/>
+        </a:solidFill>
+        <a:effectLst/>
+      </p:bgPr>
+    </p:bg>
+    <p:spTree>
+      <p:nvGrpSpPr>
+        <p:cNvPr id="1" name=""/>
+        <p:cNvGrpSpPr/>
+        <p:nvPr/>
+      </p:nvGrpSpPr>
+      <p:grpSpPr>
+        <a:xfrm>
+          <a:off x="0" y="0"/>
+          <a:ext cx="0" cy="0"/>
+          <a:chOff x="0" y="0"/>
+          <a:chExt cx="0" cy="0"/>
+        </a:xfrm>
+      </p:grpSpPr>
+      <p:sp>
+        <p:nvSpPr>
+          <p:cNvPr id="10" name="Freeform 6">
+            <a:extLst>
+              <a:ext uri="{FF2B5EF4-FFF2-40B4-BE49-F238E27FC236}">
+                <a16:creationId xmlns:a16="http://schemas.microsoft.com/office/drawing/2014/main" id="{133F8CB7-795C-4272-9073-64D8CF97F220}"/>
+              </a:ext>
+              <a:ext uri="{C183D7F6-B498-43B3-948B-1728B52AA6E4}">
+                <adec:decorative xmlns:adec="http://schemas.microsoft.com/office/drawing/2017/decorative" val="1"/>
+              </a:ext>
+            </a:extLst>
+          </p:cNvPr>
+          <p:cNvSpPr>
+            <a:spLocks noGrp="1" noRot="1" noChangeAspect="1" noMove="1" noResize="1" noEditPoints="1" noAdjustHandles="1" noChangeArrowheads="1" noChangeShapeType="1" noTextEdit="1"/>
+          </p:cNvSpPr>
+          <p:nvPr>
+            <p:extLst>
+              <p:ext uri="{386F3935-93C4-4BCD-93E2-E3B085C9AB24}">
+                <p16:designElem xmlns:p16="http://schemas.microsoft.com/office/powerpoint/2015/main" val="1"/>
+              </p:ext>
+            </p:extLst>
+          </p:nvPr>
+        </p:nvSpPr>
+        <p:spPr bwMode="auto">
+          <a:xfrm>
+            <a:off x="0" y="-3175"/>
+            <a:ext cx="12192000" cy="5203825"/>
+          </a:xfrm>
+          <a:custGeom>
+            <a:avLst/>
+            <a:gdLst/>
+            <a:ahLst/>
+            <a:cxnLst/>
+            <a:rect l="0" t="0" r="r" b="b"/>
+            <a:pathLst>
+              <a:path w="5760" h="3278">
+                <a:moveTo>
+                  <a:pt x="5760" y="0"/>
+                </a:moveTo>
+                <a:lnTo>
+                  <a:pt x="0" y="0"/>
+                </a:lnTo>
+                <a:lnTo>
+                  <a:pt x="0" y="3090"/>
+                </a:lnTo>
+                <a:lnTo>
+                  <a:pt x="943" y="3090"/>
+                </a:lnTo>
+                <a:lnTo>
+                  <a:pt x="1123" y="3270"/>
+                </a:lnTo>
+                <a:lnTo>
+                  <a:pt x="1123" y="3270"/>
+                </a:lnTo>
+                <a:lnTo>
+                  <a:pt x="1127" y="3272"/>
+                </a:lnTo>
+                <a:lnTo>
+                  <a:pt x="1133" y="3275"/>
+                </a:lnTo>
+                <a:lnTo>
+                  <a:pt x="1139" y="3278"/>
+                </a:lnTo>
+                <a:lnTo>
+                  <a:pt x="1144" y="3278"/>
+                </a:lnTo>
+                <a:lnTo>
+                  <a:pt x="1150" y="3278"/>
+                </a:lnTo>
+                <a:lnTo>
+                  <a:pt x="1155" y="3275"/>
+                </a:lnTo>
+                <a:lnTo>
+                  <a:pt x="1161" y="3272"/>
+                </a:lnTo>
+                <a:lnTo>
+                  <a:pt x="1165" y="3270"/>
+                </a:lnTo>
+                <a:lnTo>
+                  <a:pt x="1345" y="3090"/>
+                </a:lnTo>
+                <a:lnTo>
+                  <a:pt x="5760" y="3090"/>
+                </a:lnTo>
+                <a:lnTo>
+                  <a:pt x="5760" y="0"/>
+                </a:lnTo>
+                <a:close/>
+              </a:path>
+            </a:pathLst>
+          </a:custGeom>
+          <a:ln/>
+          <a:effectLst/>
+          <a:extLst>
+            <a:ext uri="{91240B29-F687-4f45-9708-019B960494DF}">
+              <a14:hiddenLine xmlns="" xmlns:a16="http://schemas.microsoft.com/office/drawing/2014/main" xmlns:p14="http://schemas.microsoft.com/office/powerpoint/2010/main" xmlns:a14="http://schemas.microsoft.com/office/drawing/2010/main" w="9525">
+                <a:solidFill>
+                  <a:srgbClr val="000000"/>
+                </a:solidFill>
+                <a:round/>
+                <a:headEnd/>
+                <a:tailEnd/>
+              </a14:hiddenLine>
+            </a:ext>
+          </a:extLst>
+        </p:spPr>
+        <p:style>
+          <a:lnRef idx="1">
+            <a:schemeClr val="accent1"/>
+          </a:lnRef>
+          <a:fillRef idx="3">
+            <a:schemeClr val="accent1"/>
+          </a:fillRef>
+          <a:effectRef idx="2">
+            <a:schemeClr val="accent1"/>
+          </a:effectRef>
+          <a:fontRef idx="minor">
+            <a:schemeClr val="lt1"/>
+          </a:fontRef>
+        </p:style>
+      </p:sp>
+      <p:sp>
+        <p:nvSpPr>
+          <p:cNvPr id="16" name="Rectangle 11">
+            <a:extLst>
+              <a:ext uri="{FF2B5EF4-FFF2-40B4-BE49-F238E27FC236}">
+                <a16:creationId xmlns:a16="http://schemas.microsoft.com/office/drawing/2014/main" id="{B7743172-17A8-4FA4-8434-B813E03B7665}"/>
+              </a:ext>
+              <a:ext uri="{C183D7F6-B498-43B3-948B-1728B52AA6E4}">
+                <adec:decorative xmlns:adec="http://schemas.microsoft.com/office/drawing/2017/decorative" val="1"/>
+              </a:ext>
+            </a:extLst>
+          </p:cNvPr>
+          <p:cNvSpPr>
+            <a:spLocks noGrp="1" noRot="1" noChangeAspect="1" noMove="1" noResize="1" noEditPoints="1" noAdjustHandles="1" noChangeArrowheads="1" noChangeShapeType="1" noTextEdit="1"/>
+          </p:cNvSpPr>
+          <p:nvPr>
+            <p:extLst>
+              <p:ext uri="{386F3935-93C4-4BCD-93E2-E3B085C9AB24}">
+                <p16:designElem xmlns:p16="http://schemas.microsoft.com/office/powerpoint/2015/main" val="1"/>
+              </p:ext>
+            </p:extLst>
+          </p:nvPr>
+        </p:nvSpPr>
+        <p:spPr>
+          <a:xfrm>
+            <a:off x="0" y="0"/>
+            <a:ext cx="12192000" cy="6858000"/>
+          </a:xfrm>
+          <a:prstGeom prst="rect">
+            <a:avLst/>
+          </a:prstGeom>
+          <a:solidFill>
+            <a:schemeClr val="bg1"/>
+          </a:solidFill>
+          <a:ln>
+            <a:noFill/>
+          </a:ln>
+        </p:spPr>
+        <p:style>
+          <a:lnRef idx="2">
+            <a:schemeClr val="accent1">
+              <a:shade val="50000"/>
+            </a:schemeClr>
+          </a:lnRef>
+          <a:fillRef idx="1">
+            <a:schemeClr val="accent1"/>
+          </a:fillRef>
+          <a:effectRef idx="0">
+            <a:schemeClr val="accent1"/>
+          </a:effectRef>
+          <a:fontRef idx="minor">
+            <a:schemeClr val="lt1"/>
+          </a:fontRef>
+        </p:style>
+        <p:txBody>
+          <a:bodyPr rtlCol="0" anchor="ctr"/>
+          <a:lstStyle/>
+          <a:p>
+            <a:pPr algn="ctr"/>
+            <a:endParaRPr lang="en-US"/>
+          </a:p>
+        </p:txBody>
+      </p:sp>
+      <p:sp>
+        <p:nvSpPr>
+          <p:cNvPr id="17" name="Freeform 23">
+            <a:extLst>
+              <a:ext uri="{FF2B5EF4-FFF2-40B4-BE49-F238E27FC236}">
+                <a16:creationId xmlns:a16="http://schemas.microsoft.com/office/drawing/2014/main" id="{4CE1233C-FD2F-489E-BFDE-086F5FED6491}"/>
+              </a:ext>
+              <a:ext uri="{C183D7F6-B498-43B3-948B-1728B52AA6E4}">
+                <adec:decorative xmlns:adec="http://schemas.microsoft.com/office/drawing/2017/decorative" val="1"/>
+              </a:ext>
+            </a:extLst>
+          </p:cNvPr>
+          <p:cNvSpPr>
+            <a:spLocks noGrp="1" noRot="1" noChangeAspect="1" noMove="1" noResize="1" noEditPoints="1" noAdjustHandles="1" noChangeArrowheads="1" noChangeShapeType="1" noTextEdit="1"/>
+          </p:cNvSpPr>
+          <p:nvPr>
+            <p:extLst>
+              <p:ext uri="{386F3935-93C4-4BCD-93E2-E3B085C9AB24}">
+                <p16:designElem xmlns:p16="http://schemas.microsoft.com/office/powerpoint/2015/main" val="1"/>
+              </p:ext>
+            </p:extLst>
+          </p:nvPr>
+        </p:nvSpPr>
+        <p:spPr bwMode="white">
+          <a:xfrm>
+            <a:off x="0" y="0"/>
+            <a:ext cx="4637005" cy="6858000"/>
+          </a:xfrm>
+          <a:custGeom>
+            <a:avLst/>
+            <a:gdLst>
+              <a:gd name="connsiteX0" fmla="*/ 0 w 4637005"/>
+              <a:gd name="connsiteY0" fmla="*/ 0 h 6858000"/>
+              <a:gd name="connsiteX1" fmla="*/ 4637005 w 4637005"/>
+              <a:gd name="connsiteY1" fmla="*/ 0 h 6858000"/>
+              <a:gd name="connsiteX2" fmla="*/ 4637005 w 4637005"/>
+              <a:gd name="connsiteY2" fmla="*/ 1900238 h 6858000"/>
+              <a:gd name="connsiteX3" fmla="*/ 4266589 w 4637005"/>
+              <a:gd name="connsiteY3" fmla="*/ 2178050 h 6858000"/>
+              <a:gd name="connsiteX4" fmla="*/ 4262355 w 4637005"/>
+              <a:gd name="connsiteY4" fmla="*/ 2184400 h 6858000"/>
+              <a:gd name="connsiteX5" fmla="*/ 4256005 w 4637005"/>
+              <a:gd name="connsiteY5" fmla="*/ 2193925 h 6858000"/>
+              <a:gd name="connsiteX6" fmla="*/ 4249655 w 4637005"/>
+              <a:gd name="connsiteY6" fmla="*/ 2201863 h 6858000"/>
+              <a:gd name="connsiteX7" fmla="*/ 4249655 w 4637005"/>
+              <a:gd name="connsiteY7" fmla="*/ 2211388 h 6858000"/>
+              <a:gd name="connsiteX8" fmla="*/ 4249655 w 4637005"/>
+              <a:gd name="connsiteY8" fmla="*/ 2220913 h 6858000"/>
+              <a:gd name="connsiteX9" fmla="*/ 4256005 w 4637005"/>
+              <a:gd name="connsiteY9" fmla="*/ 2228850 h 6858000"/>
+              <a:gd name="connsiteX10" fmla="*/ 4262355 w 4637005"/>
+              <a:gd name="connsiteY10" fmla="*/ 2238375 h 6858000"/>
+              <a:gd name="connsiteX11" fmla="*/ 4266589 w 4637005"/>
+              <a:gd name="connsiteY11" fmla="*/ 2244725 h 6858000"/>
+              <a:gd name="connsiteX12" fmla="*/ 4637005 w 4637005"/>
+              <a:gd name="connsiteY12" fmla="*/ 2522538 h 6858000"/>
+              <a:gd name="connsiteX13" fmla="*/ 4637005 w 4637005"/>
+              <a:gd name="connsiteY13" fmla="*/ 6858000 h 6858000"/>
+              <a:gd name="connsiteX14" fmla="*/ 0 w 4637005"/>
+              <a:gd name="connsiteY14" fmla="*/ 6858000 h 6858000"/>
+            </a:gdLst>
+            <a:ahLst/>
+            <a:cxnLst>
+              <a:cxn ang="0">
+                <a:pos x="connsiteX0" y="connsiteY0"/>
+              </a:cxn>
+              <a:cxn ang="0">
+                <a:pos x="connsiteX1" y="connsiteY1"/>
+              </a:cxn>
+              <a:cxn ang="0">
+                <a:pos x="connsiteX2" y="connsiteY2"/>
+              </a:cxn>
+              <a:cxn ang="0">
+                <a:pos x="connsiteX3" y="connsiteY3"/>
+              </a:cxn>
+              <a:cxn ang="0">
+                <a:pos x="connsiteX4" y="connsiteY4"/>
+              </a:cxn>
+              <a:cxn ang="0">
+                <a:pos x="connsiteX5" y="connsiteY5"/>
+              </a:cxn>
+              <a:cxn ang="0">
+                <a:pos x="connsiteX6" y="connsiteY6"/>
+              </a:cxn>
+              <a:cxn ang="0">
+                <a:pos x="connsiteX7" y="connsiteY7"/>
+              </a:cxn>
+              <a:cxn ang="0">
+                <a:pos x="connsiteX8" y="connsiteY8"/>
+              </a:cxn>
+              <a:cxn ang="0">
+                <a:pos x="connsiteX9" y="connsiteY9"/>
+              </a:cxn>
+              <a:cxn ang="0">
+                <a:pos x="connsiteX10" y="connsiteY10"/>
+              </a:cxn>
+              <a:cxn ang="0">
+                <a:pos x="connsiteX11" y="connsiteY11"/>
+              </a:cxn>
+              <a:cxn ang="0">
+                <a:pos x="connsiteX12" y="connsiteY12"/>
+              </a:cxn>
+              <a:cxn ang="0">
+                <a:pos x="connsiteX13" y="connsiteY13"/>
+              </a:cxn>
+              <a:cxn ang="0">
+                <a:pos x="connsiteX14" y="connsiteY14"/>
+              </a:cxn>
+            </a:cxnLst>
+            <a:rect l="l" t="t" r="r" b="b"/>
+            <a:pathLst>
+              <a:path w="4637005" h="6858000">
+                <a:moveTo>
+                  <a:pt x="0" y="0"/>
+                </a:moveTo>
+                <a:lnTo>
+                  <a:pt x="4637005" y="0"/>
+                </a:lnTo>
+                <a:lnTo>
+                  <a:pt x="4637005" y="1900238"/>
+                </a:lnTo>
+                <a:lnTo>
+                  <a:pt x="4266589" y="2178050"/>
+                </a:lnTo>
+                <a:lnTo>
+                  <a:pt x="4262355" y="2184400"/>
+                </a:lnTo>
+                <a:lnTo>
+                  <a:pt x="4256005" y="2193925"/>
+                </a:lnTo>
+                <a:lnTo>
+                  <a:pt x="4249655" y="2201863"/>
+                </a:lnTo>
+                <a:lnTo>
+                  <a:pt x="4249655" y="2211388"/>
+                </a:lnTo>
+                <a:lnTo>
+                  <a:pt x="4249655" y="2220913"/>
+                </a:lnTo>
+                <a:lnTo>
+                  <a:pt x="4256005" y="2228850"/>
+                </a:lnTo>
+                <a:lnTo>
+                  <a:pt x="4262355" y="2238375"/>
+                </a:lnTo>
+                <a:lnTo>
+                  <a:pt x="4266589" y="2244725"/>
+                </a:lnTo>
+                <a:lnTo>
+                  <a:pt x="4637005" y="2522538"/>
+                </a:lnTo>
+                <a:lnTo>
+                  <a:pt x="4637005" y="6858000"/>
+                </a:lnTo>
+                <a:lnTo>
+                  <a:pt x="0" y="6858000"/>
+                </a:lnTo>
+                <a:close/>
+              </a:path>
+            </a:pathLst>
+          </a:custGeom>
+          <a:blipFill>
+            <a:blip r:embed="rId2">
+              <a:duotone>
+                <a:schemeClr val="accent1">
+                  <a:tint val="98000"/>
+                  <a:lumMod val="102000"/>
+                </a:schemeClr>
+                <a:schemeClr val="accent1">
+                  <a:shade val="98000"/>
+                  <a:lumMod val="98000"/>
+                </a:schemeClr>
+              </a:duotone>
+            </a:blip>
+            <a:tile tx="0" ty="0" sx="100000" sy="100000" flip="none" algn="tl"/>
+          </a:blipFill>
+          <a:ln>
+            <a:headEnd/>
+            <a:tailEnd/>
+          </a:ln>
+        </p:spPr>
+        <p:style>
+          <a:lnRef idx="1">
+            <a:schemeClr val="accent1"/>
+          </a:lnRef>
+          <a:fillRef idx="3">
+            <a:schemeClr val="accent1"/>
+          </a:fillRef>
+          <a:effectRef idx="2">
+            <a:schemeClr val="accent1"/>
+          </a:effectRef>
+          <a:fontRef idx="minor">
+            <a:schemeClr val="lt1"/>
+          </a:fontRef>
+        </p:style>
+        <p:txBody>
+          <a:bodyPr wrap="square" rtlCol="0" anchor="ctr">
+            <a:noAutofit/>
+          </a:bodyPr>
+          <a:lstStyle/>
+          <a:p>
+            <a:pPr algn="ctr"/>
+            <a:endParaRPr lang="en-US"/>
+          </a:p>
+        </p:txBody>
+      </p:sp>
+      <p:sp>
+        <p:nvSpPr>
+          <p:cNvPr id="2" name="Заголовок 1">
+            <a:extLst>
+              <a:ext uri="{FF2B5EF4-FFF2-40B4-BE49-F238E27FC236}">
+                <a16:creationId xmlns:a16="http://schemas.microsoft.com/office/drawing/2014/main" id="{13840C64-1342-5640-A7E3-4F85BFEF5AE0}"/>
+              </a:ext>
+            </a:extLst>
+          </p:cNvPr>
+          <p:cNvSpPr>
+            <a:spLocks noGrp="1"/>
+          </p:cNvSpPr>
+          <p:nvPr>
+            <p:ph type="title"/>
+          </p:nvPr>
+        </p:nvSpPr>
+        <p:spPr>
+          <a:xfrm>
+            <a:off x="196579" y="932416"/>
+            <a:ext cx="4374639" cy="4241136"/>
+          </a:xfrm>
+        </p:spPr>
+        <p:txBody>
+          <a:bodyPr vert="horz" lIns="91440" tIns="45720" rIns="91440" bIns="45720" rtlCol="0" anchor="t">
+            <a:normAutofit/>
+          </a:bodyPr>
+          <a:lstStyle/>
+          <a:p>
+            <a:r>
+              <a:rPr lang="ru-RU" sz="3200" dirty="0"/>
+              <a:t>Оба экрана корректно отображают погодные данные с сервера</a:t>
+            </a:r>
+            <a:br>
+              <a:rPr lang="ru-RU" sz="3200" dirty="0"/>
+            </a:br>
+            <a:r>
+              <a:rPr lang="ru-RU" sz="3200" dirty="0"/>
+              <a:t>Переходы реализованы согласно заданию</a:t>
+            </a:r>
+            <a:endParaRPr lang="en-US" sz="3200" dirty="0"/>
+          </a:p>
+        </p:txBody>
+      </p:sp>
+      <p:pic>
+        <p:nvPicPr>
+          <p:cNvPr id="5" name="Объект 4" descr="Изображение выглядит как текст&#10;&#10;Автоматически созданное описание">
+            <a:extLst>
+              <a:ext uri="{FF2B5EF4-FFF2-40B4-BE49-F238E27FC236}">
+                <a16:creationId xmlns:a16="http://schemas.microsoft.com/office/drawing/2014/main" id="{811ED202-FC7B-6645-943E-E7242D0CABBB}"/>
+              </a:ext>
+            </a:extLst>
+          </p:cNvPr>
+          <p:cNvPicPr>
+            <a:picLocks noGrp="1" noChangeAspect="1"/>
+          </p:cNvPicPr>
+          <p:nvPr>
+            <p:ph idx="1"/>
+          </p:nvPr>
+        </p:nvPicPr>
+        <p:blipFill>
+          <a:blip r:embed="rId3"/>
+          <a:stretch>
+            <a:fillRect/>
+          </a:stretch>
+        </p:blipFill>
+        <p:spPr>
+          <a:xfrm>
+            <a:off x="8810604" y="489587"/>
+            <a:ext cx="2550506" cy="5397897"/>
+          </a:xfrm>
+          <a:prstGeom prst="roundRect">
+            <a:avLst>
+              <a:gd name="adj" fmla="val 3876"/>
+            </a:avLst>
+          </a:prstGeom>
+          <a:ln>
+            <a:solidFill>
+              <a:schemeClr val="accent1"/>
+            </a:solidFill>
+          </a:ln>
+          <a:effectLst/>
+        </p:spPr>
+      </p:pic>
+      <p:pic>
+        <p:nvPicPr>
+          <p:cNvPr id="13" name="Объект 4" descr="Изображение выглядит как текст&#10;&#10;Автоматически созданное описание">
+            <a:extLst>
+              <a:ext uri="{FF2B5EF4-FFF2-40B4-BE49-F238E27FC236}">
+                <a16:creationId xmlns:a16="http://schemas.microsoft.com/office/drawing/2014/main" id="{0FC11CB0-8DC8-674F-9651-C89FBAC6709E}"/>
+              </a:ext>
+            </a:extLst>
+          </p:cNvPr>
+          <p:cNvPicPr>
+            <a:picLocks noChangeAspect="1"/>
+          </p:cNvPicPr>
+          <p:nvPr/>
+        </p:nvPicPr>
+        <p:blipFill>
+          <a:blip r:embed="rId4"/>
+          <a:stretch>
+            <a:fillRect/>
+          </a:stretch>
+        </p:blipFill>
+        <p:spPr>
+          <a:xfrm>
+            <a:off x="5088519" y="489587"/>
+            <a:ext cx="2483032" cy="5397897"/>
+          </a:xfrm>
+          <a:prstGeom prst="roundRect">
+            <a:avLst>
+              <a:gd name="adj" fmla="val 3876"/>
+            </a:avLst>
+          </a:prstGeom>
+          <a:ln>
+            <a:solidFill>
+              <a:schemeClr val="accent1"/>
+            </a:solidFill>
+          </a:ln>
+          <a:effectLst/>
+        </p:spPr>
+      </p:pic>
+      <p:sp>
+        <p:nvSpPr>
+          <p:cNvPr id="15" name="TextBox 14">
+            <a:extLst>
+              <a:ext uri="{FF2B5EF4-FFF2-40B4-BE49-F238E27FC236}">
+                <a16:creationId xmlns:a16="http://schemas.microsoft.com/office/drawing/2014/main" id="{513F3CAA-003B-FE4E-AB35-C52DDC2B2361}"/>
+              </a:ext>
+            </a:extLst>
+          </p:cNvPr>
+          <p:cNvSpPr txBox="1"/>
+          <p:nvPr/>
+        </p:nvSpPr>
+        <p:spPr>
+          <a:xfrm>
+            <a:off x="4719685" y="5922874"/>
+            <a:ext cx="3220699" cy="461665"/>
+          </a:xfrm>
+          <a:prstGeom prst="rect">
+            <a:avLst/>
+          </a:prstGeom>
+          <a:noFill/>
+        </p:spPr>
+        <p:txBody>
+          <a:bodyPr wrap="square" rtlCol="0">
+            <a:spAutoFit/>
+          </a:bodyPr>
+          <a:lstStyle/>
+          <a:p>
+            <a:r>
+              <a:rPr lang="ru-RU" sz="2400" dirty="0"/>
+              <a:t>Главная страница 1</a:t>
+            </a:r>
+          </a:p>
+        </p:txBody>
+      </p:sp>
+      <p:sp>
+        <p:nvSpPr>
+          <p:cNvPr id="18" name="TextBox 17">
+            <a:extLst>
+              <a:ext uri="{FF2B5EF4-FFF2-40B4-BE49-F238E27FC236}">
+                <a16:creationId xmlns:a16="http://schemas.microsoft.com/office/drawing/2014/main" id="{5BEC6D70-7E53-424B-A847-4E2E4F0B935D}"/>
+              </a:ext>
+            </a:extLst>
+          </p:cNvPr>
+          <p:cNvSpPr txBox="1"/>
+          <p:nvPr/>
+        </p:nvSpPr>
+        <p:spPr>
+          <a:xfrm>
+            <a:off x="8590241" y="5922874"/>
+            <a:ext cx="3220699" cy="461665"/>
+          </a:xfrm>
+          <a:prstGeom prst="rect">
+            <a:avLst/>
+          </a:prstGeom>
+          <a:noFill/>
+        </p:spPr>
+        <p:txBody>
+          <a:bodyPr wrap="square" rtlCol="0">
+            <a:spAutoFit/>
+          </a:bodyPr>
+          <a:lstStyle/>
+          <a:p>
+            <a:r>
+              <a:rPr lang="ru-RU" sz="2400" dirty="0"/>
+              <a:t>Главная страница 2</a:t>
+            </a:r>
+          </a:p>
+        </p:txBody>
+      </p:sp>
+      <p:pic>
+        <p:nvPicPr>
+          <p:cNvPr id="7" name="Рисунок 6">
+            <a:extLst>
+              <a:ext uri="{FF2B5EF4-FFF2-40B4-BE49-F238E27FC236}">
+                <a16:creationId xmlns:a16="http://schemas.microsoft.com/office/drawing/2014/main" id="{AE006C26-6104-9845-834F-ADB1EBB86006}"/>
+              </a:ext>
+            </a:extLst>
+          </p:cNvPr>
+          <p:cNvPicPr>
+            <a:picLocks noChangeAspect="1"/>
+          </p:cNvPicPr>
+          <p:nvPr/>
+        </p:nvPicPr>
+        <p:blipFill>
+          <a:blip r:embed="rId5"/>
+          <a:stretch>
+            <a:fillRect/>
+          </a:stretch>
+        </p:blipFill>
+        <p:spPr>
+          <a:xfrm>
+            <a:off x="9700151" y="932416"/>
+            <a:ext cx="107950" cy="76200"/>
+          </a:xfrm>
+          <a:prstGeom prst="rect">
+            <a:avLst/>
+          </a:prstGeom>
+        </p:spPr>
+      </p:pic>
+    </p:spTree>
+    <p:extLst>
+      <p:ext uri="{BB962C8B-B14F-4D97-AF65-F5344CB8AC3E}">
+        <p14:creationId xmlns:p14="http://schemas.microsoft.com/office/powerpoint/2010/main" val="949967984"/>
+      </p:ext>
+    </p:extLst>
+  </p:cSld>
+  <p:clrMapOvr>
+    <a:overrideClrMapping bg1="lt1" tx1="dk1" bg2="lt2" tx2="dk2" accent1="accent1" accent2="accent2" accent3="accent3" accent4="accent4" accent5="accent5" accent6="accent6" hlink="hlink" folHlink="folHlink"/>
+  </p:clrMapOvr>
+</p:sld>
+</file>
+
+<file path=ppt/slides/slide6.xml><?xml version="1.0" encoding="utf-8"?>
+<p:sld xmlns:a="http://schemas.openxmlformats.org/drawingml/2006/main" xmlns:r="http://schemas.openxmlformats.org/officeDocument/2006/relationships" xmlns:p="http://schemas.openxmlformats.org/presentationml/2006/main">
+  <p:cSld>
+    <p:bg>
+      <p:bgPr>
+        <a:solidFill>
+          <a:schemeClr val="bg1"/>
+        </a:solidFill>
+        <a:effectLst/>
+      </p:bgPr>
+    </p:bg>
+    <p:spTree>
+      <p:nvGrpSpPr>
+        <p:cNvPr id="1" name=""/>
+        <p:cNvGrpSpPr/>
+        <p:nvPr/>
+      </p:nvGrpSpPr>
+      <p:grpSpPr>
+        <a:xfrm>
+          <a:off x="0" y="0"/>
+          <a:ext cx="0" cy="0"/>
+          <a:chOff x="0" y="0"/>
+          <a:chExt cx="0" cy="0"/>
+        </a:xfrm>
+      </p:grpSpPr>
+      <p:sp>
+        <p:nvSpPr>
+          <p:cNvPr id="10" name="Freeform 6">
+            <a:extLst>
+              <a:ext uri="{FF2B5EF4-FFF2-40B4-BE49-F238E27FC236}">
+                <a16:creationId xmlns:a16="http://schemas.microsoft.com/office/drawing/2014/main" id="{133F8CB7-795C-4272-9073-64D8CF97F220}"/>
+              </a:ext>
+              <a:ext uri="{C183D7F6-B498-43B3-948B-1728B52AA6E4}">
+                <adec:decorative xmlns:adec="http://schemas.microsoft.com/office/drawing/2017/decorative" val="1"/>
+              </a:ext>
+            </a:extLst>
+          </p:cNvPr>
+          <p:cNvSpPr>
+            <a:spLocks noGrp="1" noRot="1" noChangeAspect="1" noMove="1" noResize="1" noEditPoints="1" noAdjustHandles="1" noChangeArrowheads="1" noChangeShapeType="1" noTextEdit="1"/>
+          </p:cNvSpPr>
+          <p:nvPr>
+            <p:extLst>
+              <p:ext uri="{386F3935-93C4-4BCD-93E2-E3B085C9AB24}">
+                <p16:designElem xmlns:p16="http://schemas.microsoft.com/office/powerpoint/2015/main" val="1"/>
+              </p:ext>
+            </p:extLst>
+          </p:nvPr>
+        </p:nvSpPr>
+        <p:spPr bwMode="auto">
+          <a:xfrm>
+            <a:off x="0" y="-3175"/>
+            <a:ext cx="12192000" cy="5203825"/>
+          </a:xfrm>
+          <a:custGeom>
+            <a:avLst/>
+            <a:gdLst/>
+            <a:ahLst/>
+            <a:cxnLst/>
+            <a:rect l="0" t="0" r="r" b="b"/>
+            <a:pathLst>
+              <a:path w="5760" h="3278">
+                <a:moveTo>
+                  <a:pt x="5760" y="0"/>
+                </a:moveTo>
+                <a:lnTo>
+                  <a:pt x="0" y="0"/>
+                </a:lnTo>
+                <a:lnTo>
+                  <a:pt x="0" y="3090"/>
+                </a:lnTo>
+                <a:lnTo>
+                  <a:pt x="943" y="3090"/>
+                </a:lnTo>
+                <a:lnTo>
+                  <a:pt x="1123" y="3270"/>
+                </a:lnTo>
+                <a:lnTo>
+                  <a:pt x="1123" y="3270"/>
+                </a:lnTo>
+                <a:lnTo>
+                  <a:pt x="1127" y="3272"/>
+                </a:lnTo>
+                <a:lnTo>
+                  <a:pt x="1133" y="3275"/>
+                </a:lnTo>
+                <a:lnTo>
+                  <a:pt x="1139" y="3278"/>
+                </a:lnTo>
+                <a:lnTo>
+                  <a:pt x="1144" y="3278"/>
+                </a:lnTo>
+                <a:lnTo>
+                  <a:pt x="1150" y="3278"/>
+                </a:lnTo>
+                <a:lnTo>
+                  <a:pt x="1155" y="3275"/>
+                </a:lnTo>
+                <a:lnTo>
+                  <a:pt x="1161" y="3272"/>
+                </a:lnTo>
+                <a:lnTo>
+                  <a:pt x="1165" y="3270"/>
+                </a:lnTo>
+                <a:lnTo>
+                  <a:pt x="1345" y="3090"/>
+                </a:lnTo>
+                <a:lnTo>
+                  <a:pt x="5760" y="3090"/>
+                </a:lnTo>
+                <a:lnTo>
+                  <a:pt x="5760" y="0"/>
+                </a:lnTo>
+                <a:close/>
+              </a:path>
+            </a:pathLst>
+          </a:custGeom>
+          <a:ln/>
+          <a:effectLst/>
+          <a:extLst>
+            <a:ext uri="{91240B29-F687-4f45-9708-019B960494DF}">
+              <a14:hiddenLine xmlns="" xmlns:a16="http://schemas.microsoft.com/office/drawing/2014/main" xmlns:p14="http://schemas.microsoft.com/office/powerpoint/2010/main" xmlns:a14="http://schemas.microsoft.com/office/drawing/2010/main" w="9525">
+                <a:solidFill>
+                  <a:srgbClr val="000000"/>
+                </a:solidFill>
+                <a:round/>
+                <a:headEnd/>
+                <a:tailEnd/>
+              </a14:hiddenLine>
+            </a:ext>
+          </a:extLst>
+        </p:spPr>
+        <p:style>
+          <a:lnRef idx="1">
+            <a:schemeClr val="accent1"/>
+          </a:lnRef>
+          <a:fillRef idx="3">
+            <a:schemeClr val="accent1"/>
+          </a:fillRef>
+          <a:effectRef idx="2">
+            <a:schemeClr val="accent1"/>
+          </a:effectRef>
+          <a:fontRef idx="minor">
+            <a:schemeClr val="lt1"/>
+          </a:fontRef>
+        </p:style>
+      </p:sp>
+      <p:sp>
+        <p:nvSpPr>
+          <p:cNvPr id="12" name="Rectangle 11">
+            <a:extLst>
+              <a:ext uri="{FF2B5EF4-FFF2-40B4-BE49-F238E27FC236}">
+                <a16:creationId xmlns:a16="http://schemas.microsoft.com/office/drawing/2014/main" id="{B7743172-17A8-4FA4-8434-B813E03B7665}"/>
+              </a:ext>
+              <a:ext uri="{C183D7F6-B498-43B3-948B-1728B52AA6E4}">
+                <adec:decorative xmlns:adec="http://schemas.microsoft.com/office/drawing/2017/decorative" val="1"/>
+              </a:ext>
+            </a:extLst>
+          </p:cNvPr>
+          <p:cNvSpPr>
+            <a:spLocks noGrp="1" noRot="1" noChangeAspect="1" noMove="1" noResize="1" noEditPoints="1" noAdjustHandles="1" noChangeArrowheads="1" noChangeShapeType="1" noTextEdit="1"/>
+          </p:cNvSpPr>
+          <p:nvPr>
+            <p:extLst>
+              <p:ext uri="{386F3935-93C4-4BCD-93E2-E3B085C9AB24}">
+                <p16:designElem xmlns:p16="http://schemas.microsoft.com/office/powerpoint/2015/main" val="1"/>
+              </p:ext>
+            </p:extLst>
+          </p:nvPr>
+        </p:nvSpPr>
+        <p:spPr>
+          <a:xfrm>
+            <a:off x="0" y="0"/>
+            <a:ext cx="12192000" cy="6858000"/>
+          </a:xfrm>
+          <a:prstGeom prst="rect">
+            <a:avLst/>
+          </a:prstGeom>
+          <a:solidFill>
+            <a:schemeClr val="bg1"/>
+          </a:solidFill>
+          <a:ln>
+            <a:noFill/>
+          </a:ln>
+        </p:spPr>
+        <p:style>
+          <a:lnRef idx="2">
+            <a:schemeClr val="accent1">
+              <a:shade val="50000"/>
+            </a:schemeClr>
+          </a:lnRef>
+          <a:fillRef idx="1">
+            <a:schemeClr val="accent1"/>
+          </a:fillRef>
+          <a:effectRef idx="0">
+            <a:schemeClr val="accent1"/>
+          </a:effectRef>
+          <a:fontRef idx="minor">
+            <a:schemeClr val="lt1"/>
+          </a:fontRef>
+        </p:style>
+        <p:txBody>
+          <a:bodyPr rtlCol="0" anchor="ctr"/>
+          <a:lstStyle/>
+          <a:p>
+            <a:pPr algn="ctr"/>
+            <a:endParaRPr lang="en-US"/>
+          </a:p>
+        </p:txBody>
+      </p:sp>
+      <p:sp>
+        <p:nvSpPr>
+          <p:cNvPr id="14" name="Freeform 23">
+            <a:extLst>
+              <a:ext uri="{FF2B5EF4-FFF2-40B4-BE49-F238E27FC236}">
+                <a16:creationId xmlns:a16="http://schemas.microsoft.com/office/drawing/2014/main" id="{4CE1233C-FD2F-489E-BFDE-086F5FED6491}"/>
+              </a:ext>
+              <a:ext uri="{C183D7F6-B498-43B3-948B-1728B52AA6E4}">
+                <adec:decorative xmlns:adec="http://schemas.microsoft.com/office/drawing/2017/decorative" val="1"/>
+              </a:ext>
+            </a:extLst>
+          </p:cNvPr>
+          <p:cNvSpPr>
+            <a:spLocks noGrp="1" noRot="1" noChangeAspect="1" noMove="1" noResize="1" noEditPoints="1" noAdjustHandles="1" noChangeArrowheads="1" noChangeShapeType="1" noTextEdit="1"/>
+          </p:cNvSpPr>
+          <p:nvPr>
+            <p:extLst>
+              <p:ext uri="{386F3935-93C4-4BCD-93E2-E3B085C9AB24}">
+                <p16:designElem xmlns:p16="http://schemas.microsoft.com/office/powerpoint/2015/main" val="1"/>
+              </p:ext>
+            </p:extLst>
+          </p:nvPr>
+        </p:nvSpPr>
+        <p:spPr bwMode="white">
+          <a:xfrm>
+            <a:off x="0" y="0"/>
+            <a:ext cx="4637005" cy="6858000"/>
+          </a:xfrm>
+          <a:custGeom>
+            <a:avLst/>
+            <a:gdLst>
+              <a:gd name="connsiteX0" fmla="*/ 0 w 4637005"/>
+              <a:gd name="connsiteY0" fmla="*/ 0 h 6858000"/>
+              <a:gd name="connsiteX1" fmla="*/ 4637005 w 4637005"/>
+              <a:gd name="connsiteY1" fmla="*/ 0 h 6858000"/>
+              <a:gd name="connsiteX2" fmla="*/ 4637005 w 4637005"/>
+              <a:gd name="connsiteY2" fmla="*/ 1900238 h 6858000"/>
+              <a:gd name="connsiteX3" fmla="*/ 4266589 w 4637005"/>
+              <a:gd name="connsiteY3" fmla="*/ 2178050 h 6858000"/>
+              <a:gd name="connsiteX4" fmla="*/ 4262355 w 4637005"/>
+              <a:gd name="connsiteY4" fmla="*/ 2184400 h 6858000"/>
+              <a:gd name="connsiteX5" fmla="*/ 4256005 w 4637005"/>
+              <a:gd name="connsiteY5" fmla="*/ 2193925 h 6858000"/>
+              <a:gd name="connsiteX6" fmla="*/ 4249655 w 4637005"/>
+              <a:gd name="connsiteY6" fmla="*/ 2201863 h 6858000"/>
+              <a:gd name="connsiteX7" fmla="*/ 4249655 w 4637005"/>
+              <a:gd name="connsiteY7" fmla="*/ 2211388 h 6858000"/>
+              <a:gd name="connsiteX8" fmla="*/ 4249655 w 4637005"/>
+              <a:gd name="connsiteY8" fmla="*/ 2220913 h 6858000"/>
+              <a:gd name="connsiteX9" fmla="*/ 4256005 w 4637005"/>
+              <a:gd name="connsiteY9" fmla="*/ 2228850 h 6858000"/>
+              <a:gd name="connsiteX10" fmla="*/ 4262355 w 4637005"/>
+              <a:gd name="connsiteY10" fmla="*/ 2238375 h 6858000"/>
+              <a:gd name="connsiteX11" fmla="*/ 4266589 w 4637005"/>
+              <a:gd name="connsiteY11" fmla="*/ 2244725 h 6858000"/>
+              <a:gd name="connsiteX12" fmla="*/ 4637005 w 4637005"/>
+              <a:gd name="connsiteY12" fmla="*/ 2522538 h 6858000"/>
+              <a:gd name="connsiteX13" fmla="*/ 4637005 w 4637005"/>
+              <a:gd name="connsiteY13" fmla="*/ 6858000 h 6858000"/>
+              <a:gd name="connsiteX14" fmla="*/ 0 w 4637005"/>
+              <a:gd name="connsiteY14" fmla="*/ 6858000 h 6858000"/>
+            </a:gdLst>
+            <a:ahLst/>
+            <a:cxnLst>
+              <a:cxn ang="0">
+                <a:pos x="connsiteX0" y="connsiteY0"/>
+              </a:cxn>
+              <a:cxn ang="0">
+                <a:pos x="connsiteX1" y="connsiteY1"/>
+              </a:cxn>
+              <a:cxn ang="0">
+                <a:pos x="connsiteX2" y="connsiteY2"/>
+              </a:cxn>
+              <a:cxn ang="0">
+                <a:pos x="connsiteX3" y="connsiteY3"/>
+              </a:cxn>
+              <a:cxn ang="0">
+                <a:pos x="connsiteX4" y="connsiteY4"/>
+              </a:cxn>
+              <a:cxn ang="0">
+                <a:pos x="connsiteX5" y="connsiteY5"/>
+              </a:cxn>
+              <a:cxn ang="0">
+                <a:pos x="connsiteX6" y="connsiteY6"/>
+              </a:cxn>
+              <a:cxn ang="0">
+                <a:pos x="connsiteX7" y="connsiteY7"/>
+              </a:cxn>
+              <a:cxn ang="0">
+                <a:pos x="connsiteX8" y="connsiteY8"/>
+              </a:cxn>
+              <a:cxn ang="0">
+                <a:pos x="connsiteX9" y="connsiteY9"/>
+              </a:cxn>
+              <a:cxn ang="0">
+                <a:pos x="connsiteX10" y="connsiteY10"/>
+              </a:cxn>
+              <a:cxn ang="0">
+                <a:pos x="connsiteX11" y="connsiteY11"/>
+              </a:cxn>
+              <a:cxn ang="0">
+                <a:pos x="connsiteX12" y="connsiteY12"/>
+              </a:cxn>
+              <a:cxn ang="0">
+                <a:pos x="connsiteX13" y="connsiteY13"/>
+              </a:cxn>
+              <a:cxn ang="0">
+                <a:pos x="connsiteX14" y="connsiteY14"/>
+              </a:cxn>
+            </a:cxnLst>
+            <a:rect l="l" t="t" r="r" b="b"/>
+            <a:pathLst>
+              <a:path w="4637005" h="6858000">
+                <a:moveTo>
+                  <a:pt x="0" y="0"/>
+                </a:moveTo>
+                <a:lnTo>
+                  <a:pt x="4637005" y="0"/>
+                </a:lnTo>
+                <a:lnTo>
+                  <a:pt x="4637005" y="1900238"/>
+                </a:lnTo>
+                <a:lnTo>
+                  <a:pt x="4266589" y="2178050"/>
+                </a:lnTo>
+                <a:lnTo>
+                  <a:pt x="4262355" y="2184400"/>
+                </a:lnTo>
+                <a:lnTo>
+                  <a:pt x="4256005" y="2193925"/>
+                </a:lnTo>
+                <a:lnTo>
+                  <a:pt x="4249655" y="2201863"/>
+                </a:lnTo>
+                <a:lnTo>
+                  <a:pt x="4249655" y="2211388"/>
+                </a:lnTo>
+                <a:lnTo>
+                  <a:pt x="4249655" y="2220913"/>
+                </a:lnTo>
+                <a:lnTo>
+                  <a:pt x="4256005" y="2228850"/>
+                </a:lnTo>
+                <a:lnTo>
+                  <a:pt x="4262355" y="2238375"/>
+                </a:lnTo>
+                <a:lnTo>
+                  <a:pt x="4266589" y="2244725"/>
+                </a:lnTo>
+                <a:lnTo>
+                  <a:pt x="4637005" y="2522538"/>
+                </a:lnTo>
+                <a:lnTo>
+                  <a:pt x="4637005" y="6858000"/>
+                </a:lnTo>
+                <a:lnTo>
+                  <a:pt x="0" y="6858000"/>
+                </a:lnTo>
+                <a:close/>
+              </a:path>
+            </a:pathLst>
+          </a:custGeom>
+          <a:blipFill>
+            <a:blip r:embed="rId2">
+              <a:duotone>
+                <a:schemeClr val="accent1">
+                  <a:tint val="98000"/>
+                  <a:lumMod val="102000"/>
+                </a:schemeClr>
+                <a:schemeClr val="accent1">
+                  <a:shade val="98000"/>
+                  <a:lumMod val="98000"/>
+                </a:schemeClr>
+              </a:duotone>
+            </a:blip>
+            <a:tile tx="0" ty="0" sx="100000" sy="100000" flip="none" algn="tl"/>
+          </a:blipFill>
+          <a:ln>
+            <a:headEnd/>
+            <a:tailEnd/>
+          </a:ln>
+        </p:spPr>
+        <p:style>
+          <a:lnRef idx="1">
+            <a:schemeClr val="accent1"/>
+          </a:lnRef>
+          <a:fillRef idx="3">
+            <a:schemeClr val="accent1"/>
+          </a:fillRef>
+          <a:effectRef idx="2">
+            <a:schemeClr val="accent1"/>
+          </a:effectRef>
+          <a:fontRef idx="minor">
+            <a:schemeClr val="lt1"/>
+          </a:fontRef>
+        </p:style>
+        <p:txBody>
+          <a:bodyPr wrap="square" rtlCol="0" anchor="ctr">
+            <a:noAutofit/>
+          </a:bodyPr>
+          <a:lstStyle/>
+          <a:p>
+            <a:pPr algn="ctr"/>
+            <a:endParaRPr lang="en-US"/>
+          </a:p>
+        </p:txBody>
+      </p:sp>
+      <p:sp>
+        <p:nvSpPr>
+          <p:cNvPr id="2" name="Заголовок 1">
+            <a:extLst>
+              <a:ext uri="{FF2B5EF4-FFF2-40B4-BE49-F238E27FC236}">
+                <a16:creationId xmlns:a16="http://schemas.microsoft.com/office/drawing/2014/main" id="{145DC289-3FDD-7140-8F36-01DECF772809}"/>
+              </a:ext>
+            </a:extLst>
+          </p:cNvPr>
+          <p:cNvSpPr>
+            <a:spLocks noGrp="1"/>
+          </p:cNvSpPr>
+          <p:nvPr>
+            <p:ph type="title"/>
+          </p:nvPr>
+        </p:nvSpPr>
+        <p:spPr>
+          <a:xfrm>
+            <a:off x="204285" y="1058343"/>
+            <a:ext cx="4228433" cy="4241136"/>
+          </a:xfrm>
+        </p:spPr>
+        <p:txBody>
+          <a:bodyPr vert="horz" lIns="91440" tIns="45720" rIns="91440" bIns="45720" rtlCol="0" anchor="t">
+            <a:normAutofit fontScale="90000"/>
+          </a:bodyPr>
+          <a:lstStyle/>
+          <a:p>
+            <a:r>
+              <a:rPr lang="ru-RU" sz="2800" dirty="0"/>
+              <a:t>Уведомления 1 – это экран из задания</a:t>
+            </a:r>
+            <a:br>
+              <a:rPr lang="ru-RU" sz="2800" dirty="0"/>
+            </a:br>
+            <a:br>
+              <a:rPr lang="ru-RU" sz="2800" dirty="0"/>
+            </a:br>
+            <a:r>
+              <a:rPr lang="ru-RU" sz="2800" dirty="0"/>
+              <a:t>Уведомления 2 – это экран созданный мною</a:t>
+            </a:r>
+            <a:br>
+              <a:rPr lang="ru-RU" sz="2800" dirty="0"/>
+            </a:br>
+            <a:br>
+              <a:rPr lang="ru-RU" sz="2800" dirty="0"/>
+            </a:br>
+            <a:r>
+              <a:rPr lang="ru-RU" sz="2800" dirty="0"/>
+              <a:t>Есть визуальные различия в размерах шрифтов и картинок, это произошло из-за особенности макета</a:t>
+            </a:r>
+            <a:br>
+              <a:rPr lang="ru-RU" sz="2800" dirty="0"/>
+            </a:br>
+            <a:br>
+              <a:rPr lang="ru-RU" sz="2800" dirty="0"/>
+            </a:br>
+            <a:endParaRPr lang="en-US" sz="2800" dirty="0"/>
+          </a:p>
+        </p:txBody>
+      </p:sp>
+      <p:pic>
+        <p:nvPicPr>
+          <p:cNvPr id="5" name="Объект 4" descr="Изображение выглядит как текст&#10;&#10;Автоматически созданное описание">
+            <a:extLst>
+              <a:ext uri="{FF2B5EF4-FFF2-40B4-BE49-F238E27FC236}">
+                <a16:creationId xmlns:a16="http://schemas.microsoft.com/office/drawing/2014/main" id="{2085A893-A66B-B44C-8FA7-228BC3EDEF67}"/>
+              </a:ext>
+            </a:extLst>
+          </p:cNvPr>
+          <p:cNvPicPr>
+            <a:picLocks noGrp="1" noChangeAspect="1"/>
+          </p:cNvPicPr>
+          <p:nvPr>
+            <p:ph idx="1"/>
+          </p:nvPr>
+        </p:nvPicPr>
+        <p:blipFill>
+          <a:blip r:embed="rId3"/>
+          <a:stretch>
+            <a:fillRect/>
+          </a:stretch>
+        </p:blipFill>
+        <p:spPr>
+          <a:xfrm>
+            <a:off x="8861124" y="582909"/>
+            <a:ext cx="2510022" cy="5397897"/>
+          </a:xfrm>
+          <a:prstGeom prst="roundRect">
+            <a:avLst>
+              <a:gd name="adj" fmla="val 3876"/>
+            </a:avLst>
+          </a:prstGeom>
+          <a:ln>
+            <a:solidFill>
+              <a:schemeClr val="accent1"/>
+            </a:solidFill>
+          </a:ln>
+          <a:effectLst/>
+        </p:spPr>
+      </p:pic>
+      <p:pic>
+        <p:nvPicPr>
+          <p:cNvPr id="9" name="Объект 4" descr="Изображение выглядит как текст&#10;&#10;Автоматически созданное описание">
+            <a:extLst>
+              <a:ext uri="{FF2B5EF4-FFF2-40B4-BE49-F238E27FC236}">
+                <a16:creationId xmlns:a16="http://schemas.microsoft.com/office/drawing/2014/main" id="{FBA9A0EE-6B16-C14F-9979-6C1FB1DC5C06}"/>
+              </a:ext>
+            </a:extLst>
+          </p:cNvPr>
+          <p:cNvPicPr>
+            <a:picLocks noChangeAspect="1"/>
+          </p:cNvPicPr>
+          <p:nvPr/>
+        </p:nvPicPr>
+        <p:blipFill>
+          <a:blip r:embed="rId4"/>
+          <a:stretch>
+            <a:fillRect/>
+          </a:stretch>
+        </p:blipFill>
+        <p:spPr>
+          <a:xfrm>
+            <a:off x="5500801" y="631428"/>
+            <a:ext cx="2496526" cy="5397897"/>
+          </a:xfrm>
+          <a:prstGeom prst="roundRect">
+            <a:avLst>
+              <a:gd name="adj" fmla="val 3876"/>
+            </a:avLst>
+          </a:prstGeom>
+          <a:ln>
+            <a:solidFill>
+              <a:schemeClr val="accent1"/>
+            </a:solidFill>
+          </a:ln>
+          <a:effectLst/>
+        </p:spPr>
+      </p:pic>
+      <p:sp>
+        <p:nvSpPr>
+          <p:cNvPr id="6" name="TextBox 5">
+            <a:extLst>
+              <a:ext uri="{FF2B5EF4-FFF2-40B4-BE49-F238E27FC236}">
+                <a16:creationId xmlns:a16="http://schemas.microsoft.com/office/drawing/2014/main" id="{49E2BC13-92D7-8443-A884-219A15D64B08}"/>
+              </a:ext>
+            </a:extLst>
+          </p:cNvPr>
+          <p:cNvSpPr txBox="1"/>
+          <p:nvPr/>
+        </p:nvSpPr>
+        <p:spPr>
+          <a:xfrm>
+            <a:off x="5780966" y="6074330"/>
+            <a:ext cx="2476753" cy="369332"/>
+          </a:xfrm>
+          <a:prstGeom prst="rect">
+            <a:avLst/>
+          </a:prstGeom>
+          <a:noFill/>
+        </p:spPr>
+        <p:txBody>
+          <a:bodyPr wrap="square" rtlCol="0">
+            <a:spAutoFit/>
+          </a:bodyPr>
+          <a:lstStyle/>
+          <a:p>
+            <a:r>
+              <a:rPr lang="ru-RU" dirty="0"/>
+              <a:t>Уведомления 1</a:t>
+            </a:r>
+          </a:p>
+        </p:txBody>
+      </p:sp>
+      <p:sp>
+        <p:nvSpPr>
+          <p:cNvPr id="11" name="TextBox 10">
+            <a:extLst>
+              <a:ext uri="{FF2B5EF4-FFF2-40B4-BE49-F238E27FC236}">
+                <a16:creationId xmlns:a16="http://schemas.microsoft.com/office/drawing/2014/main" id="{15C5F082-A487-204D-A482-177CC7A187A8}"/>
+              </a:ext>
+            </a:extLst>
+          </p:cNvPr>
+          <p:cNvSpPr txBox="1"/>
+          <p:nvPr/>
+        </p:nvSpPr>
+        <p:spPr>
+          <a:xfrm>
+            <a:off x="9138954" y="6090425"/>
+            <a:ext cx="2476753" cy="369332"/>
+          </a:xfrm>
+          <a:prstGeom prst="rect">
+            <a:avLst/>
+          </a:prstGeom>
+          <a:noFill/>
+        </p:spPr>
+        <p:txBody>
+          <a:bodyPr wrap="square" rtlCol="0">
+            <a:spAutoFit/>
+          </a:bodyPr>
+          <a:lstStyle/>
+          <a:p>
+            <a:r>
+              <a:rPr lang="ru-RU" dirty="0"/>
+              <a:t>Уведомления 2</a:t>
+            </a:r>
+          </a:p>
+        </p:txBody>
+      </p:sp>
+    </p:spTree>
+    <p:extLst>
+      <p:ext uri="{BB962C8B-B14F-4D97-AF65-F5344CB8AC3E}">
+        <p14:creationId xmlns:p14="http://schemas.microsoft.com/office/powerpoint/2010/main" val="2658038130"/>
+      </p:ext>
+    </p:extLst>
+  </p:cSld>
+  <p:clrMapOvr>
+    <a:overrideClrMapping bg1="lt1" tx1="dk1" bg2="lt2" tx2="dk2" accent1="accent1" accent2="accent2" accent3="accent3" accent4="accent4" accent5="accent5" accent6="accent6" hlink="hlink" folHlink="folHlink"/>
+  </p:clrMapOvr>
+</p:sld>
+</file>
+
+<file path=ppt/slides/slide7.xml><?xml version="1.0" encoding="utf-8"?>
+<p:sld xmlns:a="http://schemas.openxmlformats.org/drawingml/2006/main" xmlns:r="http://schemas.openxmlformats.org/officeDocument/2006/relationships" xmlns:p="http://schemas.openxmlformats.org/presentationml/2006/main">
+  <p:cSld>
+    <p:bg>
+      <p:bgPr>
+        <a:solidFill>
+          <a:schemeClr val="bg1"/>
+        </a:solidFill>
+        <a:effectLst/>
+      </p:bgPr>
+    </p:bg>
+    <p:spTree>
+      <p:nvGrpSpPr>
+        <p:cNvPr id="1" name=""/>
+        <p:cNvGrpSpPr/>
+        <p:nvPr/>
+      </p:nvGrpSpPr>
+      <p:grpSpPr>
+        <a:xfrm>
+          <a:off x="0" y="0"/>
+          <a:ext cx="0" cy="0"/>
+          <a:chOff x="0" y="0"/>
+          <a:chExt cx="0" cy="0"/>
+        </a:xfrm>
+      </p:grpSpPr>
+      <p:sp>
+        <p:nvSpPr>
+          <p:cNvPr id="10" name="Freeform 6">
+            <a:extLst>
+              <a:ext uri="{FF2B5EF4-FFF2-40B4-BE49-F238E27FC236}">
+                <a16:creationId xmlns:a16="http://schemas.microsoft.com/office/drawing/2014/main" id="{133F8CB7-795C-4272-9073-64D8CF97F220}"/>
+              </a:ext>
+              <a:ext uri="{C183D7F6-B498-43B3-948B-1728B52AA6E4}">
+                <adec:decorative xmlns:adec="http://schemas.microsoft.com/office/drawing/2017/decorative" val="1"/>
+              </a:ext>
+            </a:extLst>
+          </p:cNvPr>
+          <p:cNvSpPr>
+            <a:spLocks noGrp="1" noRot="1" noChangeAspect="1" noMove="1" noResize="1" noEditPoints="1" noAdjustHandles="1" noChangeArrowheads="1" noChangeShapeType="1" noTextEdit="1"/>
+          </p:cNvSpPr>
+          <p:nvPr>
+            <p:extLst>
+              <p:ext uri="{386F3935-93C4-4BCD-93E2-E3B085C9AB24}">
+                <p16:designElem xmlns:p16="http://schemas.microsoft.com/office/powerpoint/2015/main" val="1"/>
+              </p:ext>
+            </p:extLst>
+          </p:nvPr>
+        </p:nvSpPr>
+        <p:spPr bwMode="auto">
+          <a:xfrm>
+            <a:off x="0" y="-3175"/>
+            <a:ext cx="12192000" cy="5203825"/>
+          </a:xfrm>
+          <a:custGeom>
+            <a:avLst/>
+            <a:gdLst/>
+            <a:ahLst/>
+            <a:cxnLst/>
+            <a:rect l="0" t="0" r="r" b="b"/>
+            <a:pathLst>
+              <a:path w="5760" h="3278">
+                <a:moveTo>
+                  <a:pt x="5760" y="0"/>
+                </a:moveTo>
+                <a:lnTo>
+                  <a:pt x="0" y="0"/>
+                </a:lnTo>
+                <a:lnTo>
+                  <a:pt x="0" y="3090"/>
+                </a:lnTo>
+                <a:lnTo>
+                  <a:pt x="943" y="3090"/>
+                </a:lnTo>
+                <a:lnTo>
+                  <a:pt x="1123" y="3270"/>
+                </a:lnTo>
+                <a:lnTo>
+                  <a:pt x="1123" y="3270"/>
+                </a:lnTo>
+                <a:lnTo>
+                  <a:pt x="1127" y="3272"/>
+                </a:lnTo>
+                <a:lnTo>
+                  <a:pt x="1133" y="3275"/>
+                </a:lnTo>
+                <a:lnTo>
+                  <a:pt x="1139" y="3278"/>
+                </a:lnTo>
+                <a:lnTo>
+                  <a:pt x="1144" y="3278"/>
+                </a:lnTo>
+                <a:lnTo>
+                  <a:pt x="1150" y="3278"/>
+                </a:lnTo>
+                <a:lnTo>
+                  <a:pt x="1155" y="3275"/>
+                </a:lnTo>
+                <a:lnTo>
+                  <a:pt x="1161" y="3272"/>
+                </a:lnTo>
+                <a:lnTo>
+                  <a:pt x="1165" y="3270"/>
+                </a:lnTo>
+                <a:lnTo>
+                  <a:pt x="1345" y="3090"/>
+                </a:lnTo>
+                <a:lnTo>
+                  <a:pt x="5760" y="3090"/>
+                </a:lnTo>
+                <a:lnTo>
+                  <a:pt x="5760" y="0"/>
+                </a:lnTo>
+                <a:close/>
+              </a:path>
+            </a:pathLst>
+          </a:custGeom>
+          <a:ln/>
+          <a:effectLst/>
+          <a:extLst>
+            <a:ext uri="{91240B29-F687-4f45-9708-019B960494DF}">
+              <a14:hiddenLine xmlns="" xmlns:a16="http://schemas.microsoft.com/office/drawing/2014/main" xmlns:p14="http://schemas.microsoft.com/office/powerpoint/2010/main" xmlns:a14="http://schemas.microsoft.com/office/drawing/2010/main" w="9525">
+                <a:solidFill>
+                  <a:srgbClr val="000000"/>
+                </a:solidFill>
+                <a:round/>
+                <a:headEnd/>
+                <a:tailEnd/>
+              </a14:hiddenLine>
+            </a:ext>
+          </a:extLst>
+        </p:spPr>
+        <p:style>
+          <a:lnRef idx="1">
+            <a:schemeClr val="accent1"/>
+          </a:lnRef>
+          <a:fillRef idx="3">
+            <a:schemeClr val="accent1"/>
+          </a:fillRef>
+          <a:effectRef idx="2">
+            <a:schemeClr val="accent1"/>
+          </a:effectRef>
+          <a:fontRef idx="minor">
+            <a:schemeClr val="lt1"/>
+          </a:fontRef>
+        </p:style>
+      </p:sp>
+      <p:sp>
+        <p:nvSpPr>
+          <p:cNvPr id="12" name="Rectangle 11">
+            <a:extLst>
+              <a:ext uri="{FF2B5EF4-FFF2-40B4-BE49-F238E27FC236}">
+                <a16:creationId xmlns:a16="http://schemas.microsoft.com/office/drawing/2014/main" id="{B7743172-17A8-4FA4-8434-B813E03B7665}"/>
+              </a:ext>
+              <a:ext uri="{C183D7F6-B498-43B3-948B-1728B52AA6E4}">
+                <adec:decorative xmlns:adec="http://schemas.microsoft.com/office/drawing/2017/decorative" val="1"/>
+              </a:ext>
+            </a:extLst>
+          </p:cNvPr>
+          <p:cNvSpPr>
+            <a:spLocks noGrp="1" noRot="1" noChangeAspect="1" noMove="1" noResize="1" noEditPoints="1" noAdjustHandles="1" noChangeArrowheads="1" noChangeShapeType="1" noTextEdit="1"/>
+          </p:cNvSpPr>
+          <p:nvPr>
+            <p:extLst>
+              <p:ext uri="{386F3935-93C4-4BCD-93E2-E3B085C9AB24}">
+                <p16:designElem xmlns:p16="http://schemas.microsoft.com/office/powerpoint/2015/main" val="1"/>
+              </p:ext>
+            </p:extLst>
+          </p:nvPr>
+        </p:nvSpPr>
+        <p:spPr>
+          <a:xfrm>
+            <a:off x="0" y="0"/>
+            <a:ext cx="12192000" cy="6858000"/>
+          </a:xfrm>
+          <a:prstGeom prst="rect">
+            <a:avLst/>
+          </a:prstGeom>
+          <a:solidFill>
+            <a:schemeClr val="bg1"/>
+          </a:solidFill>
+          <a:ln>
+            <a:noFill/>
+          </a:ln>
+        </p:spPr>
+        <p:style>
+          <a:lnRef idx="2">
+            <a:schemeClr val="accent1">
+              <a:shade val="50000"/>
+            </a:schemeClr>
+          </a:lnRef>
+          <a:fillRef idx="1">
+            <a:schemeClr val="accent1"/>
+          </a:fillRef>
+          <a:effectRef idx="0">
+            <a:schemeClr val="accent1"/>
+          </a:effectRef>
+          <a:fontRef idx="minor">
+            <a:schemeClr val="lt1"/>
+          </a:fontRef>
+        </p:style>
+        <p:txBody>
+          <a:bodyPr rtlCol="0" anchor="ctr"/>
+          <a:lstStyle/>
+          <a:p>
+            <a:pPr algn="ctr"/>
+            <a:endParaRPr lang="en-US"/>
+          </a:p>
+        </p:txBody>
+      </p:sp>
+      <p:sp>
+        <p:nvSpPr>
+          <p:cNvPr id="14" name="Freeform 23">
+            <a:extLst>
+              <a:ext uri="{FF2B5EF4-FFF2-40B4-BE49-F238E27FC236}">
+                <a16:creationId xmlns:a16="http://schemas.microsoft.com/office/drawing/2014/main" id="{4CE1233C-FD2F-489E-BFDE-086F5FED6491}"/>
+              </a:ext>
+              <a:ext uri="{C183D7F6-B498-43B3-948B-1728B52AA6E4}">
+                <adec:decorative xmlns:adec="http://schemas.microsoft.com/office/drawing/2017/decorative" val="1"/>
+              </a:ext>
+            </a:extLst>
+          </p:cNvPr>
+          <p:cNvSpPr>
+            <a:spLocks noGrp="1" noRot="1" noChangeAspect="1" noMove="1" noResize="1" noEditPoints="1" noAdjustHandles="1" noChangeArrowheads="1" noChangeShapeType="1" noTextEdit="1"/>
+          </p:cNvSpPr>
+          <p:nvPr>
+            <p:extLst>
+              <p:ext uri="{386F3935-93C4-4BCD-93E2-E3B085C9AB24}">
+                <p16:designElem xmlns:p16="http://schemas.microsoft.com/office/powerpoint/2015/main" val="1"/>
+              </p:ext>
+            </p:extLst>
+          </p:nvPr>
+        </p:nvSpPr>
+        <p:spPr bwMode="white">
+          <a:xfrm>
+            <a:off x="0" y="0"/>
+            <a:ext cx="4637005" cy="6858000"/>
+          </a:xfrm>
+          <a:custGeom>
+            <a:avLst/>
+            <a:gdLst>
+              <a:gd name="connsiteX0" fmla="*/ 0 w 4637005"/>
+              <a:gd name="connsiteY0" fmla="*/ 0 h 6858000"/>
+              <a:gd name="connsiteX1" fmla="*/ 4637005 w 4637005"/>
+              <a:gd name="connsiteY1" fmla="*/ 0 h 6858000"/>
+              <a:gd name="connsiteX2" fmla="*/ 4637005 w 4637005"/>
+              <a:gd name="connsiteY2" fmla="*/ 1900238 h 6858000"/>
+              <a:gd name="connsiteX3" fmla="*/ 4266589 w 4637005"/>
+              <a:gd name="connsiteY3" fmla="*/ 2178050 h 6858000"/>
+              <a:gd name="connsiteX4" fmla="*/ 4262355 w 4637005"/>
+              <a:gd name="connsiteY4" fmla="*/ 2184400 h 6858000"/>
+              <a:gd name="connsiteX5" fmla="*/ 4256005 w 4637005"/>
+              <a:gd name="connsiteY5" fmla="*/ 2193925 h 6858000"/>
+              <a:gd name="connsiteX6" fmla="*/ 4249655 w 4637005"/>
+              <a:gd name="connsiteY6" fmla="*/ 2201863 h 6858000"/>
+              <a:gd name="connsiteX7" fmla="*/ 4249655 w 4637005"/>
+              <a:gd name="connsiteY7" fmla="*/ 2211388 h 6858000"/>
+              <a:gd name="connsiteX8" fmla="*/ 4249655 w 4637005"/>
+              <a:gd name="connsiteY8" fmla="*/ 2220913 h 6858000"/>
+              <a:gd name="connsiteX9" fmla="*/ 4256005 w 4637005"/>
+              <a:gd name="connsiteY9" fmla="*/ 2228850 h 6858000"/>
+              <a:gd name="connsiteX10" fmla="*/ 4262355 w 4637005"/>
+              <a:gd name="connsiteY10" fmla="*/ 2238375 h 6858000"/>
+              <a:gd name="connsiteX11" fmla="*/ 4266589 w 4637005"/>
+              <a:gd name="connsiteY11" fmla="*/ 2244725 h 6858000"/>
+              <a:gd name="connsiteX12" fmla="*/ 4637005 w 4637005"/>
+              <a:gd name="connsiteY12" fmla="*/ 2522538 h 6858000"/>
+              <a:gd name="connsiteX13" fmla="*/ 4637005 w 4637005"/>
+              <a:gd name="connsiteY13" fmla="*/ 6858000 h 6858000"/>
+              <a:gd name="connsiteX14" fmla="*/ 0 w 4637005"/>
+              <a:gd name="connsiteY14" fmla="*/ 6858000 h 6858000"/>
+            </a:gdLst>
+            <a:ahLst/>
+            <a:cxnLst>
+              <a:cxn ang="0">
+                <a:pos x="connsiteX0" y="connsiteY0"/>
+              </a:cxn>
+              <a:cxn ang="0">
+                <a:pos x="connsiteX1" y="connsiteY1"/>
+              </a:cxn>
+              <a:cxn ang="0">
+                <a:pos x="connsiteX2" y="connsiteY2"/>
+              </a:cxn>
+              <a:cxn ang="0">
+                <a:pos x="connsiteX3" y="connsiteY3"/>
+              </a:cxn>
+              <a:cxn ang="0">
+                <a:pos x="connsiteX4" y="connsiteY4"/>
+              </a:cxn>
+              <a:cxn ang="0">
+                <a:pos x="connsiteX5" y="connsiteY5"/>
+              </a:cxn>
+              <a:cxn ang="0">
+                <a:pos x="connsiteX6" y="connsiteY6"/>
+              </a:cxn>
+              <a:cxn ang="0">
+                <a:pos x="connsiteX7" y="connsiteY7"/>
+              </a:cxn>
+              <a:cxn ang="0">
+                <a:pos x="connsiteX8" y="connsiteY8"/>
+              </a:cxn>
+              <a:cxn ang="0">
+                <a:pos x="connsiteX9" y="connsiteY9"/>
+              </a:cxn>
+              <a:cxn ang="0">
+                <a:pos x="connsiteX10" y="connsiteY10"/>
+              </a:cxn>
+              <a:cxn ang="0">
+                <a:pos x="connsiteX11" y="connsiteY11"/>
+              </a:cxn>
+              <a:cxn ang="0">
+                <a:pos x="connsiteX12" y="connsiteY12"/>
+              </a:cxn>
+              <a:cxn ang="0">
+                <a:pos x="connsiteX13" y="connsiteY13"/>
+              </a:cxn>
+              <a:cxn ang="0">
+                <a:pos x="connsiteX14" y="connsiteY14"/>
+              </a:cxn>
+            </a:cxnLst>
+            <a:rect l="l" t="t" r="r" b="b"/>
+            <a:pathLst>
+              <a:path w="4637005" h="6858000">
+                <a:moveTo>
+                  <a:pt x="0" y="0"/>
+                </a:moveTo>
+                <a:lnTo>
+                  <a:pt x="4637005" y="0"/>
+                </a:lnTo>
+                <a:lnTo>
+                  <a:pt x="4637005" y="1900238"/>
+                </a:lnTo>
+                <a:lnTo>
+                  <a:pt x="4266589" y="2178050"/>
+                </a:lnTo>
+                <a:lnTo>
+                  <a:pt x="4262355" y="2184400"/>
+                </a:lnTo>
+                <a:lnTo>
+                  <a:pt x="4256005" y="2193925"/>
+                </a:lnTo>
+                <a:lnTo>
+                  <a:pt x="4249655" y="2201863"/>
+                </a:lnTo>
+                <a:lnTo>
+                  <a:pt x="4249655" y="2211388"/>
+                </a:lnTo>
+                <a:lnTo>
+                  <a:pt x="4249655" y="2220913"/>
+                </a:lnTo>
+                <a:lnTo>
+                  <a:pt x="4256005" y="2228850"/>
+                </a:lnTo>
+                <a:lnTo>
+                  <a:pt x="4262355" y="2238375"/>
+                </a:lnTo>
+                <a:lnTo>
+                  <a:pt x="4266589" y="2244725"/>
+                </a:lnTo>
+                <a:lnTo>
+                  <a:pt x="4637005" y="2522538"/>
+                </a:lnTo>
+                <a:lnTo>
+                  <a:pt x="4637005" y="6858000"/>
+                </a:lnTo>
+                <a:lnTo>
+                  <a:pt x="0" y="6858000"/>
+                </a:lnTo>
+                <a:close/>
+              </a:path>
+            </a:pathLst>
+          </a:custGeom>
+          <a:blipFill>
+            <a:blip r:embed="rId2">
+              <a:duotone>
+                <a:schemeClr val="accent1">
+                  <a:tint val="98000"/>
+                  <a:lumMod val="102000"/>
+                </a:schemeClr>
+                <a:schemeClr val="accent1">
+                  <a:shade val="98000"/>
+                  <a:lumMod val="98000"/>
+                </a:schemeClr>
+              </a:duotone>
+            </a:blip>
+            <a:tile tx="0" ty="0" sx="100000" sy="100000" flip="none" algn="tl"/>
+          </a:blipFill>
+          <a:ln>
+            <a:headEnd/>
+            <a:tailEnd/>
+          </a:ln>
+        </p:spPr>
+        <p:style>
+          <a:lnRef idx="1">
+            <a:schemeClr val="accent1"/>
+          </a:lnRef>
+          <a:fillRef idx="3">
+            <a:schemeClr val="accent1"/>
+          </a:fillRef>
+          <a:effectRef idx="2">
+            <a:schemeClr val="accent1"/>
+          </a:effectRef>
+          <a:fontRef idx="minor">
+            <a:schemeClr val="lt1"/>
+          </a:fontRef>
+        </p:style>
+        <p:txBody>
+          <a:bodyPr wrap="square" rtlCol="0" anchor="ctr">
+            <a:noAutofit/>
+          </a:bodyPr>
+          <a:lstStyle/>
+          <a:p>
+            <a:pPr algn="ctr"/>
+            <a:endParaRPr lang="en-US"/>
+          </a:p>
+        </p:txBody>
+      </p:sp>
+      <p:sp>
+        <p:nvSpPr>
+          <p:cNvPr id="2" name="Заголовок 1">
+            <a:extLst>
+              <a:ext uri="{FF2B5EF4-FFF2-40B4-BE49-F238E27FC236}">
+                <a16:creationId xmlns:a16="http://schemas.microsoft.com/office/drawing/2014/main" id="{960B8D28-EF26-244E-8309-D6ED3990BC04}"/>
+              </a:ext>
+            </a:extLst>
+          </p:cNvPr>
+          <p:cNvSpPr>
+            <a:spLocks noGrp="1"/>
+          </p:cNvSpPr>
+          <p:nvPr>
+            <p:ph type="title"/>
+          </p:nvPr>
+        </p:nvSpPr>
+        <p:spPr>
+          <a:xfrm>
+            <a:off x="451514" y="1800225"/>
+            <a:ext cx="3444211" cy="4241136"/>
+          </a:xfrm>
+        </p:spPr>
+        <p:txBody>
+          <a:bodyPr vert="horz" lIns="91440" tIns="45720" rIns="91440" bIns="45720" rtlCol="0" anchor="t">
+            <a:normAutofit/>
+          </a:bodyPr>
+          <a:lstStyle/>
+          <a:p>
+            <a:r>
+              <a:rPr lang="ru-RU" sz="2800" dirty="0"/>
+              <a:t>Уведомления, при нажатии выделяются так же как на макетном экране</a:t>
+            </a:r>
+            <a:endParaRPr lang="en-US" sz="2800" dirty="0"/>
+          </a:p>
+        </p:txBody>
+      </p:sp>
+      <p:pic>
+        <p:nvPicPr>
+          <p:cNvPr id="5" name="Объект 4" descr="Изображение выглядит как текст&#10;&#10;Автоматически созданное описание">
+            <a:extLst>
+              <a:ext uri="{FF2B5EF4-FFF2-40B4-BE49-F238E27FC236}">
+                <a16:creationId xmlns:a16="http://schemas.microsoft.com/office/drawing/2014/main" id="{DCD77226-452B-0348-9AF6-7B0BBA77C4F5}"/>
+              </a:ext>
+            </a:extLst>
+          </p:cNvPr>
+          <p:cNvPicPr>
+            <a:picLocks noGrp="1" noChangeAspect="1"/>
+          </p:cNvPicPr>
+          <p:nvPr>
+            <p:ph idx="1"/>
+          </p:nvPr>
+        </p:nvPicPr>
+        <p:blipFill>
+          <a:blip r:embed="rId3"/>
+          <a:stretch>
+            <a:fillRect/>
+          </a:stretch>
+        </p:blipFill>
+        <p:spPr>
+          <a:xfrm>
+            <a:off x="8858333" y="582909"/>
+            <a:ext cx="2469538" cy="5397897"/>
+          </a:xfrm>
+          <a:prstGeom prst="roundRect">
+            <a:avLst>
+              <a:gd name="adj" fmla="val 3876"/>
+            </a:avLst>
+          </a:prstGeom>
+          <a:ln>
+            <a:solidFill>
+              <a:schemeClr val="accent1"/>
+            </a:solidFill>
+          </a:ln>
+          <a:effectLst/>
+        </p:spPr>
+      </p:pic>
+      <p:pic>
+        <p:nvPicPr>
+          <p:cNvPr id="9" name="Объект 4" descr="Изображение выглядит как текст&#10;&#10;Автоматически созданное описание">
+            <a:extLst>
+              <a:ext uri="{FF2B5EF4-FFF2-40B4-BE49-F238E27FC236}">
+                <a16:creationId xmlns:a16="http://schemas.microsoft.com/office/drawing/2014/main" id="{00BF74E4-FC83-D74E-AB62-12EF7590D40F}"/>
+              </a:ext>
+            </a:extLst>
+          </p:cNvPr>
+          <p:cNvPicPr>
+            <a:picLocks noChangeAspect="1"/>
+          </p:cNvPicPr>
+          <p:nvPr/>
+        </p:nvPicPr>
+        <p:blipFill>
+          <a:blip r:embed="rId4"/>
+          <a:stretch>
+            <a:fillRect/>
+          </a:stretch>
+        </p:blipFill>
+        <p:spPr>
+          <a:xfrm>
+            <a:off x="5500801" y="631428"/>
+            <a:ext cx="2496526" cy="5397897"/>
+          </a:xfrm>
+          <a:prstGeom prst="roundRect">
+            <a:avLst>
+              <a:gd name="adj" fmla="val 3876"/>
+            </a:avLst>
+          </a:prstGeom>
+          <a:ln>
+            <a:solidFill>
+              <a:schemeClr val="accent1"/>
+            </a:solidFill>
+          </a:ln>
+          <a:effectLst/>
+        </p:spPr>
+      </p:pic>
+      <p:sp>
+        <p:nvSpPr>
+          <p:cNvPr id="11" name="TextBox 10">
+            <a:extLst>
+              <a:ext uri="{FF2B5EF4-FFF2-40B4-BE49-F238E27FC236}">
+                <a16:creationId xmlns:a16="http://schemas.microsoft.com/office/drawing/2014/main" id="{F5C90FAD-3F0F-B048-8649-B6EA5A8BF22C}"/>
+              </a:ext>
+            </a:extLst>
+          </p:cNvPr>
+          <p:cNvSpPr txBox="1"/>
+          <p:nvPr/>
+        </p:nvSpPr>
+        <p:spPr>
+          <a:xfrm>
+            <a:off x="5780966" y="6074330"/>
+            <a:ext cx="2476753" cy="369332"/>
+          </a:xfrm>
+          <a:prstGeom prst="rect">
+            <a:avLst/>
+          </a:prstGeom>
+          <a:noFill/>
+        </p:spPr>
+        <p:txBody>
+          <a:bodyPr wrap="square" rtlCol="0">
+            <a:spAutoFit/>
+          </a:bodyPr>
+          <a:lstStyle/>
+          <a:p>
+            <a:r>
+              <a:rPr lang="ru-RU" dirty="0"/>
+              <a:t>Уведомления 1</a:t>
+            </a:r>
+          </a:p>
+        </p:txBody>
+      </p:sp>
+      <p:sp>
+        <p:nvSpPr>
+          <p:cNvPr id="15" name="TextBox 14">
+            <a:extLst>
+              <a:ext uri="{FF2B5EF4-FFF2-40B4-BE49-F238E27FC236}">
+                <a16:creationId xmlns:a16="http://schemas.microsoft.com/office/drawing/2014/main" id="{8AE6323A-EB0F-D841-A8B4-DE08C1F68766}"/>
+              </a:ext>
+            </a:extLst>
+          </p:cNvPr>
+          <p:cNvSpPr txBox="1"/>
+          <p:nvPr/>
+        </p:nvSpPr>
+        <p:spPr>
+          <a:xfrm>
+            <a:off x="9138954" y="6090425"/>
+            <a:ext cx="2476753" cy="369332"/>
+          </a:xfrm>
+          <a:prstGeom prst="rect">
+            <a:avLst/>
+          </a:prstGeom>
+          <a:noFill/>
+        </p:spPr>
+        <p:txBody>
+          <a:bodyPr wrap="square" rtlCol="0">
+            <a:spAutoFit/>
+          </a:bodyPr>
+          <a:lstStyle/>
+          <a:p>
+            <a:r>
+              <a:rPr lang="ru-RU" dirty="0"/>
+              <a:t>Уведомления 2</a:t>
+            </a:r>
+          </a:p>
+        </p:txBody>
+      </p:sp>
+    </p:spTree>
+    <p:extLst>
+      <p:ext uri="{BB962C8B-B14F-4D97-AF65-F5344CB8AC3E}">
+        <p14:creationId xmlns:p14="http://schemas.microsoft.com/office/powerpoint/2010/main" val="3947026393"/>
+      </p:ext>
+    </p:extLst>
+  </p:cSld>
+  <p:clrMapOvr>
+    <a:overrideClrMapping bg1="lt1" tx1="dk1" bg2="lt2" tx2="dk2" accent1="accent1" accent2="accent2" accent3="accent3" accent4="accent4" accent5="accent5" accent6="accent6" hlink="hlink" folHlink="folHlink"/>
+  </p:clrMapOvr>
+</p:sld>
+</file>
+
+<file path=ppt/slides/slide8.xml><?xml version="1.0" encoding="utf-8"?>
+<p:sld xmlns:a="http://schemas.openxmlformats.org/drawingml/2006/main" xmlns:r="http://schemas.openxmlformats.org/officeDocument/2006/relationships" xmlns:p="http://schemas.openxmlformats.org/presentationml/2006/main">
+  <p:cSld>
+    <p:bg>
+      <p:bgPr>
+        <a:solidFill>
+          <a:schemeClr val="bg1"/>
+        </a:solidFill>
+        <a:effectLst/>
+      </p:bgPr>
+    </p:bg>
+    <p:spTree>
+      <p:nvGrpSpPr>
+        <p:cNvPr id="1" name=""/>
+        <p:cNvGrpSpPr/>
+        <p:nvPr/>
+      </p:nvGrpSpPr>
+      <p:grpSpPr>
+        <a:xfrm>
+          <a:off x="0" y="0"/>
+          <a:ext cx="0" cy="0"/>
+          <a:chOff x="0" y="0"/>
+          <a:chExt cx="0" cy="0"/>
+        </a:xfrm>
+      </p:grpSpPr>
+      <p:sp>
+        <p:nvSpPr>
+          <p:cNvPr id="10" name="Freeform 6">
+            <a:extLst>
+              <a:ext uri="{FF2B5EF4-FFF2-40B4-BE49-F238E27FC236}">
+                <a16:creationId xmlns:a16="http://schemas.microsoft.com/office/drawing/2014/main" id="{133F8CB7-795C-4272-9073-64D8CF97F220}"/>
+              </a:ext>
+              <a:ext uri="{C183D7F6-B498-43B3-948B-1728B52AA6E4}">
+                <adec:decorative xmlns:adec="http://schemas.microsoft.com/office/drawing/2017/decorative" val="1"/>
+              </a:ext>
+            </a:extLst>
+          </p:cNvPr>
+          <p:cNvSpPr>
+            <a:spLocks noGrp="1" noRot="1" noChangeAspect="1" noMove="1" noResize="1" noEditPoints="1" noAdjustHandles="1" noChangeArrowheads="1" noChangeShapeType="1" noTextEdit="1"/>
+          </p:cNvSpPr>
+          <p:nvPr>
+            <p:extLst>
+              <p:ext uri="{386F3935-93C4-4BCD-93E2-E3B085C9AB24}">
+                <p16:designElem xmlns:p16="http://schemas.microsoft.com/office/powerpoint/2015/main" val="1"/>
+              </p:ext>
+            </p:extLst>
+          </p:nvPr>
+        </p:nvSpPr>
+        <p:spPr bwMode="auto">
+          <a:xfrm>
+            <a:off x="0" y="-3175"/>
+            <a:ext cx="12192000" cy="5203825"/>
+          </a:xfrm>
+          <a:custGeom>
+            <a:avLst/>
+            <a:gdLst/>
+            <a:ahLst/>
+            <a:cxnLst/>
+            <a:rect l="0" t="0" r="r" b="b"/>
+            <a:pathLst>
+              <a:path w="5760" h="3278">
+                <a:moveTo>
+                  <a:pt x="5760" y="0"/>
+                </a:moveTo>
+                <a:lnTo>
+                  <a:pt x="0" y="0"/>
+                </a:lnTo>
+                <a:lnTo>
+                  <a:pt x="0" y="3090"/>
+                </a:lnTo>
+                <a:lnTo>
+                  <a:pt x="943" y="3090"/>
+                </a:lnTo>
+                <a:lnTo>
+                  <a:pt x="1123" y="3270"/>
+                </a:lnTo>
+                <a:lnTo>
+                  <a:pt x="1123" y="3270"/>
+                </a:lnTo>
+                <a:lnTo>
+                  <a:pt x="1127" y="3272"/>
+                </a:lnTo>
+                <a:lnTo>
+                  <a:pt x="1133" y="3275"/>
+                </a:lnTo>
+                <a:lnTo>
+                  <a:pt x="1139" y="3278"/>
+                </a:lnTo>
+                <a:lnTo>
+                  <a:pt x="1144" y="3278"/>
+                </a:lnTo>
+                <a:lnTo>
+                  <a:pt x="1150" y="3278"/>
+                </a:lnTo>
+                <a:lnTo>
+                  <a:pt x="1155" y="3275"/>
+                </a:lnTo>
+                <a:lnTo>
+                  <a:pt x="1161" y="3272"/>
+                </a:lnTo>
+                <a:lnTo>
+                  <a:pt x="1165" y="3270"/>
+                </a:lnTo>
+                <a:lnTo>
+                  <a:pt x="1345" y="3090"/>
+                </a:lnTo>
+                <a:lnTo>
+                  <a:pt x="5760" y="3090"/>
+                </a:lnTo>
+                <a:lnTo>
+                  <a:pt x="5760" y="0"/>
+                </a:lnTo>
+                <a:close/>
+              </a:path>
+            </a:pathLst>
+          </a:custGeom>
+          <a:ln/>
+          <a:effectLst/>
+          <a:extLst>
+            <a:ext uri="{91240B29-F687-4f45-9708-019B960494DF}">
+              <a14:hiddenLine xmlns="" xmlns:a16="http://schemas.microsoft.com/office/drawing/2014/main" xmlns:p14="http://schemas.microsoft.com/office/powerpoint/2010/main" xmlns:a14="http://schemas.microsoft.com/office/drawing/2010/main" w="9525">
+                <a:solidFill>
+                  <a:srgbClr val="000000"/>
+                </a:solidFill>
+                <a:round/>
+                <a:headEnd/>
+                <a:tailEnd/>
+              </a14:hiddenLine>
+            </a:ext>
+          </a:extLst>
+        </p:spPr>
+        <p:style>
+          <a:lnRef idx="1">
+            <a:schemeClr val="accent1"/>
+          </a:lnRef>
+          <a:fillRef idx="3">
+            <a:schemeClr val="accent1"/>
+          </a:fillRef>
+          <a:effectRef idx="2">
+            <a:schemeClr val="accent1"/>
+          </a:effectRef>
+          <a:fontRef idx="minor">
+            <a:schemeClr val="lt1"/>
+          </a:fontRef>
+        </p:style>
+      </p:sp>
+      <p:sp>
+        <p:nvSpPr>
+          <p:cNvPr id="12" name="Rectangle 11">
+            <a:extLst>
+              <a:ext uri="{FF2B5EF4-FFF2-40B4-BE49-F238E27FC236}">
+                <a16:creationId xmlns:a16="http://schemas.microsoft.com/office/drawing/2014/main" id="{B7743172-17A8-4FA4-8434-B813E03B7665}"/>
+              </a:ext>
+              <a:ext uri="{C183D7F6-B498-43B3-948B-1728B52AA6E4}">
+                <adec:decorative xmlns:adec="http://schemas.microsoft.com/office/drawing/2017/decorative" val="1"/>
+              </a:ext>
+            </a:extLst>
+          </p:cNvPr>
+          <p:cNvSpPr>
+            <a:spLocks noGrp="1" noRot="1" noChangeAspect="1" noMove="1" noResize="1" noEditPoints="1" noAdjustHandles="1" noChangeArrowheads="1" noChangeShapeType="1" noTextEdit="1"/>
+          </p:cNvSpPr>
+          <p:nvPr>
+            <p:extLst>
+              <p:ext uri="{386F3935-93C4-4BCD-93E2-E3B085C9AB24}">
+                <p16:designElem xmlns:p16="http://schemas.microsoft.com/office/powerpoint/2015/main" val="1"/>
+              </p:ext>
+            </p:extLst>
+          </p:nvPr>
+        </p:nvSpPr>
+        <p:spPr>
+          <a:xfrm>
+            <a:off x="0" y="0"/>
+            <a:ext cx="12192000" cy="6858000"/>
+          </a:xfrm>
+          <a:prstGeom prst="rect">
+            <a:avLst/>
+          </a:prstGeom>
+          <a:solidFill>
+            <a:schemeClr val="bg1"/>
+          </a:solidFill>
+          <a:ln>
+            <a:noFill/>
+          </a:ln>
+        </p:spPr>
+        <p:style>
+          <a:lnRef idx="2">
+            <a:schemeClr val="accent1">
+              <a:shade val="50000"/>
+            </a:schemeClr>
+          </a:lnRef>
+          <a:fillRef idx="1">
+            <a:schemeClr val="accent1"/>
+          </a:fillRef>
+          <a:effectRef idx="0">
+            <a:schemeClr val="accent1"/>
+          </a:effectRef>
+          <a:fontRef idx="minor">
+            <a:schemeClr val="lt1"/>
+          </a:fontRef>
+        </p:style>
+        <p:txBody>
+          <a:bodyPr rtlCol="0" anchor="ctr"/>
+          <a:lstStyle/>
+          <a:p>
+            <a:pPr algn="ctr"/>
+            <a:endParaRPr lang="en-US"/>
+          </a:p>
+        </p:txBody>
+      </p:sp>
+      <p:sp>
+        <p:nvSpPr>
+          <p:cNvPr id="14" name="Freeform 23">
+            <a:extLst>
+              <a:ext uri="{FF2B5EF4-FFF2-40B4-BE49-F238E27FC236}">
+                <a16:creationId xmlns:a16="http://schemas.microsoft.com/office/drawing/2014/main" id="{4CE1233C-FD2F-489E-BFDE-086F5FED6491}"/>
+              </a:ext>
+              <a:ext uri="{C183D7F6-B498-43B3-948B-1728B52AA6E4}">
+                <adec:decorative xmlns:adec="http://schemas.microsoft.com/office/drawing/2017/decorative" val="1"/>
+              </a:ext>
+            </a:extLst>
+          </p:cNvPr>
+          <p:cNvSpPr>
+            <a:spLocks noGrp="1" noRot="1" noChangeAspect="1" noMove="1" noResize="1" noEditPoints="1" noAdjustHandles="1" noChangeArrowheads="1" noChangeShapeType="1" noTextEdit="1"/>
+          </p:cNvSpPr>
+          <p:nvPr>
+            <p:extLst>
+              <p:ext uri="{386F3935-93C4-4BCD-93E2-E3B085C9AB24}">
+                <p16:designElem xmlns:p16="http://schemas.microsoft.com/office/powerpoint/2015/main" val="1"/>
+              </p:ext>
+            </p:extLst>
+          </p:nvPr>
+        </p:nvSpPr>
+        <p:spPr bwMode="white">
+          <a:xfrm>
+            <a:off x="0" y="0"/>
+            <a:ext cx="4637005" cy="6858000"/>
+          </a:xfrm>
+          <a:custGeom>
+            <a:avLst/>
+            <a:gdLst>
+              <a:gd name="connsiteX0" fmla="*/ 0 w 4637005"/>
+              <a:gd name="connsiteY0" fmla="*/ 0 h 6858000"/>
+              <a:gd name="connsiteX1" fmla="*/ 4637005 w 4637005"/>
+              <a:gd name="connsiteY1" fmla="*/ 0 h 6858000"/>
+              <a:gd name="connsiteX2" fmla="*/ 4637005 w 4637005"/>
+              <a:gd name="connsiteY2" fmla="*/ 1900238 h 6858000"/>
+              <a:gd name="connsiteX3" fmla="*/ 4266589 w 4637005"/>
+              <a:gd name="connsiteY3" fmla="*/ 2178050 h 6858000"/>
+              <a:gd name="connsiteX4" fmla="*/ 4262355 w 4637005"/>
+              <a:gd name="connsiteY4" fmla="*/ 2184400 h 6858000"/>
+              <a:gd name="connsiteX5" fmla="*/ 4256005 w 4637005"/>
+              <a:gd name="connsiteY5" fmla="*/ 2193925 h 6858000"/>
+              <a:gd name="connsiteX6" fmla="*/ 4249655 w 4637005"/>
+              <a:gd name="connsiteY6" fmla="*/ 2201863 h 6858000"/>
+              <a:gd name="connsiteX7" fmla="*/ 4249655 w 4637005"/>
+              <a:gd name="connsiteY7" fmla="*/ 2211388 h 6858000"/>
+              <a:gd name="connsiteX8" fmla="*/ 4249655 w 4637005"/>
+              <a:gd name="connsiteY8" fmla="*/ 2220913 h 6858000"/>
+              <a:gd name="connsiteX9" fmla="*/ 4256005 w 4637005"/>
+              <a:gd name="connsiteY9" fmla="*/ 2228850 h 6858000"/>
+              <a:gd name="connsiteX10" fmla="*/ 4262355 w 4637005"/>
+              <a:gd name="connsiteY10" fmla="*/ 2238375 h 6858000"/>
+              <a:gd name="connsiteX11" fmla="*/ 4266589 w 4637005"/>
+              <a:gd name="connsiteY11" fmla="*/ 2244725 h 6858000"/>
+              <a:gd name="connsiteX12" fmla="*/ 4637005 w 4637005"/>
+              <a:gd name="connsiteY12" fmla="*/ 2522538 h 6858000"/>
+              <a:gd name="connsiteX13" fmla="*/ 4637005 w 4637005"/>
+              <a:gd name="connsiteY13" fmla="*/ 6858000 h 6858000"/>
+              <a:gd name="connsiteX14" fmla="*/ 0 w 4637005"/>
+              <a:gd name="connsiteY14" fmla="*/ 6858000 h 6858000"/>
+            </a:gdLst>
+            <a:ahLst/>
+            <a:cxnLst>
+              <a:cxn ang="0">
+                <a:pos x="connsiteX0" y="connsiteY0"/>
+              </a:cxn>
+              <a:cxn ang="0">
+                <a:pos x="connsiteX1" y="connsiteY1"/>
+              </a:cxn>
+              <a:cxn ang="0">
+                <a:pos x="connsiteX2" y="connsiteY2"/>
+              </a:cxn>
+              <a:cxn ang="0">
+                <a:pos x="connsiteX3" y="connsiteY3"/>
+              </a:cxn>
+              <a:cxn ang="0">
+                <a:pos x="connsiteX4" y="connsiteY4"/>
+              </a:cxn>
+              <a:cxn ang="0">
+                <a:pos x="connsiteX5" y="connsiteY5"/>
+              </a:cxn>
+              <a:cxn ang="0">
+                <a:pos x="connsiteX6" y="connsiteY6"/>
+              </a:cxn>
+              <a:cxn ang="0">
+                <a:pos x="connsiteX7" y="connsiteY7"/>
+              </a:cxn>
+              <a:cxn ang="0">
+                <a:pos x="connsiteX8" y="connsiteY8"/>
+              </a:cxn>
+              <a:cxn ang="0">
+                <a:pos x="connsiteX9" y="connsiteY9"/>
+              </a:cxn>
+              <a:cxn ang="0">
+                <a:pos x="connsiteX10" y="connsiteY10"/>
+              </a:cxn>
+              <a:cxn ang="0">
+                <a:pos x="connsiteX11" y="connsiteY11"/>
+              </a:cxn>
+              <a:cxn ang="0">
+                <a:pos x="connsiteX12" y="connsiteY12"/>
+              </a:cxn>
+              <a:cxn ang="0">
+                <a:pos x="connsiteX13" y="connsiteY13"/>
+              </a:cxn>
+              <a:cxn ang="0">
+                <a:pos x="connsiteX14" y="connsiteY14"/>
+              </a:cxn>
+            </a:cxnLst>
+            <a:rect l="l" t="t" r="r" b="b"/>
+            <a:pathLst>
+              <a:path w="4637005" h="6858000">
+                <a:moveTo>
+                  <a:pt x="0" y="0"/>
+                </a:moveTo>
+                <a:lnTo>
+                  <a:pt x="4637005" y="0"/>
+                </a:lnTo>
+                <a:lnTo>
+                  <a:pt x="4637005" y="1900238"/>
+                </a:lnTo>
+                <a:lnTo>
+                  <a:pt x="4266589" y="2178050"/>
+                </a:lnTo>
+                <a:lnTo>
+                  <a:pt x="4262355" y="2184400"/>
+                </a:lnTo>
+                <a:lnTo>
+                  <a:pt x="4256005" y="2193925"/>
+                </a:lnTo>
+                <a:lnTo>
+                  <a:pt x="4249655" y="2201863"/>
+                </a:lnTo>
+                <a:lnTo>
+                  <a:pt x="4249655" y="2211388"/>
+                </a:lnTo>
+                <a:lnTo>
+                  <a:pt x="4249655" y="2220913"/>
+                </a:lnTo>
+                <a:lnTo>
+                  <a:pt x="4256005" y="2228850"/>
+                </a:lnTo>
+                <a:lnTo>
+                  <a:pt x="4262355" y="2238375"/>
+                </a:lnTo>
+                <a:lnTo>
+                  <a:pt x="4266589" y="2244725"/>
+                </a:lnTo>
+                <a:lnTo>
+                  <a:pt x="4637005" y="2522538"/>
+                </a:lnTo>
+                <a:lnTo>
+                  <a:pt x="4637005" y="6858000"/>
+                </a:lnTo>
+                <a:lnTo>
+                  <a:pt x="0" y="6858000"/>
+                </a:lnTo>
+                <a:close/>
+              </a:path>
+            </a:pathLst>
+          </a:custGeom>
+          <a:blipFill>
+            <a:blip r:embed="rId2">
+              <a:duotone>
+                <a:schemeClr val="accent1">
+                  <a:tint val="98000"/>
+                  <a:lumMod val="102000"/>
+                </a:schemeClr>
+                <a:schemeClr val="accent1">
+                  <a:shade val="98000"/>
+                  <a:lumMod val="98000"/>
+                </a:schemeClr>
+              </a:duotone>
+            </a:blip>
+            <a:tile tx="0" ty="0" sx="100000" sy="100000" flip="none" algn="tl"/>
+          </a:blipFill>
+          <a:ln>
+            <a:headEnd/>
+            <a:tailEnd/>
+          </a:ln>
+        </p:spPr>
+        <p:style>
+          <a:lnRef idx="1">
+            <a:schemeClr val="accent1"/>
+          </a:lnRef>
+          <a:fillRef idx="3">
+            <a:schemeClr val="accent1"/>
+          </a:fillRef>
+          <a:effectRef idx="2">
+            <a:schemeClr val="accent1"/>
+          </a:effectRef>
+          <a:fontRef idx="minor">
+            <a:schemeClr val="lt1"/>
+          </a:fontRef>
+        </p:style>
+        <p:txBody>
+          <a:bodyPr wrap="square" rtlCol="0" anchor="ctr">
+            <a:noAutofit/>
+          </a:bodyPr>
+          <a:lstStyle/>
+          <a:p>
+            <a:pPr algn="ctr"/>
+            <a:endParaRPr lang="en-US"/>
+          </a:p>
+        </p:txBody>
+      </p:sp>
+      <p:sp>
+        <p:nvSpPr>
+          <p:cNvPr id="2" name="Заголовок 1">
+            <a:extLst>
+              <a:ext uri="{FF2B5EF4-FFF2-40B4-BE49-F238E27FC236}">
+                <a16:creationId xmlns:a16="http://schemas.microsoft.com/office/drawing/2014/main" id="{0AE43486-FC31-1146-8E5D-EA61B132873B}"/>
+              </a:ext>
+            </a:extLst>
+          </p:cNvPr>
+          <p:cNvSpPr>
+            <a:spLocks noGrp="1"/>
+          </p:cNvSpPr>
+          <p:nvPr>
+            <p:ph type="title"/>
+          </p:nvPr>
+        </p:nvSpPr>
+        <p:spPr>
+          <a:xfrm>
+            <a:off x="216127" y="553943"/>
+            <a:ext cx="4204749" cy="4241136"/>
+          </a:xfrm>
+        </p:spPr>
+        <p:txBody>
+          <a:bodyPr vert="horz" lIns="91440" tIns="45720" rIns="91440" bIns="45720" rtlCol="0" anchor="t">
+            <a:normAutofit fontScale="90000"/>
+          </a:bodyPr>
+          <a:lstStyle/>
+          <a:p>
+            <a:r>
+              <a:rPr lang="ru-RU" sz="2800" dirty="0"/>
+              <a:t>Карта 1 – это экран из задания</a:t>
+            </a:r>
+            <a:br>
+              <a:rPr lang="ru-RU" sz="2800" dirty="0"/>
+            </a:br>
+            <a:br>
+              <a:rPr lang="ru-RU" sz="2800" dirty="0"/>
+            </a:br>
+            <a:r>
+              <a:rPr lang="ru-RU" sz="2800" dirty="0"/>
+              <a:t>Карта 2 – это экран созданный мною</a:t>
+            </a:r>
+            <a:br>
+              <a:rPr lang="ru-RU" sz="2800" dirty="0"/>
+            </a:br>
+            <a:br>
+              <a:rPr lang="ru-RU" sz="2800" dirty="0"/>
+            </a:br>
+            <a:r>
+              <a:rPr lang="ru-RU" sz="2800" dirty="0"/>
+              <a:t>На экране Карта 2 по заданию реализована карта с определением текущего местоположения, создан </a:t>
+            </a:r>
+            <a:r>
+              <a:rPr lang="ru-RU" sz="2800" dirty="0" err="1"/>
+              <a:t>скролл</a:t>
+            </a:r>
+            <a:r>
+              <a:rPr lang="ru-RU" sz="2800" dirty="0"/>
+              <a:t> по недавним запросам и поиск городов</a:t>
+            </a:r>
+            <a:endParaRPr lang="en-US" sz="2800" dirty="0"/>
+          </a:p>
+        </p:txBody>
+      </p:sp>
+      <p:pic>
+        <p:nvPicPr>
+          <p:cNvPr id="5" name="Объект 4">
+            <a:extLst>
+              <a:ext uri="{FF2B5EF4-FFF2-40B4-BE49-F238E27FC236}">
+                <a16:creationId xmlns:a16="http://schemas.microsoft.com/office/drawing/2014/main" id="{BA6C4A17-BD3A-2042-8EEA-88CE16B6C27E}"/>
+              </a:ext>
+            </a:extLst>
+          </p:cNvPr>
+          <p:cNvPicPr>
+            <a:picLocks noGrp="1" noChangeAspect="1"/>
+          </p:cNvPicPr>
+          <p:nvPr>
+            <p:ph idx="1"/>
+          </p:nvPr>
+        </p:nvPicPr>
+        <p:blipFill>
+          <a:blip r:embed="rId3"/>
+          <a:stretch>
+            <a:fillRect/>
+          </a:stretch>
+        </p:blipFill>
+        <p:spPr>
+          <a:xfrm>
+            <a:off x="9067878" y="631427"/>
+            <a:ext cx="2496526" cy="5397897"/>
+          </a:xfrm>
+          <a:prstGeom prst="roundRect">
+            <a:avLst>
+              <a:gd name="adj" fmla="val 3876"/>
+            </a:avLst>
+          </a:prstGeom>
+          <a:ln>
+            <a:solidFill>
+              <a:schemeClr val="accent1"/>
+            </a:solidFill>
+          </a:ln>
+          <a:effectLst/>
+        </p:spPr>
+      </p:pic>
+      <p:pic>
+        <p:nvPicPr>
+          <p:cNvPr id="9" name="Объект 4" descr="Изображение выглядит как карта&#10;&#10;Автоматически созданное описание">
+            <a:extLst>
+              <a:ext uri="{FF2B5EF4-FFF2-40B4-BE49-F238E27FC236}">
+                <a16:creationId xmlns:a16="http://schemas.microsoft.com/office/drawing/2014/main" id="{BC55A09A-B8BB-C646-AEE9-0D28C000CAE8}"/>
+              </a:ext>
+            </a:extLst>
+          </p:cNvPr>
+          <p:cNvPicPr>
+            <a:picLocks noChangeAspect="1"/>
+          </p:cNvPicPr>
+          <p:nvPr/>
+        </p:nvPicPr>
+        <p:blipFill>
+          <a:blip r:embed="rId4"/>
+          <a:stretch>
+            <a:fillRect/>
+          </a:stretch>
+        </p:blipFill>
+        <p:spPr>
+          <a:xfrm>
+            <a:off x="5624421" y="631428"/>
+            <a:ext cx="2456041" cy="5397897"/>
+          </a:xfrm>
+          <a:prstGeom prst="roundRect">
+            <a:avLst>
+              <a:gd name="adj" fmla="val 3876"/>
+            </a:avLst>
+          </a:prstGeom>
+          <a:ln>
+            <a:solidFill>
+              <a:schemeClr val="accent1"/>
+            </a:solidFill>
+          </a:ln>
+          <a:effectLst/>
+        </p:spPr>
+      </p:pic>
+      <p:sp>
+        <p:nvSpPr>
+          <p:cNvPr id="11" name="TextBox 10">
+            <a:extLst>
+              <a:ext uri="{FF2B5EF4-FFF2-40B4-BE49-F238E27FC236}">
+                <a16:creationId xmlns:a16="http://schemas.microsoft.com/office/drawing/2014/main" id="{CDDB9470-95D6-9043-842F-9B694375FC9C}"/>
+              </a:ext>
+            </a:extLst>
+          </p:cNvPr>
+          <p:cNvSpPr txBox="1"/>
+          <p:nvPr/>
+        </p:nvSpPr>
+        <p:spPr>
+          <a:xfrm>
+            <a:off x="6006236" y="6151412"/>
+            <a:ext cx="1503809" cy="461665"/>
+          </a:xfrm>
+          <a:prstGeom prst="rect">
+            <a:avLst/>
+          </a:prstGeom>
+          <a:noFill/>
+        </p:spPr>
+        <p:txBody>
+          <a:bodyPr wrap="square" rtlCol="0">
+            <a:spAutoFit/>
+          </a:bodyPr>
+          <a:lstStyle/>
+          <a:p>
+            <a:r>
+              <a:rPr lang="ru-RU" sz="2400" dirty="0"/>
+              <a:t>Карта 1</a:t>
+            </a:r>
+          </a:p>
+        </p:txBody>
+      </p:sp>
+      <p:sp>
+        <p:nvSpPr>
+          <p:cNvPr id="13" name="TextBox 12">
+            <a:extLst>
+              <a:ext uri="{FF2B5EF4-FFF2-40B4-BE49-F238E27FC236}">
+                <a16:creationId xmlns:a16="http://schemas.microsoft.com/office/drawing/2014/main" id="{EB579B96-B74C-C64C-9A93-D8D2BC561A56}"/>
+              </a:ext>
+            </a:extLst>
+          </p:cNvPr>
+          <p:cNvSpPr txBox="1"/>
+          <p:nvPr/>
+        </p:nvSpPr>
+        <p:spPr>
+          <a:xfrm>
+            <a:off x="9564236" y="6168472"/>
+            <a:ext cx="1503809" cy="461665"/>
+          </a:xfrm>
+          <a:prstGeom prst="rect">
+            <a:avLst/>
+          </a:prstGeom>
+          <a:noFill/>
+        </p:spPr>
+        <p:txBody>
+          <a:bodyPr wrap="square" rtlCol="0">
+            <a:spAutoFit/>
+          </a:bodyPr>
+          <a:lstStyle/>
+          <a:p>
+            <a:r>
+              <a:rPr lang="ru-RU" sz="2400" dirty="0"/>
+              <a:t>Карта 2</a:t>
+            </a:r>
+          </a:p>
+        </p:txBody>
+      </p:sp>
+    </p:spTree>
+    <p:extLst>
+      <p:ext uri="{BB962C8B-B14F-4D97-AF65-F5344CB8AC3E}">
+        <p14:creationId xmlns:p14="http://schemas.microsoft.com/office/powerpoint/2010/main" val="2821444704"/>
+      </p:ext>
+    </p:extLst>
+  </p:cSld>
+  <p:clrMapOvr>
+    <a:overrideClrMapping bg1="lt1" tx1="dk1" bg2="lt2" tx2="dk2" accent1="accent1" accent2="accent2" accent3="accent3" accent4="accent4" accent5="accent5" accent6="accent6" hlink="hlink" folHlink="folHlink"/>
+  </p:clrMapOvr>
+</p:sld>
+</file>
+
+<file path=ppt/slides/slide9.xml><?xml version="1.0" encoding="utf-8"?>
+<p:sld xmlns:a="http://schemas.openxmlformats.org/drawingml/2006/main" xmlns:r="http://schemas.openxmlformats.org/officeDocument/2006/relationships" xmlns:p="http://schemas.openxmlformats.org/presentationml/2006/main">
+  <p:cSld>
+    <p:bg>
+      <p:bgPr>
+        <a:solidFill>
+          <a:schemeClr val="bg1"/>
+        </a:solidFill>
+        <a:effectLst/>
+      </p:bgPr>
+    </p:bg>
+    <p:spTree>
+      <p:nvGrpSpPr>
+        <p:cNvPr id="1" name=""/>
+        <p:cNvGrpSpPr/>
+        <p:nvPr/>
+      </p:nvGrpSpPr>
+      <p:grpSpPr>
+        <a:xfrm>
+          <a:off x="0" y="0"/>
+          <a:ext cx="0" cy="0"/>
+          <a:chOff x="0" y="0"/>
+          <a:chExt cx="0" cy="0"/>
+        </a:xfrm>
+      </p:grpSpPr>
+      <p:sp>
+        <p:nvSpPr>
+          <p:cNvPr id="10" name="Freeform 6">
+            <a:extLst>
+              <a:ext uri="{FF2B5EF4-FFF2-40B4-BE49-F238E27FC236}">
+                <a16:creationId xmlns:a16="http://schemas.microsoft.com/office/drawing/2014/main" id="{133F8CB7-795C-4272-9073-64D8CF97F220}"/>
+              </a:ext>
+              <a:ext uri="{C183D7F6-B498-43B3-948B-1728B52AA6E4}">
+                <adec:decorative xmlns:adec="http://schemas.microsoft.com/office/drawing/2017/decorative" val="1"/>
+              </a:ext>
+            </a:extLst>
+          </p:cNvPr>
+          <p:cNvSpPr>
+            <a:spLocks noGrp="1" noRot="1" noChangeAspect="1" noMove="1" noResize="1" noEditPoints="1" noAdjustHandles="1" noChangeArrowheads="1" noChangeShapeType="1" noTextEdit="1"/>
+          </p:cNvSpPr>
+          <p:nvPr>
+            <p:extLst>
+              <p:ext uri="{386F3935-93C4-4BCD-93E2-E3B085C9AB24}">
+                <p16:designElem xmlns:p16="http://schemas.microsoft.com/office/powerpoint/2015/main" val="1"/>
+              </p:ext>
+            </p:extLst>
+          </p:nvPr>
+        </p:nvSpPr>
+        <p:spPr bwMode="auto">
+          <a:xfrm>
+            <a:off x="0" y="-3175"/>
+            <a:ext cx="12192000" cy="5203825"/>
+          </a:xfrm>
+          <a:custGeom>
+            <a:avLst/>
+            <a:gdLst/>
+            <a:ahLst/>
+            <a:cxnLst/>
+            <a:rect l="0" t="0" r="r" b="b"/>
+            <a:pathLst>
+              <a:path w="5760" h="3278">
+                <a:moveTo>
+                  <a:pt x="5760" y="0"/>
+                </a:moveTo>
+                <a:lnTo>
+                  <a:pt x="0" y="0"/>
+                </a:lnTo>
+                <a:lnTo>
+                  <a:pt x="0" y="3090"/>
+                </a:lnTo>
+                <a:lnTo>
+                  <a:pt x="943" y="3090"/>
+                </a:lnTo>
+                <a:lnTo>
+                  <a:pt x="1123" y="3270"/>
+                </a:lnTo>
+                <a:lnTo>
+                  <a:pt x="1123" y="3270"/>
+                </a:lnTo>
+                <a:lnTo>
+                  <a:pt x="1127" y="3272"/>
+                </a:lnTo>
+                <a:lnTo>
+                  <a:pt x="1133" y="3275"/>
+                </a:lnTo>
+                <a:lnTo>
+                  <a:pt x="1139" y="3278"/>
+                </a:lnTo>
+                <a:lnTo>
+                  <a:pt x="1144" y="3278"/>
+                </a:lnTo>
+                <a:lnTo>
+                  <a:pt x="1150" y="3278"/>
+                </a:lnTo>
+                <a:lnTo>
+                  <a:pt x="1155" y="3275"/>
+                </a:lnTo>
+                <a:lnTo>
+                  <a:pt x="1161" y="3272"/>
+                </a:lnTo>
+                <a:lnTo>
+                  <a:pt x="1165" y="3270"/>
+                </a:lnTo>
+                <a:lnTo>
+                  <a:pt x="1345" y="3090"/>
+                </a:lnTo>
+                <a:lnTo>
+                  <a:pt x="5760" y="3090"/>
+                </a:lnTo>
+                <a:lnTo>
+                  <a:pt x="5760" y="0"/>
+                </a:lnTo>
+                <a:close/>
+              </a:path>
+            </a:pathLst>
+          </a:custGeom>
+          <a:ln/>
+          <a:effectLst/>
+          <a:extLst>
+            <a:ext uri="{91240B29-F687-4f45-9708-019B960494DF}">
+              <a14:hiddenLine xmlns="" xmlns:a16="http://schemas.microsoft.com/office/drawing/2014/main" xmlns:p14="http://schemas.microsoft.com/office/powerpoint/2010/main" xmlns:a14="http://schemas.microsoft.com/office/drawing/2010/main" w="9525">
+                <a:solidFill>
+                  <a:srgbClr val="000000"/>
+                </a:solidFill>
+                <a:round/>
+                <a:headEnd/>
+                <a:tailEnd/>
+              </a14:hiddenLine>
+            </a:ext>
+          </a:extLst>
+        </p:spPr>
+        <p:style>
+          <a:lnRef idx="1">
+            <a:schemeClr val="accent1"/>
+          </a:lnRef>
+          <a:fillRef idx="3">
+            <a:schemeClr val="accent1"/>
+          </a:fillRef>
+          <a:effectRef idx="2">
+            <a:schemeClr val="accent1"/>
+          </a:effectRef>
+          <a:fontRef idx="minor">
+            <a:schemeClr val="lt1"/>
+          </a:fontRef>
+        </p:style>
+      </p:sp>
+      <p:sp>
+        <p:nvSpPr>
+          <p:cNvPr id="12" name="Rectangle 11">
+            <a:extLst>
+              <a:ext uri="{FF2B5EF4-FFF2-40B4-BE49-F238E27FC236}">
+                <a16:creationId xmlns:a16="http://schemas.microsoft.com/office/drawing/2014/main" id="{B7743172-17A8-4FA4-8434-B813E03B7665}"/>
+              </a:ext>
+              <a:ext uri="{C183D7F6-B498-43B3-948B-1728B52AA6E4}">
+                <adec:decorative xmlns:adec="http://schemas.microsoft.com/office/drawing/2017/decorative" val="1"/>
+              </a:ext>
+            </a:extLst>
+          </p:cNvPr>
+          <p:cNvSpPr>
+            <a:spLocks noGrp="1" noRot="1" noChangeAspect="1" noMove="1" noResize="1" noEditPoints="1" noAdjustHandles="1" noChangeArrowheads="1" noChangeShapeType="1" noTextEdit="1"/>
+          </p:cNvSpPr>
+          <p:nvPr>
+            <p:extLst>
+              <p:ext uri="{386F3935-93C4-4BCD-93E2-E3B085C9AB24}">
+                <p16:designElem xmlns:p16="http://schemas.microsoft.com/office/powerpoint/2015/main" val="1"/>
+              </p:ext>
+            </p:extLst>
+          </p:nvPr>
+        </p:nvSpPr>
+        <p:spPr>
+          <a:xfrm>
+            <a:off x="0" y="0"/>
+            <a:ext cx="12192000" cy="6858000"/>
+          </a:xfrm>
+          <a:prstGeom prst="rect">
+            <a:avLst/>
+          </a:prstGeom>
+          <a:solidFill>
+            <a:schemeClr val="bg1"/>
+          </a:solidFill>
+          <a:ln>
+            <a:noFill/>
+          </a:ln>
+        </p:spPr>
+        <p:style>
+          <a:lnRef idx="2">
+            <a:schemeClr val="accent1">
+              <a:shade val="50000"/>
+            </a:schemeClr>
+          </a:lnRef>
+          <a:fillRef idx="1">
+            <a:schemeClr val="accent1"/>
+          </a:fillRef>
+          <a:effectRef idx="0">
+            <a:schemeClr val="accent1"/>
+          </a:effectRef>
+          <a:fontRef idx="minor">
+            <a:schemeClr val="lt1"/>
+          </a:fontRef>
+        </p:style>
+        <p:txBody>
+          <a:bodyPr rtlCol="0" anchor="ctr"/>
+          <a:lstStyle/>
+          <a:p>
+            <a:pPr algn="ctr"/>
+            <a:endParaRPr lang="en-US"/>
+          </a:p>
+        </p:txBody>
+      </p:sp>
+      <p:sp>
+        <p:nvSpPr>
+          <p:cNvPr id="14" name="Freeform 23">
+            <a:extLst>
+              <a:ext uri="{FF2B5EF4-FFF2-40B4-BE49-F238E27FC236}">
+                <a16:creationId xmlns:a16="http://schemas.microsoft.com/office/drawing/2014/main" id="{4CE1233C-FD2F-489E-BFDE-086F5FED6491}"/>
+              </a:ext>
+              <a:ext uri="{C183D7F6-B498-43B3-948B-1728B52AA6E4}">
+                <adec:decorative xmlns:adec="http://schemas.microsoft.com/office/drawing/2017/decorative" val="1"/>
+              </a:ext>
+            </a:extLst>
+          </p:cNvPr>
+          <p:cNvSpPr>
+            <a:spLocks noGrp="1" noRot="1" noChangeAspect="1" noMove="1" noResize="1" noEditPoints="1" noAdjustHandles="1" noChangeArrowheads="1" noChangeShapeType="1" noTextEdit="1"/>
+          </p:cNvSpPr>
+          <p:nvPr>
+            <p:extLst>
+              <p:ext uri="{386F3935-93C4-4BCD-93E2-E3B085C9AB24}">
+                <p16:designElem xmlns:p16="http://schemas.microsoft.com/office/powerpoint/2015/main" val="1"/>
+              </p:ext>
+            </p:extLst>
+          </p:nvPr>
+        </p:nvSpPr>
+        <p:spPr bwMode="white">
+          <a:xfrm>
+            <a:off x="0" y="0"/>
+            <a:ext cx="4637005" cy="6858000"/>
+          </a:xfrm>
+          <a:custGeom>
+            <a:avLst/>
+            <a:gdLst>
+              <a:gd name="connsiteX0" fmla="*/ 0 w 4637005"/>
+              <a:gd name="connsiteY0" fmla="*/ 0 h 6858000"/>
+              <a:gd name="connsiteX1" fmla="*/ 4637005 w 4637005"/>
+              <a:gd name="connsiteY1" fmla="*/ 0 h 6858000"/>
+              <a:gd name="connsiteX2" fmla="*/ 4637005 w 4637005"/>
+              <a:gd name="connsiteY2" fmla="*/ 1900238 h 6858000"/>
+              <a:gd name="connsiteX3" fmla="*/ 4266589 w 4637005"/>
+              <a:gd name="connsiteY3" fmla="*/ 2178050 h 6858000"/>
+              <a:gd name="connsiteX4" fmla="*/ 4262355 w 4637005"/>
+              <a:gd name="connsiteY4" fmla="*/ 2184400 h 6858000"/>
+              <a:gd name="connsiteX5" fmla="*/ 4256005 w 4637005"/>
+              <a:gd name="connsiteY5" fmla="*/ 2193925 h 6858000"/>
+              <a:gd name="connsiteX6" fmla="*/ 4249655 w 4637005"/>
+              <a:gd name="connsiteY6" fmla="*/ 2201863 h 6858000"/>
+              <a:gd name="connsiteX7" fmla="*/ 4249655 w 4637005"/>
+              <a:gd name="connsiteY7" fmla="*/ 2211388 h 6858000"/>
+              <a:gd name="connsiteX8" fmla="*/ 4249655 w 4637005"/>
+              <a:gd name="connsiteY8" fmla="*/ 2220913 h 6858000"/>
+              <a:gd name="connsiteX9" fmla="*/ 4256005 w 4637005"/>
+              <a:gd name="connsiteY9" fmla="*/ 2228850 h 6858000"/>
+              <a:gd name="connsiteX10" fmla="*/ 4262355 w 4637005"/>
+              <a:gd name="connsiteY10" fmla="*/ 2238375 h 6858000"/>
+              <a:gd name="connsiteX11" fmla="*/ 4266589 w 4637005"/>
+              <a:gd name="connsiteY11" fmla="*/ 2244725 h 6858000"/>
+              <a:gd name="connsiteX12" fmla="*/ 4637005 w 4637005"/>
+              <a:gd name="connsiteY12" fmla="*/ 2522538 h 6858000"/>
+              <a:gd name="connsiteX13" fmla="*/ 4637005 w 4637005"/>
+              <a:gd name="connsiteY13" fmla="*/ 6858000 h 6858000"/>
+              <a:gd name="connsiteX14" fmla="*/ 0 w 4637005"/>
+              <a:gd name="connsiteY14" fmla="*/ 6858000 h 6858000"/>
+            </a:gdLst>
+            <a:ahLst/>
+            <a:cxnLst>
+              <a:cxn ang="0">
+                <a:pos x="connsiteX0" y="connsiteY0"/>
+              </a:cxn>
+              <a:cxn ang="0">
+                <a:pos x="connsiteX1" y="connsiteY1"/>
+              </a:cxn>
+              <a:cxn ang="0">
+                <a:pos x="connsiteX2" y="connsiteY2"/>
+              </a:cxn>
+              <a:cxn ang="0">
+                <a:pos x="connsiteX3" y="connsiteY3"/>
+              </a:cxn>
+              <a:cxn ang="0">
+                <a:pos x="connsiteX4" y="connsiteY4"/>
+              </a:cxn>
+              <a:cxn ang="0">
+                <a:pos x="connsiteX5" y="connsiteY5"/>
+              </a:cxn>
+              <a:cxn ang="0">
+                <a:pos x="connsiteX6" y="connsiteY6"/>
+              </a:cxn>
+              <a:cxn ang="0">
+                <a:pos x="connsiteX7" y="connsiteY7"/>
+              </a:cxn>
+              <a:cxn ang="0">
+                <a:pos x="connsiteX8" y="connsiteY8"/>
+              </a:cxn>
+              <a:cxn ang="0">
+                <a:pos x="connsiteX9" y="connsiteY9"/>
+              </a:cxn>
+              <a:cxn ang="0">
+                <a:pos x="connsiteX10" y="connsiteY10"/>
+              </a:cxn>
+              <a:cxn ang="0">
+                <a:pos x="connsiteX11" y="connsiteY11"/>
+              </a:cxn>
+              <a:cxn ang="0">
+                <a:pos x="connsiteX12" y="connsiteY12"/>
+              </a:cxn>
+              <a:cxn ang="0">
+                <a:pos x="connsiteX13" y="connsiteY13"/>
+              </a:cxn>
+              <a:cxn ang="0">
+                <a:pos x="connsiteX14" y="connsiteY14"/>
+              </a:cxn>
+            </a:cxnLst>
+            <a:rect l="l" t="t" r="r" b="b"/>
+            <a:pathLst>
+              <a:path w="4637005" h="6858000">
+                <a:moveTo>
+                  <a:pt x="0" y="0"/>
+                </a:moveTo>
+                <a:lnTo>
+                  <a:pt x="4637005" y="0"/>
+                </a:lnTo>
+                <a:lnTo>
+                  <a:pt x="4637005" y="1900238"/>
+                </a:lnTo>
+                <a:lnTo>
+                  <a:pt x="4266589" y="2178050"/>
+                </a:lnTo>
+                <a:lnTo>
+                  <a:pt x="4262355" y="2184400"/>
+                </a:lnTo>
+                <a:lnTo>
+                  <a:pt x="4256005" y="2193925"/>
+                </a:lnTo>
+                <a:lnTo>
+                  <a:pt x="4249655" y="2201863"/>
+                </a:lnTo>
+                <a:lnTo>
+                  <a:pt x="4249655" y="2211388"/>
+                </a:lnTo>
+                <a:lnTo>
+                  <a:pt x="4249655" y="2220913"/>
+                </a:lnTo>
+                <a:lnTo>
+                  <a:pt x="4256005" y="2228850"/>
+                </a:lnTo>
+                <a:lnTo>
+                  <a:pt x="4262355" y="2238375"/>
+                </a:lnTo>
+                <a:lnTo>
+                  <a:pt x="4266589" y="2244725"/>
+                </a:lnTo>
+                <a:lnTo>
+                  <a:pt x="4637005" y="2522538"/>
+                </a:lnTo>
+                <a:lnTo>
+                  <a:pt x="4637005" y="6858000"/>
+                </a:lnTo>
+                <a:lnTo>
+                  <a:pt x="0" y="6858000"/>
+                </a:lnTo>
+                <a:close/>
+              </a:path>
+            </a:pathLst>
+          </a:custGeom>
+          <a:blipFill>
+            <a:blip r:embed="rId2">
+              <a:duotone>
+                <a:schemeClr val="accent1">
+                  <a:tint val="98000"/>
+                  <a:lumMod val="102000"/>
+                </a:schemeClr>
+                <a:schemeClr val="accent1">
+                  <a:shade val="98000"/>
+                  <a:lumMod val="98000"/>
+                </a:schemeClr>
+              </a:duotone>
+            </a:blip>
+            <a:tile tx="0" ty="0" sx="100000" sy="100000" flip="none" algn="tl"/>
+          </a:blipFill>
+          <a:ln>
+            <a:headEnd/>
+            <a:tailEnd/>
+          </a:ln>
+        </p:spPr>
+        <p:style>
+          <a:lnRef idx="1">
+            <a:schemeClr val="accent1"/>
+          </a:lnRef>
+          <a:fillRef idx="3">
+            <a:schemeClr val="accent1"/>
+          </a:fillRef>
+          <a:effectRef idx="2">
+            <a:schemeClr val="accent1"/>
+          </a:effectRef>
+          <a:fontRef idx="minor">
+            <a:schemeClr val="lt1"/>
+          </a:fontRef>
+        </p:style>
+        <p:txBody>
+          <a:bodyPr wrap="square" rtlCol="0" anchor="ctr">
+            <a:noAutofit/>
+          </a:bodyPr>
+          <a:lstStyle/>
+          <a:p>
+            <a:pPr algn="ctr"/>
+            <a:endParaRPr lang="en-US"/>
+          </a:p>
+        </p:txBody>
+      </p:sp>
+      <p:sp>
+        <p:nvSpPr>
+          <p:cNvPr id="2" name="Заголовок 1">
+            <a:extLst>
+              <a:ext uri="{FF2B5EF4-FFF2-40B4-BE49-F238E27FC236}">
+                <a16:creationId xmlns:a16="http://schemas.microsoft.com/office/drawing/2014/main" id="{346D217C-A293-F444-827C-7509E2C6CC3A}"/>
+              </a:ext>
+            </a:extLst>
+          </p:cNvPr>
+          <p:cNvSpPr>
+            <a:spLocks noGrp="1"/>
+          </p:cNvSpPr>
+          <p:nvPr>
+            <p:ph type="title"/>
+          </p:nvPr>
+        </p:nvSpPr>
+        <p:spPr>
+          <a:xfrm>
+            <a:off x="308676" y="478169"/>
+            <a:ext cx="4116542" cy="4241136"/>
+          </a:xfrm>
+        </p:spPr>
+        <p:txBody>
+          <a:bodyPr vert="horz" lIns="91440" tIns="45720" rIns="91440" bIns="45720" rtlCol="0" anchor="t">
+            <a:noAutofit/>
+          </a:bodyPr>
+          <a:lstStyle/>
+          <a:p>
+            <a:r>
+              <a:rPr lang="ru-RU" sz="2000" dirty="0"/>
+              <a:t>Подробности 1 – это экран из задания</a:t>
+            </a:r>
+            <a:br>
+              <a:rPr lang="ru-RU" sz="2000" dirty="0"/>
+            </a:br>
+            <a:br>
+              <a:rPr lang="ru-RU" sz="2000" dirty="0"/>
+            </a:br>
+            <a:r>
+              <a:rPr lang="ru-RU" sz="2000" dirty="0"/>
+              <a:t>Подробности 2 – это экран созданный мною</a:t>
+            </a:r>
+            <a:br>
+              <a:rPr lang="ru-RU" sz="2000" dirty="0"/>
+            </a:br>
+            <a:br>
+              <a:rPr lang="ru-RU" sz="2000" dirty="0"/>
+            </a:br>
+            <a:r>
+              <a:rPr lang="ru-RU" sz="2000" dirty="0"/>
+              <a:t>Есть визуальные различия в размерах шрифтов и картинок, это произошло из-за особенности макета</a:t>
+            </a:r>
+            <a:br>
+              <a:rPr lang="ru-RU" sz="2000" dirty="0"/>
+            </a:br>
+            <a:br>
+              <a:rPr lang="ru-RU" sz="2000" dirty="0"/>
+            </a:br>
+            <a:r>
+              <a:rPr lang="ru-RU" sz="2000" dirty="0"/>
+              <a:t>На экране Подробности 2 по заданию реализован </a:t>
+            </a:r>
+            <a:r>
+              <a:rPr lang="ru-RU" sz="2000" dirty="0" err="1"/>
+              <a:t>скролл</a:t>
+            </a:r>
+            <a:r>
+              <a:rPr lang="ru-RU" sz="2000" dirty="0"/>
+              <a:t> отображающий погоду на 2 дня вперед и погода на сегодняшний день по часам от 15:00 до 19:00</a:t>
+            </a:r>
+            <a:endParaRPr lang="en-US" sz="2000" dirty="0"/>
+          </a:p>
+        </p:txBody>
+      </p:sp>
+      <p:pic>
+        <p:nvPicPr>
+          <p:cNvPr id="5" name="Объект 4">
+            <a:extLst>
+              <a:ext uri="{FF2B5EF4-FFF2-40B4-BE49-F238E27FC236}">
+                <a16:creationId xmlns:a16="http://schemas.microsoft.com/office/drawing/2014/main" id="{7F7230A1-3B82-F24B-A94F-93CA41E681BA}"/>
+              </a:ext>
+            </a:extLst>
+          </p:cNvPr>
+          <p:cNvPicPr>
+            <a:picLocks noGrp="1" noChangeAspect="1"/>
+          </p:cNvPicPr>
+          <p:nvPr>
+            <p:ph idx="1"/>
+          </p:nvPr>
+        </p:nvPicPr>
+        <p:blipFill>
+          <a:blip r:embed="rId3"/>
+          <a:stretch>
+            <a:fillRect/>
+          </a:stretch>
+        </p:blipFill>
+        <p:spPr>
+          <a:xfrm>
+            <a:off x="9213734" y="643464"/>
+            <a:ext cx="2483032" cy="5397897"/>
+          </a:xfrm>
+          <a:prstGeom prst="roundRect">
+            <a:avLst>
+              <a:gd name="adj" fmla="val 3876"/>
+            </a:avLst>
+          </a:prstGeom>
+          <a:ln>
+            <a:solidFill>
+              <a:schemeClr val="accent1"/>
+            </a:solidFill>
+          </a:ln>
+          <a:effectLst/>
+        </p:spPr>
+      </p:pic>
+      <p:pic>
+        <p:nvPicPr>
+          <p:cNvPr id="11" name="Объект 4">
+            <a:extLst>
+              <a:ext uri="{FF2B5EF4-FFF2-40B4-BE49-F238E27FC236}">
+                <a16:creationId xmlns:a16="http://schemas.microsoft.com/office/drawing/2014/main" id="{03B73561-1BAB-6647-B5B6-6AB81BDCB792}"/>
+              </a:ext>
+            </a:extLst>
+          </p:cNvPr>
+          <p:cNvPicPr>
+            <a:picLocks noChangeAspect="1"/>
+          </p:cNvPicPr>
+          <p:nvPr/>
+        </p:nvPicPr>
+        <p:blipFill>
+          <a:blip r:embed="rId4"/>
+          <a:stretch>
+            <a:fillRect/>
+          </a:stretch>
+        </p:blipFill>
+        <p:spPr>
+          <a:xfrm>
+            <a:off x="5834956" y="628098"/>
+            <a:ext cx="2469538" cy="5397897"/>
+          </a:xfrm>
+          <a:prstGeom prst="roundRect">
+            <a:avLst>
+              <a:gd name="adj" fmla="val 3876"/>
+            </a:avLst>
+          </a:prstGeom>
+          <a:ln>
+            <a:solidFill>
+              <a:schemeClr val="accent1"/>
+            </a:solidFill>
+          </a:ln>
+          <a:effectLst/>
+        </p:spPr>
+      </p:pic>
+      <p:sp>
+        <p:nvSpPr>
+          <p:cNvPr id="16" name="TextBox 15">
+            <a:extLst>
+              <a:ext uri="{FF2B5EF4-FFF2-40B4-BE49-F238E27FC236}">
+                <a16:creationId xmlns:a16="http://schemas.microsoft.com/office/drawing/2014/main" id="{946DE74B-D70F-5C43-BD33-150AFE32BC7F}"/>
+              </a:ext>
+            </a:extLst>
+          </p:cNvPr>
+          <p:cNvSpPr txBox="1"/>
+          <p:nvPr/>
+        </p:nvSpPr>
+        <p:spPr>
+          <a:xfrm>
+            <a:off x="5834956" y="6080758"/>
+            <a:ext cx="2642273" cy="461665"/>
+          </a:xfrm>
+          <a:prstGeom prst="rect">
+            <a:avLst/>
+          </a:prstGeom>
+          <a:noFill/>
+        </p:spPr>
+        <p:txBody>
+          <a:bodyPr wrap="square" rtlCol="0">
+            <a:spAutoFit/>
+          </a:bodyPr>
+          <a:lstStyle/>
+          <a:p>
+            <a:r>
+              <a:rPr lang="ru-RU" sz="2400" dirty="0"/>
+              <a:t>Подробности 1</a:t>
+            </a:r>
+          </a:p>
+        </p:txBody>
+      </p:sp>
+      <p:sp>
+        <p:nvSpPr>
+          <p:cNvPr id="17" name="TextBox 16">
+            <a:extLst>
+              <a:ext uri="{FF2B5EF4-FFF2-40B4-BE49-F238E27FC236}">
+                <a16:creationId xmlns:a16="http://schemas.microsoft.com/office/drawing/2014/main" id="{F4218DD8-1A4F-A44D-91C2-B0C2F8A7517D}"/>
+              </a:ext>
+            </a:extLst>
+          </p:cNvPr>
+          <p:cNvSpPr txBox="1"/>
+          <p:nvPr/>
+        </p:nvSpPr>
+        <p:spPr>
+          <a:xfrm>
+            <a:off x="9213734" y="6080758"/>
+            <a:ext cx="2642273" cy="461665"/>
+          </a:xfrm>
+          <a:prstGeom prst="rect">
+            <a:avLst/>
+          </a:prstGeom>
+          <a:noFill/>
+        </p:spPr>
+        <p:txBody>
+          <a:bodyPr wrap="square" rtlCol="0">
+            <a:spAutoFit/>
+          </a:bodyPr>
+          <a:lstStyle/>
+          <a:p>
+            <a:r>
+              <a:rPr lang="ru-RU" sz="2400" dirty="0"/>
+              <a:t>Подробности 2</a:t>
+            </a:r>
+          </a:p>
+        </p:txBody>
+      </p:sp>
+      <p:pic>
+        <p:nvPicPr>
+          <p:cNvPr id="8" name="Рисунок 7">
+            <a:extLst>
+              <a:ext uri="{FF2B5EF4-FFF2-40B4-BE49-F238E27FC236}">
+                <a16:creationId xmlns:a16="http://schemas.microsoft.com/office/drawing/2014/main" id="{A49CE6F0-F04A-EF45-81CE-F04796976243}"/>
+              </a:ext>
+            </a:extLst>
+          </p:cNvPr>
+          <p:cNvPicPr>
+            <a:picLocks noChangeAspect="1"/>
+          </p:cNvPicPr>
+          <p:nvPr/>
+        </p:nvPicPr>
+        <p:blipFill>
+          <a:blip r:embed="rId5"/>
+          <a:stretch>
+            <a:fillRect/>
+          </a:stretch>
+        </p:blipFill>
+        <p:spPr>
+          <a:xfrm>
+            <a:off x="11426787" y="3467998"/>
+            <a:ext cx="160133" cy="1820768"/>
+          </a:xfrm>
+          <a:prstGeom prst="rect">
+            <a:avLst/>
+          </a:prstGeom>
+          <a:effectLst>
+            <a:softEdge rad="25400"/>
+          </a:effectLst>
+        </p:spPr>
+      </p:pic>
+    </p:spTree>
+    <p:extLst>
+      <p:ext uri="{BB962C8B-B14F-4D97-AF65-F5344CB8AC3E}">
+        <p14:creationId xmlns:p14="http://schemas.microsoft.com/office/powerpoint/2010/main" val="2163146374"/>
       </p:ext>
     </p:extLst>
   </p:cSld>
